--- a/W23 Rubric Item Data/Poster.pptx
+++ b/W23 Rubric Item Data/Poster.pptx
@@ -1,6 +1,6 @@
 
 <file path=ppt/presentation.xml><?xml version="1.0" encoding="utf-8"?>
-<p:presentation xmlns:a="http://schemas.openxmlformats.org/drawingml/2006/main" xmlns:r="http://schemas.openxmlformats.org/officeDocument/2006/relationships" xmlns:p="http://schemas.openxmlformats.org/presentationml/2006/main" removePersonalInfoOnSave="1" saveSubsetFonts="1">
+<p:presentation xmlns:a="http://schemas.openxmlformats.org/drawingml/2006/main" xmlns:r="http://schemas.openxmlformats.org/officeDocument/2006/relationships" xmlns:p="http://schemas.openxmlformats.org/presentationml/2006/main" saveSubsetFonts="1">
   <p:sldMasterIdLst>
     <p:sldMasterId id="2147483672" r:id="rId1"/>
   </p:sldMasterIdLst>
@@ -112,6 +112,301 @@
 </p:presentation>
 </file>
 
+<file path=ppt/authors.xml><?xml version="1.0" encoding="utf-8"?>
+<p188:authorLst xmlns:a="http://schemas.openxmlformats.org/drawingml/2006/main" xmlns:r="http://schemas.openxmlformats.org/officeDocument/2006/relationships" xmlns:p188="http://schemas.microsoft.com/office/powerpoint/2018/8/main">
+  <p188:author id="{454DFD8A-50BE-47CD-C47A-78D8C0E9F1E2}" name="Sydney Wood" initials="SW" userId="2eb19ff15cf06bf2" providerId="Windows Live"/>
+</p188:authorLst>
+</file>
+
+<file path=ppt/revisionInfo.xml><?xml version="1.0" encoding="utf-8"?>
+<p1510:revInfo xmlns:a="http://schemas.openxmlformats.org/drawingml/2006/main" xmlns:r="http://schemas.openxmlformats.org/officeDocument/2006/relationships" xmlns:p1510="http://schemas.microsoft.com/office/powerpoint/2015/10/main">
+  <p1510:revLst>
+    <p1510:client id="{20878C6E-EF79-4236-B13D-E7F647DBAB25}" v="15" dt="2025-04-29T02:26:35.155"/>
+  </p1510:revLst>
+</p1510:revInfo>
+</file>
+
+<file path=ppt/changesInfos/changesInfo1.xml><?xml version="1.0" encoding="utf-8"?>
+<pc:chgInfo xmlns:a="http://schemas.openxmlformats.org/drawingml/2006/main" xmlns:r="http://schemas.openxmlformats.org/officeDocument/2006/relationships" xmlns:ac="http://schemas.microsoft.com/office/drawing/2013/main/command" xmlns:pc="http://schemas.microsoft.com/office/powerpoint/2013/main/command">
+  <pc:docChgLst>
+    <pc:chgData name="Sydney Wood" userId="2eb19ff15cf06bf2" providerId="LiveId" clId="{20878C6E-EF79-4236-B13D-E7F647DBAB25}"/>
+    <pc:docChg chg="undo custSel mod modSld">
+      <pc:chgData name="Sydney Wood" userId="2eb19ff15cf06bf2" providerId="LiveId" clId="{20878C6E-EF79-4236-B13D-E7F647DBAB25}" dt="2025-04-29T02:26:35.155" v="1105" actId="14100"/>
+      <pc:docMkLst>
+        <pc:docMk/>
+      </pc:docMkLst>
+      <pc:sldChg chg="addSp delSp modSp mod modCm">
+        <pc:chgData name="Sydney Wood" userId="2eb19ff15cf06bf2" providerId="LiveId" clId="{20878C6E-EF79-4236-B13D-E7F647DBAB25}" dt="2025-04-29T02:26:35.155" v="1105" actId="14100"/>
+        <pc:sldMkLst>
+          <pc:docMk/>
+          <pc:sldMk cId="3464102383" sldId="256"/>
+        </pc:sldMkLst>
+        <pc:spChg chg="mod">
+          <ac:chgData name="Sydney Wood" userId="2eb19ff15cf06bf2" providerId="LiveId" clId="{20878C6E-EF79-4236-B13D-E7F647DBAB25}" dt="2025-04-29T01:36:52.683" v="30" actId="34135"/>
+          <ac:spMkLst>
+            <pc:docMk/>
+            <pc:sldMk cId="3464102383" sldId="256"/>
+            <ac:spMk id="4" creationId="{00000000-0000-0000-0000-000000000000}"/>
+          </ac:spMkLst>
+        </pc:spChg>
+        <pc:spChg chg="add mod">
+          <ac:chgData name="Sydney Wood" userId="2eb19ff15cf06bf2" providerId="LiveId" clId="{20878C6E-EF79-4236-B13D-E7F647DBAB25}" dt="2025-04-29T02:06:05.216" v="486" actId="20577"/>
+          <ac:spMkLst>
+            <pc:docMk/>
+            <pc:sldMk cId="3464102383" sldId="256"/>
+            <ac:spMk id="5" creationId="{D0C6BBDD-099E-0AB1-7DD8-C40F0FD1022F}"/>
+          </ac:spMkLst>
+        </pc:spChg>
+        <pc:spChg chg="mod">
+          <ac:chgData name="Sydney Wood" userId="2eb19ff15cf06bf2" providerId="LiveId" clId="{20878C6E-EF79-4236-B13D-E7F647DBAB25}" dt="2025-04-29T02:22:11.360" v="938" actId="34135"/>
+          <ac:spMkLst>
+            <pc:docMk/>
+            <pc:sldMk cId="3464102383" sldId="256"/>
+            <ac:spMk id="6" creationId="{00000000-0000-0000-0000-000000000000}"/>
+          </ac:spMkLst>
+        </pc:spChg>
+        <pc:spChg chg="del mod">
+          <ac:chgData name="Sydney Wood" userId="2eb19ff15cf06bf2" providerId="LiveId" clId="{20878C6E-EF79-4236-B13D-E7F647DBAB25}" dt="2025-04-29T02:01:51.963" v="430" actId="478"/>
+          <ac:spMkLst>
+            <pc:docMk/>
+            <pc:sldMk cId="3464102383" sldId="256"/>
+            <ac:spMk id="8" creationId="{00000000-0000-0000-0000-000000000000}"/>
+          </ac:spMkLst>
+        </pc:spChg>
+        <pc:spChg chg="mod">
+          <ac:chgData name="Sydney Wood" userId="2eb19ff15cf06bf2" providerId="LiveId" clId="{20878C6E-EF79-4236-B13D-E7F647DBAB25}" dt="2025-04-29T02:19:28.996" v="833" actId="34135"/>
+          <ac:spMkLst>
+            <pc:docMk/>
+            <pc:sldMk cId="3464102383" sldId="256"/>
+            <ac:spMk id="9" creationId="{AA15F773-02BD-F9E8-B74D-49497B271D18}"/>
+          </ac:spMkLst>
+        </pc:spChg>
+        <pc:spChg chg="add del">
+          <ac:chgData name="Sydney Wood" userId="2eb19ff15cf06bf2" providerId="LiveId" clId="{20878C6E-EF79-4236-B13D-E7F647DBAB25}" dt="2025-04-29T02:18:17.681" v="759" actId="22"/>
+          <ac:spMkLst>
+            <pc:docMk/>
+            <pc:sldMk cId="3464102383" sldId="256"/>
+            <ac:spMk id="10" creationId="{8DF57FAF-D8F1-43BB-E9C1-01F689EC083C}"/>
+          </ac:spMkLst>
+        </pc:spChg>
+        <pc:spChg chg="mod">
+          <ac:chgData name="Sydney Wood" userId="2eb19ff15cf06bf2" providerId="LiveId" clId="{20878C6E-EF79-4236-B13D-E7F647DBAB25}" dt="2025-04-29T02:25:40.429" v="1059" actId="164"/>
+          <ac:spMkLst>
+            <pc:docMk/>
+            <pc:sldMk cId="3464102383" sldId="256"/>
+            <ac:spMk id="11" creationId="{00000000-0000-0000-0000-000000000000}"/>
+          </ac:spMkLst>
+        </pc:spChg>
+        <pc:spChg chg="mod">
+          <ac:chgData name="Sydney Wood" userId="2eb19ff15cf06bf2" providerId="LiveId" clId="{20878C6E-EF79-4236-B13D-E7F647DBAB25}" dt="2025-04-29T02:19:40.231" v="834" actId="34135"/>
+          <ac:spMkLst>
+            <pc:docMk/>
+            <pc:sldMk cId="3464102383" sldId="256"/>
+            <ac:spMk id="12" creationId="{00000000-0000-0000-0000-000000000000}"/>
+          </ac:spMkLst>
+        </pc:spChg>
+        <pc:spChg chg="add mod">
+          <ac:chgData name="Sydney Wood" userId="2eb19ff15cf06bf2" providerId="LiveId" clId="{20878C6E-EF79-4236-B13D-E7F647DBAB25}" dt="2025-04-29T02:18:37.483" v="760"/>
+          <ac:spMkLst>
+            <pc:docMk/>
+            <pc:sldMk cId="3464102383" sldId="256"/>
+            <ac:spMk id="14" creationId="{1F5C1AB1-7AF9-E2E0-2B3E-914F50DFEAFB}"/>
+          </ac:spMkLst>
+        </pc:spChg>
+        <pc:spChg chg="mod">
+          <ac:chgData name="Sydney Wood" userId="2eb19ff15cf06bf2" providerId="LiveId" clId="{20878C6E-EF79-4236-B13D-E7F647DBAB25}" dt="2025-04-29T02:25:11.928" v="1051" actId="1036"/>
+          <ac:spMkLst>
+            <pc:docMk/>
+            <pc:sldMk cId="3464102383" sldId="256"/>
+            <ac:spMk id="15" creationId="{00000000-0000-0000-0000-000000000000}"/>
+          </ac:spMkLst>
+        </pc:spChg>
+        <pc:spChg chg="mod">
+          <ac:chgData name="Sydney Wood" userId="2eb19ff15cf06bf2" providerId="LiveId" clId="{20878C6E-EF79-4236-B13D-E7F647DBAB25}" dt="2025-04-29T02:25:40.429" v="1059" actId="164"/>
+          <ac:spMkLst>
+            <pc:docMk/>
+            <pc:sldMk cId="3464102383" sldId="256"/>
+            <ac:spMk id="16" creationId="{00000000-0000-0000-0000-000000000000}"/>
+          </ac:spMkLst>
+        </pc:spChg>
+        <pc:spChg chg="mod">
+          <ac:chgData name="Sydney Wood" userId="2eb19ff15cf06bf2" providerId="LiveId" clId="{20878C6E-EF79-4236-B13D-E7F647DBAB25}" dt="2025-04-29T02:19:40.231" v="834" actId="34135"/>
+          <ac:spMkLst>
+            <pc:docMk/>
+            <pc:sldMk cId="3464102383" sldId="256"/>
+            <ac:spMk id="17" creationId="{00000000-0000-0000-0000-000000000000}"/>
+          </ac:spMkLst>
+        </pc:spChg>
+        <pc:spChg chg="mod">
+          <ac:chgData name="Sydney Wood" userId="2eb19ff15cf06bf2" providerId="LiveId" clId="{20878C6E-EF79-4236-B13D-E7F647DBAB25}" dt="2025-04-29T02:25:11.928" v="1051" actId="1036"/>
+          <ac:spMkLst>
+            <pc:docMk/>
+            <pc:sldMk cId="3464102383" sldId="256"/>
+            <ac:spMk id="18" creationId="{00000000-0000-0000-0000-000000000000}"/>
+          </ac:spMkLst>
+        </pc:spChg>
+        <pc:spChg chg="mod">
+          <ac:chgData name="Sydney Wood" userId="2eb19ff15cf06bf2" providerId="LiveId" clId="{20878C6E-EF79-4236-B13D-E7F647DBAB25}" dt="2025-04-29T02:19:28.996" v="833" actId="34135"/>
+          <ac:spMkLst>
+            <pc:docMk/>
+            <pc:sldMk cId="3464102383" sldId="256"/>
+            <ac:spMk id="19" creationId="{520E2089-BA8F-FA78-34A9-68948773FAAD}"/>
+          </ac:spMkLst>
+        </pc:spChg>
+        <pc:spChg chg="mod">
+          <ac:chgData name="Sydney Wood" userId="2eb19ff15cf06bf2" providerId="LiveId" clId="{20878C6E-EF79-4236-B13D-E7F647DBAB25}" dt="2025-04-29T02:25:40.429" v="1059" actId="164"/>
+          <ac:spMkLst>
+            <pc:docMk/>
+            <pc:sldMk cId="3464102383" sldId="256"/>
+            <ac:spMk id="20" creationId="{00000000-0000-0000-0000-000000000000}"/>
+          </ac:spMkLst>
+        </pc:spChg>
+        <pc:spChg chg="mod">
+          <ac:chgData name="Sydney Wood" userId="2eb19ff15cf06bf2" providerId="LiveId" clId="{20878C6E-EF79-4236-B13D-E7F647DBAB25}" dt="2025-04-29T02:19:28.996" v="833" actId="34135"/>
+          <ac:spMkLst>
+            <pc:docMk/>
+            <pc:sldMk cId="3464102383" sldId="256"/>
+            <ac:spMk id="21" creationId="{8900B810-2EED-E3D7-BA0A-700134F5784E}"/>
+          </ac:spMkLst>
+        </pc:spChg>
+        <pc:spChg chg="add mod">
+          <ac:chgData name="Sydney Wood" userId="2eb19ff15cf06bf2" providerId="LiveId" clId="{20878C6E-EF79-4236-B13D-E7F647DBAB25}" dt="2025-04-29T02:25:26.563" v="1058" actId="164"/>
+          <ac:spMkLst>
+            <pc:docMk/>
+            <pc:sldMk cId="3464102383" sldId="256"/>
+            <ac:spMk id="24" creationId="{CB808E9C-A563-32D1-2709-6CD034221FB9}"/>
+          </ac:spMkLst>
+        </pc:spChg>
+        <pc:spChg chg="mod">
+          <ac:chgData name="Sydney Wood" userId="2eb19ff15cf06bf2" providerId="LiveId" clId="{20878C6E-EF79-4236-B13D-E7F647DBAB25}" dt="2025-04-29T02:19:40.231" v="834" actId="34135"/>
+          <ac:spMkLst>
+            <pc:docMk/>
+            <pc:sldMk cId="3464102383" sldId="256"/>
+            <ac:spMk id="25" creationId="{59F1AB25-8610-4AC1-BB7E-AB78D5A71543}"/>
+          </ac:spMkLst>
+        </pc:spChg>
+        <pc:spChg chg="add mod">
+          <ac:chgData name="Sydney Wood" userId="2eb19ff15cf06bf2" providerId="LiveId" clId="{20878C6E-EF79-4236-B13D-E7F647DBAB25}" dt="2025-04-29T02:25:26.563" v="1058" actId="164"/>
+          <ac:spMkLst>
+            <pc:docMk/>
+            <pc:sldMk cId="3464102383" sldId="256"/>
+            <ac:spMk id="28" creationId="{2B9C0289-92A5-ED49-542F-F93D80A6C97A}"/>
+          </ac:spMkLst>
+        </pc:spChg>
+        <pc:spChg chg="mod">
+          <ac:chgData name="Sydney Wood" userId="2eb19ff15cf06bf2" providerId="LiveId" clId="{20878C6E-EF79-4236-B13D-E7F647DBAB25}" dt="2025-04-29T02:22:02.784" v="937" actId="255"/>
+          <ac:spMkLst>
+            <pc:docMk/>
+            <pc:sldMk cId="3464102383" sldId="256"/>
+            <ac:spMk id="32" creationId="{00000000-0000-0000-0000-000000000000}"/>
+          </ac:spMkLst>
+        </pc:spChg>
+        <pc:spChg chg="mod">
+          <ac:chgData name="Sydney Wood" userId="2eb19ff15cf06bf2" providerId="LiveId" clId="{20878C6E-EF79-4236-B13D-E7F647DBAB25}" dt="2025-04-29T02:24:33.487" v="944" actId="1076"/>
+          <ac:spMkLst>
+            <pc:docMk/>
+            <pc:sldMk cId="3464102383" sldId="256"/>
+            <ac:spMk id="36" creationId="{00000000-0000-0000-0000-000000000000}"/>
+          </ac:spMkLst>
+        </pc:spChg>
+        <pc:grpChg chg="add mod">
+          <ac:chgData name="Sydney Wood" userId="2eb19ff15cf06bf2" providerId="LiveId" clId="{20878C6E-EF79-4236-B13D-E7F647DBAB25}" dt="2025-04-29T02:19:28.996" v="833" actId="34135"/>
+          <ac:grpSpMkLst>
+            <pc:docMk/>
+            <pc:sldMk cId="3464102383" sldId="256"/>
+            <ac:grpSpMk id="22" creationId="{E4EAEA5B-A51B-F076-E948-70C53C026D30}"/>
+          </ac:grpSpMkLst>
+        </pc:grpChg>
+        <pc:grpChg chg="add mod">
+          <ac:chgData name="Sydney Wood" userId="2eb19ff15cf06bf2" providerId="LiveId" clId="{20878C6E-EF79-4236-B13D-E7F647DBAB25}" dt="2025-04-29T02:19:40.231" v="834" actId="34135"/>
+          <ac:grpSpMkLst>
+            <pc:docMk/>
+            <pc:sldMk cId="3464102383" sldId="256"/>
+            <ac:grpSpMk id="23" creationId="{9A44154C-8C33-9112-7A23-E2A2745920DD}"/>
+          </ac:grpSpMkLst>
+        </pc:grpChg>
+        <pc:grpChg chg="mod">
+          <ac:chgData name="Sydney Wood" userId="2eb19ff15cf06bf2" providerId="LiveId" clId="{20878C6E-EF79-4236-B13D-E7F647DBAB25}" dt="2025-04-29T01:36:52.683" v="30" actId="34135"/>
+          <ac:grpSpMkLst>
+            <pc:docMk/>
+            <pc:sldMk cId="3464102383" sldId="256"/>
+            <ac:grpSpMk id="26" creationId="{728D519E-1613-A67D-FDB6-1DCB244F4741}"/>
+          </ac:grpSpMkLst>
+        </pc:grpChg>
+        <pc:grpChg chg="add mod">
+          <ac:chgData name="Sydney Wood" userId="2eb19ff15cf06bf2" providerId="LiveId" clId="{20878C6E-EF79-4236-B13D-E7F647DBAB25}" dt="2025-04-29T02:25:26.563" v="1058" actId="164"/>
+          <ac:grpSpMkLst>
+            <pc:docMk/>
+            <pc:sldMk cId="3464102383" sldId="256"/>
+            <ac:grpSpMk id="30" creationId="{6AB4CA81-167F-19A2-A9A4-72E60813D322}"/>
+          </ac:grpSpMkLst>
+        </pc:grpChg>
+        <pc:grpChg chg="add mod">
+          <ac:chgData name="Sydney Wood" userId="2eb19ff15cf06bf2" providerId="LiveId" clId="{20878C6E-EF79-4236-B13D-E7F647DBAB25}" dt="2025-04-29T02:25:40.429" v="1059" actId="164"/>
+          <ac:grpSpMkLst>
+            <pc:docMk/>
+            <pc:sldMk cId="3464102383" sldId="256"/>
+            <ac:grpSpMk id="31" creationId="{B088B4F6-065C-83DF-E76E-E4A5D05F827D}"/>
+          </ac:grpSpMkLst>
+        </pc:grpChg>
+        <pc:graphicFrameChg chg="mod">
+          <ac:chgData name="Sydney Wood" userId="2eb19ff15cf06bf2" providerId="LiveId" clId="{20878C6E-EF79-4236-B13D-E7F647DBAB25}" dt="2025-04-29T02:24:29.369" v="943" actId="208"/>
+          <ac:graphicFrameMkLst>
+            <pc:docMk/>
+            <pc:sldMk cId="3464102383" sldId="256"/>
+            <ac:graphicFrameMk id="27" creationId="{00000000-0000-0000-0000-000000000000}"/>
+          </ac:graphicFrameMkLst>
+        </pc:graphicFrameChg>
+        <pc:graphicFrameChg chg="add del mod">
+          <ac:chgData name="Sydney Wood" userId="2eb19ff15cf06bf2" providerId="LiveId" clId="{20878C6E-EF79-4236-B13D-E7F647DBAB25}" dt="2025-04-29T02:25:56.733" v="1100" actId="478"/>
+          <ac:graphicFrameMkLst>
+            <pc:docMk/>
+            <pc:sldMk cId="3464102383" sldId="256"/>
+            <ac:graphicFrameMk id="33" creationId="{4DBC51A9-3485-4FBF-3C7C-38474041502C}"/>
+          </ac:graphicFrameMkLst>
+        </pc:graphicFrameChg>
+        <pc:picChg chg="add mod">
+          <ac:chgData name="Sydney Wood" userId="2eb19ff15cf06bf2" providerId="LiveId" clId="{20878C6E-EF79-4236-B13D-E7F647DBAB25}" dt="2025-04-29T02:03:34.670" v="434" actId="1076"/>
+          <ac:picMkLst>
+            <pc:docMk/>
+            <pc:sldMk cId="3464102383" sldId="256"/>
+            <ac:picMk id="3" creationId="{90029794-C450-E2AB-3AE3-4D56F3AAABEE}"/>
+          </ac:picMkLst>
+        </pc:picChg>
+        <pc:picChg chg="del">
+          <ac:chgData name="Sydney Wood" userId="2eb19ff15cf06bf2" providerId="LiveId" clId="{20878C6E-EF79-4236-B13D-E7F647DBAB25}" dt="2025-04-29T01:45:40.905" v="37" actId="478"/>
+          <ac:picMkLst>
+            <pc:docMk/>
+            <pc:sldMk cId="3464102383" sldId="256"/>
+            <ac:picMk id="29" creationId="{1F853055-91FC-C9AE-53A2-1DD053DA0377}"/>
+          </ac:picMkLst>
+        </pc:picChg>
+        <pc:picChg chg="add mod">
+          <ac:chgData name="Sydney Wood" userId="2eb19ff15cf06bf2" providerId="LiveId" clId="{20878C6E-EF79-4236-B13D-E7F647DBAB25}" dt="2025-04-29T02:26:35.155" v="1105" actId="14100"/>
+          <ac:picMkLst>
+            <pc:docMk/>
+            <pc:sldMk cId="3464102383" sldId="256"/>
+            <ac:picMk id="1026" creationId="{73CF3C72-6D92-97D8-7544-51B2E8C98746}"/>
+          </ac:picMkLst>
+        </pc:picChg>
+        <pc:extLst>
+          <p:ext xmlns:p="http://schemas.openxmlformats.org/presentationml/2006/main" uri="{D6D511B9-2390-475A-947B-AFAB55BFBCF1}">
+            <pc226:cmChg xmlns:pc226="http://schemas.microsoft.com/office/powerpoint/2022/06/main/command" chg="mod">
+              <pc226:chgData name="Sydney Wood" userId="2eb19ff15cf06bf2" providerId="LiveId" clId="{20878C6E-EF79-4236-B13D-E7F647DBAB25}" dt="2025-04-29T01:59:10.134" v="423" actId="20577"/>
+              <pc2:cmMkLst xmlns:pc2="http://schemas.microsoft.com/office/powerpoint/2019/9/main/command">
+                <pc:docMk/>
+                <pc:sldMk cId="3464102383" sldId="256"/>
+                <pc2:cmMk id="{3051AD31-CCA3-41C5-84B6-A1D0012E7FE2}"/>
+              </pc2:cmMkLst>
+            </pc226:cmChg>
+          </p:ext>
+        </pc:extLst>
+      </pc:sldChg>
+    </pc:docChg>
+  </pc:docChgLst>
+</pc:chgInfo>
+</file>
+
 <file path=ppt/charts/chart1.xml><?xml version="1.0" encoding="utf-8"?>
 <c:chartSpace xmlns:c="http://schemas.openxmlformats.org/drawingml/2006/chart" xmlns:a="http://schemas.openxmlformats.org/drawingml/2006/main" xmlns:r="http://schemas.openxmlformats.org/officeDocument/2006/relationships" xmlns:c16r2="http://schemas.microsoft.com/office/drawing/2015/06/chart">
   <c:date1904 val="0"/>
@@ -188,7 +483,9 @@
   <c:spPr>
     <a:noFill/>
     <a:ln>
-      <a:noFill/>
+      <a:solidFill>
+        <a:schemeClr val="tx1"/>
+      </a:solidFill>
     </a:ln>
     <a:effectLst/>
   </c:spPr>
@@ -767,6 +1064,32 @@
 </cs:chartStyle>
 </file>
 
+<file path=ppt/comments/modernComment_100_CE7A01EF.xml><?xml version="1.0" encoding="utf-8"?>
+<p188:cmLst xmlns:a="http://schemas.openxmlformats.org/drawingml/2006/main" xmlns:r="http://schemas.openxmlformats.org/officeDocument/2006/relationships" xmlns:p188="http://schemas.microsoft.com/office/powerpoint/2018/8/main">
+  <p188:cm id="{3051AD31-CCA3-41C5-84B6-A1D0012E7FE2}" authorId="{454DFD8A-50BE-47CD-C47A-78D8C0E9F1E2}" created="2025-04-29T01:55:14.227">
+    <ac:txMkLst xmlns:ac="http://schemas.microsoft.com/office/drawing/2013/main/command">
+      <pc:docMk xmlns:pc="http://schemas.microsoft.com/office/powerpoint/2013/main/command"/>
+      <pc:sldMk xmlns:pc="http://schemas.microsoft.com/office/powerpoint/2013/main/command" cId="3464102383" sldId="256"/>
+      <ac:spMk id="20" creationId="{00000000-0000-0000-0000-000000000000}"/>
+      <ac:txMk cp="59" len="56">
+        <ac:context len="227" hash="657808597"/>
+      </ac:txMk>
+    </ac:txMkLst>
+    <p188:pos x="11916835" y="1116279"/>
+    <p188:txBody>
+      <a:bodyPr/>
+      <a:lstStyle/>
+      <a:p>
+        <a:r>
+          <a:rPr lang="en-US"/>
+          <a:t>Important part of feedback literacy </a:t>
+        </a:r>
+      </a:p>
+    </p188:txBody>
+  </p188:cm>
+</p188:cmLst>
+</file>
+
 <file path=ppt/slideLayouts/slideLayout1.xml><?xml version="1.0" encoding="utf-8"?>
 <p:sldLayout xmlns:a="http://schemas.openxmlformats.org/drawingml/2006/main" xmlns:r="http://schemas.openxmlformats.org/officeDocument/2006/relationships" xmlns:p="http://schemas.openxmlformats.org/presentationml/2006/main" type="title" preserve="1">
   <p:cSld name="Title Slide">
@@ -898,7 +1221,7 @@
           <a:p>
             <a:fld id="{A1B8C7A7-F203-4B9E-8863-87A096513449}" type="datetimeFigureOut">
               <a:rPr lang="en-US" smtClean="0"/>
-              <a:t>4/27/25</a:t>
+              <a:t>4/28/2025</a:t>
             </a:fld>
             <a:endParaRPr lang="en-US"/>
           </a:p>
@@ -1068,7 +1391,7 @@
           <a:p>
             <a:fld id="{A1B8C7A7-F203-4B9E-8863-87A096513449}" type="datetimeFigureOut">
               <a:rPr lang="en-US" smtClean="0"/>
-              <a:t>4/27/25</a:t>
+              <a:t>4/28/2025</a:t>
             </a:fld>
             <a:endParaRPr lang="en-US"/>
           </a:p>
@@ -1248,7 +1571,7 @@
           <a:p>
             <a:fld id="{A1B8C7A7-F203-4B9E-8863-87A096513449}" type="datetimeFigureOut">
               <a:rPr lang="en-US" smtClean="0"/>
-              <a:t>4/27/25</a:t>
+              <a:t>4/28/2025</a:t>
             </a:fld>
             <a:endParaRPr lang="en-US"/>
           </a:p>
@@ -1418,7 +1741,7 @@
           <a:p>
             <a:fld id="{A1B8C7A7-F203-4B9E-8863-87A096513449}" type="datetimeFigureOut">
               <a:rPr lang="en-US" smtClean="0"/>
-              <a:t>4/27/25</a:t>
+              <a:t>4/28/2025</a:t>
             </a:fld>
             <a:endParaRPr lang="en-US"/>
           </a:p>
@@ -1662,7 +1985,7 @@
           <a:p>
             <a:fld id="{A1B8C7A7-F203-4B9E-8863-87A096513449}" type="datetimeFigureOut">
               <a:rPr lang="en-US" smtClean="0"/>
-              <a:t>4/27/25</a:t>
+              <a:t>4/28/2025</a:t>
             </a:fld>
             <a:endParaRPr lang="en-US"/>
           </a:p>
@@ -1894,7 +2217,7 @@
           <a:p>
             <a:fld id="{A1B8C7A7-F203-4B9E-8863-87A096513449}" type="datetimeFigureOut">
               <a:rPr lang="en-US" smtClean="0"/>
-              <a:t>4/27/25</a:t>
+              <a:t>4/28/2025</a:t>
             </a:fld>
             <a:endParaRPr lang="en-US"/>
           </a:p>
@@ -2261,7 +2584,7 @@
           <a:p>
             <a:fld id="{A1B8C7A7-F203-4B9E-8863-87A096513449}" type="datetimeFigureOut">
               <a:rPr lang="en-US" smtClean="0"/>
-              <a:t>4/27/25</a:t>
+              <a:t>4/28/2025</a:t>
             </a:fld>
             <a:endParaRPr lang="en-US"/>
           </a:p>
@@ -2379,7 +2702,7 @@
           <a:p>
             <a:fld id="{A1B8C7A7-F203-4B9E-8863-87A096513449}" type="datetimeFigureOut">
               <a:rPr lang="en-US" smtClean="0"/>
-              <a:t>4/27/25</a:t>
+              <a:t>4/28/2025</a:t>
             </a:fld>
             <a:endParaRPr lang="en-US"/>
           </a:p>
@@ -2474,7 +2797,7 @@
           <a:p>
             <a:fld id="{A1B8C7A7-F203-4B9E-8863-87A096513449}" type="datetimeFigureOut">
               <a:rPr lang="en-US" smtClean="0"/>
-              <a:t>4/27/25</a:t>
+              <a:t>4/28/2025</a:t>
             </a:fld>
             <a:endParaRPr lang="en-US"/>
           </a:p>
@@ -2751,7 +3074,7 @@
           <a:p>
             <a:fld id="{A1B8C7A7-F203-4B9E-8863-87A096513449}" type="datetimeFigureOut">
               <a:rPr lang="en-US" smtClean="0"/>
-              <a:t>4/27/25</a:t>
+              <a:t>4/28/2025</a:t>
             </a:fld>
             <a:endParaRPr lang="en-US"/>
           </a:p>
@@ -3008,7 +3331,7 @@
           <a:p>
             <a:fld id="{A1B8C7A7-F203-4B9E-8863-87A096513449}" type="datetimeFigureOut">
               <a:rPr lang="en-US" smtClean="0"/>
-              <a:t>4/27/25</a:t>
+              <a:t>4/28/2025</a:t>
             </a:fld>
             <a:endParaRPr lang="en-US"/>
           </a:p>
@@ -3221,7 +3544,7 @@
           <a:p>
             <a:fld id="{A1B8C7A7-F203-4B9E-8863-87A096513449}" type="datetimeFigureOut">
               <a:rPr lang="en-US" smtClean="0"/>
-              <a:t>4/27/25</a:t>
+              <a:t>4/28/2025</a:t>
             </a:fld>
             <a:endParaRPr lang="en-US"/>
           </a:p>
@@ -3629,19 +3952,21 @@
       <p:sp>
         <p:nvSpPr>
           <p:cNvPr id="6" name="Rectangle 5"/>
-          <p:cNvSpPr/>
+          <p:cNvSpPr>
+            <a:spLocks noGrp="1" noRot="1" noMove="1" noResize="1" noEditPoints="1" noAdjustHandles="1" noChangeArrowheads="1" noChangeShapeType="1"/>
+          </p:cNvSpPr>
           <p:nvPr/>
         </p:nvSpPr>
         <p:spPr>
           <a:xfrm>
-            <a:off x="13556796" y="5533959"/>
-            <a:ext cx="15136943" cy="19038745"/>
+            <a:off x="13732402" y="5389582"/>
+            <a:ext cx="14711542" cy="27528818"/>
           </a:xfrm>
           <a:prstGeom prst="rect">
             <a:avLst/>
           </a:prstGeom>
           <a:solidFill>
-            <a:srgbClr val="8F80FF"/>
+            <a:srgbClr val="E8D1FF"/>
           </a:solidFill>
           <a:ln>
             <a:noFill/>
@@ -3684,114 +4009,6 @@
       </p:sp>
       <p:sp>
         <p:nvSpPr>
-          <p:cNvPr id="8" name="Rectangle 7"/>
-          <p:cNvSpPr/>
-          <p:nvPr/>
-        </p:nvSpPr>
-        <p:spPr>
-          <a:xfrm>
-            <a:off x="13569220" y="24654331"/>
-            <a:ext cx="15136943" cy="7641771"/>
-          </a:xfrm>
-          <a:prstGeom prst="rect">
-            <a:avLst/>
-          </a:prstGeom>
-          <a:solidFill>
-            <a:srgbClr val="4B2E84"/>
-          </a:solidFill>
-          <a:ln>
-            <a:noFill/>
-          </a:ln>
-        </p:spPr>
-        <p:style>
-          <a:lnRef idx="2">
-            <a:schemeClr val="accent1">
-              <a:shade val="50000"/>
-            </a:schemeClr>
-          </a:lnRef>
-          <a:fillRef idx="1">
-            <a:schemeClr val="accent1"/>
-          </a:fillRef>
-          <a:effectRef idx="0">
-            <a:schemeClr val="accent1"/>
-          </a:effectRef>
-          <a:fontRef idx="minor">
-            <a:schemeClr val="lt1"/>
-          </a:fontRef>
-        </p:style>
-        <p:txBody>
-          <a:bodyPr rtlCol="0" anchor="ctr"/>
-          <a:lstStyle/>
-          <a:p>
-            <a:pPr algn="ctr"/>
-            <a:endParaRPr lang="en-US" sz="1543"/>
-          </a:p>
-        </p:txBody>
-      </p:sp>
-      <p:sp>
-        <p:nvSpPr>
-          <p:cNvPr id="11" name="TextBox 10"/>
-          <p:cNvSpPr txBox="1"/>
-          <p:nvPr/>
-        </p:nvSpPr>
-        <p:spPr>
-          <a:xfrm>
-            <a:off x="342898" y="5324910"/>
-            <a:ext cx="11364686" cy="1147558"/>
-          </a:xfrm>
-          <a:prstGeom prst="rect">
-            <a:avLst/>
-          </a:prstGeom>
-          <a:noFill/>
-        </p:spPr>
-        <p:txBody>
-          <a:bodyPr wrap="square" rtlCol="0">
-            <a:spAutoFit/>
-          </a:bodyPr>
-          <a:lstStyle/>
-          <a:p>
-            <a:r>
-              <a:rPr lang="en-US" sz="6857" dirty="0">
-                <a:latin typeface="Corbel" panose="020B0503020204020204" pitchFamily="34" charset="0"/>
-              </a:rPr>
-              <a:t>Background</a:t>
-            </a:r>
-          </a:p>
-        </p:txBody>
-      </p:sp>
-      <p:sp>
-        <p:nvSpPr>
-          <p:cNvPr id="12" name="TextBox 11"/>
-          <p:cNvSpPr txBox="1"/>
-          <p:nvPr/>
-        </p:nvSpPr>
-        <p:spPr>
-          <a:xfrm>
-            <a:off x="465717" y="25775170"/>
-            <a:ext cx="11364686" cy="1147558"/>
-          </a:xfrm>
-          <a:prstGeom prst="rect">
-            <a:avLst/>
-          </a:prstGeom>
-          <a:noFill/>
-        </p:spPr>
-        <p:txBody>
-          <a:bodyPr wrap="square" rtlCol="0">
-            <a:spAutoFit/>
-          </a:bodyPr>
-          <a:lstStyle/>
-          <a:p>
-            <a:r>
-              <a:rPr lang="en-US" sz="6857" dirty="0">
-                <a:latin typeface="Corbel" panose="020B0503020204020204" pitchFamily="34" charset="0"/>
-              </a:rPr>
-              <a:t>Methods</a:t>
-            </a:r>
-          </a:p>
-        </p:txBody>
-      </p:sp>
-      <p:sp>
-        <p:nvSpPr>
           <p:cNvPr id="13" name="TextBox 12"/>
           <p:cNvSpPr txBox="1"/>
           <p:nvPr/>
@@ -3829,7 +4046,7 @@
         </p:nvSpPr>
         <p:spPr>
           <a:xfrm>
-            <a:off x="28950915" y="5324910"/>
+            <a:off x="28981395" y="15322350"/>
             <a:ext cx="11364686" cy="1147558"/>
           </a:xfrm>
           <a:prstGeom prst="rect">
@@ -3854,111 +4071,13 @@
       </p:sp>
       <p:sp>
         <p:nvSpPr>
-          <p:cNvPr id="16" name="Rectangle 15"/>
-          <p:cNvSpPr/>
-          <p:nvPr/>
-        </p:nvSpPr>
-        <p:spPr>
-          <a:xfrm>
-            <a:off x="342899" y="6441782"/>
-            <a:ext cx="12956721" cy="378794"/>
-          </a:xfrm>
-          <a:prstGeom prst="rect">
-            <a:avLst/>
-          </a:prstGeom>
-          <a:solidFill>
-            <a:schemeClr val="accent3">
-              <a:lumMod val="60000"/>
-              <a:lumOff val="40000"/>
-            </a:schemeClr>
-          </a:solidFill>
-          <a:ln>
-            <a:noFill/>
-          </a:ln>
-        </p:spPr>
-        <p:style>
-          <a:lnRef idx="2">
-            <a:schemeClr val="accent1">
-              <a:shade val="50000"/>
-            </a:schemeClr>
-          </a:lnRef>
-          <a:fillRef idx="1">
-            <a:schemeClr val="accent1"/>
-          </a:fillRef>
-          <a:effectRef idx="0">
-            <a:schemeClr val="accent1"/>
-          </a:effectRef>
-          <a:fontRef idx="minor">
-            <a:schemeClr val="lt1"/>
-          </a:fontRef>
-        </p:style>
-        <p:txBody>
-          <a:bodyPr rtlCol="0" anchor="ctr"/>
-          <a:lstStyle/>
-          <a:p>
-            <a:pPr algn="ctr"/>
-            <a:endParaRPr lang="en-US" sz="1543"/>
-          </a:p>
-        </p:txBody>
-      </p:sp>
-      <p:sp>
-        <p:nvSpPr>
-          <p:cNvPr id="17" name="Rectangle 16"/>
-          <p:cNvSpPr/>
-          <p:nvPr/>
-        </p:nvSpPr>
-        <p:spPr>
-          <a:xfrm>
-            <a:off x="465717" y="26836531"/>
-            <a:ext cx="11634107" cy="449495"/>
-          </a:xfrm>
-          <a:prstGeom prst="rect">
-            <a:avLst/>
-          </a:prstGeom>
-          <a:solidFill>
-            <a:schemeClr val="accent3">
-              <a:lumMod val="60000"/>
-              <a:lumOff val="40000"/>
-            </a:schemeClr>
-          </a:solidFill>
-          <a:ln>
-            <a:noFill/>
-          </a:ln>
-        </p:spPr>
-        <p:style>
-          <a:lnRef idx="2">
-            <a:schemeClr val="accent1">
-              <a:shade val="50000"/>
-            </a:schemeClr>
-          </a:lnRef>
-          <a:fillRef idx="1">
-            <a:schemeClr val="accent1"/>
-          </a:fillRef>
-          <a:effectRef idx="0">
-            <a:schemeClr val="accent1"/>
-          </a:effectRef>
-          <a:fontRef idx="minor">
-            <a:schemeClr val="lt1"/>
-          </a:fontRef>
-        </p:style>
-        <p:txBody>
-          <a:bodyPr rtlCol="0" anchor="ctr"/>
-          <a:lstStyle/>
-          <a:p>
-            <a:pPr algn="ctr"/>
-            <a:endParaRPr lang="en-US" sz="1543"/>
-          </a:p>
-        </p:txBody>
-      </p:sp>
-      <p:sp>
-        <p:nvSpPr>
           <p:cNvPr id="18" name="Rectangle 17"/>
           <p:cNvSpPr/>
           <p:nvPr/>
         </p:nvSpPr>
         <p:spPr>
           <a:xfrm>
-            <a:off x="28828095" y="6472468"/>
+            <a:off x="28858575" y="16469908"/>
             <a:ext cx="14720206" cy="290673"/>
           </a:xfrm>
           <a:prstGeom prst="rect">
@@ -3999,57 +4118,156 @@
           </a:p>
         </p:txBody>
       </p:sp>
-      <p:sp>
-        <p:nvSpPr>
-          <p:cNvPr id="20" name="TextBox 19"/>
-          <p:cNvSpPr txBox="1"/>
+      <p:grpSp>
+        <p:nvGrpSpPr>
+          <p:cNvPr id="31" name="Group 30">
+            <a:extLst>
+              <a:ext uri="{FF2B5EF4-FFF2-40B4-BE49-F238E27FC236}">
+                <a16:creationId xmlns:a16="http://schemas.microsoft.com/office/drawing/2014/main" id="{B088B4F6-065C-83DF-E76E-E4A5D05F827D}"/>
+              </a:ext>
+            </a:extLst>
+          </p:cNvPr>
+          <p:cNvGrpSpPr/>
           <p:nvPr/>
-        </p:nvSpPr>
-        <p:spPr>
+        </p:nvGrpSpPr>
+        <p:grpSpPr>
           <a:xfrm>
-            <a:off x="342898" y="6893188"/>
-            <a:ext cx="13213898" cy="11066619"/>
+            <a:off x="342898" y="5324910"/>
+            <a:ext cx="13213898" cy="6461862"/>
+            <a:chOff x="342898" y="5324910"/>
+            <a:chExt cx="13213898" cy="6461862"/>
           </a:xfrm>
-          <a:prstGeom prst="rect">
-            <a:avLst/>
-          </a:prstGeom>
-          <a:noFill/>
-        </p:spPr>
-        <p:txBody>
-          <a:bodyPr wrap="square" rtlCol="0">
-            <a:spAutoFit/>
-          </a:bodyPr>
-          <a:lstStyle/>
-          <a:p>
-            <a:r>
-              <a:rPr lang="en-US" sz="4457" dirty="0">
+        </p:grpSpPr>
+        <p:sp>
+          <p:nvSpPr>
+            <p:cNvPr id="11" name="TextBox 10"/>
+            <p:cNvSpPr txBox="1"/>
+            <p:nvPr/>
+          </p:nvSpPr>
+          <p:spPr>
+            <a:xfrm>
+              <a:off x="342898" y="5324910"/>
+              <a:ext cx="11364686" cy="1147558"/>
+            </a:xfrm>
+            <a:prstGeom prst="rect">
+              <a:avLst/>
+            </a:prstGeom>
+            <a:noFill/>
+          </p:spPr>
+          <p:txBody>
+            <a:bodyPr wrap="square" rtlCol="0">
+              <a:spAutoFit/>
+            </a:bodyPr>
+            <a:lstStyle/>
+            <a:p>
+              <a:r>
+                <a:rPr lang="en-US" sz="6857" dirty="0">
+                  <a:latin typeface="Corbel" panose="020B0503020204020204" pitchFamily="34" charset="0"/>
+                </a:rPr>
+                <a:t>Background</a:t>
+              </a:r>
+            </a:p>
+          </p:txBody>
+        </p:sp>
+        <p:sp>
+          <p:nvSpPr>
+            <p:cNvPr id="16" name="Rectangle 15"/>
+            <p:cNvSpPr/>
+            <p:nvPr/>
+          </p:nvSpPr>
+          <p:spPr>
+            <a:xfrm>
+              <a:off x="342899" y="6441782"/>
+              <a:ext cx="12956721" cy="378794"/>
+            </a:xfrm>
+            <a:prstGeom prst="rect">
+              <a:avLst/>
+            </a:prstGeom>
+            <a:solidFill>
+              <a:schemeClr val="accent3">
+                <a:lumMod val="60000"/>
+                <a:lumOff val="40000"/>
+              </a:schemeClr>
+            </a:solidFill>
+            <a:ln>
+              <a:noFill/>
+            </a:ln>
+          </p:spPr>
+          <p:style>
+            <a:lnRef idx="2">
+              <a:schemeClr val="accent1">
+                <a:shade val="50000"/>
+              </a:schemeClr>
+            </a:lnRef>
+            <a:fillRef idx="1">
+              <a:schemeClr val="accent1"/>
+            </a:fillRef>
+            <a:effectRef idx="0">
+              <a:schemeClr val="accent1"/>
+            </a:effectRef>
+            <a:fontRef idx="minor">
+              <a:schemeClr val="lt1"/>
+            </a:fontRef>
+          </p:style>
+          <p:txBody>
+            <a:bodyPr rtlCol="0" anchor="ctr"/>
+            <a:lstStyle/>
+            <a:p>
+              <a:pPr algn="ctr"/>
+              <a:endParaRPr lang="en-US" sz="1543"/>
+            </a:p>
+          </p:txBody>
+        </p:sp>
+        <p:sp>
+          <p:nvSpPr>
+            <p:cNvPr id="20" name="TextBox 19"/>
+            <p:cNvSpPr txBox="1"/>
+            <p:nvPr/>
+          </p:nvSpPr>
+          <p:spPr>
+            <a:xfrm>
+              <a:off x="342898" y="6893188"/>
+              <a:ext cx="13213898" cy="4893584"/>
+            </a:xfrm>
+            <a:prstGeom prst="rect">
+              <a:avLst/>
+            </a:prstGeom>
+            <a:noFill/>
+          </p:spPr>
+          <p:txBody>
+            <a:bodyPr wrap="square" rtlCol="0">
+              <a:spAutoFit/>
+            </a:bodyPr>
+            <a:lstStyle/>
+            <a:p>
+              <a:r>
+                <a:rPr lang="en-US" sz="4457" dirty="0">
+                  <a:latin typeface="Corbel" panose="020B0503020204020204" pitchFamily="34" charset="0"/>
+                </a:rPr>
+                <a:t>Metacognition—thinking about one’s own thinking– is widely linked to self-regulated learning and higher achievement. }.  {Define feedback literacy} {scaffolding to help students build feedback literacy. } </a:t>
+              </a:r>
+            </a:p>
+            <a:p>
+              <a:endParaRPr lang="en-US" sz="4457" dirty="0">
                 <a:latin typeface="Corbel" panose="020B0503020204020204" pitchFamily="34" charset="0"/>
-              </a:rPr>
-              <a:t>Metacognition—thinking about one’s own thinking– is widely linked to self-regulated learning and higher achievement. Although Wood &amp; Cross(2024) showed that the metacognitive intervention raised exam scores in prior research research the mechanism of improvement remained unclear. In this study, using data and rubric-level error counts from 369 undergraduates in five scaffolded research-methods exams, the present study test</a:t>
-            </a:r>
-            <a:r>
-              <a:rPr lang="en-US" sz="4457" b="1" dirty="0">
+              </a:endParaRPr>
+            </a:p>
+            <a:p>
+              <a:r>
+                <a:rPr lang="en-US" sz="4457" dirty="0">
+                  <a:latin typeface="Corbel" panose="020B0503020204020204" pitchFamily="34" charset="0"/>
+                </a:rPr>
+                <a:t>The current study </a:t>
+              </a:r>
+            </a:p>
+            <a:p>
+              <a:endParaRPr lang="en-US" sz="4457" dirty="0">
                 <a:latin typeface="Corbel" panose="020B0503020204020204" pitchFamily="34" charset="0"/>
-              </a:rPr>
-              <a:t> 3 </a:t>
-            </a:r>
-            <a:r>
-              <a:rPr lang="en-US" sz="4457" dirty="0">
-                <a:latin typeface="Corbel" panose="020B0503020204020204" pitchFamily="34" charset="0"/>
-              </a:rPr>
-              <a:t>questions: 1) Overall, do students make fewer repeated mistakes when repeatedly tested on concepts? 2) Does feedback viewing behavior on Exam X predict the number of repeated mistakes on Exam X+1? 3) Does the number of</a:t>
-            </a:r>
-          </a:p>
-          <a:p>
-            <a:r>
-              <a:rPr lang="en-US" sz="4457" dirty="0">
-                <a:latin typeface="Corbel" panose="020B0503020204020204" pitchFamily="34" charset="0"/>
-              </a:rPr>
-              <a:t>Repeated mistakes between the two groups differ before versus after the intervention when controlling for feedback viewing behavior? </a:t>
-            </a:r>
-          </a:p>
-        </p:txBody>
-      </p:sp>
+              </a:endParaRPr>
+            </a:p>
+          </p:txBody>
+        </p:sp>
+      </p:grpSp>
       <p:graphicFrame>
         <p:nvGraphicFramePr>
           <p:cNvPr id="27" name="Chart 26"/>
@@ -4057,18 +4275,18 @@
           <p:nvPr>
             <p:extLst>
               <p:ext uri="{D42A27DB-BD31-4B8C-83A1-F6EECF244321}">
-                <p14:modId xmlns:p14="http://schemas.microsoft.com/office/powerpoint/2010/main" val="1604880060"/>
+                <p14:modId xmlns:p14="http://schemas.microsoft.com/office/powerpoint/2010/main" val="420275756"/>
               </p:ext>
             </p:extLst>
           </p:nvPr>
         </p:nvGraphicFramePr>
         <p:xfrm>
-          <a:off x="14863082" y="10439520"/>
-          <a:ext cx="9976757" cy="9033152"/>
+          <a:off x="29130959" y="17038346"/>
+          <a:ext cx="13175281" cy="9033152"/>
         </p:xfrm>
         <a:graphic>
           <a:graphicData uri="http://schemas.openxmlformats.org/drawingml/2006/chart">
-            <c:chart xmlns:c="http://schemas.openxmlformats.org/drawingml/2006/chart" xmlns:r="http://schemas.openxmlformats.org/officeDocument/2006/relationships" r:id="rId2"/>
+            <c:chart xmlns:c="http://schemas.openxmlformats.org/drawingml/2006/chart" xmlns:r="http://schemas.openxmlformats.org/officeDocument/2006/relationships" r:id="rId3"/>
           </a:graphicData>
         </a:graphic>
       </p:graphicFrame>
@@ -4082,30 +4300,30 @@
             </a:extLst>
           </p:cNvPr>
           <p:cNvGrpSpPr>
-            <a:grpSpLocks/>
+            <a:grpSpLocks noGrp="1" noUngrp="1" noRot="1" noMove="1" noResize="1"/>
           </p:cNvGrpSpPr>
           <p:nvPr/>
         </p:nvGrpSpPr>
         <p:grpSpPr>
           <a:xfrm>
-            <a:off x="0" y="-252770"/>
-            <a:ext cx="43891200" cy="5434924"/>
-            <a:chOff x="0" y="4114800"/>
-            <a:chExt cx="43891200" cy="5434924"/>
+            <a:off x="0" y="-41706"/>
+            <a:ext cx="43926369" cy="5434924"/>
+            <a:chOff x="0" y="3938955"/>
+            <a:chExt cx="43926369" cy="5434924"/>
           </a:xfrm>
         </p:grpSpPr>
         <p:sp>
           <p:nvSpPr>
             <p:cNvPr id="4" name="Rectangle 3"/>
             <p:cNvSpPr>
-              <a:spLocks/>
+              <a:spLocks noGrp="1" noRot="1" noMove="1" noResize="1" noEditPoints="1" noAdjustHandles="1" noChangeArrowheads="1" noChangeShapeType="1"/>
             </p:cNvSpPr>
             <p:nvPr/>
           </p:nvSpPr>
           <p:spPr>
             <a:xfrm>
-              <a:off x="0" y="4114800"/>
-              <a:ext cx="43891200" cy="5434924"/>
+              <a:off x="0" y="3938955"/>
+              <a:ext cx="43926369" cy="5434924"/>
             </a:xfrm>
             <a:prstGeom prst="rect">
               <a:avLst/>
@@ -4153,14 +4371,14 @@
           <p:nvSpPr>
             <p:cNvPr id="32" name="TextBox 31"/>
             <p:cNvSpPr txBox="1">
-              <a:spLocks/>
+              <a:spLocks noGrp="1" noRot="1" noMove="1" noResize="1" noEditPoints="1" noAdjustHandles="1" noChangeArrowheads="1" noChangeShapeType="1"/>
             </p:cNvSpPr>
             <p:nvPr/>
           </p:nvSpPr>
           <p:spPr>
             <a:xfrm>
-              <a:off x="0" y="5071069"/>
-              <a:ext cx="43891200" cy="4154984"/>
+              <a:off x="0" y="4684210"/>
+              <a:ext cx="43891200" cy="4124206"/>
             </a:xfrm>
             <a:prstGeom prst="rect">
               <a:avLst/>
@@ -4181,7 +4399,7 @@
                   </a:solidFill>
                   <a:latin typeface="Corbel" panose="020B0503020204020204" pitchFamily="34" charset="0"/>
                 </a:rPr>
-                <a:t>Unlocking Feedback Generalization: How metacognitive Interventions reduce Repeated Mistakes</a:t>
+                <a:t>Unlocking Feedback Generalization: </a:t>
               </a:r>
             </a:p>
             <a:p>
@@ -4193,6 +4411,30 @@
                   </a:solidFill>
                   <a:latin typeface="Corbel" panose="020B0503020204020204" pitchFamily="34" charset="0"/>
                 </a:rPr>
+                <a:t>The Relationship Between Metacognition, Feedback Viewing and Repeated Mistakes</a:t>
+              </a:r>
+            </a:p>
+            <a:p>
+              <a:pPr algn="ctr"/>
+              <a:r>
+                <a:rPr lang="en-US" sz="2000" dirty="0">
+                  <a:solidFill>
+                    <a:schemeClr val="bg1"/>
+                  </a:solidFill>
+                  <a:latin typeface="Corbel" panose="020B0503020204020204" pitchFamily="34" charset="0"/>
+                </a:rPr>
+                <a:t> </a:t>
+              </a:r>
+            </a:p>
+            <a:p>
+              <a:pPr algn="ctr"/>
+              <a:r>
+                <a:rPr lang="en-US" sz="6600" dirty="0">
+                  <a:solidFill>
+                    <a:schemeClr val="bg1"/>
+                  </a:solidFill>
+                  <a:latin typeface="Corbel" panose="020B0503020204020204" pitchFamily="34" charset="0"/>
+                </a:rPr>
                 <a:t>Xinhui Zhang, Sydney Wood, Victoria Cross</a:t>
               </a:r>
             </a:p>
@@ -4207,7 +4449,7 @@
         </p:nvSpPr>
         <p:spPr>
           <a:xfrm>
-            <a:off x="30158799" y="22577160"/>
+            <a:off x="28981395" y="27362520"/>
             <a:ext cx="8948917" cy="4154342"/>
           </a:xfrm>
           <a:prstGeom prst="rect">
@@ -4283,108 +4525,479 @@
           </a:p>
         </p:txBody>
       </p:sp>
-      <p:sp>
-        <p:nvSpPr>
-          <p:cNvPr id="9" name="TextBox 8">
+      <p:grpSp>
+        <p:nvGrpSpPr>
+          <p:cNvPr id="22" name="Group 21">
             <a:extLst>
               <a:ext uri="{FF2B5EF4-FFF2-40B4-BE49-F238E27FC236}">
-                <a16:creationId xmlns:a16="http://schemas.microsoft.com/office/drawing/2014/main" id="{AA15F773-02BD-F9E8-B74D-49497B271D18}"/>
+                <a16:creationId xmlns:a16="http://schemas.microsoft.com/office/drawing/2014/main" id="{E4EAEA5B-A51B-F076-E948-70C53C026D30}"/>
               </a:ext>
             </a:extLst>
           </p:cNvPr>
-          <p:cNvSpPr txBox="1"/>
+          <p:cNvGrpSpPr>
+            <a:grpSpLocks noGrp="1" noUngrp="1" noRot="1" noMove="1" noResize="1"/>
+          </p:cNvGrpSpPr>
           <p:nvPr/>
-        </p:nvSpPr>
+        </p:nvGrpSpPr>
+        <p:grpSpPr>
+          <a:xfrm>
+            <a:off x="342898" y="12745757"/>
+            <a:ext cx="13085309" cy="10457622"/>
+            <a:chOff x="342898" y="13294397"/>
+            <a:chExt cx="13085309" cy="10457622"/>
+          </a:xfrm>
+        </p:grpSpPr>
+        <p:sp>
+          <p:nvSpPr>
+            <p:cNvPr id="9" name="TextBox 8">
+              <a:extLst>
+                <a:ext uri="{FF2B5EF4-FFF2-40B4-BE49-F238E27FC236}">
+                  <a16:creationId xmlns:a16="http://schemas.microsoft.com/office/drawing/2014/main" id="{AA15F773-02BD-F9E8-B74D-49497B271D18}"/>
+                </a:ext>
+              </a:extLst>
+            </p:cNvPr>
+            <p:cNvSpPr txBox="1">
+              <a:spLocks noGrp="1" noRot="1" noMove="1" noResize="1" noEditPoints="1" noAdjustHandles="1" noChangeArrowheads="1" noChangeShapeType="1"/>
+            </p:cNvSpPr>
+            <p:nvPr/>
+          </p:nvSpPr>
+          <p:spPr>
+            <a:xfrm>
+              <a:off x="342898" y="13294397"/>
+              <a:ext cx="11364686" cy="1147558"/>
+            </a:xfrm>
+            <a:prstGeom prst="rect">
+              <a:avLst/>
+            </a:prstGeom>
+            <a:noFill/>
+          </p:spPr>
+          <p:txBody>
+            <a:bodyPr wrap="square" rtlCol="0">
+              <a:spAutoFit/>
+            </a:bodyPr>
+            <a:lstStyle/>
+            <a:p>
+              <a:r>
+                <a:rPr lang="en-US" sz="6857" dirty="0">
+                  <a:latin typeface="Corbel" panose="020B0503020204020204" pitchFamily="34" charset="0"/>
+                </a:rPr>
+                <a:t>Predictions</a:t>
+              </a:r>
+            </a:p>
+          </p:txBody>
+        </p:sp>
+        <p:sp>
+          <p:nvSpPr>
+            <p:cNvPr id="19" name="TextBox 18">
+              <a:extLst>
+                <a:ext uri="{FF2B5EF4-FFF2-40B4-BE49-F238E27FC236}">
+                  <a16:creationId xmlns:a16="http://schemas.microsoft.com/office/drawing/2014/main" id="{520E2089-BA8F-FA78-34A9-68948773FAAD}"/>
+                </a:ext>
+              </a:extLst>
+            </p:cNvPr>
+            <p:cNvSpPr txBox="1">
+              <a:spLocks noGrp="1" noRot="1" noMove="1" noResize="1" noEditPoints="1" noAdjustHandles="1" noChangeArrowheads="1" noChangeShapeType="1"/>
+            </p:cNvSpPr>
+            <p:nvPr/>
+          </p:nvSpPr>
+          <p:spPr>
+            <a:xfrm>
+              <a:off x="428800" y="14967306"/>
+              <a:ext cx="12956722" cy="8784713"/>
+            </a:xfrm>
+            <a:prstGeom prst="rect">
+              <a:avLst/>
+            </a:prstGeom>
+            <a:noFill/>
+          </p:spPr>
+          <p:txBody>
+            <a:bodyPr wrap="square" rtlCol="0">
+              <a:spAutoFit/>
+            </a:bodyPr>
+            <a:lstStyle/>
+            <a:p>
+              <a:pPr marL="685800" indent="-685800">
+                <a:spcBef>
+                  <a:spcPts val="1800"/>
+                </a:spcBef>
+                <a:buFont typeface="Arial" panose="020B0604020202020204" pitchFamily="34" charset="0"/>
+                <a:buChar char="•"/>
+              </a:pPr>
+              <a:r>
+                <a:rPr lang="en-US" sz="4457" dirty="0"/>
+                <a:t>Hypothesis 1: Overall, students repeat a smaller percentage of mistakes on questions that are repeatedly tested.</a:t>
+              </a:r>
+            </a:p>
+            <a:p>
+              <a:pPr marL="685800" indent="-685800">
+                <a:spcBef>
+                  <a:spcPts val="1800"/>
+                </a:spcBef>
+                <a:buFont typeface="Arial" panose="020B0604020202020204" pitchFamily="34" charset="0"/>
+                <a:buChar char="•"/>
+              </a:pPr>
+              <a:r>
+                <a:rPr lang="en-US" sz="4457" dirty="0"/>
+                <a:t>Hypothesis 2: Students who view feedback repeat a smaller percentage of  mistakes on subsequent exams than those who did not view feedback.</a:t>
+              </a:r>
+            </a:p>
+            <a:p>
+              <a:pPr marL="685800" indent="-685800">
+                <a:spcBef>
+                  <a:spcPts val="1800"/>
+                </a:spcBef>
+                <a:buFont typeface="Arial" panose="020B0604020202020204" pitchFamily="34" charset="0"/>
+                <a:buChar char="•"/>
+              </a:pPr>
+              <a:r>
+                <a:rPr lang="en-US" sz="4457" dirty="0"/>
+                <a:t>Hypothesis 3: Controlling for feedback viewing, students in the intervention group repeat a smaller percentage of mistakes on exams after the intervention compared to before the intervention and compared to students who did not opt in to the intervention </a:t>
+              </a:r>
+            </a:p>
+          </p:txBody>
+        </p:sp>
+        <p:sp>
+          <p:nvSpPr>
+            <p:cNvPr id="21" name="Rectangle 20">
+              <a:extLst>
+                <a:ext uri="{FF2B5EF4-FFF2-40B4-BE49-F238E27FC236}">
+                  <a16:creationId xmlns:a16="http://schemas.microsoft.com/office/drawing/2014/main" id="{8900B810-2EED-E3D7-BA0A-700134F5784E}"/>
+                </a:ext>
+              </a:extLst>
+            </p:cNvPr>
+            <p:cNvSpPr>
+              <a:spLocks noGrp="1" noRot="1" noMove="1" noResize="1" noEditPoints="1" noAdjustHandles="1" noChangeArrowheads="1" noChangeShapeType="1"/>
+            </p:cNvSpPr>
+            <p:nvPr/>
+          </p:nvSpPr>
+          <p:spPr>
+            <a:xfrm>
+              <a:off x="471486" y="14500497"/>
+              <a:ext cx="12956721" cy="378794"/>
+            </a:xfrm>
+            <a:prstGeom prst="rect">
+              <a:avLst/>
+            </a:prstGeom>
+            <a:solidFill>
+              <a:schemeClr val="accent3">
+                <a:lumMod val="60000"/>
+                <a:lumOff val="40000"/>
+              </a:schemeClr>
+            </a:solidFill>
+            <a:ln>
+              <a:noFill/>
+            </a:ln>
+          </p:spPr>
+          <p:style>
+            <a:lnRef idx="2">
+              <a:schemeClr val="accent1">
+                <a:shade val="50000"/>
+              </a:schemeClr>
+            </a:lnRef>
+            <a:fillRef idx="1">
+              <a:schemeClr val="accent1"/>
+            </a:fillRef>
+            <a:effectRef idx="0">
+              <a:schemeClr val="accent1"/>
+            </a:effectRef>
+            <a:fontRef idx="minor">
+              <a:schemeClr val="lt1"/>
+            </a:fontRef>
+          </p:style>
+          <p:txBody>
+            <a:bodyPr rtlCol="0" anchor="ctr"/>
+            <a:lstStyle/>
+            <a:p>
+              <a:pPr algn="ctr"/>
+              <a:endParaRPr lang="en-US" sz="1543"/>
+            </a:p>
+          </p:txBody>
+        </p:sp>
+      </p:grpSp>
+      <p:grpSp>
+        <p:nvGrpSpPr>
+          <p:cNvPr id="23" name="Group 22">
+            <a:extLst>
+              <a:ext uri="{FF2B5EF4-FFF2-40B4-BE49-F238E27FC236}">
+                <a16:creationId xmlns:a16="http://schemas.microsoft.com/office/drawing/2014/main" id="{9A44154C-8C33-9112-7A23-E2A2745920DD}"/>
+              </a:ext>
+            </a:extLst>
+          </p:cNvPr>
+          <p:cNvGrpSpPr>
+            <a:grpSpLocks noGrp="1" noUngrp="1" noRot="1" noMove="1" noResize="1"/>
+          </p:cNvGrpSpPr>
+          <p:nvPr/>
+        </p:nvGrpSpPr>
+        <p:grpSpPr>
+          <a:xfrm>
+            <a:off x="208541" y="23319840"/>
+            <a:ext cx="13213898" cy="9359654"/>
+            <a:chOff x="208541" y="22161600"/>
+            <a:chExt cx="13213898" cy="9359654"/>
+          </a:xfrm>
+        </p:grpSpPr>
+        <p:sp>
+          <p:nvSpPr>
+            <p:cNvPr id="12" name="TextBox 11"/>
+            <p:cNvSpPr txBox="1">
+              <a:spLocks noGrp="1" noRot="1" noMove="1" noResize="1" noEditPoints="1" noAdjustHandles="1" noChangeArrowheads="1" noChangeShapeType="1"/>
+            </p:cNvSpPr>
+            <p:nvPr/>
+          </p:nvSpPr>
+          <p:spPr>
+            <a:xfrm>
+              <a:off x="465717" y="22161600"/>
+              <a:ext cx="11364686" cy="1147558"/>
+            </a:xfrm>
+            <a:prstGeom prst="rect">
+              <a:avLst/>
+            </a:prstGeom>
+            <a:noFill/>
+          </p:spPr>
+          <p:txBody>
+            <a:bodyPr wrap="square" rtlCol="0">
+              <a:spAutoFit/>
+            </a:bodyPr>
+            <a:lstStyle/>
+            <a:p>
+              <a:r>
+                <a:rPr lang="en-US" sz="6857" dirty="0">
+                  <a:latin typeface="Corbel" panose="020B0503020204020204" pitchFamily="34" charset="0"/>
+                </a:rPr>
+                <a:t>Methods</a:t>
+              </a:r>
+            </a:p>
+          </p:txBody>
+        </p:sp>
+        <p:sp>
+          <p:nvSpPr>
+            <p:cNvPr id="17" name="Rectangle 16"/>
+            <p:cNvSpPr>
+              <a:spLocks noGrp="1" noRot="1" noMove="1" noResize="1" noEditPoints="1" noAdjustHandles="1" noChangeArrowheads="1" noChangeShapeType="1"/>
+            </p:cNvSpPr>
+            <p:nvPr/>
+          </p:nvSpPr>
+          <p:spPr>
+            <a:xfrm>
+              <a:off x="465717" y="23300851"/>
+              <a:ext cx="11634107" cy="449495"/>
+            </a:xfrm>
+            <a:prstGeom prst="rect">
+              <a:avLst/>
+            </a:prstGeom>
+            <a:solidFill>
+              <a:schemeClr val="accent3">
+                <a:lumMod val="60000"/>
+                <a:lumOff val="40000"/>
+              </a:schemeClr>
+            </a:solidFill>
+            <a:ln>
+              <a:noFill/>
+            </a:ln>
+          </p:spPr>
+          <p:style>
+            <a:lnRef idx="2">
+              <a:schemeClr val="accent1">
+                <a:shade val="50000"/>
+              </a:schemeClr>
+            </a:lnRef>
+            <a:fillRef idx="1">
+              <a:schemeClr val="accent1"/>
+            </a:fillRef>
+            <a:effectRef idx="0">
+              <a:schemeClr val="accent1"/>
+            </a:effectRef>
+            <a:fontRef idx="minor">
+              <a:schemeClr val="lt1"/>
+            </a:fontRef>
+          </p:style>
+          <p:txBody>
+            <a:bodyPr rtlCol="0" anchor="ctr"/>
+            <a:lstStyle/>
+            <a:p>
+              <a:pPr algn="ctr"/>
+              <a:endParaRPr lang="en-US" sz="1543"/>
+            </a:p>
+          </p:txBody>
+        </p:sp>
+        <p:sp>
+          <p:nvSpPr>
+            <p:cNvPr id="25" name="TextBox 24">
+              <a:extLst>
+                <a:ext uri="{FF2B5EF4-FFF2-40B4-BE49-F238E27FC236}">
+                  <a16:creationId xmlns:a16="http://schemas.microsoft.com/office/drawing/2014/main" id="{59F1AB25-8610-4AC1-BB7E-AB78D5A71543}"/>
+                </a:ext>
+              </a:extLst>
+            </p:cNvPr>
+            <p:cNvSpPr txBox="1">
+              <a:spLocks noGrp="1" noRot="1" noMove="1" noResize="1" noEditPoints="1" noAdjustHandles="1" noChangeArrowheads="1" noChangeShapeType="1"/>
+            </p:cNvSpPr>
+            <p:nvPr/>
+          </p:nvSpPr>
+          <p:spPr>
+            <a:xfrm>
+              <a:off x="208541" y="23879162"/>
+              <a:ext cx="13213898" cy="7642092"/>
+            </a:xfrm>
+            <a:prstGeom prst="rect">
+              <a:avLst/>
+            </a:prstGeom>
+            <a:noFill/>
+          </p:spPr>
+          <p:txBody>
+            <a:bodyPr wrap="square" rtlCol="0">
+              <a:spAutoFit/>
+            </a:bodyPr>
+            <a:lstStyle/>
+            <a:p>
+              <a:r>
+                <a:rPr lang="en-US" sz="4460" b="1" dirty="0">
+                  <a:latin typeface="Corbel" panose="020B0503020204020204" pitchFamily="34" charset="0"/>
+                </a:rPr>
+                <a:t>Participants</a:t>
+              </a:r>
+              <a:r>
+                <a:rPr lang="en-US" sz="4460" dirty="0">
+                  <a:latin typeface="Corbel" panose="020B0503020204020204" pitchFamily="34" charset="0"/>
+                </a:rPr>
+                <a:t>: 3</a:t>
+              </a:r>
+              <a:r>
+                <a:rPr lang="en-US" altLang="zh-CN" sz="4460" dirty="0">
+                  <a:latin typeface="Corbel" panose="020B0503020204020204" pitchFamily="34" charset="0"/>
+                </a:rPr>
+                <a:t>70</a:t>
+              </a:r>
+              <a:r>
+                <a:rPr lang="en-US" sz="4460" dirty="0">
+                  <a:latin typeface="Corbel" panose="020B0503020204020204" pitchFamily="34" charset="0"/>
+                </a:rPr>
+                <a:t> undergraduates in a research method course.</a:t>
+              </a:r>
+            </a:p>
+            <a:p>
+              <a:r>
+                <a:rPr lang="en-US" sz="4460" b="1" dirty="0">
+                  <a:latin typeface="Corbel" panose="020B0503020204020204" pitchFamily="34" charset="0"/>
+                </a:rPr>
+                <a:t>Intervention</a:t>
+              </a:r>
+              <a:r>
+                <a:rPr lang="en-US" sz="4460" dirty="0">
+                  <a:latin typeface="Corbel" panose="020B0503020204020204" pitchFamily="34" charset="0"/>
+                </a:rPr>
+                <a:t>: Optional metacognitive exam corrections after Exam 3.</a:t>
+              </a:r>
+            </a:p>
+            <a:p>
+              <a:r>
+                <a:rPr lang="en-US" sz="4460" b="1" dirty="0">
+                  <a:latin typeface="Corbel" panose="020B0503020204020204" pitchFamily="34" charset="0"/>
+                </a:rPr>
+                <a:t>Measure</a:t>
+              </a:r>
+              <a:r>
+                <a:rPr lang="en-US" sz="4460" dirty="0">
+                  <a:latin typeface="Corbel" panose="020B0503020204020204" pitchFamily="34" charset="0"/>
+                </a:rPr>
+                <a:t>:</a:t>
+              </a:r>
+            </a:p>
+            <a:p>
+              <a:pPr marL="587821" indent="-587821">
+                <a:buFont typeface="Arial" panose="020B0604020202020204" pitchFamily="34" charset="0"/>
+                <a:buChar char="•"/>
+              </a:pPr>
+              <a:r>
+                <a:rPr lang="en-US" sz="4460" dirty="0">
+                  <a:solidFill>
+                    <a:srgbClr val="404040"/>
+                  </a:solidFill>
+                  <a:latin typeface="Corbel" panose="020B0503020204020204" pitchFamily="34" charset="0"/>
+                </a:rPr>
+                <a:t>Repeated mistakes (matched rubric items across scaffolded exams).</a:t>
+              </a:r>
+            </a:p>
+            <a:p>
+              <a:r>
+                <a:rPr lang="en-US" sz="4460" b="1" dirty="0">
+                  <a:solidFill>
+                    <a:srgbClr val="404040"/>
+                  </a:solidFill>
+                  <a:latin typeface="Corbel" panose="020B0503020204020204" pitchFamily="34" charset="0"/>
+                </a:rPr>
+                <a:t>Analysis</a:t>
+              </a:r>
+              <a:r>
+                <a:rPr lang="en-US" sz="4460" dirty="0">
+                  <a:solidFill>
+                    <a:srgbClr val="404040"/>
+                  </a:solidFill>
+                  <a:latin typeface="Corbel" panose="020B0503020204020204" pitchFamily="34" charset="0"/>
+                </a:rPr>
+                <a:t>:</a:t>
+              </a:r>
+            </a:p>
+            <a:p>
+              <a:pPr marL="685800" indent="-685800">
+                <a:buFont typeface="Arial" panose="020B0604020202020204" pitchFamily="34" charset="0"/>
+                <a:buChar char="•"/>
+              </a:pPr>
+              <a:r>
+                <a:rPr lang="en-US" sz="4460" dirty="0">
+                  <a:solidFill>
+                    <a:srgbClr val="404040"/>
+                  </a:solidFill>
+                  <a:latin typeface="Corbel" panose="020B0503020204020204" pitchFamily="34" charset="0"/>
+                </a:rPr>
+                <a:t>Two Multilevel mixed-effects models estimated with Restricted Maximum Likelihood and Satterthwaite's t-test method</a:t>
+              </a:r>
+            </a:p>
+          </p:txBody>
+        </p:sp>
+      </p:grpSp>
+      <p:pic>
+        <p:nvPicPr>
+          <p:cNvPr id="3" name="Picture 2" descr="A graph with blue squares&#10;&#10;AI-generated content may be incorrect.">
+            <a:extLst>
+              <a:ext uri="{FF2B5EF4-FFF2-40B4-BE49-F238E27FC236}">
+                <a16:creationId xmlns:a16="http://schemas.microsoft.com/office/drawing/2014/main" id="{90029794-C450-E2AB-3AE3-4D56F3AAABEE}"/>
+              </a:ext>
+            </a:extLst>
+          </p:cNvPr>
+          <p:cNvPicPr>
+            <a:picLocks noChangeAspect="1"/>
+          </p:cNvPicPr>
+          <p:nvPr/>
+        </p:nvPicPr>
+        <p:blipFill>
+          <a:blip r:embed="rId4">
+            <a:extLst>
+              <a:ext uri="{28A0092B-C50C-407E-A947-70E740481C1C}">
+                <a14:useLocalDpi xmlns:a14="http://schemas.microsoft.com/office/drawing/2010/main" val="0"/>
+              </a:ext>
+            </a:extLst>
+          </a:blip>
+          <a:stretch>
+            <a:fillRect/>
+          </a:stretch>
+        </p:blipFill>
         <p:spPr>
           <a:xfrm>
-            <a:off x="342898" y="17791893"/>
-            <a:ext cx="11364686" cy="1147558"/>
+            <a:off x="14970588" y="7532864"/>
+            <a:ext cx="12435865" cy="7498095"/>
           </a:xfrm>
           <a:prstGeom prst="rect">
             <a:avLst/>
           </a:prstGeom>
-          <a:noFill/>
         </p:spPr>
-        <p:txBody>
-          <a:bodyPr wrap="square" rtlCol="0">
-            <a:spAutoFit/>
-          </a:bodyPr>
-          <a:lstStyle/>
-          <a:p>
-            <a:r>
-              <a:rPr lang="en-US" sz="6857" dirty="0">
-                <a:latin typeface="Corbel" panose="020B0503020204020204" pitchFamily="34" charset="0"/>
-              </a:rPr>
-              <a:t>Prediction</a:t>
-            </a:r>
-          </a:p>
-        </p:txBody>
-      </p:sp>
-      <p:sp>
-        <p:nvSpPr>
-          <p:cNvPr id="19" name="TextBox 18">
+      </p:pic>
+      <p:sp>
+        <p:nvSpPr>
+          <p:cNvPr id="5" name="Rectangle: Rounded Corners 4">
             <a:extLst>
               <a:ext uri="{FF2B5EF4-FFF2-40B4-BE49-F238E27FC236}">
-                <a16:creationId xmlns:a16="http://schemas.microsoft.com/office/drawing/2014/main" id="{520E2089-BA8F-FA78-34A9-68948773FAAD}"/>
-              </a:ext>
-            </a:extLst>
-          </p:cNvPr>
-          <p:cNvSpPr txBox="1"/>
-          <p:nvPr/>
-        </p:nvSpPr>
-        <p:spPr>
-          <a:xfrm>
-            <a:off x="465717" y="19687849"/>
-            <a:ext cx="12956722" cy="6265370"/>
-          </a:xfrm>
-          <a:prstGeom prst="rect">
-            <a:avLst/>
-          </a:prstGeom>
-          <a:noFill/>
-        </p:spPr>
-        <p:txBody>
-          <a:bodyPr wrap="square" rtlCol="0">
-            <a:spAutoFit/>
-          </a:bodyPr>
-          <a:lstStyle/>
-          <a:p>
-            <a:pPr marL="685800" indent="-685800">
-              <a:buFont typeface="Arial" panose="020B0604020202020204" pitchFamily="34" charset="0"/>
-              <a:buChar char="•"/>
-            </a:pPr>
-            <a:r>
-              <a:rPr lang="en-US" sz="4457" dirty="0"/>
-              <a:t>Hypothesis 4A: Overall, exam performance increases on concepts that are repeatedly tested.</a:t>
-            </a:r>
-          </a:p>
-          <a:p>
-            <a:pPr marL="685800" indent="-685800">
-              <a:buFont typeface="Arial" panose="020B0604020202020204" pitchFamily="34" charset="0"/>
-              <a:buChar char="•"/>
-            </a:pPr>
-            <a:r>
-              <a:rPr lang="en-US" sz="4457" dirty="0"/>
-              <a:t>Hypothesis 4B: Students who view feedback make fewer repeated mistakes on subsequent exams than those who did not view feedback.</a:t>
-            </a:r>
-          </a:p>
-          <a:p>
-            <a:pPr marL="685800" indent="-685800">
-              <a:buFont typeface="Arial" panose="020B0604020202020204" pitchFamily="34" charset="0"/>
-              <a:buChar char="•"/>
-            </a:pPr>
-            <a:r>
-              <a:rPr lang="en-US" sz="4457" dirty="0"/>
-              <a:t>Hypothesis 4C: Controlling for feedback viewing, students in the intervention group make fewer repeated mistakes on exams after the intervention controlling  for feedback viewing behavior?</a:t>
-            </a:r>
-          </a:p>
-        </p:txBody>
-      </p:sp>
-      <p:sp>
-        <p:nvSpPr>
-          <p:cNvPr id="21" name="Rectangle 20">
-            <a:extLst>
-              <a:ext uri="{FF2B5EF4-FFF2-40B4-BE49-F238E27FC236}">
-                <a16:creationId xmlns:a16="http://schemas.microsoft.com/office/drawing/2014/main" id="{8900B810-2EED-E3D7-BA0A-700134F5784E}"/>
+                <a16:creationId xmlns:a16="http://schemas.microsoft.com/office/drawing/2014/main" id="{D0C6BBDD-099E-0AB1-7DD8-C40F0FD1022F}"/>
               </a:ext>
             </a:extLst>
           </p:cNvPr>
@@ -4393,26 +5006,20 @@
         </p:nvSpPr>
         <p:spPr>
           <a:xfrm>
-            <a:off x="471486" y="18913325"/>
-            <a:ext cx="12956721" cy="378794"/>
+            <a:off x="14605906" y="15788640"/>
+            <a:ext cx="13039454" cy="1493520"/>
           </a:xfrm>
-          <a:prstGeom prst="rect">
+          <a:prstGeom prst="roundRect">
             <a:avLst/>
           </a:prstGeom>
           <a:solidFill>
-            <a:schemeClr val="accent3">
-              <a:lumMod val="60000"/>
-              <a:lumOff val="40000"/>
-            </a:schemeClr>
+            <a:schemeClr val="bg2"/>
           </a:solidFill>
-          <a:ln>
-            <a:noFill/>
-          </a:ln>
         </p:spPr>
         <p:style>
           <a:lnRef idx="2">
             <a:schemeClr val="accent1">
-              <a:shade val="50000"/>
+              <a:shade val="15000"/>
             </a:schemeClr>
           </a:lnRef>
           <a:fillRef idx="1">
@@ -4430,187 +5037,175 @@
           <a:lstStyle/>
           <a:p>
             <a:pPr algn="ctr"/>
-            <a:endParaRPr lang="en-US" sz="1543"/>
-          </a:p>
-        </p:txBody>
-      </p:sp>
-      <p:sp>
-        <p:nvSpPr>
-          <p:cNvPr id="25" name="TextBox 24">
+            <a:r>
+              <a:rPr lang="en-US" sz="3600" dirty="0">
+                <a:solidFill>
+                  <a:schemeClr val="tx1"/>
+                </a:solidFill>
+              </a:rPr>
+              <a:t>Comment on non-normal distribution </a:t>
+            </a:r>
+          </a:p>
+        </p:txBody>
+      </p:sp>
+      <p:grpSp>
+        <p:nvGrpSpPr>
+          <p:cNvPr id="30" name="Group 29">
             <a:extLst>
               <a:ext uri="{FF2B5EF4-FFF2-40B4-BE49-F238E27FC236}">
-                <a16:creationId xmlns:a16="http://schemas.microsoft.com/office/drawing/2014/main" id="{59F1AB25-8610-4AC1-BB7E-AB78D5A71543}"/>
+                <a16:creationId xmlns:a16="http://schemas.microsoft.com/office/drawing/2014/main" id="{6AB4CA81-167F-19A2-A9A4-72E60813D322}"/>
               </a:ext>
             </a:extLst>
           </p:cNvPr>
-          <p:cNvSpPr txBox="1"/>
+          <p:cNvGrpSpPr/>
           <p:nvPr/>
-        </p:nvSpPr>
-        <p:spPr>
+        </p:nvGrpSpPr>
+        <p:grpSpPr>
           <a:xfrm>
-            <a:off x="391883" y="27414842"/>
-            <a:ext cx="13030556" cy="5369419"/>
+            <a:off x="29010975" y="5690670"/>
+            <a:ext cx="14720206" cy="1438231"/>
+            <a:chOff x="29010975" y="5690670"/>
+            <a:chExt cx="14720206" cy="1438231"/>
           </a:xfrm>
-          <a:prstGeom prst="rect">
-            <a:avLst/>
-          </a:prstGeom>
-          <a:noFill/>
-        </p:spPr>
-        <p:txBody>
-          <a:bodyPr wrap="square" rtlCol="0">
-            <a:spAutoFit/>
-          </a:bodyPr>
-          <a:lstStyle/>
-          <a:p>
-            <a:r>
-              <a:rPr lang="en-US" sz="3429" b="1" dirty="0">
-                <a:latin typeface="Corbel" panose="020B0503020204020204" pitchFamily="34" charset="0"/>
-              </a:rPr>
-              <a:t>Participants</a:t>
-            </a:r>
-            <a:r>
-              <a:rPr lang="en-US" sz="3429" dirty="0">
-                <a:latin typeface="Corbel" panose="020B0503020204020204" pitchFamily="34" charset="0"/>
-              </a:rPr>
-              <a:t>: 3</a:t>
-            </a:r>
-            <a:r>
-              <a:rPr lang="en-US" altLang="zh-CN" sz="3429" dirty="0">
-                <a:latin typeface="Corbel" panose="020B0503020204020204" pitchFamily="34" charset="0"/>
-              </a:rPr>
-              <a:t>70</a:t>
-            </a:r>
-            <a:r>
-              <a:rPr lang="en-US" sz="3429" dirty="0">
-                <a:latin typeface="Corbel" panose="020B0503020204020204" pitchFamily="34" charset="0"/>
-              </a:rPr>
-              <a:t> undergraduates in a research method course.</a:t>
-            </a:r>
-          </a:p>
-          <a:p>
-            <a:r>
-              <a:rPr lang="en-US" sz="3429" b="1" dirty="0">
-                <a:latin typeface="Corbel" panose="020B0503020204020204" pitchFamily="34" charset="0"/>
-              </a:rPr>
-              <a:t>Intervention</a:t>
-            </a:r>
-            <a:r>
-              <a:rPr lang="en-US" sz="3429" dirty="0">
-                <a:latin typeface="Corbel" panose="020B0503020204020204" pitchFamily="34" charset="0"/>
-              </a:rPr>
-              <a:t>: Optional metacognitive exam corrections after Exam 3.</a:t>
-            </a:r>
-          </a:p>
-          <a:p>
-            <a:r>
-              <a:rPr lang="en-US" sz="3429" b="1" dirty="0">
-                <a:latin typeface="Corbel" panose="020B0503020204020204" pitchFamily="34" charset="0"/>
-              </a:rPr>
-              <a:t>Measure</a:t>
-            </a:r>
-            <a:r>
-              <a:rPr lang="en-US" sz="3429" dirty="0">
-                <a:latin typeface="Corbel" panose="020B0503020204020204" pitchFamily="34" charset="0"/>
-              </a:rPr>
-              <a:t>:</a:t>
-            </a:r>
-          </a:p>
-          <a:p>
-            <a:pPr marL="587821" indent="-587821">
-              <a:buFont typeface="Arial" panose="020B0604020202020204" pitchFamily="34" charset="0"/>
-              <a:buChar char="•"/>
-            </a:pPr>
-            <a:r>
-              <a:rPr lang="en-US" sz="3429" dirty="0">
-                <a:solidFill>
-                  <a:srgbClr val="404040"/>
-                </a:solidFill>
-                <a:latin typeface="Corbel" panose="020B0503020204020204" pitchFamily="34" charset="0"/>
-              </a:rPr>
-              <a:t>Repeated mistakes (matched rubric items across scaffolded exams).</a:t>
-            </a:r>
-          </a:p>
-          <a:p>
-            <a:r>
-              <a:rPr lang="en-US" sz="3429" b="1" dirty="0">
-                <a:solidFill>
-                  <a:srgbClr val="404040"/>
-                </a:solidFill>
-                <a:latin typeface="Corbel" panose="020B0503020204020204" pitchFamily="34" charset="0"/>
-              </a:rPr>
-              <a:t>Analysis</a:t>
-            </a:r>
-            <a:r>
-              <a:rPr lang="en-US" sz="3429" dirty="0">
-                <a:solidFill>
-                  <a:srgbClr val="404040"/>
-                </a:solidFill>
-                <a:latin typeface="Corbel" panose="020B0503020204020204" pitchFamily="34" charset="0"/>
-              </a:rPr>
-              <a:t>:</a:t>
-            </a:r>
-          </a:p>
-          <a:p>
-            <a:r>
-              <a:rPr lang="en-US" sz="3429" dirty="0">
-                <a:solidFill>
-                  <a:srgbClr val="404040"/>
-                </a:solidFill>
-                <a:latin typeface="Corbel" panose="020B0503020204020204" pitchFamily="34" charset="0"/>
-              </a:rPr>
-              <a:t>For Hypothesis 4A: Multilevel model to test whether the percent of repeated mistakes differed based on the number of previous time a question was answered.</a:t>
-            </a:r>
-          </a:p>
-          <a:p>
-            <a:r>
-              <a:rPr lang="en-US" sz="3429" dirty="0">
-                <a:solidFill>
-                  <a:srgbClr val="404040"/>
-                </a:solidFill>
-                <a:latin typeface="Corbel" panose="020B0503020204020204" pitchFamily="34" charset="0"/>
-              </a:rPr>
-              <a:t>For Hypothesis 4B &amp; 4C: Use multilevel model to compare the percentage of repeated mistakes.</a:t>
-            </a:r>
-            <a:endParaRPr lang="en-US" sz="3429" dirty="0">
-              <a:latin typeface="Corbel" panose="020B0503020204020204" pitchFamily="34" charset="0"/>
-            </a:endParaRPr>
-          </a:p>
-        </p:txBody>
-      </p:sp>
+        </p:grpSpPr>
+        <p:sp>
+          <p:nvSpPr>
+            <p:cNvPr id="24" name="TextBox 23">
+              <a:extLst>
+                <a:ext uri="{FF2B5EF4-FFF2-40B4-BE49-F238E27FC236}">
+                  <a16:creationId xmlns:a16="http://schemas.microsoft.com/office/drawing/2014/main" id="{CB808E9C-A563-32D1-2709-6CD034221FB9}"/>
+                </a:ext>
+              </a:extLst>
+            </p:cNvPr>
+            <p:cNvSpPr txBox="1"/>
+            <p:nvPr/>
+          </p:nvSpPr>
+          <p:spPr>
+            <a:xfrm>
+              <a:off x="29133795" y="5690670"/>
+              <a:ext cx="11364686" cy="1147558"/>
+            </a:xfrm>
+            <a:prstGeom prst="rect">
+              <a:avLst/>
+            </a:prstGeom>
+            <a:noFill/>
+          </p:spPr>
+          <p:txBody>
+            <a:bodyPr wrap="square" rtlCol="0">
+              <a:spAutoFit/>
+            </a:bodyPr>
+            <a:lstStyle/>
+            <a:p>
+              <a:r>
+                <a:rPr lang="en-US" sz="6857" dirty="0">
+                  <a:latin typeface="+mj-lt"/>
+                </a:rPr>
+                <a:t>Sample Demographics</a:t>
+              </a:r>
+            </a:p>
+          </p:txBody>
+        </p:sp>
+        <p:sp>
+          <p:nvSpPr>
+            <p:cNvPr id="28" name="Rectangle 27">
+              <a:extLst>
+                <a:ext uri="{FF2B5EF4-FFF2-40B4-BE49-F238E27FC236}">
+                  <a16:creationId xmlns:a16="http://schemas.microsoft.com/office/drawing/2014/main" id="{2B9C0289-92A5-ED49-542F-F93D80A6C97A}"/>
+                </a:ext>
+              </a:extLst>
+            </p:cNvPr>
+            <p:cNvSpPr/>
+            <p:nvPr/>
+          </p:nvSpPr>
+          <p:spPr>
+            <a:xfrm>
+              <a:off x="29010975" y="6838228"/>
+              <a:ext cx="14720206" cy="290673"/>
+            </a:xfrm>
+            <a:prstGeom prst="rect">
+              <a:avLst/>
+            </a:prstGeom>
+            <a:solidFill>
+              <a:schemeClr val="accent3">
+                <a:lumMod val="60000"/>
+                <a:lumOff val="40000"/>
+              </a:schemeClr>
+            </a:solidFill>
+            <a:ln>
+              <a:noFill/>
+            </a:ln>
+          </p:spPr>
+          <p:style>
+            <a:lnRef idx="2">
+              <a:schemeClr val="accent1">
+                <a:shade val="50000"/>
+              </a:schemeClr>
+            </a:lnRef>
+            <a:fillRef idx="1">
+              <a:schemeClr val="accent1"/>
+            </a:fillRef>
+            <a:effectRef idx="0">
+              <a:schemeClr val="accent1"/>
+            </a:effectRef>
+            <a:fontRef idx="minor">
+              <a:schemeClr val="lt1"/>
+            </a:fontRef>
+          </p:style>
+          <p:txBody>
+            <a:bodyPr rtlCol="0" anchor="ctr"/>
+            <a:lstStyle/>
+            <a:p>
+              <a:pPr algn="ctr"/>
+              <a:endParaRPr lang="en-US" sz="1543"/>
+            </a:p>
+          </p:txBody>
+        </p:sp>
+      </p:grpSp>
       <p:pic>
         <p:nvPicPr>
-          <p:cNvPr id="29" name="Picture 28" descr="A graph with a number of mistakes&#10;&#10;AI-generated content may be incorrect.">
+          <p:cNvPr id="1026" name="Picture 2">
             <a:extLst>
               <a:ext uri="{FF2B5EF4-FFF2-40B4-BE49-F238E27FC236}">
-                <a16:creationId xmlns:a16="http://schemas.microsoft.com/office/drawing/2014/main" id="{1F853055-91FC-C9AE-53A2-1DD053DA0377}"/>
+                <a16:creationId xmlns:a16="http://schemas.microsoft.com/office/drawing/2014/main" id="{73CF3C72-6D92-97D8-7544-51B2E8C98746}"/>
               </a:ext>
             </a:extLst>
           </p:cNvPr>
           <p:cNvPicPr>
-            <a:picLocks noChangeAspect="1"/>
+            <a:picLocks noChangeAspect="1" noChangeArrowheads="1"/>
           </p:cNvPicPr>
           <p:nvPr/>
         </p:nvPicPr>
         <p:blipFill>
-          <a:blip r:embed="rId3">
+          <a:blip r:embed="rId5">
             <a:extLst>
               <a:ext uri="{28A0092B-C50C-407E-A947-70E740481C1C}">
                 <a14:useLocalDpi xmlns:a14="http://schemas.microsoft.com/office/drawing/2010/main" val="0"/>
               </a:ext>
             </a:extLst>
           </a:blip>
+          <a:srcRect/>
           <a:stretch>
             <a:fillRect/>
           </a:stretch>
         </p:blipFill>
-        <p:spPr>
+        <p:spPr bwMode="auto">
           <a:xfrm>
-            <a:off x="14892401" y="7104859"/>
-            <a:ext cx="12465732" cy="7468534"/>
+            <a:off x="29130959" y="7462927"/>
+            <a:ext cx="12676068" cy="7977433"/>
           </a:xfrm>
           <a:prstGeom prst="rect">
             <a:avLst/>
           </a:prstGeom>
+          <a:noFill/>
+          <a:extLst>
+            <a:ext uri="{909E8E84-426E-40DD-AFC4-6F175D3DCCD1}">
+              <a14:hiddenFill xmlns:a14="http://schemas.microsoft.com/office/drawing/2010/main">
+                <a:solidFill>
+                  <a:srgbClr val="FFFFFF"/>
+                </a:solidFill>
+              </a14:hiddenFill>
+            </a:ext>
+          </a:extLst>
         </p:spPr>
       </p:pic>
     </p:spTree>
@@ -4623,6 +5218,11 @@
   <p:clrMapOvr>
     <a:masterClrMapping/>
   </p:clrMapOvr>
+  <p:extLst>
+    <p:ext uri="{6950BFC3-D8DA-4A85-94F7-54DA5524770B}">
+      <p188:commentRel xmlns:p188="http://schemas.microsoft.com/office/powerpoint/2018/8/main" r:id="rId2"/>
+    </p:ext>
+  </p:extLst>
 </p:sld>
 </file>
 

--- a/W23 Rubric Item Data/Poster.pptx
+++ b/W23 Rubric Item Data/Poster.pptx
@@ -1071,8 +1071,8 @@
       <pc:docMk xmlns:pc="http://schemas.microsoft.com/office/powerpoint/2013/main/command"/>
       <pc:sldMk xmlns:pc="http://schemas.microsoft.com/office/powerpoint/2013/main/command" cId="3464102383" sldId="256"/>
       <ac:spMk id="20" creationId="{00000000-0000-0000-0000-000000000000}"/>
-      <ac:txMk cp="59" len="56">
-        <ac:context len="227" hash="657808597"/>
+      <ac:txMk cp="0">
+        <ac:context len="445" hash="2402125386"/>
       </ac:txMk>
     </ac:txMkLst>
     <p188:pos x="11916835" y="1116279"/>
@@ -1221,7 +1221,7 @@
           <a:p>
             <a:fld id="{A1B8C7A7-F203-4B9E-8863-87A096513449}" type="datetimeFigureOut">
               <a:rPr lang="en-US" smtClean="0"/>
-              <a:t>4/28/2025</a:t>
+              <a:t>4/28/25</a:t>
             </a:fld>
             <a:endParaRPr lang="en-US"/>
           </a:p>
@@ -1391,7 +1391,7 @@
           <a:p>
             <a:fld id="{A1B8C7A7-F203-4B9E-8863-87A096513449}" type="datetimeFigureOut">
               <a:rPr lang="en-US" smtClean="0"/>
-              <a:t>4/28/2025</a:t>
+              <a:t>4/28/25</a:t>
             </a:fld>
             <a:endParaRPr lang="en-US"/>
           </a:p>
@@ -1571,7 +1571,7 @@
           <a:p>
             <a:fld id="{A1B8C7A7-F203-4B9E-8863-87A096513449}" type="datetimeFigureOut">
               <a:rPr lang="en-US" smtClean="0"/>
-              <a:t>4/28/2025</a:t>
+              <a:t>4/28/25</a:t>
             </a:fld>
             <a:endParaRPr lang="en-US"/>
           </a:p>
@@ -1741,7 +1741,7 @@
           <a:p>
             <a:fld id="{A1B8C7A7-F203-4B9E-8863-87A096513449}" type="datetimeFigureOut">
               <a:rPr lang="en-US" smtClean="0"/>
-              <a:t>4/28/2025</a:t>
+              <a:t>4/28/25</a:t>
             </a:fld>
             <a:endParaRPr lang="en-US"/>
           </a:p>
@@ -1985,7 +1985,7 @@
           <a:p>
             <a:fld id="{A1B8C7A7-F203-4B9E-8863-87A096513449}" type="datetimeFigureOut">
               <a:rPr lang="en-US" smtClean="0"/>
-              <a:t>4/28/2025</a:t>
+              <a:t>4/28/25</a:t>
             </a:fld>
             <a:endParaRPr lang="en-US"/>
           </a:p>
@@ -2217,7 +2217,7 @@
           <a:p>
             <a:fld id="{A1B8C7A7-F203-4B9E-8863-87A096513449}" type="datetimeFigureOut">
               <a:rPr lang="en-US" smtClean="0"/>
-              <a:t>4/28/2025</a:t>
+              <a:t>4/28/25</a:t>
             </a:fld>
             <a:endParaRPr lang="en-US"/>
           </a:p>
@@ -2584,7 +2584,7 @@
           <a:p>
             <a:fld id="{A1B8C7A7-F203-4B9E-8863-87A096513449}" type="datetimeFigureOut">
               <a:rPr lang="en-US" smtClean="0"/>
-              <a:t>4/28/2025</a:t>
+              <a:t>4/28/25</a:t>
             </a:fld>
             <a:endParaRPr lang="en-US"/>
           </a:p>
@@ -2702,7 +2702,7 @@
           <a:p>
             <a:fld id="{A1B8C7A7-F203-4B9E-8863-87A096513449}" type="datetimeFigureOut">
               <a:rPr lang="en-US" smtClean="0"/>
-              <a:t>4/28/2025</a:t>
+              <a:t>4/28/25</a:t>
             </a:fld>
             <a:endParaRPr lang="en-US"/>
           </a:p>
@@ -2797,7 +2797,7 @@
           <a:p>
             <a:fld id="{A1B8C7A7-F203-4B9E-8863-87A096513449}" type="datetimeFigureOut">
               <a:rPr lang="en-US" smtClean="0"/>
-              <a:t>4/28/2025</a:t>
+              <a:t>4/28/25</a:t>
             </a:fld>
             <a:endParaRPr lang="en-US"/>
           </a:p>
@@ -3074,7 +3074,7 @@
           <a:p>
             <a:fld id="{A1B8C7A7-F203-4B9E-8863-87A096513449}" type="datetimeFigureOut">
               <a:rPr lang="en-US" smtClean="0"/>
-              <a:t>4/28/2025</a:t>
+              <a:t>4/28/25</a:t>
             </a:fld>
             <a:endParaRPr lang="en-US"/>
           </a:p>
@@ -3331,7 +3331,7 @@
           <a:p>
             <a:fld id="{A1B8C7A7-F203-4B9E-8863-87A096513449}" type="datetimeFigureOut">
               <a:rPr lang="en-US" smtClean="0"/>
-              <a:t>4/28/2025</a:t>
+              <a:t>4/28/25</a:t>
             </a:fld>
             <a:endParaRPr lang="en-US"/>
           </a:p>
@@ -3544,7 +3544,7 @@
           <a:p>
             <a:fld id="{A1B8C7A7-F203-4B9E-8863-87A096513449}" type="datetimeFigureOut">
               <a:rPr lang="en-US" smtClean="0"/>
-              <a:t>4/28/2025</a:t>
+              <a:t>4/28/25</a:t>
             </a:fld>
             <a:endParaRPr lang="en-US"/>
           </a:p>
@@ -3966,7 +3966,7 @@
             <a:avLst/>
           </a:prstGeom>
           <a:solidFill>
-            <a:srgbClr val="E8D1FF"/>
+            <a:srgbClr val="FDFFE1"/>
           </a:solidFill>
           <a:ln>
             <a:noFill/>
@@ -4133,9 +4133,9 @@
         <p:grpSpPr>
           <a:xfrm>
             <a:off x="342898" y="5324910"/>
-            <a:ext cx="13213898" cy="6461862"/>
+            <a:ext cx="13213898" cy="7834994"/>
             <a:chOff x="342898" y="5324910"/>
-            <a:chExt cx="13213898" cy="6461862"/>
+            <a:chExt cx="13213898" cy="7834994"/>
           </a:xfrm>
         </p:grpSpPr>
         <p:sp>
@@ -4171,55 +4171,6 @@
         </p:sp>
         <p:sp>
           <p:nvSpPr>
-            <p:cNvPr id="16" name="Rectangle 15"/>
-            <p:cNvSpPr/>
-            <p:nvPr/>
-          </p:nvSpPr>
-          <p:spPr>
-            <a:xfrm>
-              <a:off x="342899" y="6441782"/>
-              <a:ext cx="12956721" cy="378794"/>
-            </a:xfrm>
-            <a:prstGeom prst="rect">
-              <a:avLst/>
-            </a:prstGeom>
-            <a:solidFill>
-              <a:schemeClr val="accent3">
-                <a:lumMod val="60000"/>
-                <a:lumOff val="40000"/>
-              </a:schemeClr>
-            </a:solidFill>
-            <a:ln>
-              <a:noFill/>
-            </a:ln>
-          </p:spPr>
-          <p:style>
-            <a:lnRef idx="2">
-              <a:schemeClr val="accent1">
-                <a:shade val="50000"/>
-              </a:schemeClr>
-            </a:lnRef>
-            <a:fillRef idx="1">
-              <a:schemeClr val="accent1"/>
-            </a:fillRef>
-            <a:effectRef idx="0">
-              <a:schemeClr val="accent1"/>
-            </a:effectRef>
-            <a:fontRef idx="minor">
-              <a:schemeClr val="lt1"/>
-            </a:fontRef>
-          </p:style>
-          <p:txBody>
-            <a:bodyPr rtlCol="0" anchor="ctr"/>
-            <a:lstStyle/>
-            <a:p>
-              <a:pPr algn="ctr"/>
-              <a:endParaRPr lang="en-US" sz="1543"/>
-            </a:p>
-          </p:txBody>
-        </p:sp>
-        <p:sp>
-          <p:nvSpPr>
             <p:cNvPr id="20" name="TextBox 19"/>
             <p:cNvSpPr txBox="1"/>
             <p:nvPr/>
@@ -4227,7 +4178,7 @@
           <p:spPr>
             <a:xfrm>
               <a:off x="342898" y="6893188"/>
-              <a:ext cx="13213898" cy="4893584"/>
+              <a:ext cx="13213898" cy="6266716"/>
             </a:xfrm>
             <a:prstGeom prst="rect">
               <a:avLst/>
@@ -4244,23 +4195,27 @@
                 <a:rPr lang="en-US" sz="4457" dirty="0">
                   <a:latin typeface="Corbel" panose="020B0503020204020204" pitchFamily="34" charset="0"/>
                 </a:rPr>
-                <a:t>Metacognition—thinking about one’s own thinking– is widely linked to self-regulated learning and higher achievement. }.  {Define feedback literacy} {scaffolding to help students build feedback literacy. } </a:t>
+                <a:t>Scaffolding provides a framework for teaching students to develop feedback literacy through iterative feedback. Feedback literacy is learners’ ability to understand and apply feedback.  Instructors aim to foster feedback literacy by giving feedback that prompts deeper connections through contextualization and broad application. The current </a:t>
               </a:r>
-            </a:p>
-            <a:p>
-              <a:endParaRPr lang="en-US" sz="4457" dirty="0">
-                <a:latin typeface="Corbel" panose="020B0503020204020204" pitchFamily="34" charset="0"/>
-              </a:endParaRPr>
-            </a:p>
-            <a:p>
               <a:r>
-                <a:rPr lang="en-US" sz="4457" dirty="0">
+                <a:rPr lang="en-US" sz="4460" dirty="0">
                   <a:latin typeface="Corbel" panose="020B0503020204020204" pitchFamily="34" charset="0"/>
                 </a:rPr>
-                <a:t>The current study </a:t>
+                <a:t>study </a:t>
               </a:r>
-            </a:p>
-            <a:p>
+              <a:r>
+                <a:rPr lang="en-US" sz="4460" b="0" i="0" u="none" strike="noStrike" dirty="0">
+                  <a:effectLst/>
+                  <a:latin typeface="Corbel" panose="020B0503020204020204" pitchFamily="34" charset="0"/>
+                </a:rPr>
+                <a:t>examines the change of repeated mistakes over time in the context </a:t>
+              </a:r>
+              <a:r>
+                <a:rPr lang="en-US" sz="4460" dirty="0">
+                  <a:latin typeface="Corbel" panose="020B0503020204020204" pitchFamily="34" charset="0"/>
+                </a:rPr>
+                <a:t>of metacognitive intervention.</a:t>
+              </a:r>
               <a:endParaRPr lang="en-US" sz="4457" dirty="0">
                 <a:latin typeface="Corbel" panose="020B0503020204020204" pitchFamily="34" charset="0"/>
               </a:endParaRPr>
@@ -4329,7 +4284,7 @@
               <a:avLst/>
             </a:prstGeom>
             <a:solidFill>
-              <a:srgbClr val="4B2E84"/>
+              <a:srgbClr val="FFE0FD"/>
             </a:solidFill>
             <a:ln>
               <a:noFill/>
@@ -4394,9 +4349,6 @@
               <a:pPr algn="ctr"/>
               <a:r>
                 <a:rPr lang="en-US" sz="8800" dirty="0">
-                  <a:solidFill>
-                    <a:schemeClr val="bg1"/>
-                  </a:solidFill>
                   <a:latin typeface="Corbel" panose="020B0503020204020204" pitchFamily="34" charset="0"/>
                 </a:rPr>
                 <a:t>Unlocking Feedback Generalization: </a:t>
@@ -4406,9 +4358,6 @@
               <a:pPr algn="ctr"/>
               <a:r>
                 <a:rPr lang="en-US" sz="8800" dirty="0">
-                  <a:solidFill>
-                    <a:schemeClr val="bg1"/>
-                  </a:solidFill>
                   <a:latin typeface="Corbel" panose="020B0503020204020204" pitchFamily="34" charset="0"/>
                 </a:rPr>
                 <a:t>The Relationship Between Metacognition, Feedback Viewing and Repeated Mistakes</a:t>
@@ -4418,9 +4367,6 @@
               <a:pPr algn="ctr"/>
               <a:r>
                 <a:rPr lang="en-US" sz="2000" dirty="0">
-                  <a:solidFill>
-                    <a:schemeClr val="bg1"/>
-                  </a:solidFill>
                   <a:latin typeface="Corbel" panose="020B0503020204020204" pitchFamily="34" charset="0"/>
                 </a:rPr>
                 <a:t> </a:t>
@@ -4430,9 +4376,6 @@
               <a:pPr algn="ctr"/>
               <a:r>
                 <a:rPr lang="en-US" sz="6600" dirty="0">
-                  <a:solidFill>
-                    <a:schemeClr val="bg1"/>
-                  </a:solidFill>
                   <a:latin typeface="Corbel" panose="020B0503020204020204" pitchFamily="34" charset="0"/>
                 </a:rPr>
                 <a:t>Xinhui Zhang, Sydney Wood, Victoria Cross</a:t>
@@ -4535,16 +4478,16 @@
             </a:extLst>
           </p:cNvPr>
           <p:cNvGrpSpPr>
-            <a:grpSpLocks noGrp="1" noUngrp="1" noRot="1" noMove="1" noResize="1"/>
+            <a:grpSpLocks/>
           </p:cNvGrpSpPr>
           <p:nvPr/>
         </p:nvGrpSpPr>
         <p:grpSpPr>
           <a:xfrm>
-            <a:off x="342898" y="12745757"/>
-            <a:ext cx="13085309" cy="10457622"/>
+            <a:off x="342898" y="13054604"/>
+            <a:ext cx="13042624" cy="10457622"/>
             <a:chOff x="342898" y="13294397"/>
-            <a:chExt cx="13085309" cy="10457622"/>
+            <a:chExt cx="13042624" cy="10457622"/>
           </a:xfrm>
         </p:grpSpPr>
         <p:sp>
@@ -4557,7 +4500,7 @@
               </a:extLst>
             </p:cNvPr>
             <p:cNvSpPr txBox="1">
-              <a:spLocks noGrp="1" noRot="1" noMove="1" noResize="1" noEditPoints="1" noAdjustHandles="1" noChangeArrowheads="1" noChangeShapeType="1"/>
+              <a:spLocks/>
             </p:cNvSpPr>
             <p:nvPr/>
           </p:nvSpPr>
@@ -4596,7 +4539,7 @@
               </a:extLst>
             </p:cNvPr>
             <p:cNvSpPr txBox="1">
-              <a:spLocks noGrp="1" noRot="1" noMove="1" noResize="1" noEditPoints="1" noAdjustHandles="1" noChangeArrowheads="1" noChangeShapeType="1"/>
+              <a:spLocks/>
             </p:cNvSpPr>
             <p:nvPr/>
           </p:nvSpPr>
@@ -4666,13 +4609,13 @@
               </a:extLst>
             </p:cNvPr>
             <p:cNvSpPr>
-              <a:spLocks noGrp="1" noRot="1" noMove="1" noResize="1" noEditPoints="1" noAdjustHandles="1" noChangeArrowheads="1" noChangeShapeType="1"/>
+              <a:spLocks/>
             </p:cNvSpPr>
             <p:nvPr/>
           </p:nvSpPr>
           <p:spPr>
             <a:xfrm>
-              <a:off x="471486" y="14500497"/>
+              <a:off x="424215" y="14506351"/>
               <a:ext cx="12956721" cy="378794"/>
             </a:xfrm>
             <a:prstGeom prst="rect">
@@ -4724,29 +4667,29 @@
             </a:extLst>
           </p:cNvPr>
           <p:cNvGrpSpPr>
-            <a:grpSpLocks noGrp="1" noUngrp="1" noRot="1" noMove="1" noResize="1"/>
+            <a:grpSpLocks/>
           </p:cNvGrpSpPr>
           <p:nvPr/>
         </p:nvGrpSpPr>
         <p:grpSpPr>
           <a:xfrm>
-            <a:off x="208541" y="23319840"/>
-            <a:ext cx="13213898" cy="9359654"/>
-            <a:chOff x="208541" y="22161600"/>
-            <a:chExt cx="13213898" cy="9359654"/>
+            <a:off x="295627" y="23411467"/>
+            <a:ext cx="13213898" cy="9355113"/>
+            <a:chOff x="208541" y="22166141"/>
+            <a:chExt cx="13213898" cy="9355113"/>
           </a:xfrm>
         </p:grpSpPr>
         <p:sp>
           <p:nvSpPr>
             <p:cNvPr id="12" name="TextBox 11"/>
             <p:cNvSpPr txBox="1">
-              <a:spLocks noGrp="1" noRot="1" noMove="1" noResize="1" noEditPoints="1" noAdjustHandles="1" noChangeArrowheads="1" noChangeShapeType="1"/>
+              <a:spLocks/>
             </p:cNvSpPr>
             <p:nvPr/>
           </p:nvSpPr>
           <p:spPr>
             <a:xfrm>
-              <a:off x="465717" y="22161600"/>
+              <a:off x="255812" y="22166141"/>
               <a:ext cx="11364686" cy="1147558"/>
             </a:xfrm>
             <a:prstGeom prst="rect">
@@ -4771,57 +4714,6 @@
         </p:sp>
         <p:sp>
           <p:nvSpPr>
-            <p:cNvPr id="17" name="Rectangle 16"/>
-            <p:cNvSpPr>
-              <a:spLocks noGrp="1" noRot="1" noMove="1" noResize="1" noEditPoints="1" noAdjustHandles="1" noChangeArrowheads="1" noChangeShapeType="1"/>
-            </p:cNvSpPr>
-            <p:nvPr/>
-          </p:nvSpPr>
-          <p:spPr>
-            <a:xfrm>
-              <a:off x="465717" y="23300851"/>
-              <a:ext cx="11634107" cy="449495"/>
-            </a:xfrm>
-            <a:prstGeom prst="rect">
-              <a:avLst/>
-            </a:prstGeom>
-            <a:solidFill>
-              <a:schemeClr val="accent3">
-                <a:lumMod val="60000"/>
-                <a:lumOff val="40000"/>
-              </a:schemeClr>
-            </a:solidFill>
-            <a:ln>
-              <a:noFill/>
-            </a:ln>
-          </p:spPr>
-          <p:style>
-            <a:lnRef idx="2">
-              <a:schemeClr val="accent1">
-                <a:shade val="50000"/>
-              </a:schemeClr>
-            </a:lnRef>
-            <a:fillRef idx="1">
-              <a:schemeClr val="accent1"/>
-            </a:fillRef>
-            <a:effectRef idx="0">
-              <a:schemeClr val="accent1"/>
-            </a:effectRef>
-            <a:fontRef idx="minor">
-              <a:schemeClr val="lt1"/>
-            </a:fontRef>
-          </p:style>
-          <p:txBody>
-            <a:bodyPr rtlCol="0" anchor="ctr"/>
-            <a:lstStyle/>
-            <a:p>
-              <a:pPr algn="ctr"/>
-              <a:endParaRPr lang="en-US" sz="1543"/>
-            </a:p>
-          </p:txBody>
-        </p:sp>
-        <p:sp>
-          <p:nvSpPr>
             <p:cNvPr id="25" name="TextBox 24">
               <a:extLst>
                 <a:ext uri="{FF2B5EF4-FFF2-40B4-BE49-F238E27FC236}">
@@ -4830,7 +4722,7 @@
               </a:extLst>
             </p:cNvPr>
             <p:cNvSpPr txBox="1">
-              <a:spLocks noGrp="1" noRot="1" noMove="1" noResize="1" noEditPoints="1" noAdjustHandles="1" noChangeArrowheads="1" noChangeShapeType="1"/>
+              <a:spLocks/>
             </p:cNvSpPr>
             <p:nvPr/>
           </p:nvSpPr>
@@ -4910,9 +4802,6 @@
               </a:pPr>
               <a:r>
                 <a:rPr lang="en-US" sz="4460" dirty="0">
-                  <a:solidFill>
-                    <a:srgbClr val="404040"/>
-                  </a:solidFill>
                   <a:latin typeface="Corbel" panose="020B0503020204020204" pitchFamily="34" charset="0"/>
                 </a:rPr>
                 <a:t>Repeated mistakes (matched rubric items across scaffolded exams).</a:t>
@@ -4921,18 +4810,12 @@
             <a:p>
               <a:r>
                 <a:rPr lang="en-US" sz="4460" b="1" dirty="0">
-                  <a:solidFill>
-                    <a:srgbClr val="404040"/>
-                  </a:solidFill>
                   <a:latin typeface="Corbel" panose="020B0503020204020204" pitchFamily="34" charset="0"/>
                 </a:rPr>
                 <a:t>Analysis</a:t>
               </a:r>
               <a:r>
                 <a:rPr lang="en-US" sz="4460" dirty="0">
-                  <a:solidFill>
-                    <a:srgbClr val="404040"/>
-                  </a:solidFill>
                   <a:latin typeface="Corbel" panose="020B0503020204020204" pitchFamily="34" charset="0"/>
                 </a:rPr>
                 <a:t>:</a:t>
@@ -4945,9 +4828,6 @@
               </a:pPr>
               <a:r>
                 <a:rPr lang="en-US" sz="4460" dirty="0">
-                  <a:solidFill>
-                    <a:srgbClr val="404040"/>
-                  </a:solidFill>
                   <a:latin typeface="Corbel" panose="020B0503020204020204" pitchFamily="34" charset="0"/>
                 </a:rPr>
                 <a:t>Two Multilevel mixed-effects models estimated with Restricted Maximum Likelihood and Satterthwaite's t-test method</a:t>
@@ -4956,42 +4836,6 @@
           </p:txBody>
         </p:sp>
       </p:grpSp>
-      <p:pic>
-        <p:nvPicPr>
-          <p:cNvPr id="3" name="Picture 2" descr="A graph with blue squares&#10;&#10;AI-generated content may be incorrect.">
-            <a:extLst>
-              <a:ext uri="{FF2B5EF4-FFF2-40B4-BE49-F238E27FC236}">
-                <a16:creationId xmlns:a16="http://schemas.microsoft.com/office/drawing/2014/main" id="{90029794-C450-E2AB-3AE3-4D56F3AAABEE}"/>
-              </a:ext>
-            </a:extLst>
-          </p:cNvPr>
-          <p:cNvPicPr>
-            <a:picLocks noChangeAspect="1"/>
-          </p:cNvPicPr>
-          <p:nvPr/>
-        </p:nvPicPr>
-        <p:blipFill>
-          <a:blip r:embed="rId4">
-            <a:extLst>
-              <a:ext uri="{28A0092B-C50C-407E-A947-70E740481C1C}">
-                <a14:useLocalDpi xmlns:a14="http://schemas.microsoft.com/office/drawing/2010/main" val="0"/>
-              </a:ext>
-            </a:extLst>
-          </a:blip>
-          <a:stretch>
-            <a:fillRect/>
-          </a:stretch>
-        </p:blipFill>
-        <p:spPr>
-          <a:xfrm>
-            <a:off x="14970588" y="7532864"/>
-            <a:ext cx="12435865" cy="7498095"/>
-          </a:xfrm>
-          <a:prstGeom prst="rect">
-            <a:avLst/>
-          </a:prstGeom>
-        </p:spPr>
-      </p:pic>
       <p:sp>
         <p:nvSpPr>
           <p:cNvPr id="5" name="Rectangle: Rounded Corners 4">
@@ -5006,7 +4850,7 @@
         </p:nvSpPr>
         <p:spPr>
           <a:xfrm>
-            <a:off x="14605906" y="15788640"/>
+            <a:off x="14696448" y="15388129"/>
             <a:ext cx="13039454" cy="1493520"/>
           </a:xfrm>
           <a:prstGeom prst="roundRect">
@@ -5176,7 +5020,7 @@
           <p:nvPr/>
         </p:nvPicPr>
         <p:blipFill>
-          <a:blip r:embed="rId5">
+          <a:blip r:embed="rId4">
             <a:extLst>
               <a:ext uri="{28A0092B-C50C-407E-A947-70E740481C1C}">
                 <a14:useLocalDpi xmlns:a14="http://schemas.microsoft.com/office/drawing/2010/main" val="0"/>
@@ -5206,6 +5050,156 @@
               </a14:hiddenFill>
             </a:ext>
           </a:extLst>
+        </p:spPr>
+      </p:pic>
+      <p:sp>
+        <p:nvSpPr>
+          <p:cNvPr id="2" name="Rectangle 1">
+            <a:extLst>
+              <a:ext uri="{FF2B5EF4-FFF2-40B4-BE49-F238E27FC236}">
+                <a16:creationId xmlns:a16="http://schemas.microsoft.com/office/drawing/2014/main" id="{87EFB080-BEFB-FC21-B515-B57F50981593}"/>
+              </a:ext>
+            </a:extLst>
+          </p:cNvPr>
+          <p:cNvSpPr>
+            <a:spLocks/>
+          </p:cNvSpPr>
+          <p:nvPr/>
+        </p:nvSpPr>
+        <p:spPr>
+          <a:xfrm>
+            <a:off x="342898" y="24718807"/>
+            <a:ext cx="12956721" cy="378794"/>
+          </a:xfrm>
+          <a:prstGeom prst="rect">
+            <a:avLst/>
+          </a:prstGeom>
+          <a:solidFill>
+            <a:schemeClr val="accent3">
+              <a:lumMod val="60000"/>
+              <a:lumOff val="40000"/>
+            </a:schemeClr>
+          </a:solidFill>
+          <a:ln>
+            <a:noFill/>
+          </a:ln>
+        </p:spPr>
+        <p:style>
+          <a:lnRef idx="2">
+            <a:schemeClr val="accent1">
+              <a:shade val="50000"/>
+            </a:schemeClr>
+          </a:lnRef>
+          <a:fillRef idx="1">
+            <a:schemeClr val="accent1"/>
+          </a:fillRef>
+          <a:effectRef idx="0">
+            <a:schemeClr val="accent1"/>
+          </a:effectRef>
+          <a:fontRef idx="minor">
+            <a:schemeClr val="lt1"/>
+          </a:fontRef>
+        </p:style>
+        <p:txBody>
+          <a:bodyPr rtlCol="0" anchor="ctr"/>
+          <a:lstStyle/>
+          <a:p>
+            <a:pPr algn="ctr"/>
+            <a:endParaRPr lang="en-US" sz="1543"/>
+          </a:p>
+        </p:txBody>
+      </p:sp>
+      <p:sp>
+        <p:nvSpPr>
+          <p:cNvPr id="7" name="Rectangle 6">
+            <a:extLst>
+              <a:ext uri="{FF2B5EF4-FFF2-40B4-BE49-F238E27FC236}">
+                <a16:creationId xmlns:a16="http://schemas.microsoft.com/office/drawing/2014/main" id="{28C2AE6B-EA18-9D77-647C-B578B2BEFEFE}"/>
+              </a:ext>
+            </a:extLst>
+          </p:cNvPr>
+          <p:cNvSpPr>
+            <a:spLocks/>
+          </p:cNvSpPr>
+          <p:nvPr/>
+        </p:nvSpPr>
+        <p:spPr>
+          <a:xfrm>
+            <a:off x="424215" y="6528597"/>
+            <a:ext cx="12956721" cy="378794"/>
+          </a:xfrm>
+          <a:prstGeom prst="rect">
+            <a:avLst/>
+          </a:prstGeom>
+          <a:solidFill>
+            <a:schemeClr val="accent3">
+              <a:lumMod val="60000"/>
+              <a:lumOff val="40000"/>
+            </a:schemeClr>
+          </a:solidFill>
+          <a:ln>
+            <a:noFill/>
+          </a:ln>
+        </p:spPr>
+        <p:style>
+          <a:lnRef idx="2">
+            <a:schemeClr val="accent1">
+              <a:shade val="50000"/>
+            </a:schemeClr>
+          </a:lnRef>
+          <a:fillRef idx="1">
+            <a:schemeClr val="accent1"/>
+          </a:fillRef>
+          <a:effectRef idx="0">
+            <a:schemeClr val="accent1"/>
+          </a:effectRef>
+          <a:fontRef idx="minor">
+            <a:schemeClr val="lt1"/>
+          </a:fontRef>
+        </p:style>
+        <p:txBody>
+          <a:bodyPr rtlCol="0" anchor="ctr"/>
+          <a:lstStyle/>
+          <a:p>
+            <a:pPr algn="ctr"/>
+            <a:endParaRPr lang="en-US" sz="1543"/>
+          </a:p>
+        </p:txBody>
+      </p:sp>
+      <p:pic>
+        <p:nvPicPr>
+          <p:cNvPr id="45" name="Picture 44">
+            <a:extLst>
+              <a:ext uri="{FF2B5EF4-FFF2-40B4-BE49-F238E27FC236}">
+                <a16:creationId xmlns:a16="http://schemas.microsoft.com/office/drawing/2014/main" id="{0E45E8C3-6179-C469-790A-595649964781}"/>
+              </a:ext>
+            </a:extLst>
+          </p:cNvPr>
+          <p:cNvPicPr>
+            <a:picLocks noGrp="1" noRot="1" noChangeAspect="1" noMove="1" noResize="1" noEditPoints="1" noAdjustHandles="1" noChangeArrowheads="1" noChangeShapeType="1" noCrop="1"/>
+          </p:cNvPicPr>
+          <p:nvPr/>
+        </p:nvPicPr>
+        <p:blipFill>
+          <a:blip r:embed="rId5">
+            <a:extLst>
+              <a:ext uri="{28A0092B-C50C-407E-A947-70E740481C1C}">
+                <a14:useLocalDpi xmlns:a14="http://schemas.microsoft.com/office/drawing/2010/main" val="0"/>
+              </a:ext>
+            </a:extLst>
+          </a:blip>
+          <a:stretch>
+            <a:fillRect/>
+          </a:stretch>
+        </p:blipFill>
+        <p:spPr>
+          <a:xfrm>
+            <a:off x="14239248" y="6974579"/>
+            <a:ext cx="13716000" cy="8229600"/>
+          </a:xfrm>
+          <a:prstGeom prst="rect">
+            <a:avLst/>
+          </a:prstGeom>
         </p:spPr>
       </p:pic>
     </p:spTree>

--- a/W23 Rubric Item Data/Poster.pptx
+++ b/W23 Rubric Item Data/Poster.pptx
@@ -121,7 +121,7 @@
 <file path=ppt/revisionInfo.xml><?xml version="1.0" encoding="utf-8"?>
 <p1510:revInfo xmlns:a="http://schemas.openxmlformats.org/drawingml/2006/main" xmlns:r="http://schemas.openxmlformats.org/officeDocument/2006/relationships" xmlns:p1510="http://schemas.microsoft.com/office/powerpoint/2015/10/main">
   <p1510:revLst>
-    <p1510:client id="{20878C6E-EF79-4236-B13D-E7F647DBAB25}" v="15" dt="2025-04-29T02:26:35.155"/>
+    <p1510:client id="{20878C6E-EF79-4236-B13D-E7F647DBAB25}" v="22" dt="2025-04-29T04:12:36.561"/>
   </p1510:revLst>
 </p1510:revInfo>
 </file>
@@ -131,12 +131,12 @@
   <pc:docChgLst>
     <pc:chgData name="Sydney Wood" userId="2eb19ff15cf06bf2" providerId="LiveId" clId="{20878C6E-EF79-4236-B13D-E7F647DBAB25}"/>
     <pc:docChg chg="undo custSel mod modSld">
-      <pc:chgData name="Sydney Wood" userId="2eb19ff15cf06bf2" providerId="LiveId" clId="{20878C6E-EF79-4236-B13D-E7F647DBAB25}" dt="2025-04-29T02:26:35.155" v="1105" actId="14100"/>
+      <pc:chgData name="Sydney Wood" userId="2eb19ff15cf06bf2" providerId="LiveId" clId="{20878C6E-EF79-4236-B13D-E7F647DBAB25}" dt="2025-04-29T04:13:30.093" v="1183" actId="34135"/>
       <pc:docMkLst>
         <pc:docMk/>
       </pc:docMkLst>
       <pc:sldChg chg="addSp delSp modSp mod modCm">
-        <pc:chgData name="Sydney Wood" userId="2eb19ff15cf06bf2" providerId="LiveId" clId="{20878C6E-EF79-4236-B13D-E7F647DBAB25}" dt="2025-04-29T02:26:35.155" v="1105" actId="14100"/>
+        <pc:chgData name="Sydney Wood" userId="2eb19ff15cf06bf2" providerId="LiveId" clId="{20878C6E-EF79-4236-B13D-E7F647DBAB25}" dt="2025-04-29T04:13:30.093" v="1183" actId="34135"/>
         <pc:sldMkLst>
           <pc:docMk/>
           <pc:sldMk cId="3464102383" sldId="256"/>
@@ -349,6 +349,14 @@
             <ac:grpSpMk id="31" creationId="{B088B4F6-065C-83DF-E76E-E4A5D05F827D}"/>
           </ac:grpSpMkLst>
         </pc:grpChg>
+        <pc:graphicFrameChg chg="add mod modGraphic">
+          <ac:chgData name="Sydney Wood" userId="2eb19ff15cf06bf2" providerId="LiveId" clId="{20878C6E-EF79-4236-B13D-E7F647DBAB25}" dt="2025-04-29T04:13:30.093" v="1183" actId="34135"/>
+          <ac:graphicFrameMkLst>
+            <pc:docMk/>
+            <pc:sldMk cId="3464102383" sldId="256"/>
+            <ac:graphicFrameMk id="3" creationId="{6558D5D7-5DFF-DE53-AFE3-4A88CD10D599}"/>
+          </ac:graphicFrameMkLst>
+        </pc:graphicFrameChg>
         <pc:graphicFrameChg chg="mod">
           <ac:chgData name="Sydney Wood" userId="2eb19ff15cf06bf2" providerId="LiveId" clId="{20878C6E-EF79-4236-B13D-E7F647DBAB25}" dt="2025-04-29T02:24:29.369" v="943" actId="208"/>
           <ac:graphicFrameMkLst>
@@ -392,7 +400,7 @@
         <pc:extLst>
           <p:ext xmlns:p="http://schemas.openxmlformats.org/presentationml/2006/main" uri="{D6D511B9-2390-475A-947B-AFAB55BFBCF1}">
             <pc226:cmChg xmlns:pc226="http://schemas.microsoft.com/office/powerpoint/2022/06/main/command" chg="mod">
-              <pc226:chgData name="Sydney Wood" userId="2eb19ff15cf06bf2" providerId="LiveId" clId="{20878C6E-EF79-4236-B13D-E7F647DBAB25}" dt="2025-04-29T01:59:10.134" v="423" actId="20577"/>
+              <pc226:chgData name="Sydney Wood" userId="2eb19ff15cf06bf2" providerId="LiveId" clId="{20878C6E-EF79-4236-B13D-E7F647DBAB25}" dt="2025-04-29T04:13:15.115" v="1151" actId="20577"/>
               <pc2:cmMkLst xmlns:pc2="http://schemas.microsoft.com/office/powerpoint/2019/9/main/command">
                 <pc:docMk/>
                 <pc:sldMk cId="3464102383" sldId="256"/>
@@ -1221,7 +1229,7 @@
           <a:p>
             <a:fld id="{A1B8C7A7-F203-4B9E-8863-87A096513449}" type="datetimeFigureOut">
               <a:rPr lang="en-US" smtClean="0"/>
-              <a:t>4/28/25</a:t>
+              <a:t>4/28/2025</a:t>
             </a:fld>
             <a:endParaRPr lang="en-US"/>
           </a:p>
@@ -1391,7 +1399,7 @@
           <a:p>
             <a:fld id="{A1B8C7A7-F203-4B9E-8863-87A096513449}" type="datetimeFigureOut">
               <a:rPr lang="en-US" smtClean="0"/>
-              <a:t>4/28/25</a:t>
+              <a:t>4/28/2025</a:t>
             </a:fld>
             <a:endParaRPr lang="en-US"/>
           </a:p>
@@ -1571,7 +1579,7 @@
           <a:p>
             <a:fld id="{A1B8C7A7-F203-4B9E-8863-87A096513449}" type="datetimeFigureOut">
               <a:rPr lang="en-US" smtClean="0"/>
-              <a:t>4/28/25</a:t>
+              <a:t>4/28/2025</a:t>
             </a:fld>
             <a:endParaRPr lang="en-US"/>
           </a:p>
@@ -1741,7 +1749,7 @@
           <a:p>
             <a:fld id="{A1B8C7A7-F203-4B9E-8863-87A096513449}" type="datetimeFigureOut">
               <a:rPr lang="en-US" smtClean="0"/>
-              <a:t>4/28/25</a:t>
+              <a:t>4/28/2025</a:t>
             </a:fld>
             <a:endParaRPr lang="en-US"/>
           </a:p>
@@ -1985,7 +1993,7 @@
           <a:p>
             <a:fld id="{A1B8C7A7-F203-4B9E-8863-87A096513449}" type="datetimeFigureOut">
               <a:rPr lang="en-US" smtClean="0"/>
-              <a:t>4/28/25</a:t>
+              <a:t>4/28/2025</a:t>
             </a:fld>
             <a:endParaRPr lang="en-US"/>
           </a:p>
@@ -2217,7 +2225,7 @@
           <a:p>
             <a:fld id="{A1B8C7A7-F203-4B9E-8863-87A096513449}" type="datetimeFigureOut">
               <a:rPr lang="en-US" smtClean="0"/>
-              <a:t>4/28/25</a:t>
+              <a:t>4/28/2025</a:t>
             </a:fld>
             <a:endParaRPr lang="en-US"/>
           </a:p>
@@ -2584,7 +2592,7 @@
           <a:p>
             <a:fld id="{A1B8C7A7-F203-4B9E-8863-87A096513449}" type="datetimeFigureOut">
               <a:rPr lang="en-US" smtClean="0"/>
-              <a:t>4/28/25</a:t>
+              <a:t>4/28/2025</a:t>
             </a:fld>
             <a:endParaRPr lang="en-US"/>
           </a:p>
@@ -2702,7 +2710,7 @@
           <a:p>
             <a:fld id="{A1B8C7A7-F203-4B9E-8863-87A096513449}" type="datetimeFigureOut">
               <a:rPr lang="en-US" smtClean="0"/>
-              <a:t>4/28/25</a:t>
+              <a:t>4/28/2025</a:t>
             </a:fld>
             <a:endParaRPr lang="en-US"/>
           </a:p>
@@ -2797,7 +2805,7 @@
           <a:p>
             <a:fld id="{A1B8C7A7-F203-4B9E-8863-87A096513449}" type="datetimeFigureOut">
               <a:rPr lang="en-US" smtClean="0"/>
-              <a:t>4/28/25</a:t>
+              <a:t>4/28/2025</a:t>
             </a:fld>
             <a:endParaRPr lang="en-US"/>
           </a:p>
@@ -3074,7 +3082,7 @@
           <a:p>
             <a:fld id="{A1B8C7A7-F203-4B9E-8863-87A096513449}" type="datetimeFigureOut">
               <a:rPr lang="en-US" smtClean="0"/>
-              <a:t>4/28/25</a:t>
+              <a:t>4/28/2025</a:t>
             </a:fld>
             <a:endParaRPr lang="en-US"/>
           </a:p>
@@ -3331,7 +3339,7 @@
           <a:p>
             <a:fld id="{A1B8C7A7-F203-4B9E-8863-87A096513449}" type="datetimeFigureOut">
               <a:rPr lang="en-US" smtClean="0"/>
-              <a:t>4/28/25</a:t>
+              <a:t>4/28/2025</a:t>
             </a:fld>
             <a:endParaRPr lang="en-US"/>
           </a:p>
@@ -3544,7 +3552,7 @@
           <a:p>
             <a:fld id="{A1B8C7A7-F203-4B9E-8863-87A096513449}" type="datetimeFigureOut">
               <a:rPr lang="en-US" smtClean="0"/>
-              <a:t>4/28/25</a:t>
+              <a:t>4/28/2025</a:t>
             </a:fld>
             <a:endParaRPr lang="en-US"/>
           </a:p>
@@ -5202,6 +5210,5718 @@
           </a:prstGeom>
         </p:spPr>
       </p:pic>
+      <p:graphicFrame>
+        <p:nvGraphicFramePr>
+          <p:cNvPr id="3" name="Table 2">
+            <a:extLst>
+              <a:ext uri="{FF2B5EF4-FFF2-40B4-BE49-F238E27FC236}">
+                <a16:creationId xmlns:a16="http://schemas.microsoft.com/office/drawing/2014/main" id="{6558D5D7-5DFF-DE53-AFE3-4A88CD10D599}"/>
+              </a:ext>
+            </a:extLst>
+          </p:cNvPr>
+          <p:cNvGraphicFramePr>
+            <a:graphicFrameLocks noGrp="1" noDrilldown="1" noMove="1" noResize="1"/>
+          </p:cNvGraphicFramePr>
+          <p:nvPr>
+            <p:extLst>
+              <p:ext uri="{D42A27DB-BD31-4B8C-83A1-F6EECF244321}">
+                <p14:modId xmlns:p14="http://schemas.microsoft.com/office/powerpoint/2010/main" val="1238171570"/>
+              </p:ext>
+            </p:extLst>
+          </p:nvPr>
+        </p:nvGraphicFramePr>
+        <p:xfrm>
+          <a:off x="13940915" y="21455411"/>
+          <a:ext cx="14329284" cy="11102340"/>
+        </p:xfrm>
+        <a:graphic>
+          <a:graphicData uri="http://schemas.openxmlformats.org/drawingml/2006/table">
+            <a:tbl>
+              <a:tblPr/>
+              <a:tblGrid>
+                <a:gridCol w="3862482">
+                  <a:extLst>
+                    <a:ext uri="{9D8B030D-6E8A-4147-A177-3AD203B41FA5}">
+                      <a16:colId xmlns:a16="http://schemas.microsoft.com/office/drawing/2014/main" val="1527920058"/>
+                    </a:ext>
+                  </a:extLst>
+                </a:gridCol>
+                <a:gridCol w="485611">
+                  <a:extLst>
+                    <a:ext uri="{9D8B030D-6E8A-4147-A177-3AD203B41FA5}">
+                      <a16:colId xmlns:a16="http://schemas.microsoft.com/office/drawing/2014/main" val="1683163326"/>
+                    </a:ext>
+                  </a:extLst>
+                </a:gridCol>
+                <a:gridCol w="3376871">
+                  <a:extLst>
+                    <a:ext uri="{9D8B030D-6E8A-4147-A177-3AD203B41FA5}">
+                      <a16:colId xmlns:a16="http://schemas.microsoft.com/office/drawing/2014/main" val="243023392"/>
+                    </a:ext>
+                  </a:extLst>
+                </a:gridCol>
+                <a:gridCol w="1404538">
+                  <a:extLst>
+                    <a:ext uri="{9D8B030D-6E8A-4147-A177-3AD203B41FA5}">
+                      <a16:colId xmlns:a16="http://schemas.microsoft.com/office/drawing/2014/main" val="3129513609"/>
+                    </a:ext>
+                  </a:extLst>
+                </a:gridCol>
+                <a:gridCol w="956281">
+                  <a:extLst>
+                    <a:ext uri="{9D8B030D-6E8A-4147-A177-3AD203B41FA5}">
+                      <a16:colId xmlns:a16="http://schemas.microsoft.com/office/drawing/2014/main" val="1912173823"/>
+                    </a:ext>
+                  </a:extLst>
+                </a:gridCol>
+                <a:gridCol w="1105702">
+                  <a:extLst>
+                    <a:ext uri="{9D8B030D-6E8A-4147-A177-3AD203B41FA5}">
+                      <a16:colId xmlns:a16="http://schemas.microsoft.com/office/drawing/2014/main" val="103504942"/>
+                    </a:ext>
+                  </a:extLst>
+                </a:gridCol>
+                <a:gridCol w="1912563">
+                  <a:extLst>
+                    <a:ext uri="{9D8B030D-6E8A-4147-A177-3AD203B41FA5}">
+                      <a16:colId xmlns:a16="http://schemas.microsoft.com/office/drawing/2014/main" val="4145715444"/>
+                    </a:ext>
+                  </a:extLst>
+                </a:gridCol>
+                <a:gridCol w="1225236">
+                  <a:extLst>
+                    <a:ext uri="{9D8B030D-6E8A-4147-A177-3AD203B41FA5}">
+                      <a16:colId xmlns:a16="http://schemas.microsoft.com/office/drawing/2014/main" val="2354231706"/>
+                    </a:ext>
+                  </a:extLst>
+                </a:gridCol>
+              </a:tblGrid>
+              <a:tr h="472440">
+                <a:tc gridSpan="2">
+                  <a:txBody>
+                    <a:bodyPr/>
+                    <a:lstStyle/>
+                    <a:p>
+                      <a:pPr algn="l" fontAlgn="b"/>
+                      <a:r>
+                        <a:rPr lang="en-US" sz="3000" b="1" i="0" u="none" strike="noStrike" dirty="0">
+                          <a:solidFill>
+                            <a:srgbClr val="000000"/>
+                          </a:solidFill>
+                          <a:effectLst/>
+                          <a:latin typeface="Times New Roman" panose="02020603050405020304" pitchFamily="18" charset="0"/>
+                        </a:rPr>
+                        <a:t>Model 2</a:t>
+                      </a:r>
+                    </a:p>
+                  </a:txBody>
+                  <a:tcPr marL="7620" marR="7620" marT="7620" marB="0" anchor="b">
+                    <a:lnL>
+                      <a:noFill/>
+                    </a:lnL>
+                    <a:lnR>
+                      <a:noFill/>
+                    </a:lnR>
+                    <a:lnT>
+                      <a:noFill/>
+                    </a:lnT>
+                    <a:lnB>
+                      <a:noFill/>
+                    </a:lnB>
+                    <a:noFill/>
+                  </a:tcPr>
+                </a:tc>
+                <a:tc hMerge="1">
+                  <a:txBody>
+                    <a:bodyPr/>
+                    <a:lstStyle/>
+                    <a:p>
+                      <a:endParaRPr lang="en-US"/>
+                    </a:p>
+                  </a:txBody>
+                  <a:tcPr/>
+                </a:tc>
+                <a:tc>
+                  <a:txBody>
+                    <a:bodyPr/>
+                    <a:lstStyle/>
+                    <a:p>
+                      <a:pPr algn="l" fontAlgn="b"/>
+                      <a:endParaRPr lang="en-US" sz="3000" b="1" i="0" u="none" strike="noStrike">
+                        <a:solidFill>
+                          <a:srgbClr val="000000"/>
+                        </a:solidFill>
+                        <a:effectLst/>
+                        <a:latin typeface="Times New Roman" panose="02020603050405020304" pitchFamily="18" charset="0"/>
+                      </a:endParaRPr>
+                    </a:p>
+                  </a:txBody>
+                  <a:tcPr marL="7620" marR="7620" marT="7620" marB="0" anchor="b">
+                    <a:lnL>
+                      <a:noFill/>
+                    </a:lnL>
+                    <a:lnR>
+                      <a:noFill/>
+                    </a:lnR>
+                    <a:lnT>
+                      <a:noFill/>
+                    </a:lnT>
+                    <a:lnB>
+                      <a:noFill/>
+                    </a:lnB>
+                    <a:noFill/>
+                  </a:tcPr>
+                </a:tc>
+                <a:tc>
+                  <a:txBody>
+                    <a:bodyPr/>
+                    <a:lstStyle/>
+                    <a:p>
+                      <a:pPr algn="l" fontAlgn="b"/>
+                      <a:endParaRPr lang="en-US" sz="3000" b="0" i="0" u="none" strike="noStrike">
+                        <a:solidFill>
+                          <a:srgbClr val="000000"/>
+                        </a:solidFill>
+                        <a:effectLst/>
+                        <a:latin typeface="Arial" panose="020B0604020202020204" pitchFamily="34" charset="0"/>
+                      </a:endParaRPr>
+                    </a:p>
+                  </a:txBody>
+                  <a:tcPr marL="7620" marR="7620" marT="15240" marB="15240" anchor="b">
+                    <a:lnL>
+                      <a:noFill/>
+                    </a:lnL>
+                    <a:lnR>
+                      <a:noFill/>
+                    </a:lnR>
+                    <a:lnT>
+                      <a:noFill/>
+                    </a:lnT>
+                    <a:lnB>
+                      <a:noFill/>
+                    </a:lnB>
+                    <a:noFill/>
+                  </a:tcPr>
+                </a:tc>
+                <a:tc>
+                  <a:txBody>
+                    <a:bodyPr/>
+                    <a:lstStyle/>
+                    <a:p>
+                      <a:pPr algn="l" fontAlgn="b"/>
+                      <a:endParaRPr lang="en-US" sz="3000" b="0" i="0" u="none" strike="noStrike">
+                        <a:solidFill>
+                          <a:srgbClr val="000000"/>
+                        </a:solidFill>
+                        <a:effectLst/>
+                        <a:latin typeface="Arial" panose="020B0604020202020204" pitchFamily="34" charset="0"/>
+                      </a:endParaRPr>
+                    </a:p>
+                  </a:txBody>
+                  <a:tcPr marL="7620" marR="7620" marT="15240" marB="15240" anchor="b">
+                    <a:lnL>
+                      <a:noFill/>
+                    </a:lnL>
+                    <a:lnR>
+                      <a:noFill/>
+                    </a:lnR>
+                    <a:lnT>
+                      <a:noFill/>
+                    </a:lnT>
+                    <a:lnB>
+                      <a:noFill/>
+                    </a:lnB>
+                    <a:noFill/>
+                  </a:tcPr>
+                </a:tc>
+                <a:tc>
+                  <a:txBody>
+                    <a:bodyPr/>
+                    <a:lstStyle/>
+                    <a:p>
+                      <a:pPr algn="l" fontAlgn="b"/>
+                      <a:endParaRPr lang="en-US" sz="3000" b="0" i="0" u="none" strike="noStrike">
+                        <a:solidFill>
+                          <a:srgbClr val="000000"/>
+                        </a:solidFill>
+                        <a:effectLst/>
+                        <a:latin typeface="Arial" panose="020B0604020202020204" pitchFamily="34" charset="0"/>
+                      </a:endParaRPr>
+                    </a:p>
+                  </a:txBody>
+                  <a:tcPr marL="7620" marR="7620" marT="15240" marB="15240" anchor="b">
+                    <a:lnL>
+                      <a:noFill/>
+                    </a:lnL>
+                    <a:lnR>
+                      <a:noFill/>
+                    </a:lnR>
+                    <a:lnT>
+                      <a:noFill/>
+                    </a:lnT>
+                    <a:lnB>
+                      <a:noFill/>
+                    </a:lnB>
+                    <a:noFill/>
+                  </a:tcPr>
+                </a:tc>
+                <a:tc>
+                  <a:txBody>
+                    <a:bodyPr/>
+                    <a:lstStyle/>
+                    <a:p>
+                      <a:pPr algn="l" fontAlgn="b"/>
+                      <a:endParaRPr lang="en-US" sz="3000" b="0" i="0" u="none" strike="noStrike">
+                        <a:solidFill>
+                          <a:srgbClr val="000000"/>
+                        </a:solidFill>
+                        <a:effectLst/>
+                        <a:latin typeface="Arial" panose="020B0604020202020204" pitchFamily="34" charset="0"/>
+                      </a:endParaRPr>
+                    </a:p>
+                  </a:txBody>
+                  <a:tcPr marL="7620" marR="7620" marT="15240" marB="15240" anchor="b">
+                    <a:lnL>
+                      <a:noFill/>
+                    </a:lnL>
+                    <a:lnR>
+                      <a:noFill/>
+                    </a:lnR>
+                    <a:lnT>
+                      <a:noFill/>
+                    </a:lnT>
+                    <a:lnB>
+                      <a:noFill/>
+                    </a:lnB>
+                    <a:noFill/>
+                  </a:tcPr>
+                </a:tc>
+                <a:tc>
+                  <a:txBody>
+                    <a:bodyPr/>
+                    <a:lstStyle/>
+                    <a:p>
+                      <a:pPr algn="l" fontAlgn="b"/>
+                      <a:endParaRPr lang="en-US" sz="3000" b="0" i="0" u="none" strike="noStrike">
+                        <a:solidFill>
+                          <a:srgbClr val="000000"/>
+                        </a:solidFill>
+                        <a:effectLst/>
+                        <a:latin typeface="Arial" panose="020B0604020202020204" pitchFamily="34" charset="0"/>
+                      </a:endParaRPr>
+                    </a:p>
+                  </a:txBody>
+                  <a:tcPr marL="7620" marR="7620" marT="15240" marB="15240" anchor="b">
+                    <a:lnL>
+                      <a:noFill/>
+                    </a:lnL>
+                    <a:lnR>
+                      <a:noFill/>
+                    </a:lnR>
+                    <a:lnT>
+                      <a:noFill/>
+                    </a:lnT>
+                    <a:lnB>
+                      <a:noFill/>
+                    </a:lnB>
+                    <a:noFill/>
+                  </a:tcPr>
+                </a:tc>
+                <a:extLst>
+                  <a:ext uri="{0D108BD9-81ED-4DB2-BD59-A6C34878D82A}">
+                    <a16:rowId xmlns:a16="http://schemas.microsoft.com/office/drawing/2014/main" val="4291451653"/>
+                  </a:ext>
+                </a:extLst>
+              </a:tr>
+              <a:tr h="487680">
+                <a:tc gridSpan="8">
+                  <a:txBody>
+                    <a:bodyPr/>
+                    <a:lstStyle/>
+                    <a:p>
+                      <a:pPr algn="l" fontAlgn="b"/>
+                      <a:r>
+                        <a:rPr lang="en-US" sz="3000" b="0" i="1" u="none" strike="noStrike" dirty="0">
+                          <a:solidFill>
+                            <a:srgbClr val="000000"/>
+                          </a:solidFill>
+                          <a:effectLst/>
+                          <a:latin typeface="Times New Roman" panose="02020603050405020304" pitchFamily="18" charset="0"/>
+                        </a:rPr>
+                        <a:t>Percentage of Repeated Mistakes Over Time by Feedback Viewing and Intervention Group</a:t>
+                      </a:r>
+                    </a:p>
+                  </a:txBody>
+                  <a:tcPr marL="7620" marR="7620" marT="7620" marB="0" anchor="b">
+                    <a:lnL>
+                      <a:noFill/>
+                    </a:lnL>
+                    <a:lnR>
+                      <a:noFill/>
+                    </a:lnR>
+                    <a:lnT>
+                      <a:noFill/>
+                    </a:lnT>
+                    <a:lnB w="12700" cap="flat" cmpd="sng" algn="ctr">
+                      <a:solidFill>
+                        <a:srgbClr val="000000"/>
+                      </a:solidFill>
+                      <a:prstDash val="solid"/>
+                      <a:round/>
+                      <a:headEnd type="none" w="med" len="med"/>
+                      <a:tailEnd type="none" w="med" len="med"/>
+                    </a:lnB>
+                    <a:noFill/>
+                  </a:tcPr>
+                </a:tc>
+                <a:tc hMerge="1">
+                  <a:txBody>
+                    <a:bodyPr/>
+                    <a:lstStyle/>
+                    <a:p>
+                      <a:endParaRPr lang="en-US"/>
+                    </a:p>
+                  </a:txBody>
+                  <a:tcPr/>
+                </a:tc>
+                <a:tc hMerge="1">
+                  <a:txBody>
+                    <a:bodyPr/>
+                    <a:lstStyle/>
+                    <a:p>
+                      <a:endParaRPr lang="en-US"/>
+                    </a:p>
+                  </a:txBody>
+                  <a:tcPr/>
+                </a:tc>
+                <a:tc hMerge="1">
+                  <a:txBody>
+                    <a:bodyPr/>
+                    <a:lstStyle/>
+                    <a:p>
+                      <a:endParaRPr lang="en-US"/>
+                    </a:p>
+                  </a:txBody>
+                  <a:tcPr/>
+                </a:tc>
+                <a:tc hMerge="1">
+                  <a:txBody>
+                    <a:bodyPr/>
+                    <a:lstStyle/>
+                    <a:p>
+                      <a:endParaRPr lang="en-US"/>
+                    </a:p>
+                  </a:txBody>
+                  <a:tcPr/>
+                </a:tc>
+                <a:tc hMerge="1">
+                  <a:txBody>
+                    <a:bodyPr/>
+                    <a:lstStyle/>
+                    <a:p>
+                      <a:endParaRPr lang="en-US"/>
+                    </a:p>
+                  </a:txBody>
+                  <a:tcPr/>
+                </a:tc>
+                <a:tc hMerge="1">
+                  <a:txBody>
+                    <a:bodyPr/>
+                    <a:lstStyle/>
+                    <a:p>
+                      <a:endParaRPr lang="en-US"/>
+                    </a:p>
+                  </a:txBody>
+                  <a:tcPr/>
+                </a:tc>
+                <a:tc hMerge="1">
+                  <a:txBody>
+                    <a:bodyPr/>
+                    <a:lstStyle/>
+                    <a:p>
+                      <a:endParaRPr lang="en-US"/>
+                    </a:p>
+                  </a:txBody>
+                  <a:tcPr/>
+                </a:tc>
+                <a:extLst>
+                  <a:ext uri="{0D108BD9-81ED-4DB2-BD59-A6C34878D82A}">
+                    <a16:rowId xmlns:a16="http://schemas.microsoft.com/office/drawing/2014/main" val="932858560"/>
+                  </a:ext>
+                </a:extLst>
+              </a:tr>
+              <a:tr h="480060">
+                <a:tc gridSpan="2">
+                  <a:txBody>
+                    <a:bodyPr/>
+                    <a:lstStyle/>
+                    <a:p>
+                      <a:pPr algn="ctr" fontAlgn="ctr"/>
+                      <a:r>
+                        <a:rPr lang="en-US" sz="3000" b="0" i="0" u="none" strike="noStrike" dirty="0">
+                          <a:solidFill>
+                            <a:srgbClr val="000000"/>
+                          </a:solidFill>
+                          <a:effectLst/>
+                          <a:latin typeface="Times New Roman" panose="02020603050405020304" pitchFamily="18" charset="0"/>
+                        </a:rPr>
+                        <a:t>FIXED EFFECTS:</a:t>
+                      </a:r>
+                    </a:p>
+                  </a:txBody>
+                  <a:tcPr marL="7620" marR="7620" marT="7620" marB="0" anchor="ctr">
+                    <a:lnL>
+                      <a:noFill/>
+                    </a:lnL>
+                    <a:lnR>
+                      <a:noFill/>
+                    </a:lnR>
+                    <a:lnT w="12700" cap="flat" cmpd="sng" algn="ctr">
+                      <a:solidFill>
+                        <a:srgbClr val="000000"/>
+                      </a:solidFill>
+                      <a:prstDash val="solid"/>
+                      <a:round/>
+                      <a:headEnd type="none" w="med" len="med"/>
+                      <a:tailEnd type="none" w="med" len="med"/>
+                    </a:lnT>
+                    <a:lnB w="12700" cap="flat" cmpd="sng" algn="ctr">
+                      <a:solidFill>
+                        <a:srgbClr val="000000"/>
+                      </a:solidFill>
+                      <a:prstDash val="solid"/>
+                      <a:round/>
+                      <a:headEnd type="none" w="med" len="med"/>
+                      <a:tailEnd type="none" w="med" len="med"/>
+                    </a:lnB>
+                    <a:noFill/>
+                  </a:tcPr>
+                </a:tc>
+                <a:tc hMerge="1">
+                  <a:txBody>
+                    <a:bodyPr/>
+                    <a:lstStyle/>
+                    <a:p>
+                      <a:endParaRPr lang="en-US"/>
+                    </a:p>
+                  </a:txBody>
+                  <a:tcPr/>
+                </a:tc>
+                <a:tc>
+                  <a:txBody>
+                    <a:bodyPr/>
+                    <a:lstStyle/>
+                    <a:p>
+                      <a:pPr algn="l" fontAlgn="b"/>
+                      <a:r>
+                        <a:rPr lang="en-US" sz="3000" b="0" i="0" u="none" strike="noStrike" dirty="0">
+                          <a:solidFill>
+                            <a:srgbClr val="000000"/>
+                          </a:solidFill>
+                          <a:effectLst/>
+                          <a:latin typeface="Arial" panose="020B0604020202020204" pitchFamily="34" charset="0"/>
+                        </a:rPr>
+                        <a:t> </a:t>
+                      </a:r>
+                    </a:p>
+                  </a:txBody>
+                  <a:tcPr marL="7620" marR="7620" marT="7620" marB="0" anchor="b">
+                    <a:lnL>
+                      <a:noFill/>
+                    </a:lnL>
+                    <a:lnR>
+                      <a:noFill/>
+                    </a:lnR>
+                    <a:lnT w="12700" cap="flat" cmpd="sng" algn="ctr">
+                      <a:solidFill>
+                        <a:srgbClr val="000000"/>
+                      </a:solidFill>
+                      <a:prstDash val="solid"/>
+                      <a:round/>
+                      <a:headEnd type="none" w="med" len="med"/>
+                      <a:tailEnd type="none" w="med" len="med"/>
+                    </a:lnT>
+                    <a:lnB w="12700" cap="flat" cmpd="sng" algn="ctr">
+                      <a:solidFill>
+                        <a:srgbClr val="000000"/>
+                      </a:solidFill>
+                      <a:prstDash val="solid"/>
+                      <a:round/>
+                      <a:headEnd type="none" w="med" len="med"/>
+                      <a:tailEnd type="none" w="med" len="med"/>
+                    </a:lnB>
+                    <a:noFill/>
+                  </a:tcPr>
+                </a:tc>
+                <a:tc>
+                  <a:txBody>
+                    <a:bodyPr/>
+                    <a:lstStyle/>
+                    <a:p>
+                      <a:pPr algn="ctr" fontAlgn="b"/>
+                      <a:r>
+                        <a:rPr lang="el-GR" sz="3000" b="0" i="1" u="none" strike="noStrike" dirty="0">
+                          <a:solidFill>
+                            <a:srgbClr val="000000"/>
+                          </a:solidFill>
+                          <a:effectLst/>
+                          <a:latin typeface="Aptos Narrow" panose="020B0004020202020204" pitchFamily="34" charset="0"/>
+                        </a:rPr>
+                        <a:t>β</a:t>
+                      </a:r>
+                    </a:p>
+                  </a:txBody>
+                  <a:tcPr marL="7620" marR="7620" marT="15240" marB="15240" anchor="b">
+                    <a:lnL>
+                      <a:noFill/>
+                    </a:lnL>
+                    <a:lnR>
+                      <a:noFill/>
+                    </a:lnR>
+                    <a:lnT w="12700" cap="flat" cmpd="sng" algn="ctr">
+                      <a:solidFill>
+                        <a:srgbClr val="000000"/>
+                      </a:solidFill>
+                      <a:prstDash val="solid"/>
+                      <a:round/>
+                      <a:headEnd type="none" w="med" len="med"/>
+                      <a:tailEnd type="none" w="med" len="med"/>
+                    </a:lnT>
+                    <a:lnB w="12700" cap="flat" cmpd="sng" algn="ctr">
+                      <a:solidFill>
+                        <a:srgbClr val="000000"/>
+                      </a:solidFill>
+                      <a:prstDash val="solid"/>
+                      <a:round/>
+                      <a:headEnd type="none" w="med" len="med"/>
+                      <a:tailEnd type="none" w="med" len="med"/>
+                    </a:lnB>
+                    <a:noFill/>
+                  </a:tcPr>
+                </a:tc>
+                <a:tc>
+                  <a:txBody>
+                    <a:bodyPr/>
+                    <a:lstStyle/>
+                    <a:p>
+                      <a:pPr algn="ctr" fontAlgn="b"/>
+                      <a:r>
+                        <a:rPr lang="en-US" sz="3000" b="0" i="1" u="none" strike="noStrike" dirty="0">
+                          <a:solidFill>
+                            <a:srgbClr val="000000"/>
+                          </a:solidFill>
+                          <a:effectLst/>
+                          <a:latin typeface="Times New Roman" panose="02020603050405020304" pitchFamily="18" charset="0"/>
+                        </a:rPr>
+                        <a:t>S.E.</a:t>
+                      </a:r>
+                    </a:p>
+                  </a:txBody>
+                  <a:tcPr marL="7620" marR="7620" marT="7620" marB="0" anchor="b">
+                    <a:lnL>
+                      <a:noFill/>
+                    </a:lnL>
+                    <a:lnR>
+                      <a:noFill/>
+                    </a:lnR>
+                    <a:lnT w="12700" cap="flat" cmpd="sng" algn="ctr">
+                      <a:solidFill>
+                        <a:srgbClr val="000000"/>
+                      </a:solidFill>
+                      <a:prstDash val="solid"/>
+                      <a:round/>
+                      <a:headEnd type="none" w="med" len="med"/>
+                      <a:tailEnd type="none" w="med" len="med"/>
+                    </a:lnT>
+                    <a:lnB w="12700" cap="flat" cmpd="sng" algn="ctr">
+                      <a:solidFill>
+                        <a:srgbClr val="000000"/>
+                      </a:solidFill>
+                      <a:prstDash val="solid"/>
+                      <a:round/>
+                      <a:headEnd type="none" w="med" len="med"/>
+                      <a:tailEnd type="none" w="med" len="med"/>
+                    </a:lnB>
+                    <a:noFill/>
+                  </a:tcPr>
+                </a:tc>
+                <a:tc>
+                  <a:txBody>
+                    <a:bodyPr/>
+                    <a:lstStyle/>
+                    <a:p>
+                      <a:pPr algn="ctr" fontAlgn="b"/>
+                      <a:r>
+                        <a:rPr lang="en-US" sz="3000" b="0" i="1" u="none" strike="noStrike">
+                          <a:solidFill>
+                            <a:srgbClr val="000000"/>
+                          </a:solidFill>
+                          <a:effectLst/>
+                          <a:latin typeface="Times New Roman" panose="02020603050405020304" pitchFamily="18" charset="0"/>
+                        </a:rPr>
+                        <a:t>t</a:t>
+                      </a:r>
+                    </a:p>
+                  </a:txBody>
+                  <a:tcPr marL="7620" marR="7620" marT="7620" marB="0" anchor="b">
+                    <a:lnL>
+                      <a:noFill/>
+                    </a:lnL>
+                    <a:lnR>
+                      <a:noFill/>
+                    </a:lnR>
+                    <a:lnT w="12700" cap="flat" cmpd="sng" algn="ctr">
+                      <a:solidFill>
+                        <a:srgbClr val="000000"/>
+                      </a:solidFill>
+                      <a:prstDash val="solid"/>
+                      <a:round/>
+                      <a:headEnd type="none" w="med" len="med"/>
+                      <a:tailEnd type="none" w="med" len="med"/>
+                    </a:lnT>
+                    <a:lnB w="12700" cap="flat" cmpd="sng" algn="ctr">
+                      <a:solidFill>
+                        <a:srgbClr val="000000"/>
+                      </a:solidFill>
+                      <a:prstDash val="solid"/>
+                      <a:round/>
+                      <a:headEnd type="none" w="med" len="med"/>
+                      <a:tailEnd type="none" w="med" len="med"/>
+                    </a:lnB>
+                    <a:noFill/>
+                  </a:tcPr>
+                </a:tc>
+                <a:tc>
+                  <a:txBody>
+                    <a:bodyPr/>
+                    <a:lstStyle/>
+                    <a:p>
+                      <a:pPr algn="ctr" fontAlgn="b"/>
+                      <a:r>
+                        <a:rPr lang="en-US" sz="3000" b="0" i="1" u="none" strike="noStrike" dirty="0" err="1">
+                          <a:solidFill>
+                            <a:srgbClr val="000000"/>
+                          </a:solidFill>
+                          <a:effectLst/>
+                          <a:latin typeface="Times New Roman" panose="02020603050405020304" pitchFamily="18" charset="0"/>
+                        </a:rPr>
+                        <a:t>df</a:t>
+                      </a:r>
+                      <a:endParaRPr lang="en-US" sz="3000" b="0" i="1" u="none" strike="noStrike" dirty="0">
+                        <a:solidFill>
+                          <a:srgbClr val="000000"/>
+                        </a:solidFill>
+                        <a:effectLst/>
+                        <a:latin typeface="Times New Roman" panose="02020603050405020304" pitchFamily="18" charset="0"/>
+                      </a:endParaRPr>
+                    </a:p>
+                  </a:txBody>
+                  <a:tcPr marL="7620" marR="7620" marT="7620" marB="0" anchor="b">
+                    <a:lnL>
+                      <a:noFill/>
+                    </a:lnL>
+                    <a:lnR>
+                      <a:noFill/>
+                    </a:lnR>
+                    <a:lnT w="12700" cap="flat" cmpd="sng" algn="ctr">
+                      <a:solidFill>
+                        <a:srgbClr val="000000"/>
+                      </a:solidFill>
+                      <a:prstDash val="solid"/>
+                      <a:round/>
+                      <a:headEnd type="none" w="med" len="med"/>
+                      <a:tailEnd type="none" w="med" len="med"/>
+                    </a:lnT>
+                    <a:lnB w="12700" cap="flat" cmpd="sng" algn="ctr">
+                      <a:solidFill>
+                        <a:srgbClr val="000000"/>
+                      </a:solidFill>
+                      <a:prstDash val="solid"/>
+                      <a:round/>
+                      <a:headEnd type="none" w="med" len="med"/>
+                      <a:tailEnd type="none" w="med" len="med"/>
+                    </a:lnB>
+                    <a:noFill/>
+                  </a:tcPr>
+                </a:tc>
+                <a:tc>
+                  <a:txBody>
+                    <a:bodyPr/>
+                    <a:lstStyle/>
+                    <a:p>
+                      <a:pPr algn="ctr" fontAlgn="b"/>
+                      <a:r>
+                        <a:rPr lang="en-US" sz="3000" b="0" i="1" u="none" strike="noStrike" dirty="0">
+                          <a:solidFill>
+                            <a:srgbClr val="000000"/>
+                          </a:solidFill>
+                          <a:effectLst/>
+                          <a:latin typeface="Times New Roman" panose="02020603050405020304" pitchFamily="18" charset="0"/>
+                        </a:rPr>
+                        <a:t>p</a:t>
+                      </a:r>
+                    </a:p>
+                  </a:txBody>
+                  <a:tcPr marL="7620" marR="7620" marT="7620" marB="0" anchor="b">
+                    <a:lnL>
+                      <a:noFill/>
+                    </a:lnL>
+                    <a:lnR>
+                      <a:noFill/>
+                    </a:lnR>
+                    <a:lnT w="12700" cap="flat" cmpd="sng" algn="ctr">
+                      <a:solidFill>
+                        <a:srgbClr val="000000"/>
+                      </a:solidFill>
+                      <a:prstDash val="solid"/>
+                      <a:round/>
+                      <a:headEnd type="none" w="med" len="med"/>
+                      <a:tailEnd type="none" w="med" len="med"/>
+                    </a:lnT>
+                    <a:lnB w="12700" cap="flat" cmpd="sng" algn="ctr">
+                      <a:solidFill>
+                        <a:srgbClr val="000000"/>
+                      </a:solidFill>
+                      <a:prstDash val="solid"/>
+                      <a:round/>
+                      <a:headEnd type="none" w="med" len="med"/>
+                      <a:tailEnd type="none" w="med" len="med"/>
+                    </a:lnB>
+                    <a:noFill/>
+                  </a:tcPr>
+                </a:tc>
+                <a:extLst>
+                  <a:ext uri="{0D108BD9-81ED-4DB2-BD59-A6C34878D82A}">
+                    <a16:rowId xmlns:a16="http://schemas.microsoft.com/office/drawing/2014/main" val="2363984019"/>
+                  </a:ext>
+                </a:extLst>
+              </a:tr>
+              <a:tr h="480060">
+                <a:tc gridSpan="3">
+                  <a:txBody>
+                    <a:bodyPr/>
+                    <a:lstStyle/>
+                    <a:p>
+                      <a:pPr algn="r" fontAlgn="b"/>
+                      <a:r>
+                        <a:rPr lang="en-US" sz="3000" b="0" i="0" u="none" strike="noStrike" dirty="0">
+                          <a:solidFill>
+                            <a:srgbClr val="000000"/>
+                          </a:solidFill>
+                          <a:effectLst/>
+                          <a:latin typeface="Times New Roman" panose="02020603050405020304" pitchFamily="18" charset="0"/>
+                        </a:rPr>
+                        <a:t>Intercept (Opt-out | Not Viewed | Time1)</a:t>
+                      </a:r>
+                    </a:p>
+                  </a:txBody>
+                  <a:tcPr marL="7620" marR="7620" marT="7620" marB="0" anchor="b">
+                    <a:lnL>
+                      <a:noFill/>
+                    </a:lnL>
+                    <a:lnR>
+                      <a:noFill/>
+                    </a:lnR>
+                    <a:lnT w="12700" cap="flat" cmpd="sng" algn="ctr">
+                      <a:solidFill>
+                        <a:srgbClr val="000000"/>
+                      </a:solidFill>
+                      <a:prstDash val="solid"/>
+                      <a:round/>
+                      <a:headEnd type="none" w="med" len="med"/>
+                      <a:tailEnd type="none" w="med" len="med"/>
+                    </a:lnT>
+                    <a:lnB>
+                      <a:noFill/>
+                    </a:lnB>
+                    <a:noFill/>
+                  </a:tcPr>
+                </a:tc>
+                <a:tc hMerge="1">
+                  <a:txBody>
+                    <a:bodyPr/>
+                    <a:lstStyle/>
+                    <a:p>
+                      <a:endParaRPr lang="en-US"/>
+                    </a:p>
+                  </a:txBody>
+                  <a:tcPr/>
+                </a:tc>
+                <a:tc hMerge="1">
+                  <a:txBody>
+                    <a:bodyPr/>
+                    <a:lstStyle/>
+                    <a:p>
+                      <a:endParaRPr lang="en-US"/>
+                    </a:p>
+                  </a:txBody>
+                  <a:tcPr/>
+                </a:tc>
+                <a:tc>
+                  <a:txBody>
+                    <a:bodyPr/>
+                    <a:lstStyle/>
+                    <a:p>
+                      <a:pPr algn="ctr" fontAlgn="b"/>
+                      <a:r>
+                        <a:rPr lang="en-US" sz="3000" b="0" i="0" u="none" strike="noStrike" dirty="0">
+                          <a:solidFill>
+                            <a:srgbClr val="000000"/>
+                          </a:solidFill>
+                          <a:effectLst/>
+                          <a:latin typeface="Times New Roman" panose="02020603050405020304" pitchFamily="18" charset="0"/>
+                        </a:rPr>
+                        <a:t>14.79</a:t>
+                      </a:r>
+                    </a:p>
+                  </a:txBody>
+                  <a:tcPr marL="7620" marR="7620" marT="7620" marB="0" anchor="b">
+                    <a:lnL>
+                      <a:noFill/>
+                    </a:lnL>
+                    <a:lnR>
+                      <a:noFill/>
+                    </a:lnR>
+                    <a:lnT w="12700" cap="flat" cmpd="sng" algn="ctr">
+                      <a:solidFill>
+                        <a:srgbClr val="000000"/>
+                      </a:solidFill>
+                      <a:prstDash val="solid"/>
+                      <a:round/>
+                      <a:headEnd type="none" w="med" len="med"/>
+                      <a:tailEnd type="none" w="med" len="med"/>
+                    </a:lnT>
+                    <a:lnB>
+                      <a:noFill/>
+                    </a:lnB>
+                    <a:noFill/>
+                  </a:tcPr>
+                </a:tc>
+                <a:tc>
+                  <a:txBody>
+                    <a:bodyPr/>
+                    <a:lstStyle/>
+                    <a:p>
+                      <a:pPr algn="ctr" fontAlgn="b"/>
+                      <a:r>
+                        <a:rPr lang="en-US" sz="3000" b="0" i="0" u="none" strike="noStrike" dirty="0">
+                          <a:solidFill>
+                            <a:srgbClr val="000000"/>
+                          </a:solidFill>
+                          <a:effectLst/>
+                          <a:latin typeface="Times New Roman" panose="02020603050405020304" pitchFamily="18" charset="0"/>
+                        </a:rPr>
+                        <a:t>4.3</a:t>
+                      </a:r>
+                    </a:p>
+                  </a:txBody>
+                  <a:tcPr marL="7620" marR="7620" marT="7620" marB="0" anchor="b">
+                    <a:lnL>
+                      <a:noFill/>
+                    </a:lnL>
+                    <a:lnR>
+                      <a:noFill/>
+                    </a:lnR>
+                    <a:lnT w="12700" cap="flat" cmpd="sng" algn="ctr">
+                      <a:solidFill>
+                        <a:srgbClr val="000000"/>
+                      </a:solidFill>
+                      <a:prstDash val="solid"/>
+                      <a:round/>
+                      <a:headEnd type="none" w="med" len="med"/>
+                      <a:tailEnd type="none" w="med" len="med"/>
+                    </a:lnT>
+                    <a:lnB>
+                      <a:noFill/>
+                    </a:lnB>
+                    <a:noFill/>
+                  </a:tcPr>
+                </a:tc>
+                <a:tc>
+                  <a:txBody>
+                    <a:bodyPr/>
+                    <a:lstStyle/>
+                    <a:p>
+                      <a:pPr algn="ctr" fontAlgn="b"/>
+                      <a:r>
+                        <a:rPr lang="en-US" sz="3000" b="0" i="0" u="none" strike="noStrike" dirty="0">
+                          <a:solidFill>
+                            <a:srgbClr val="000000"/>
+                          </a:solidFill>
+                          <a:effectLst/>
+                          <a:latin typeface="Times New Roman" panose="02020603050405020304" pitchFamily="18" charset="0"/>
+                        </a:rPr>
+                        <a:t>3.48</a:t>
+                      </a:r>
+                    </a:p>
+                  </a:txBody>
+                  <a:tcPr marL="7620" marR="7620" marT="7620" marB="0" anchor="b">
+                    <a:lnL>
+                      <a:noFill/>
+                    </a:lnL>
+                    <a:lnR>
+                      <a:noFill/>
+                    </a:lnR>
+                    <a:lnT w="12700" cap="flat" cmpd="sng" algn="ctr">
+                      <a:solidFill>
+                        <a:srgbClr val="000000"/>
+                      </a:solidFill>
+                      <a:prstDash val="solid"/>
+                      <a:round/>
+                      <a:headEnd type="none" w="med" len="med"/>
+                      <a:tailEnd type="none" w="med" len="med"/>
+                    </a:lnT>
+                    <a:lnB>
+                      <a:noFill/>
+                    </a:lnB>
+                    <a:noFill/>
+                  </a:tcPr>
+                </a:tc>
+                <a:tc>
+                  <a:txBody>
+                    <a:bodyPr/>
+                    <a:lstStyle/>
+                    <a:p>
+                      <a:pPr algn="ctr" fontAlgn="b"/>
+                      <a:r>
+                        <a:rPr lang="en-US" sz="3000" b="0" i="0" u="none" strike="noStrike" dirty="0">
+                          <a:solidFill>
+                            <a:srgbClr val="000000"/>
+                          </a:solidFill>
+                          <a:effectLst/>
+                          <a:latin typeface="Times New Roman" panose="02020603050405020304" pitchFamily="18" charset="0"/>
+                        </a:rPr>
+                        <a:t>15.44</a:t>
+                      </a:r>
+                    </a:p>
+                  </a:txBody>
+                  <a:tcPr marL="7620" marR="7620" marT="7620" marB="0" anchor="b">
+                    <a:lnL>
+                      <a:noFill/>
+                    </a:lnL>
+                    <a:lnR>
+                      <a:noFill/>
+                    </a:lnR>
+                    <a:lnT w="12700" cap="flat" cmpd="sng" algn="ctr">
+                      <a:solidFill>
+                        <a:srgbClr val="000000"/>
+                      </a:solidFill>
+                      <a:prstDash val="solid"/>
+                      <a:round/>
+                      <a:headEnd type="none" w="med" len="med"/>
+                      <a:tailEnd type="none" w="med" len="med"/>
+                    </a:lnT>
+                    <a:lnB>
+                      <a:noFill/>
+                    </a:lnB>
+                    <a:noFill/>
+                  </a:tcPr>
+                </a:tc>
+                <a:tc>
+                  <a:txBody>
+                    <a:bodyPr/>
+                    <a:lstStyle/>
+                    <a:p>
+                      <a:pPr algn="ctr" fontAlgn="b"/>
+                      <a:r>
+                        <a:rPr lang="en-US" sz="3000" b="0" i="0" u="none" strike="noStrike">
+                          <a:solidFill>
+                            <a:srgbClr val="000000"/>
+                          </a:solidFill>
+                          <a:effectLst/>
+                          <a:latin typeface="Times New Roman" panose="02020603050405020304" pitchFamily="18" charset="0"/>
+                        </a:rPr>
+                        <a:t>&lt;.005</a:t>
+                      </a:r>
+                    </a:p>
+                  </a:txBody>
+                  <a:tcPr marL="7620" marR="7620" marT="7620" marB="0" anchor="b">
+                    <a:lnL>
+                      <a:noFill/>
+                    </a:lnL>
+                    <a:lnR>
+                      <a:noFill/>
+                    </a:lnR>
+                    <a:lnT w="12700" cap="flat" cmpd="sng" algn="ctr">
+                      <a:solidFill>
+                        <a:srgbClr val="000000"/>
+                      </a:solidFill>
+                      <a:prstDash val="solid"/>
+                      <a:round/>
+                      <a:headEnd type="none" w="med" len="med"/>
+                      <a:tailEnd type="none" w="med" len="med"/>
+                    </a:lnT>
+                    <a:lnB>
+                      <a:noFill/>
+                    </a:lnB>
+                    <a:noFill/>
+                  </a:tcPr>
+                </a:tc>
+                <a:extLst>
+                  <a:ext uri="{0D108BD9-81ED-4DB2-BD59-A6C34878D82A}">
+                    <a16:rowId xmlns:a16="http://schemas.microsoft.com/office/drawing/2014/main" val="3846280420"/>
+                  </a:ext>
+                </a:extLst>
+              </a:tr>
+              <a:tr h="480060">
+                <a:tc gridSpan="3">
+                  <a:txBody>
+                    <a:bodyPr/>
+                    <a:lstStyle/>
+                    <a:p>
+                      <a:pPr algn="r" fontAlgn="b"/>
+                      <a:r>
+                        <a:rPr lang="en-US" sz="3000" b="0" i="0" u="none" strike="noStrike">
+                          <a:solidFill>
+                            <a:srgbClr val="000000"/>
+                          </a:solidFill>
+                          <a:effectLst/>
+                          <a:latin typeface="Times New Roman" panose="02020603050405020304" pitchFamily="18" charset="0"/>
+                        </a:rPr>
+                        <a:t>Opt-out | Not Viewed | Time2</a:t>
+                      </a:r>
+                    </a:p>
+                  </a:txBody>
+                  <a:tcPr marL="7620" marR="7620" marT="7620" marB="0" anchor="b">
+                    <a:lnL>
+                      <a:noFill/>
+                    </a:lnL>
+                    <a:lnR>
+                      <a:noFill/>
+                    </a:lnR>
+                    <a:lnT>
+                      <a:noFill/>
+                    </a:lnT>
+                    <a:lnB>
+                      <a:noFill/>
+                    </a:lnB>
+                    <a:noFill/>
+                  </a:tcPr>
+                </a:tc>
+                <a:tc hMerge="1">
+                  <a:txBody>
+                    <a:bodyPr/>
+                    <a:lstStyle/>
+                    <a:p>
+                      <a:endParaRPr lang="en-US"/>
+                    </a:p>
+                  </a:txBody>
+                  <a:tcPr/>
+                </a:tc>
+                <a:tc hMerge="1">
+                  <a:txBody>
+                    <a:bodyPr/>
+                    <a:lstStyle/>
+                    <a:p>
+                      <a:endParaRPr lang="en-US"/>
+                    </a:p>
+                  </a:txBody>
+                  <a:tcPr/>
+                </a:tc>
+                <a:tc>
+                  <a:txBody>
+                    <a:bodyPr/>
+                    <a:lstStyle/>
+                    <a:p>
+                      <a:pPr algn="ctr" fontAlgn="b"/>
+                      <a:r>
+                        <a:rPr lang="en-US" sz="3000" b="1" i="0" u="none" strike="noStrike">
+                          <a:solidFill>
+                            <a:srgbClr val="000000"/>
+                          </a:solidFill>
+                          <a:effectLst/>
+                          <a:latin typeface="Times New Roman" panose="02020603050405020304" pitchFamily="18" charset="0"/>
+                        </a:rPr>
+                        <a:t>-6.76</a:t>
+                      </a:r>
+                    </a:p>
+                  </a:txBody>
+                  <a:tcPr marL="7620" marR="7620" marT="7620" marB="0" anchor="b">
+                    <a:lnL>
+                      <a:noFill/>
+                    </a:lnL>
+                    <a:lnR>
+                      <a:noFill/>
+                    </a:lnR>
+                    <a:lnT>
+                      <a:noFill/>
+                    </a:lnT>
+                    <a:lnB>
+                      <a:noFill/>
+                    </a:lnB>
+                    <a:noFill/>
+                  </a:tcPr>
+                </a:tc>
+                <a:tc>
+                  <a:txBody>
+                    <a:bodyPr/>
+                    <a:lstStyle/>
+                    <a:p>
+                      <a:pPr algn="ctr" fontAlgn="b"/>
+                      <a:r>
+                        <a:rPr lang="en-US" sz="3000" b="0" i="0" u="none" strike="noStrike">
+                          <a:solidFill>
+                            <a:srgbClr val="000000"/>
+                          </a:solidFill>
+                          <a:effectLst/>
+                          <a:latin typeface="Times New Roman" panose="02020603050405020304" pitchFamily="18" charset="0"/>
+                        </a:rPr>
+                        <a:t>1.7</a:t>
+                      </a:r>
+                    </a:p>
+                  </a:txBody>
+                  <a:tcPr marL="7620" marR="7620" marT="7620" marB="0" anchor="b">
+                    <a:lnL>
+                      <a:noFill/>
+                    </a:lnL>
+                    <a:lnR>
+                      <a:noFill/>
+                    </a:lnR>
+                    <a:lnT>
+                      <a:noFill/>
+                    </a:lnT>
+                    <a:lnB>
+                      <a:noFill/>
+                    </a:lnB>
+                    <a:noFill/>
+                  </a:tcPr>
+                </a:tc>
+                <a:tc>
+                  <a:txBody>
+                    <a:bodyPr/>
+                    <a:lstStyle/>
+                    <a:p>
+                      <a:pPr algn="ctr" fontAlgn="b"/>
+                      <a:r>
+                        <a:rPr lang="en-US" sz="3000" b="0" i="0" u="none" strike="noStrike" dirty="0">
+                          <a:solidFill>
+                            <a:srgbClr val="000000"/>
+                          </a:solidFill>
+                          <a:effectLst/>
+                          <a:latin typeface="Times New Roman" panose="02020603050405020304" pitchFamily="18" charset="0"/>
+                        </a:rPr>
+                        <a:t>-4</a:t>
+                      </a:r>
+                    </a:p>
+                  </a:txBody>
+                  <a:tcPr marL="7620" marR="7620" marT="7620" marB="0" anchor="b">
+                    <a:lnL>
+                      <a:noFill/>
+                    </a:lnL>
+                    <a:lnR>
+                      <a:noFill/>
+                    </a:lnR>
+                    <a:lnT>
+                      <a:noFill/>
+                    </a:lnT>
+                    <a:lnB>
+                      <a:noFill/>
+                    </a:lnB>
+                    <a:noFill/>
+                  </a:tcPr>
+                </a:tc>
+                <a:tc>
+                  <a:txBody>
+                    <a:bodyPr/>
+                    <a:lstStyle/>
+                    <a:p>
+                      <a:pPr algn="ctr" fontAlgn="b"/>
+                      <a:r>
+                        <a:rPr lang="en-US" sz="3000" b="0" i="0" u="none" strike="noStrike">
+                          <a:solidFill>
+                            <a:srgbClr val="000000"/>
+                          </a:solidFill>
+                          <a:effectLst/>
+                          <a:latin typeface="Times New Roman" panose="02020603050405020304" pitchFamily="18" charset="0"/>
+                        </a:rPr>
+                        <a:t>57.15</a:t>
+                      </a:r>
+                    </a:p>
+                  </a:txBody>
+                  <a:tcPr marL="7620" marR="7620" marT="7620" marB="0" anchor="b">
+                    <a:lnL>
+                      <a:noFill/>
+                    </a:lnL>
+                    <a:lnR>
+                      <a:noFill/>
+                    </a:lnR>
+                    <a:lnT>
+                      <a:noFill/>
+                    </a:lnT>
+                    <a:lnB>
+                      <a:noFill/>
+                    </a:lnB>
+                    <a:noFill/>
+                  </a:tcPr>
+                </a:tc>
+                <a:tc>
+                  <a:txBody>
+                    <a:bodyPr/>
+                    <a:lstStyle/>
+                    <a:p>
+                      <a:pPr algn="ctr" fontAlgn="b"/>
+                      <a:r>
+                        <a:rPr lang="en-US" sz="3000" b="1" i="0" u="none" strike="noStrike">
+                          <a:solidFill>
+                            <a:srgbClr val="000000"/>
+                          </a:solidFill>
+                          <a:effectLst/>
+                          <a:latin typeface="Times New Roman" panose="02020603050405020304" pitchFamily="18" charset="0"/>
+                        </a:rPr>
+                        <a:t>&lt;.001</a:t>
+                      </a:r>
+                    </a:p>
+                  </a:txBody>
+                  <a:tcPr marL="7620" marR="7620" marT="7620" marB="0" anchor="b">
+                    <a:lnL>
+                      <a:noFill/>
+                    </a:lnL>
+                    <a:lnR>
+                      <a:noFill/>
+                    </a:lnR>
+                    <a:lnT>
+                      <a:noFill/>
+                    </a:lnT>
+                    <a:lnB>
+                      <a:noFill/>
+                    </a:lnB>
+                    <a:noFill/>
+                  </a:tcPr>
+                </a:tc>
+                <a:extLst>
+                  <a:ext uri="{0D108BD9-81ED-4DB2-BD59-A6C34878D82A}">
+                    <a16:rowId xmlns:a16="http://schemas.microsoft.com/office/drawing/2014/main" val="1395577437"/>
+                  </a:ext>
+                </a:extLst>
+              </a:tr>
+              <a:tr h="480060">
+                <a:tc gridSpan="3">
+                  <a:txBody>
+                    <a:bodyPr/>
+                    <a:lstStyle/>
+                    <a:p>
+                      <a:pPr algn="r" fontAlgn="b"/>
+                      <a:r>
+                        <a:rPr lang="en-US" sz="3000" b="0" i="0" u="none" strike="noStrike">
+                          <a:solidFill>
+                            <a:srgbClr val="000000"/>
+                          </a:solidFill>
+                          <a:effectLst/>
+                          <a:latin typeface="Times New Roman" panose="02020603050405020304" pitchFamily="18" charset="0"/>
+                        </a:rPr>
+                        <a:t>Opt-out | Not Viewed | Time3</a:t>
+                      </a:r>
+                    </a:p>
+                  </a:txBody>
+                  <a:tcPr marL="7620" marR="7620" marT="7620" marB="0" anchor="b">
+                    <a:lnL>
+                      <a:noFill/>
+                    </a:lnL>
+                    <a:lnR>
+                      <a:noFill/>
+                    </a:lnR>
+                    <a:lnT>
+                      <a:noFill/>
+                    </a:lnT>
+                    <a:lnB>
+                      <a:noFill/>
+                    </a:lnB>
+                    <a:noFill/>
+                  </a:tcPr>
+                </a:tc>
+                <a:tc hMerge="1">
+                  <a:txBody>
+                    <a:bodyPr/>
+                    <a:lstStyle/>
+                    <a:p>
+                      <a:endParaRPr lang="en-US"/>
+                    </a:p>
+                  </a:txBody>
+                  <a:tcPr/>
+                </a:tc>
+                <a:tc hMerge="1">
+                  <a:txBody>
+                    <a:bodyPr/>
+                    <a:lstStyle/>
+                    <a:p>
+                      <a:endParaRPr lang="en-US"/>
+                    </a:p>
+                  </a:txBody>
+                  <a:tcPr/>
+                </a:tc>
+                <a:tc>
+                  <a:txBody>
+                    <a:bodyPr/>
+                    <a:lstStyle/>
+                    <a:p>
+                      <a:pPr algn="ctr" fontAlgn="b"/>
+                      <a:r>
+                        <a:rPr lang="en-US" sz="3000" b="1" i="0" u="none" strike="noStrike">
+                          <a:solidFill>
+                            <a:srgbClr val="000000"/>
+                          </a:solidFill>
+                          <a:effectLst/>
+                          <a:latin typeface="Times New Roman" panose="02020603050405020304" pitchFamily="18" charset="0"/>
+                        </a:rPr>
+                        <a:t>-17.49</a:t>
+                      </a:r>
+                    </a:p>
+                  </a:txBody>
+                  <a:tcPr marL="7620" marR="7620" marT="7620" marB="0" anchor="b">
+                    <a:lnL>
+                      <a:noFill/>
+                    </a:lnL>
+                    <a:lnR>
+                      <a:noFill/>
+                    </a:lnR>
+                    <a:lnT>
+                      <a:noFill/>
+                    </a:lnT>
+                    <a:lnB>
+                      <a:noFill/>
+                    </a:lnB>
+                    <a:noFill/>
+                  </a:tcPr>
+                </a:tc>
+                <a:tc>
+                  <a:txBody>
+                    <a:bodyPr/>
+                    <a:lstStyle/>
+                    <a:p>
+                      <a:pPr algn="ctr" fontAlgn="b"/>
+                      <a:r>
+                        <a:rPr lang="en-US" sz="3000" b="0" i="0" u="none" strike="noStrike">
+                          <a:solidFill>
+                            <a:srgbClr val="000000"/>
+                          </a:solidFill>
+                          <a:effectLst/>
+                          <a:latin typeface="Times New Roman" panose="02020603050405020304" pitchFamily="18" charset="0"/>
+                        </a:rPr>
+                        <a:t>2.3</a:t>
+                      </a:r>
+                    </a:p>
+                  </a:txBody>
+                  <a:tcPr marL="7620" marR="7620" marT="7620" marB="0" anchor="b">
+                    <a:lnL>
+                      <a:noFill/>
+                    </a:lnL>
+                    <a:lnR>
+                      <a:noFill/>
+                    </a:lnR>
+                    <a:lnT>
+                      <a:noFill/>
+                    </a:lnT>
+                    <a:lnB>
+                      <a:noFill/>
+                    </a:lnB>
+                    <a:noFill/>
+                  </a:tcPr>
+                </a:tc>
+                <a:tc>
+                  <a:txBody>
+                    <a:bodyPr/>
+                    <a:lstStyle/>
+                    <a:p>
+                      <a:pPr algn="ctr" fontAlgn="b"/>
+                      <a:r>
+                        <a:rPr lang="en-US" sz="3000" b="0" i="0" u="none" strike="noStrike">
+                          <a:solidFill>
+                            <a:srgbClr val="000000"/>
+                          </a:solidFill>
+                          <a:effectLst/>
+                          <a:latin typeface="Times New Roman" panose="02020603050405020304" pitchFamily="18" charset="0"/>
+                        </a:rPr>
+                        <a:t>-0.6</a:t>
+                      </a:r>
+                    </a:p>
+                  </a:txBody>
+                  <a:tcPr marL="7620" marR="7620" marT="7620" marB="0" anchor="b">
+                    <a:lnL>
+                      <a:noFill/>
+                    </a:lnL>
+                    <a:lnR>
+                      <a:noFill/>
+                    </a:lnR>
+                    <a:lnT>
+                      <a:noFill/>
+                    </a:lnT>
+                    <a:lnB>
+                      <a:noFill/>
+                    </a:lnB>
+                    <a:noFill/>
+                  </a:tcPr>
+                </a:tc>
+                <a:tc>
+                  <a:txBody>
+                    <a:bodyPr/>
+                    <a:lstStyle/>
+                    <a:p>
+                      <a:pPr algn="ctr" fontAlgn="b"/>
+                      <a:r>
+                        <a:rPr lang="en-US" sz="3000" b="0" i="0" u="none" strike="noStrike">
+                          <a:solidFill>
+                            <a:srgbClr val="000000"/>
+                          </a:solidFill>
+                          <a:effectLst/>
+                          <a:latin typeface="Times New Roman" panose="02020603050405020304" pitchFamily="18" charset="0"/>
+                        </a:rPr>
+                        <a:t>22.13</a:t>
+                      </a:r>
+                    </a:p>
+                  </a:txBody>
+                  <a:tcPr marL="7620" marR="7620" marT="7620" marB="0" anchor="b">
+                    <a:lnL>
+                      <a:noFill/>
+                    </a:lnL>
+                    <a:lnR>
+                      <a:noFill/>
+                    </a:lnR>
+                    <a:lnT>
+                      <a:noFill/>
+                    </a:lnT>
+                    <a:lnB>
+                      <a:noFill/>
+                    </a:lnB>
+                    <a:noFill/>
+                  </a:tcPr>
+                </a:tc>
+                <a:tc>
+                  <a:txBody>
+                    <a:bodyPr/>
+                    <a:lstStyle/>
+                    <a:p>
+                      <a:pPr algn="ctr" fontAlgn="b"/>
+                      <a:r>
+                        <a:rPr lang="en-US" sz="3000" b="1" i="0" u="none" strike="noStrike">
+                          <a:solidFill>
+                            <a:srgbClr val="000000"/>
+                          </a:solidFill>
+                          <a:effectLst/>
+                          <a:latin typeface="Times New Roman" panose="02020603050405020304" pitchFamily="18" charset="0"/>
+                        </a:rPr>
+                        <a:t>&lt;.001</a:t>
+                      </a:r>
+                    </a:p>
+                  </a:txBody>
+                  <a:tcPr marL="7620" marR="7620" marT="7620" marB="0" anchor="b">
+                    <a:lnL>
+                      <a:noFill/>
+                    </a:lnL>
+                    <a:lnR>
+                      <a:noFill/>
+                    </a:lnR>
+                    <a:lnT>
+                      <a:noFill/>
+                    </a:lnT>
+                    <a:lnB>
+                      <a:noFill/>
+                    </a:lnB>
+                    <a:noFill/>
+                  </a:tcPr>
+                </a:tc>
+                <a:extLst>
+                  <a:ext uri="{0D108BD9-81ED-4DB2-BD59-A6C34878D82A}">
+                    <a16:rowId xmlns:a16="http://schemas.microsoft.com/office/drawing/2014/main" val="663543714"/>
+                  </a:ext>
+                </a:extLst>
+              </a:tr>
+              <a:tr h="480060">
+                <a:tc gridSpan="3">
+                  <a:txBody>
+                    <a:bodyPr/>
+                    <a:lstStyle/>
+                    <a:p>
+                      <a:pPr algn="r" fontAlgn="b"/>
+                      <a:r>
+                        <a:rPr lang="en-US" sz="3000" b="0" i="0" u="none" strike="noStrike" dirty="0">
+                          <a:solidFill>
+                            <a:srgbClr val="000000"/>
+                          </a:solidFill>
+                          <a:effectLst/>
+                          <a:latin typeface="Times New Roman" panose="02020603050405020304" pitchFamily="18" charset="0"/>
+                        </a:rPr>
+                        <a:t>Opt-out | Not Viewed | Time4</a:t>
+                      </a:r>
+                    </a:p>
+                  </a:txBody>
+                  <a:tcPr marL="7620" marR="7620" marT="7620" marB="0" anchor="b">
+                    <a:lnL>
+                      <a:noFill/>
+                    </a:lnL>
+                    <a:lnR>
+                      <a:noFill/>
+                    </a:lnR>
+                    <a:lnT>
+                      <a:noFill/>
+                    </a:lnT>
+                    <a:lnB>
+                      <a:noFill/>
+                    </a:lnB>
+                    <a:noFill/>
+                  </a:tcPr>
+                </a:tc>
+                <a:tc hMerge="1">
+                  <a:txBody>
+                    <a:bodyPr/>
+                    <a:lstStyle/>
+                    <a:p>
+                      <a:endParaRPr lang="en-US"/>
+                    </a:p>
+                  </a:txBody>
+                  <a:tcPr/>
+                </a:tc>
+                <a:tc hMerge="1">
+                  <a:txBody>
+                    <a:bodyPr/>
+                    <a:lstStyle/>
+                    <a:p>
+                      <a:endParaRPr lang="en-US"/>
+                    </a:p>
+                  </a:txBody>
+                  <a:tcPr/>
+                </a:tc>
+                <a:tc>
+                  <a:txBody>
+                    <a:bodyPr/>
+                    <a:lstStyle/>
+                    <a:p>
+                      <a:pPr algn="ctr" fontAlgn="b"/>
+                      <a:r>
+                        <a:rPr lang="en-US" sz="3000" b="1" i="0" u="none" strike="noStrike">
+                          <a:solidFill>
+                            <a:srgbClr val="000000"/>
+                          </a:solidFill>
+                          <a:effectLst/>
+                          <a:latin typeface="Times New Roman" panose="02020603050405020304" pitchFamily="18" charset="0"/>
+                        </a:rPr>
+                        <a:t>-15.74</a:t>
+                      </a:r>
+                    </a:p>
+                  </a:txBody>
+                  <a:tcPr marL="7620" marR="7620" marT="7620" marB="0" anchor="b">
+                    <a:lnL>
+                      <a:noFill/>
+                    </a:lnL>
+                    <a:lnR>
+                      <a:noFill/>
+                    </a:lnR>
+                    <a:lnT>
+                      <a:noFill/>
+                    </a:lnT>
+                    <a:lnB>
+                      <a:noFill/>
+                    </a:lnB>
+                    <a:noFill/>
+                  </a:tcPr>
+                </a:tc>
+                <a:tc>
+                  <a:txBody>
+                    <a:bodyPr/>
+                    <a:lstStyle/>
+                    <a:p>
+                      <a:pPr algn="ctr" fontAlgn="b"/>
+                      <a:r>
+                        <a:rPr lang="en-US" sz="3000" b="0" i="0" u="none" strike="noStrike">
+                          <a:solidFill>
+                            <a:srgbClr val="000000"/>
+                          </a:solidFill>
+                          <a:effectLst/>
+                          <a:latin typeface="Times New Roman" panose="02020603050405020304" pitchFamily="18" charset="0"/>
+                        </a:rPr>
+                        <a:t>2.7</a:t>
+                      </a:r>
+                    </a:p>
+                  </a:txBody>
+                  <a:tcPr marL="7620" marR="7620" marT="7620" marB="0" anchor="b">
+                    <a:lnL>
+                      <a:noFill/>
+                    </a:lnL>
+                    <a:lnR>
+                      <a:noFill/>
+                    </a:lnR>
+                    <a:lnT>
+                      <a:noFill/>
+                    </a:lnT>
+                    <a:lnB>
+                      <a:noFill/>
+                    </a:lnB>
+                    <a:noFill/>
+                  </a:tcPr>
+                </a:tc>
+                <a:tc>
+                  <a:txBody>
+                    <a:bodyPr/>
+                    <a:lstStyle/>
+                    <a:p>
+                      <a:pPr algn="ctr" fontAlgn="b"/>
+                      <a:r>
+                        <a:rPr lang="en-US" sz="3000" b="0" i="0" u="none" strike="noStrike">
+                          <a:solidFill>
+                            <a:srgbClr val="000000"/>
+                          </a:solidFill>
+                          <a:effectLst/>
+                          <a:latin typeface="Times New Roman" panose="02020603050405020304" pitchFamily="18" charset="0"/>
+                        </a:rPr>
+                        <a:t>-5.8</a:t>
+                      </a:r>
+                    </a:p>
+                  </a:txBody>
+                  <a:tcPr marL="7620" marR="7620" marT="7620" marB="0" anchor="b">
+                    <a:lnL>
+                      <a:noFill/>
+                    </a:lnL>
+                    <a:lnR>
+                      <a:noFill/>
+                    </a:lnR>
+                    <a:lnT>
+                      <a:noFill/>
+                    </a:lnT>
+                    <a:lnB>
+                      <a:noFill/>
+                    </a:lnB>
+                    <a:noFill/>
+                  </a:tcPr>
+                </a:tc>
+                <a:tc>
+                  <a:txBody>
+                    <a:bodyPr/>
+                    <a:lstStyle/>
+                    <a:p>
+                      <a:pPr algn="ctr" fontAlgn="b"/>
+                      <a:r>
+                        <a:rPr lang="en-US" sz="3000" b="0" i="0" u="none" strike="noStrike">
+                          <a:solidFill>
+                            <a:srgbClr val="000000"/>
+                          </a:solidFill>
+                          <a:effectLst/>
+                          <a:latin typeface="Times New Roman" panose="02020603050405020304" pitchFamily="18" charset="0"/>
+                        </a:rPr>
+                        <a:t>12.64</a:t>
+                      </a:r>
+                    </a:p>
+                  </a:txBody>
+                  <a:tcPr marL="7620" marR="7620" marT="7620" marB="0" anchor="b">
+                    <a:lnL>
+                      <a:noFill/>
+                    </a:lnL>
+                    <a:lnR>
+                      <a:noFill/>
+                    </a:lnR>
+                    <a:lnT>
+                      <a:noFill/>
+                    </a:lnT>
+                    <a:lnB>
+                      <a:noFill/>
+                    </a:lnB>
+                    <a:noFill/>
+                  </a:tcPr>
+                </a:tc>
+                <a:tc>
+                  <a:txBody>
+                    <a:bodyPr/>
+                    <a:lstStyle/>
+                    <a:p>
+                      <a:pPr algn="ctr" fontAlgn="b"/>
+                      <a:r>
+                        <a:rPr lang="en-US" sz="3000" b="1" i="0" u="none" strike="noStrike">
+                          <a:solidFill>
+                            <a:srgbClr val="000000"/>
+                          </a:solidFill>
+                          <a:effectLst/>
+                          <a:latin typeface="Times New Roman" panose="02020603050405020304" pitchFamily="18" charset="0"/>
+                        </a:rPr>
+                        <a:t>&lt;.001</a:t>
+                      </a:r>
+                    </a:p>
+                  </a:txBody>
+                  <a:tcPr marL="7620" marR="7620" marT="7620" marB="0" anchor="b">
+                    <a:lnL>
+                      <a:noFill/>
+                    </a:lnL>
+                    <a:lnR>
+                      <a:noFill/>
+                    </a:lnR>
+                    <a:lnT>
+                      <a:noFill/>
+                    </a:lnT>
+                    <a:lnB>
+                      <a:noFill/>
+                    </a:lnB>
+                    <a:noFill/>
+                  </a:tcPr>
+                </a:tc>
+                <a:extLst>
+                  <a:ext uri="{0D108BD9-81ED-4DB2-BD59-A6C34878D82A}">
+                    <a16:rowId xmlns:a16="http://schemas.microsoft.com/office/drawing/2014/main" val="463551486"/>
+                  </a:ext>
+                </a:extLst>
+              </a:tr>
+              <a:tr h="480060">
+                <a:tc gridSpan="3">
+                  <a:txBody>
+                    <a:bodyPr/>
+                    <a:lstStyle/>
+                    <a:p>
+                      <a:pPr algn="r" fontAlgn="b"/>
+                      <a:r>
+                        <a:rPr lang="en-US" sz="3000" b="0" i="0" u="none" strike="noStrike" dirty="0">
+                          <a:solidFill>
+                            <a:srgbClr val="000000"/>
+                          </a:solidFill>
+                          <a:effectLst/>
+                          <a:latin typeface="Times New Roman" panose="02020603050405020304" pitchFamily="18" charset="0"/>
+                        </a:rPr>
+                        <a:t>Opt-in | Not Viewed | Time 1</a:t>
+                      </a:r>
+                    </a:p>
+                  </a:txBody>
+                  <a:tcPr marL="7620" marR="7620" marT="7620" marB="0" anchor="b">
+                    <a:lnL>
+                      <a:noFill/>
+                    </a:lnL>
+                    <a:lnR>
+                      <a:noFill/>
+                    </a:lnR>
+                    <a:lnT>
+                      <a:noFill/>
+                    </a:lnT>
+                    <a:lnB>
+                      <a:noFill/>
+                    </a:lnB>
+                    <a:noFill/>
+                  </a:tcPr>
+                </a:tc>
+                <a:tc hMerge="1">
+                  <a:txBody>
+                    <a:bodyPr/>
+                    <a:lstStyle/>
+                    <a:p>
+                      <a:endParaRPr lang="en-US"/>
+                    </a:p>
+                  </a:txBody>
+                  <a:tcPr/>
+                </a:tc>
+                <a:tc hMerge="1">
+                  <a:txBody>
+                    <a:bodyPr/>
+                    <a:lstStyle/>
+                    <a:p>
+                      <a:endParaRPr lang="en-US"/>
+                    </a:p>
+                  </a:txBody>
+                  <a:tcPr/>
+                </a:tc>
+                <a:tc>
+                  <a:txBody>
+                    <a:bodyPr/>
+                    <a:lstStyle/>
+                    <a:p>
+                      <a:pPr algn="ctr" fontAlgn="b"/>
+                      <a:r>
+                        <a:rPr lang="en-US" sz="3000" b="0" i="0" u="none" strike="noStrike">
+                          <a:solidFill>
+                            <a:srgbClr val="000000"/>
+                          </a:solidFill>
+                          <a:effectLst/>
+                          <a:latin typeface="Times New Roman" panose="02020603050405020304" pitchFamily="18" charset="0"/>
+                        </a:rPr>
+                        <a:t>0.13</a:t>
+                      </a:r>
+                    </a:p>
+                  </a:txBody>
+                  <a:tcPr marL="7620" marR="7620" marT="7620" marB="0" anchor="b">
+                    <a:lnL>
+                      <a:noFill/>
+                    </a:lnL>
+                    <a:lnR>
+                      <a:noFill/>
+                    </a:lnR>
+                    <a:lnT>
+                      <a:noFill/>
+                    </a:lnT>
+                    <a:lnB>
+                      <a:noFill/>
+                    </a:lnB>
+                    <a:noFill/>
+                  </a:tcPr>
+                </a:tc>
+                <a:tc>
+                  <a:txBody>
+                    <a:bodyPr/>
+                    <a:lstStyle/>
+                    <a:p>
+                      <a:pPr algn="ctr" fontAlgn="b"/>
+                      <a:r>
+                        <a:rPr lang="en-US" sz="3000" b="0" i="0" u="none" strike="noStrike">
+                          <a:solidFill>
+                            <a:srgbClr val="000000"/>
+                          </a:solidFill>
+                          <a:effectLst/>
+                          <a:latin typeface="Times New Roman" panose="02020603050405020304" pitchFamily="18" charset="0"/>
+                        </a:rPr>
+                        <a:t>1.8</a:t>
+                      </a:r>
+                    </a:p>
+                  </a:txBody>
+                  <a:tcPr marL="7620" marR="7620" marT="7620" marB="0" anchor="b">
+                    <a:lnL>
+                      <a:noFill/>
+                    </a:lnL>
+                    <a:lnR>
+                      <a:noFill/>
+                    </a:lnR>
+                    <a:lnT>
+                      <a:noFill/>
+                    </a:lnT>
+                    <a:lnB>
+                      <a:noFill/>
+                    </a:lnB>
+                    <a:noFill/>
+                  </a:tcPr>
+                </a:tc>
+                <a:tc>
+                  <a:txBody>
+                    <a:bodyPr/>
+                    <a:lstStyle/>
+                    <a:p>
+                      <a:pPr algn="ctr" fontAlgn="b"/>
+                      <a:r>
+                        <a:rPr lang="en-US" sz="3000" b="0" i="0" u="none" strike="noStrike">
+                          <a:solidFill>
+                            <a:srgbClr val="000000"/>
+                          </a:solidFill>
+                          <a:effectLst/>
+                          <a:latin typeface="Times New Roman" panose="02020603050405020304" pitchFamily="18" charset="0"/>
+                        </a:rPr>
+                        <a:t>0.07</a:t>
+                      </a:r>
+                    </a:p>
+                  </a:txBody>
+                  <a:tcPr marL="7620" marR="7620" marT="7620" marB="0" anchor="b">
+                    <a:lnL>
+                      <a:noFill/>
+                    </a:lnL>
+                    <a:lnR>
+                      <a:noFill/>
+                    </a:lnR>
+                    <a:lnT>
+                      <a:noFill/>
+                    </a:lnT>
+                    <a:lnB>
+                      <a:noFill/>
+                    </a:lnB>
+                    <a:noFill/>
+                  </a:tcPr>
+                </a:tc>
+                <a:tc>
+                  <a:txBody>
+                    <a:bodyPr/>
+                    <a:lstStyle/>
+                    <a:p>
+                      <a:pPr algn="ctr" fontAlgn="b"/>
+                      <a:r>
+                        <a:rPr lang="en-US" sz="3000" b="0" i="0" u="none" strike="noStrike">
+                          <a:solidFill>
+                            <a:srgbClr val="000000"/>
+                          </a:solidFill>
+                          <a:effectLst/>
+                          <a:latin typeface="Times New Roman" panose="02020603050405020304" pitchFamily="18" charset="0"/>
+                        </a:rPr>
+                        <a:t>6764.07</a:t>
+                      </a:r>
+                    </a:p>
+                  </a:txBody>
+                  <a:tcPr marL="7620" marR="7620" marT="7620" marB="0" anchor="b">
+                    <a:lnL>
+                      <a:noFill/>
+                    </a:lnL>
+                    <a:lnR>
+                      <a:noFill/>
+                    </a:lnR>
+                    <a:lnT>
+                      <a:noFill/>
+                    </a:lnT>
+                    <a:lnB>
+                      <a:noFill/>
+                    </a:lnB>
+                    <a:noFill/>
+                  </a:tcPr>
+                </a:tc>
+                <a:tc>
+                  <a:txBody>
+                    <a:bodyPr/>
+                    <a:lstStyle/>
+                    <a:p>
+                      <a:pPr algn="ctr" fontAlgn="b"/>
+                      <a:r>
+                        <a:rPr lang="en-US" sz="3000" b="0" i="0" u="none" strike="noStrike">
+                          <a:solidFill>
+                            <a:srgbClr val="000000"/>
+                          </a:solidFill>
+                          <a:effectLst/>
+                          <a:latin typeface="Times New Roman" panose="02020603050405020304" pitchFamily="18" charset="0"/>
+                        </a:rPr>
+                        <a:t>0.94</a:t>
+                      </a:r>
+                    </a:p>
+                  </a:txBody>
+                  <a:tcPr marL="7620" marR="7620" marT="7620" marB="0" anchor="b">
+                    <a:lnL>
+                      <a:noFill/>
+                    </a:lnL>
+                    <a:lnR>
+                      <a:noFill/>
+                    </a:lnR>
+                    <a:lnT>
+                      <a:noFill/>
+                    </a:lnT>
+                    <a:lnB>
+                      <a:noFill/>
+                    </a:lnB>
+                    <a:noFill/>
+                  </a:tcPr>
+                </a:tc>
+                <a:extLst>
+                  <a:ext uri="{0D108BD9-81ED-4DB2-BD59-A6C34878D82A}">
+                    <a16:rowId xmlns:a16="http://schemas.microsoft.com/office/drawing/2014/main" val="3440878565"/>
+                  </a:ext>
+                </a:extLst>
+              </a:tr>
+              <a:tr h="480060">
+                <a:tc gridSpan="3">
+                  <a:txBody>
+                    <a:bodyPr/>
+                    <a:lstStyle/>
+                    <a:p>
+                      <a:pPr algn="r" fontAlgn="b"/>
+                      <a:r>
+                        <a:rPr lang="en-US" sz="3000" b="0" i="0" u="none" strike="noStrike">
+                          <a:solidFill>
+                            <a:srgbClr val="000000"/>
+                          </a:solidFill>
+                          <a:effectLst/>
+                          <a:latin typeface="Times New Roman" panose="02020603050405020304" pitchFamily="18" charset="0"/>
+                        </a:rPr>
+                        <a:t>Opt-out | Viewed | Time 1</a:t>
+                      </a:r>
+                    </a:p>
+                  </a:txBody>
+                  <a:tcPr marL="7620" marR="7620" marT="7620" marB="0" anchor="b">
+                    <a:lnL>
+                      <a:noFill/>
+                    </a:lnL>
+                    <a:lnR>
+                      <a:noFill/>
+                    </a:lnR>
+                    <a:lnT>
+                      <a:noFill/>
+                    </a:lnT>
+                    <a:lnB>
+                      <a:noFill/>
+                    </a:lnB>
+                    <a:noFill/>
+                  </a:tcPr>
+                </a:tc>
+                <a:tc hMerge="1">
+                  <a:txBody>
+                    <a:bodyPr/>
+                    <a:lstStyle/>
+                    <a:p>
+                      <a:endParaRPr lang="en-US"/>
+                    </a:p>
+                  </a:txBody>
+                  <a:tcPr/>
+                </a:tc>
+                <a:tc hMerge="1">
+                  <a:txBody>
+                    <a:bodyPr/>
+                    <a:lstStyle/>
+                    <a:p>
+                      <a:endParaRPr lang="en-US"/>
+                    </a:p>
+                  </a:txBody>
+                  <a:tcPr/>
+                </a:tc>
+                <a:tc>
+                  <a:txBody>
+                    <a:bodyPr/>
+                    <a:lstStyle/>
+                    <a:p>
+                      <a:pPr algn="ctr" fontAlgn="b"/>
+                      <a:r>
+                        <a:rPr lang="en-US" sz="3000" b="0" i="0" u="none" strike="noStrike">
+                          <a:solidFill>
+                            <a:srgbClr val="000000"/>
+                          </a:solidFill>
+                          <a:effectLst/>
+                          <a:latin typeface="Times New Roman" panose="02020603050405020304" pitchFamily="18" charset="0"/>
+                        </a:rPr>
+                        <a:t>1.53</a:t>
+                      </a:r>
+                    </a:p>
+                  </a:txBody>
+                  <a:tcPr marL="7620" marR="7620" marT="7620" marB="0" anchor="b">
+                    <a:lnL>
+                      <a:noFill/>
+                    </a:lnL>
+                    <a:lnR>
+                      <a:noFill/>
+                    </a:lnR>
+                    <a:lnT>
+                      <a:noFill/>
+                    </a:lnT>
+                    <a:lnB>
+                      <a:noFill/>
+                    </a:lnB>
+                    <a:noFill/>
+                  </a:tcPr>
+                </a:tc>
+                <a:tc>
+                  <a:txBody>
+                    <a:bodyPr/>
+                    <a:lstStyle/>
+                    <a:p>
+                      <a:pPr algn="ctr" fontAlgn="b"/>
+                      <a:r>
+                        <a:rPr lang="en-US" sz="3000" b="0" i="0" u="none" strike="noStrike">
+                          <a:solidFill>
+                            <a:srgbClr val="000000"/>
+                          </a:solidFill>
+                          <a:effectLst/>
+                          <a:latin typeface="Times New Roman" panose="02020603050405020304" pitchFamily="18" charset="0"/>
+                        </a:rPr>
+                        <a:t>1.4</a:t>
+                      </a:r>
+                    </a:p>
+                  </a:txBody>
+                  <a:tcPr marL="7620" marR="7620" marT="7620" marB="0" anchor="b">
+                    <a:lnL>
+                      <a:noFill/>
+                    </a:lnL>
+                    <a:lnR>
+                      <a:noFill/>
+                    </a:lnR>
+                    <a:lnT>
+                      <a:noFill/>
+                    </a:lnT>
+                    <a:lnB>
+                      <a:noFill/>
+                    </a:lnB>
+                    <a:noFill/>
+                  </a:tcPr>
+                </a:tc>
+                <a:tc>
+                  <a:txBody>
+                    <a:bodyPr/>
+                    <a:lstStyle/>
+                    <a:p>
+                      <a:pPr algn="ctr" fontAlgn="b"/>
+                      <a:r>
+                        <a:rPr lang="en-US" sz="3000" b="0" i="0" u="none" strike="noStrike">
+                          <a:solidFill>
+                            <a:srgbClr val="000000"/>
+                          </a:solidFill>
+                          <a:effectLst/>
+                          <a:latin typeface="Times New Roman" panose="02020603050405020304" pitchFamily="18" charset="0"/>
+                        </a:rPr>
+                        <a:t>1.13</a:t>
+                      </a:r>
+                    </a:p>
+                  </a:txBody>
+                  <a:tcPr marL="7620" marR="7620" marT="7620" marB="0" anchor="b">
+                    <a:lnL>
+                      <a:noFill/>
+                    </a:lnL>
+                    <a:lnR>
+                      <a:noFill/>
+                    </a:lnR>
+                    <a:lnT>
+                      <a:noFill/>
+                    </a:lnT>
+                    <a:lnB>
+                      <a:noFill/>
+                    </a:lnB>
+                    <a:noFill/>
+                  </a:tcPr>
+                </a:tc>
+                <a:tc>
+                  <a:txBody>
+                    <a:bodyPr/>
+                    <a:lstStyle/>
+                    <a:p>
+                      <a:pPr algn="ctr" fontAlgn="b"/>
+                      <a:r>
+                        <a:rPr lang="en-US" sz="3000" b="0" i="0" u="none" strike="noStrike">
+                          <a:solidFill>
+                            <a:srgbClr val="000000"/>
+                          </a:solidFill>
+                          <a:effectLst/>
+                          <a:latin typeface="Times New Roman" panose="02020603050405020304" pitchFamily="18" charset="0"/>
+                        </a:rPr>
+                        <a:t>12931</a:t>
+                      </a:r>
+                    </a:p>
+                  </a:txBody>
+                  <a:tcPr marL="7620" marR="7620" marT="7620" marB="0" anchor="b">
+                    <a:lnL>
+                      <a:noFill/>
+                    </a:lnL>
+                    <a:lnR>
+                      <a:noFill/>
+                    </a:lnR>
+                    <a:lnT>
+                      <a:noFill/>
+                    </a:lnT>
+                    <a:lnB>
+                      <a:noFill/>
+                    </a:lnB>
+                    <a:noFill/>
+                  </a:tcPr>
+                </a:tc>
+                <a:tc>
+                  <a:txBody>
+                    <a:bodyPr/>
+                    <a:lstStyle/>
+                    <a:p>
+                      <a:pPr algn="ctr" fontAlgn="b"/>
+                      <a:r>
+                        <a:rPr lang="en-US" sz="3000" b="0" i="0" u="none" strike="noStrike" dirty="0">
+                          <a:solidFill>
+                            <a:srgbClr val="000000"/>
+                          </a:solidFill>
+                          <a:effectLst/>
+                          <a:latin typeface="Times New Roman" panose="02020603050405020304" pitchFamily="18" charset="0"/>
+                        </a:rPr>
+                        <a:t>0.26</a:t>
+                      </a:r>
+                    </a:p>
+                  </a:txBody>
+                  <a:tcPr marL="7620" marR="7620" marT="7620" marB="0" anchor="b">
+                    <a:lnL>
+                      <a:noFill/>
+                    </a:lnL>
+                    <a:lnR>
+                      <a:noFill/>
+                    </a:lnR>
+                    <a:lnT>
+                      <a:noFill/>
+                    </a:lnT>
+                    <a:lnB>
+                      <a:noFill/>
+                    </a:lnB>
+                    <a:noFill/>
+                  </a:tcPr>
+                </a:tc>
+                <a:extLst>
+                  <a:ext uri="{0D108BD9-81ED-4DB2-BD59-A6C34878D82A}">
+                    <a16:rowId xmlns:a16="http://schemas.microsoft.com/office/drawing/2014/main" val="944817839"/>
+                  </a:ext>
+                </a:extLst>
+              </a:tr>
+              <a:tr h="480060">
+                <a:tc gridSpan="3">
+                  <a:txBody>
+                    <a:bodyPr/>
+                    <a:lstStyle/>
+                    <a:p>
+                      <a:pPr algn="r" fontAlgn="b"/>
+                      <a:r>
+                        <a:rPr lang="en-US" sz="3000" b="0" i="0" u="none" strike="noStrike">
+                          <a:solidFill>
+                            <a:srgbClr val="000000"/>
+                          </a:solidFill>
+                          <a:effectLst/>
+                          <a:latin typeface="Times New Roman" panose="02020603050405020304" pitchFamily="18" charset="0"/>
+                        </a:rPr>
+                        <a:t>Opt-in | Not Viewed | Time 2</a:t>
+                      </a:r>
+                    </a:p>
+                  </a:txBody>
+                  <a:tcPr marL="7620" marR="7620" marT="7620" marB="0" anchor="b">
+                    <a:lnL>
+                      <a:noFill/>
+                    </a:lnL>
+                    <a:lnR>
+                      <a:noFill/>
+                    </a:lnR>
+                    <a:lnT>
+                      <a:noFill/>
+                    </a:lnT>
+                    <a:lnB>
+                      <a:noFill/>
+                    </a:lnB>
+                    <a:noFill/>
+                  </a:tcPr>
+                </a:tc>
+                <a:tc hMerge="1">
+                  <a:txBody>
+                    <a:bodyPr/>
+                    <a:lstStyle/>
+                    <a:p>
+                      <a:endParaRPr lang="en-US"/>
+                    </a:p>
+                  </a:txBody>
+                  <a:tcPr/>
+                </a:tc>
+                <a:tc hMerge="1">
+                  <a:txBody>
+                    <a:bodyPr/>
+                    <a:lstStyle/>
+                    <a:p>
+                      <a:endParaRPr lang="en-US"/>
+                    </a:p>
+                  </a:txBody>
+                  <a:tcPr/>
+                </a:tc>
+                <a:tc>
+                  <a:txBody>
+                    <a:bodyPr/>
+                    <a:lstStyle/>
+                    <a:p>
+                      <a:pPr algn="ctr" fontAlgn="b"/>
+                      <a:r>
+                        <a:rPr lang="en-US" sz="3000" b="0" i="0" u="none" strike="noStrike">
+                          <a:solidFill>
+                            <a:srgbClr val="000000"/>
+                          </a:solidFill>
+                          <a:effectLst/>
+                          <a:latin typeface="Times New Roman" panose="02020603050405020304" pitchFamily="18" charset="0"/>
+                        </a:rPr>
+                        <a:t>0.99</a:t>
+                      </a:r>
+                    </a:p>
+                  </a:txBody>
+                  <a:tcPr marL="7620" marR="7620" marT="7620" marB="0" anchor="b">
+                    <a:lnL>
+                      <a:noFill/>
+                    </a:lnL>
+                    <a:lnR>
+                      <a:noFill/>
+                    </a:lnR>
+                    <a:lnT>
+                      <a:noFill/>
+                    </a:lnT>
+                    <a:lnB>
+                      <a:noFill/>
+                    </a:lnB>
+                    <a:noFill/>
+                  </a:tcPr>
+                </a:tc>
+                <a:tc>
+                  <a:txBody>
+                    <a:bodyPr/>
+                    <a:lstStyle/>
+                    <a:p>
+                      <a:pPr algn="ctr" fontAlgn="b"/>
+                      <a:r>
+                        <a:rPr lang="en-US" sz="3000" b="0" i="0" u="none" strike="noStrike">
+                          <a:solidFill>
+                            <a:srgbClr val="000000"/>
+                          </a:solidFill>
+                          <a:effectLst/>
+                          <a:latin typeface="Times New Roman" panose="02020603050405020304" pitchFamily="18" charset="0"/>
+                        </a:rPr>
+                        <a:t>2</a:t>
+                      </a:r>
+                    </a:p>
+                  </a:txBody>
+                  <a:tcPr marL="7620" marR="7620" marT="7620" marB="0" anchor="b">
+                    <a:lnL>
+                      <a:noFill/>
+                    </a:lnL>
+                    <a:lnR>
+                      <a:noFill/>
+                    </a:lnR>
+                    <a:lnT>
+                      <a:noFill/>
+                    </a:lnT>
+                    <a:lnB>
+                      <a:noFill/>
+                    </a:lnB>
+                    <a:noFill/>
+                  </a:tcPr>
+                </a:tc>
+                <a:tc>
+                  <a:txBody>
+                    <a:bodyPr/>
+                    <a:lstStyle/>
+                    <a:p>
+                      <a:pPr algn="ctr" fontAlgn="b"/>
+                      <a:r>
+                        <a:rPr lang="en-US" sz="3000" b="0" i="0" u="none" strike="noStrike">
+                          <a:solidFill>
+                            <a:srgbClr val="000000"/>
+                          </a:solidFill>
+                          <a:effectLst/>
+                          <a:latin typeface="Times New Roman" panose="02020603050405020304" pitchFamily="18" charset="0"/>
+                        </a:rPr>
+                        <a:t>0.49</a:t>
+                      </a:r>
+                    </a:p>
+                  </a:txBody>
+                  <a:tcPr marL="7620" marR="7620" marT="7620" marB="0" anchor="b">
+                    <a:lnL>
+                      <a:noFill/>
+                    </a:lnL>
+                    <a:lnR>
+                      <a:noFill/>
+                    </a:lnR>
+                    <a:lnT>
+                      <a:noFill/>
+                    </a:lnT>
+                    <a:lnB>
+                      <a:noFill/>
+                    </a:lnB>
+                    <a:noFill/>
+                  </a:tcPr>
+                </a:tc>
+                <a:tc>
+                  <a:txBody>
+                    <a:bodyPr/>
+                    <a:lstStyle/>
+                    <a:p>
+                      <a:pPr algn="ctr" fontAlgn="b"/>
+                      <a:r>
+                        <a:rPr lang="en-US" sz="3000" b="0" i="0" u="none" strike="noStrike">
+                          <a:solidFill>
+                            <a:srgbClr val="000000"/>
+                          </a:solidFill>
+                          <a:effectLst/>
+                          <a:latin typeface="Times New Roman" panose="02020603050405020304" pitchFamily="18" charset="0"/>
+                        </a:rPr>
+                        <a:t>13957.5</a:t>
+                      </a:r>
+                    </a:p>
+                  </a:txBody>
+                  <a:tcPr marL="7620" marR="7620" marT="7620" marB="0" anchor="b">
+                    <a:lnL>
+                      <a:noFill/>
+                    </a:lnL>
+                    <a:lnR>
+                      <a:noFill/>
+                    </a:lnR>
+                    <a:lnT>
+                      <a:noFill/>
+                    </a:lnT>
+                    <a:lnB>
+                      <a:noFill/>
+                    </a:lnB>
+                    <a:noFill/>
+                  </a:tcPr>
+                </a:tc>
+                <a:tc>
+                  <a:txBody>
+                    <a:bodyPr/>
+                    <a:lstStyle/>
+                    <a:p>
+                      <a:pPr algn="ctr" fontAlgn="b"/>
+                      <a:r>
+                        <a:rPr lang="en-US" sz="3000" b="0" i="0" u="none" strike="noStrike" dirty="0">
+                          <a:solidFill>
+                            <a:srgbClr val="000000"/>
+                          </a:solidFill>
+                          <a:effectLst/>
+                          <a:latin typeface="Times New Roman" panose="02020603050405020304" pitchFamily="18" charset="0"/>
+                        </a:rPr>
+                        <a:t>0.63</a:t>
+                      </a:r>
+                    </a:p>
+                  </a:txBody>
+                  <a:tcPr marL="7620" marR="7620" marT="7620" marB="0" anchor="b">
+                    <a:lnL>
+                      <a:noFill/>
+                    </a:lnL>
+                    <a:lnR>
+                      <a:noFill/>
+                    </a:lnR>
+                    <a:lnT>
+                      <a:noFill/>
+                    </a:lnT>
+                    <a:lnB>
+                      <a:noFill/>
+                    </a:lnB>
+                    <a:noFill/>
+                  </a:tcPr>
+                </a:tc>
+                <a:extLst>
+                  <a:ext uri="{0D108BD9-81ED-4DB2-BD59-A6C34878D82A}">
+                    <a16:rowId xmlns:a16="http://schemas.microsoft.com/office/drawing/2014/main" val="702134735"/>
+                  </a:ext>
+                </a:extLst>
+              </a:tr>
+              <a:tr h="480060">
+                <a:tc gridSpan="3">
+                  <a:txBody>
+                    <a:bodyPr/>
+                    <a:lstStyle/>
+                    <a:p>
+                      <a:pPr algn="r" fontAlgn="b"/>
+                      <a:r>
+                        <a:rPr lang="en-US" sz="3000" b="0" i="0" u="none" strike="noStrike">
+                          <a:solidFill>
+                            <a:srgbClr val="000000"/>
+                          </a:solidFill>
+                          <a:effectLst/>
+                          <a:latin typeface="Times New Roman" panose="02020603050405020304" pitchFamily="18" charset="0"/>
+                        </a:rPr>
+                        <a:t>Opt-in | Not Viewed | Time 3</a:t>
+                      </a:r>
+                    </a:p>
+                  </a:txBody>
+                  <a:tcPr marL="7620" marR="7620" marT="7620" marB="0" anchor="b">
+                    <a:lnL>
+                      <a:noFill/>
+                    </a:lnL>
+                    <a:lnR>
+                      <a:noFill/>
+                    </a:lnR>
+                    <a:lnT>
+                      <a:noFill/>
+                    </a:lnT>
+                    <a:lnB>
+                      <a:noFill/>
+                    </a:lnB>
+                    <a:noFill/>
+                  </a:tcPr>
+                </a:tc>
+                <a:tc hMerge="1">
+                  <a:txBody>
+                    <a:bodyPr/>
+                    <a:lstStyle/>
+                    <a:p>
+                      <a:endParaRPr lang="en-US"/>
+                    </a:p>
+                  </a:txBody>
+                  <a:tcPr/>
+                </a:tc>
+                <a:tc hMerge="1">
+                  <a:txBody>
+                    <a:bodyPr/>
+                    <a:lstStyle/>
+                    <a:p>
+                      <a:endParaRPr lang="en-US"/>
+                    </a:p>
+                  </a:txBody>
+                  <a:tcPr/>
+                </a:tc>
+                <a:tc>
+                  <a:txBody>
+                    <a:bodyPr/>
+                    <a:lstStyle/>
+                    <a:p>
+                      <a:pPr algn="ctr" fontAlgn="b"/>
+                      <a:r>
+                        <a:rPr lang="en-US" sz="3000" b="0" i="0" u="none" strike="noStrike">
+                          <a:solidFill>
+                            <a:srgbClr val="000000"/>
+                          </a:solidFill>
+                          <a:effectLst/>
+                          <a:latin typeface="Times New Roman" panose="02020603050405020304" pitchFamily="18" charset="0"/>
+                        </a:rPr>
+                        <a:t>-0.79</a:t>
+                      </a:r>
+                    </a:p>
+                  </a:txBody>
+                  <a:tcPr marL="7620" marR="7620" marT="7620" marB="0" anchor="b">
+                    <a:lnL>
+                      <a:noFill/>
+                    </a:lnL>
+                    <a:lnR>
+                      <a:noFill/>
+                    </a:lnR>
+                    <a:lnT>
+                      <a:noFill/>
+                    </a:lnT>
+                    <a:lnB>
+                      <a:noFill/>
+                    </a:lnB>
+                    <a:noFill/>
+                  </a:tcPr>
+                </a:tc>
+                <a:tc>
+                  <a:txBody>
+                    <a:bodyPr/>
+                    <a:lstStyle/>
+                    <a:p>
+                      <a:pPr algn="ctr" fontAlgn="b"/>
+                      <a:r>
+                        <a:rPr lang="en-US" sz="3000" b="0" i="0" u="none" strike="noStrike">
+                          <a:solidFill>
+                            <a:srgbClr val="000000"/>
+                          </a:solidFill>
+                          <a:effectLst/>
+                          <a:latin typeface="Times New Roman" panose="02020603050405020304" pitchFamily="18" charset="0"/>
+                        </a:rPr>
+                        <a:t>2.8</a:t>
+                      </a:r>
+                    </a:p>
+                  </a:txBody>
+                  <a:tcPr marL="7620" marR="7620" marT="7620" marB="0" anchor="b">
+                    <a:lnL>
+                      <a:noFill/>
+                    </a:lnL>
+                    <a:lnR>
+                      <a:noFill/>
+                    </a:lnR>
+                    <a:lnT>
+                      <a:noFill/>
+                    </a:lnT>
+                    <a:lnB>
+                      <a:noFill/>
+                    </a:lnB>
+                    <a:noFill/>
+                  </a:tcPr>
+                </a:tc>
+                <a:tc>
+                  <a:txBody>
+                    <a:bodyPr/>
+                    <a:lstStyle/>
+                    <a:p>
+                      <a:pPr algn="ctr" fontAlgn="b"/>
+                      <a:r>
+                        <a:rPr lang="en-US" sz="3000" b="0" i="0" u="none" strike="noStrike">
+                          <a:solidFill>
+                            <a:srgbClr val="000000"/>
+                          </a:solidFill>
+                          <a:effectLst/>
+                          <a:latin typeface="Times New Roman" panose="02020603050405020304" pitchFamily="18" charset="0"/>
+                        </a:rPr>
+                        <a:t>-0.3</a:t>
+                      </a:r>
+                    </a:p>
+                  </a:txBody>
+                  <a:tcPr marL="7620" marR="7620" marT="7620" marB="0" anchor="b">
+                    <a:lnL>
+                      <a:noFill/>
+                    </a:lnL>
+                    <a:lnR>
+                      <a:noFill/>
+                    </a:lnR>
+                    <a:lnT>
+                      <a:noFill/>
+                    </a:lnT>
+                    <a:lnB>
+                      <a:noFill/>
+                    </a:lnB>
+                    <a:noFill/>
+                  </a:tcPr>
+                </a:tc>
+                <a:tc>
+                  <a:txBody>
+                    <a:bodyPr/>
+                    <a:lstStyle/>
+                    <a:p>
+                      <a:pPr algn="ctr" fontAlgn="b"/>
+                      <a:r>
+                        <a:rPr lang="en-US" sz="3000" b="0" i="0" u="none" strike="noStrike">
+                          <a:solidFill>
+                            <a:srgbClr val="000000"/>
+                          </a:solidFill>
+                          <a:effectLst/>
+                          <a:latin typeface="Times New Roman" panose="02020603050405020304" pitchFamily="18" charset="0"/>
+                        </a:rPr>
+                        <a:t>13933.6</a:t>
+                      </a:r>
+                    </a:p>
+                  </a:txBody>
+                  <a:tcPr marL="7620" marR="7620" marT="7620" marB="0" anchor="b">
+                    <a:lnL>
+                      <a:noFill/>
+                    </a:lnL>
+                    <a:lnR>
+                      <a:noFill/>
+                    </a:lnR>
+                    <a:lnT>
+                      <a:noFill/>
+                    </a:lnT>
+                    <a:lnB>
+                      <a:noFill/>
+                    </a:lnB>
+                    <a:noFill/>
+                  </a:tcPr>
+                </a:tc>
+                <a:tc>
+                  <a:txBody>
+                    <a:bodyPr/>
+                    <a:lstStyle/>
+                    <a:p>
+                      <a:pPr algn="ctr" fontAlgn="b"/>
+                      <a:r>
+                        <a:rPr lang="en-US" sz="3000" b="0" i="0" u="none" strike="noStrike">
+                          <a:solidFill>
+                            <a:srgbClr val="000000"/>
+                          </a:solidFill>
+                          <a:effectLst/>
+                          <a:latin typeface="Times New Roman" panose="02020603050405020304" pitchFamily="18" charset="0"/>
+                        </a:rPr>
+                        <a:t>0.78</a:t>
+                      </a:r>
+                    </a:p>
+                  </a:txBody>
+                  <a:tcPr marL="7620" marR="7620" marT="7620" marB="0" anchor="b">
+                    <a:lnL>
+                      <a:noFill/>
+                    </a:lnL>
+                    <a:lnR>
+                      <a:noFill/>
+                    </a:lnR>
+                    <a:lnT>
+                      <a:noFill/>
+                    </a:lnT>
+                    <a:lnB>
+                      <a:noFill/>
+                    </a:lnB>
+                    <a:noFill/>
+                  </a:tcPr>
+                </a:tc>
+                <a:extLst>
+                  <a:ext uri="{0D108BD9-81ED-4DB2-BD59-A6C34878D82A}">
+                    <a16:rowId xmlns:a16="http://schemas.microsoft.com/office/drawing/2014/main" val="766488421"/>
+                  </a:ext>
+                </a:extLst>
+              </a:tr>
+              <a:tr h="480060">
+                <a:tc gridSpan="3">
+                  <a:txBody>
+                    <a:bodyPr/>
+                    <a:lstStyle/>
+                    <a:p>
+                      <a:pPr algn="r" fontAlgn="b"/>
+                      <a:r>
+                        <a:rPr lang="en-US" sz="3000" b="0" i="0" u="none" strike="noStrike">
+                          <a:solidFill>
+                            <a:srgbClr val="000000"/>
+                          </a:solidFill>
+                          <a:effectLst/>
+                          <a:latin typeface="Times New Roman" panose="02020603050405020304" pitchFamily="18" charset="0"/>
+                        </a:rPr>
+                        <a:t>Opt-in | Not Viewed | Time 4</a:t>
+                      </a:r>
+                    </a:p>
+                  </a:txBody>
+                  <a:tcPr marL="7620" marR="7620" marT="7620" marB="0" anchor="b">
+                    <a:lnL>
+                      <a:noFill/>
+                    </a:lnL>
+                    <a:lnR>
+                      <a:noFill/>
+                    </a:lnR>
+                    <a:lnT>
+                      <a:noFill/>
+                    </a:lnT>
+                    <a:lnB>
+                      <a:noFill/>
+                    </a:lnB>
+                    <a:noFill/>
+                  </a:tcPr>
+                </a:tc>
+                <a:tc hMerge="1">
+                  <a:txBody>
+                    <a:bodyPr/>
+                    <a:lstStyle/>
+                    <a:p>
+                      <a:endParaRPr lang="en-US"/>
+                    </a:p>
+                  </a:txBody>
+                  <a:tcPr/>
+                </a:tc>
+                <a:tc hMerge="1">
+                  <a:txBody>
+                    <a:bodyPr/>
+                    <a:lstStyle/>
+                    <a:p>
+                      <a:endParaRPr lang="en-US"/>
+                    </a:p>
+                  </a:txBody>
+                  <a:tcPr/>
+                </a:tc>
+                <a:tc>
+                  <a:txBody>
+                    <a:bodyPr/>
+                    <a:lstStyle/>
+                    <a:p>
+                      <a:pPr algn="ctr" fontAlgn="b"/>
+                      <a:r>
+                        <a:rPr lang="en-US" sz="3000" b="0" i="0" u="none" strike="noStrike">
+                          <a:solidFill>
+                            <a:srgbClr val="000000"/>
+                          </a:solidFill>
+                          <a:effectLst/>
+                          <a:latin typeface="Times New Roman" panose="02020603050405020304" pitchFamily="18" charset="0"/>
+                        </a:rPr>
+                        <a:t>-1.17</a:t>
+                      </a:r>
+                    </a:p>
+                  </a:txBody>
+                  <a:tcPr marL="7620" marR="7620" marT="7620" marB="0" anchor="b">
+                    <a:lnL>
+                      <a:noFill/>
+                    </a:lnL>
+                    <a:lnR>
+                      <a:noFill/>
+                    </a:lnR>
+                    <a:lnT>
+                      <a:noFill/>
+                    </a:lnT>
+                    <a:lnB>
+                      <a:noFill/>
+                    </a:lnB>
+                    <a:noFill/>
+                  </a:tcPr>
+                </a:tc>
+                <a:tc>
+                  <a:txBody>
+                    <a:bodyPr/>
+                    <a:lstStyle/>
+                    <a:p>
+                      <a:pPr algn="ctr" fontAlgn="b"/>
+                      <a:r>
+                        <a:rPr lang="en-US" sz="3000" b="0" i="0" u="none" strike="noStrike">
+                          <a:solidFill>
+                            <a:srgbClr val="000000"/>
+                          </a:solidFill>
+                          <a:effectLst/>
+                          <a:latin typeface="Times New Roman" panose="02020603050405020304" pitchFamily="18" charset="0"/>
+                        </a:rPr>
+                        <a:t>1.9</a:t>
+                      </a:r>
+                    </a:p>
+                  </a:txBody>
+                  <a:tcPr marL="7620" marR="7620" marT="7620" marB="0" anchor="b">
+                    <a:lnL>
+                      <a:noFill/>
+                    </a:lnL>
+                    <a:lnR>
+                      <a:noFill/>
+                    </a:lnR>
+                    <a:lnT>
+                      <a:noFill/>
+                    </a:lnT>
+                    <a:lnB>
+                      <a:noFill/>
+                    </a:lnB>
+                    <a:noFill/>
+                  </a:tcPr>
+                </a:tc>
+                <a:tc>
+                  <a:txBody>
+                    <a:bodyPr/>
+                    <a:lstStyle/>
+                    <a:p>
+                      <a:pPr algn="ctr" fontAlgn="b"/>
+                      <a:r>
+                        <a:rPr lang="en-US" sz="3000" b="0" i="0" u="none" strike="noStrike">
+                          <a:solidFill>
+                            <a:srgbClr val="000000"/>
+                          </a:solidFill>
+                          <a:effectLst/>
+                          <a:latin typeface="Times New Roman" panose="02020603050405020304" pitchFamily="18" charset="0"/>
+                        </a:rPr>
+                        <a:t>-0.6</a:t>
+                      </a:r>
+                    </a:p>
+                  </a:txBody>
+                  <a:tcPr marL="7620" marR="7620" marT="7620" marB="0" anchor="b">
+                    <a:lnL>
+                      <a:noFill/>
+                    </a:lnL>
+                    <a:lnR>
+                      <a:noFill/>
+                    </a:lnR>
+                    <a:lnT>
+                      <a:noFill/>
+                    </a:lnT>
+                    <a:lnB>
+                      <a:noFill/>
+                    </a:lnB>
+                    <a:noFill/>
+                  </a:tcPr>
+                </a:tc>
+                <a:tc>
+                  <a:txBody>
+                    <a:bodyPr/>
+                    <a:lstStyle/>
+                    <a:p>
+                      <a:pPr algn="ctr" fontAlgn="b"/>
+                      <a:r>
+                        <a:rPr lang="en-US" sz="3000" b="0" i="0" u="none" strike="noStrike">
+                          <a:solidFill>
+                            <a:srgbClr val="000000"/>
+                          </a:solidFill>
+                          <a:effectLst/>
+                          <a:latin typeface="Times New Roman" panose="02020603050405020304" pitchFamily="18" charset="0"/>
+                        </a:rPr>
+                        <a:t>13919.4</a:t>
+                      </a:r>
+                    </a:p>
+                  </a:txBody>
+                  <a:tcPr marL="7620" marR="7620" marT="7620" marB="0" anchor="b">
+                    <a:lnL>
+                      <a:noFill/>
+                    </a:lnL>
+                    <a:lnR>
+                      <a:noFill/>
+                    </a:lnR>
+                    <a:lnT>
+                      <a:noFill/>
+                    </a:lnT>
+                    <a:lnB>
+                      <a:noFill/>
+                    </a:lnB>
+                    <a:noFill/>
+                  </a:tcPr>
+                </a:tc>
+                <a:tc>
+                  <a:txBody>
+                    <a:bodyPr/>
+                    <a:lstStyle/>
+                    <a:p>
+                      <a:pPr algn="ctr" fontAlgn="b"/>
+                      <a:r>
+                        <a:rPr lang="en-US" sz="3000" b="0" i="0" u="none" strike="noStrike" dirty="0">
+                          <a:solidFill>
+                            <a:srgbClr val="000000"/>
+                          </a:solidFill>
+                          <a:effectLst/>
+                          <a:latin typeface="Times New Roman" panose="02020603050405020304" pitchFamily="18" charset="0"/>
+                        </a:rPr>
+                        <a:t>0.54</a:t>
+                      </a:r>
+                    </a:p>
+                  </a:txBody>
+                  <a:tcPr marL="7620" marR="7620" marT="7620" marB="0" anchor="b">
+                    <a:lnL>
+                      <a:noFill/>
+                    </a:lnL>
+                    <a:lnR>
+                      <a:noFill/>
+                    </a:lnR>
+                    <a:lnT>
+                      <a:noFill/>
+                    </a:lnT>
+                    <a:lnB>
+                      <a:noFill/>
+                    </a:lnB>
+                    <a:noFill/>
+                  </a:tcPr>
+                </a:tc>
+                <a:extLst>
+                  <a:ext uri="{0D108BD9-81ED-4DB2-BD59-A6C34878D82A}">
+                    <a16:rowId xmlns:a16="http://schemas.microsoft.com/office/drawing/2014/main" val="3288335466"/>
+                  </a:ext>
+                </a:extLst>
+              </a:tr>
+              <a:tr h="480060">
+                <a:tc gridSpan="3">
+                  <a:txBody>
+                    <a:bodyPr/>
+                    <a:lstStyle/>
+                    <a:p>
+                      <a:pPr algn="r" fontAlgn="b"/>
+                      <a:r>
+                        <a:rPr lang="en-US" sz="3000" b="0" i="0" u="none" strike="noStrike">
+                          <a:solidFill>
+                            <a:srgbClr val="000000"/>
+                          </a:solidFill>
+                          <a:effectLst/>
+                          <a:latin typeface="Times New Roman" panose="02020603050405020304" pitchFamily="18" charset="0"/>
+                        </a:rPr>
+                        <a:t>Opt-out | Viewed | Time 2</a:t>
+                      </a:r>
+                    </a:p>
+                  </a:txBody>
+                  <a:tcPr marL="7620" marR="7620" marT="7620" marB="0" anchor="b">
+                    <a:lnL>
+                      <a:noFill/>
+                    </a:lnL>
+                    <a:lnR>
+                      <a:noFill/>
+                    </a:lnR>
+                    <a:lnT>
+                      <a:noFill/>
+                    </a:lnT>
+                    <a:lnB>
+                      <a:noFill/>
+                    </a:lnB>
+                    <a:noFill/>
+                  </a:tcPr>
+                </a:tc>
+                <a:tc hMerge="1">
+                  <a:txBody>
+                    <a:bodyPr/>
+                    <a:lstStyle/>
+                    <a:p>
+                      <a:endParaRPr lang="en-US"/>
+                    </a:p>
+                  </a:txBody>
+                  <a:tcPr/>
+                </a:tc>
+                <a:tc hMerge="1">
+                  <a:txBody>
+                    <a:bodyPr/>
+                    <a:lstStyle/>
+                    <a:p>
+                      <a:endParaRPr lang="en-US"/>
+                    </a:p>
+                  </a:txBody>
+                  <a:tcPr/>
+                </a:tc>
+                <a:tc>
+                  <a:txBody>
+                    <a:bodyPr/>
+                    <a:lstStyle/>
+                    <a:p>
+                      <a:pPr algn="ctr" fontAlgn="b"/>
+                      <a:r>
+                        <a:rPr lang="en-US" sz="3000" b="0" i="0" u="none" strike="noStrike">
+                          <a:solidFill>
+                            <a:srgbClr val="000000"/>
+                          </a:solidFill>
+                          <a:effectLst/>
+                          <a:latin typeface="Times New Roman" panose="02020603050405020304" pitchFamily="18" charset="0"/>
+                        </a:rPr>
+                        <a:t>-2.97</a:t>
+                      </a:r>
+                    </a:p>
+                  </a:txBody>
+                  <a:tcPr marL="7620" marR="7620" marT="7620" marB="0" anchor="b">
+                    <a:lnL>
+                      <a:noFill/>
+                    </a:lnL>
+                    <a:lnR>
+                      <a:noFill/>
+                    </a:lnR>
+                    <a:lnT>
+                      <a:noFill/>
+                    </a:lnT>
+                    <a:lnB>
+                      <a:noFill/>
+                    </a:lnB>
+                    <a:noFill/>
+                  </a:tcPr>
+                </a:tc>
+                <a:tc>
+                  <a:txBody>
+                    <a:bodyPr/>
+                    <a:lstStyle/>
+                    <a:p>
+                      <a:pPr algn="ctr" fontAlgn="b"/>
+                      <a:r>
+                        <a:rPr lang="en-US" sz="3000" b="0" i="0" u="none" strike="noStrike">
+                          <a:solidFill>
+                            <a:srgbClr val="000000"/>
+                          </a:solidFill>
+                          <a:effectLst/>
+                          <a:latin typeface="Times New Roman" panose="02020603050405020304" pitchFamily="18" charset="0"/>
+                        </a:rPr>
+                        <a:t>1.6</a:t>
+                      </a:r>
+                    </a:p>
+                  </a:txBody>
+                  <a:tcPr marL="7620" marR="7620" marT="7620" marB="0" anchor="b">
+                    <a:lnL>
+                      <a:noFill/>
+                    </a:lnL>
+                    <a:lnR>
+                      <a:noFill/>
+                    </a:lnR>
+                    <a:lnT>
+                      <a:noFill/>
+                    </a:lnT>
+                    <a:lnB>
+                      <a:noFill/>
+                    </a:lnB>
+                    <a:noFill/>
+                  </a:tcPr>
+                </a:tc>
+                <a:tc>
+                  <a:txBody>
+                    <a:bodyPr/>
+                    <a:lstStyle/>
+                    <a:p>
+                      <a:pPr algn="ctr" fontAlgn="b"/>
+                      <a:r>
+                        <a:rPr lang="en-US" sz="3000" b="0" i="0" u="none" strike="noStrike">
+                          <a:solidFill>
+                            <a:srgbClr val="000000"/>
+                          </a:solidFill>
+                          <a:effectLst/>
+                          <a:latin typeface="Times New Roman" panose="02020603050405020304" pitchFamily="18" charset="0"/>
+                        </a:rPr>
+                        <a:t>-1.8</a:t>
+                      </a:r>
+                    </a:p>
+                  </a:txBody>
+                  <a:tcPr marL="7620" marR="7620" marT="7620" marB="0" anchor="b">
+                    <a:lnL>
+                      <a:noFill/>
+                    </a:lnL>
+                    <a:lnR>
+                      <a:noFill/>
+                    </a:lnR>
+                    <a:lnT>
+                      <a:noFill/>
+                    </a:lnT>
+                    <a:lnB>
+                      <a:noFill/>
+                    </a:lnB>
+                    <a:noFill/>
+                  </a:tcPr>
+                </a:tc>
+                <a:tc>
+                  <a:txBody>
+                    <a:bodyPr/>
+                    <a:lstStyle/>
+                    <a:p>
+                      <a:pPr algn="ctr" fontAlgn="b"/>
+                      <a:r>
+                        <a:rPr lang="en-US" sz="3000" b="0" i="0" u="none" strike="noStrike">
+                          <a:solidFill>
+                            <a:srgbClr val="000000"/>
+                          </a:solidFill>
+                          <a:effectLst/>
+                          <a:latin typeface="Times New Roman" panose="02020603050405020304" pitchFamily="18" charset="0"/>
+                        </a:rPr>
+                        <a:t>13948</a:t>
+                      </a:r>
+                    </a:p>
+                  </a:txBody>
+                  <a:tcPr marL="7620" marR="7620" marT="7620" marB="0" anchor="b">
+                    <a:lnL>
+                      <a:noFill/>
+                    </a:lnL>
+                    <a:lnR>
+                      <a:noFill/>
+                    </a:lnR>
+                    <a:lnT>
+                      <a:noFill/>
+                    </a:lnT>
+                    <a:lnB>
+                      <a:noFill/>
+                    </a:lnB>
+                    <a:noFill/>
+                  </a:tcPr>
+                </a:tc>
+                <a:tc>
+                  <a:txBody>
+                    <a:bodyPr/>
+                    <a:lstStyle/>
+                    <a:p>
+                      <a:pPr algn="ctr" fontAlgn="b"/>
+                      <a:r>
+                        <a:rPr lang="en-US" sz="3000" b="0" i="0" u="none" strike="noStrike">
+                          <a:solidFill>
+                            <a:srgbClr val="000000"/>
+                          </a:solidFill>
+                          <a:effectLst/>
+                          <a:latin typeface="Times New Roman" panose="02020603050405020304" pitchFamily="18" charset="0"/>
+                        </a:rPr>
+                        <a:t>0.07</a:t>
+                      </a:r>
+                    </a:p>
+                  </a:txBody>
+                  <a:tcPr marL="7620" marR="7620" marT="7620" marB="0" anchor="b">
+                    <a:lnL>
+                      <a:noFill/>
+                    </a:lnL>
+                    <a:lnR>
+                      <a:noFill/>
+                    </a:lnR>
+                    <a:lnT>
+                      <a:noFill/>
+                    </a:lnT>
+                    <a:lnB>
+                      <a:noFill/>
+                    </a:lnB>
+                    <a:noFill/>
+                  </a:tcPr>
+                </a:tc>
+                <a:extLst>
+                  <a:ext uri="{0D108BD9-81ED-4DB2-BD59-A6C34878D82A}">
+                    <a16:rowId xmlns:a16="http://schemas.microsoft.com/office/drawing/2014/main" val="4089121106"/>
+                  </a:ext>
+                </a:extLst>
+              </a:tr>
+              <a:tr h="480060">
+                <a:tc gridSpan="3">
+                  <a:txBody>
+                    <a:bodyPr/>
+                    <a:lstStyle/>
+                    <a:p>
+                      <a:pPr algn="r" fontAlgn="b"/>
+                      <a:r>
+                        <a:rPr lang="en-US" sz="3000" b="0" i="0" u="none" strike="noStrike">
+                          <a:solidFill>
+                            <a:srgbClr val="000000"/>
+                          </a:solidFill>
+                          <a:effectLst/>
+                          <a:latin typeface="Times New Roman" panose="02020603050405020304" pitchFamily="18" charset="0"/>
+                        </a:rPr>
+                        <a:t>Opt-out | Viewed | Time 3</a:t>
+                      </a:r>
+                    </a:p>
+                  </a:txBody>
+                  <a:tcPr marL="7620" marR="7620" marT="7620" marB="0" anchor="b">
+                    <a:lnL>
+                      <a:noFill/>
+                    </a:lnL>
+                    <a:lnR>
+                      <a:noFill/>
+                    </a:lnR>
+                    <a:lnT>
+                      <a:noFill/>
+                    </a:lnT>
+                    <a:lnB>
+                      <a:noFill/>
+                    </a:lnB>
+                    <a:noFill/>
+                  </a:tcPr>
+                </a:tc>
+                <a:tc hMerge="1">
+                  <a:txBody>
+                    <a:bodyPr/>
+                    <a:lstStyle/>
+                    <a:p>
+                      <a:endParaRPr lang="en-US"/>
+                    </a:p>
+                  </a:txBody>
+                  <a:tcPr/>
+                </a:tc>
+                <a:tc hMerge="1">
+                  <a:txBody>
+                    <a:bodyPr/>
+                    <a:lstStyle/>
+                    <a:p>
+                      <a:endParaRPr lang="en-US"/>
+                    </a:p>
+                  </a:txBody>
+                  <a:tcPr/>
+                </a:tc>
+                <a:tc>
+                  <a:txBody>
+                    <a:bodyPr/>
+                    <a:lstStyle/>
+                    <a:p>
+                      <a:pPr algn="ctr" fontAlgn="b"/>
+                      <a:r>
+                        <a:rPr lang="en-US" sz="3000" b="0" i="0" u="none" strike="noStrike">
+                          <a:solidFill>
+                            <a:srgbClr val="000000"/>
+                          </a:solidFill>
+                          <a:effectLst/>
+                          <a:latin typeface="Times New Roman" panose="02020603050405020304" pitchFamily="18" charset="0"/>
+                        </a:rPr>
+                        <a:t>0.36</a:t>
+                      </a:r>
+                    </a:p>
+                  </a:txBody>
+                  <a:tcPr marL="7620" marR="7620" marT="7620" marB="0" anchor="b">
+                    <a:lnL>
+                      <a:noFill/>
+                    </a:lnL>
+                    <a:lnR>
+                      <a:noFill/>
+                    </a:lnR>
+                    <a:lnT>
+                      <a:noFill/>
+                    </a:lnT>
+                    <a:lnB>
+                      <a:noFill/>
+                    </a:lnB>
+                    <a:noFill/>
+                  </a:tcPr>
+                </a:tc>
+                <a:tc>
+                  <a:txBody>
+                    <a:bodyPr/>
+                    <a:lstStyle/>
+                    <a:p>
+                      <a:pPr algn="ctr" fontAlgn="b"/>
+                      <a:r>
+                        <a:rPr lang="en-US" sz="3000" b="0" i="0" u="none" strike="noStrike">
+                          <a:solidFill>
+                            <a:srgbClr val="000000"/>
+                          </a:solidFill>
+                          <a:effectLst/>
+                          <a:latin typeface="Times New Roman" panose="02020603050405020304" pitchFamily="18" charset="0"/>
+                        </a:rPr>
+                        <a:t>1.7</a:t>
+                      </a:r>
+                    </a:p>
+                  </a:txBody>
+                  <a:tcPr marL="7620" marR="7620" marT="7620" marB="0" anchor="b">
+                    <a:lnL>
+                      <a:noFill/>
+                    </a:lnL>
+                    <a:lnR>
+                      <a:noFill/>
+                    </a:lnR>
+                    <a:lnT>
+                      <a:noFill/>
+                    </a:lnT>
+                    <a:lnB>
+                      <a:noFill/>
+                    </a:lnB>
+                    <a:noFill/>
+                  </a:tcPr>
+                </a:tc>
+                <a:tc>
+                  <a:txBody>
+                    <a:bodyPr/>
+                    <a:lstStyle/>
+                    <a:p>
+                      <a:pPr algn="ctr" fontAlgn="b"/>
+                      <a:r>
+                        <a:rPr lang="en-US" sz="3000" b="0" i="0" u="none" strike="noStrike">
+                          <a:solidFill>
+                            <a:srgbClr val="000000"/>
+                          </a:solidFill>
+                          <a:effectLst/>
+                          <a:latin typeface="Times New Roman" panose="02020603050405020304" pitchFamily="18" charset="0"/>
+                        </a:rPr>
+                        <a:t>0.21</a:t>
+                      </a:r>
+                    </a:p>
+                  </a:txBody>
+                  <a:tcPr marL="7620" marR="7620" marT="7620" marB="0" anchor="b">
+                    <a:lnL>
+                      <a:noFill/>
+                    </a:lnL>
+                    <a:lnR>
+                      <a:noFill/>
+                    </a:lnR>
+                    <a:lnT>
+                      <a:noFill/>
+                    </a:lnT>
+                    <a:lnB>
+                      <a:noFill/>
+                    </a:lnB>
+                    <a:noFill/>
+                  </a:tcPr>
+                </a:tc>
+                <a:tc>
+                  <a:txBody>
+                    <a:bodyPr/>
+                    <a:lstStyle/>
+                    <a:p>
+                      <a:pPr algn="ctr" fontAlgn="b"/>
+                      <a:r>
+                        <a:rPr lang="en-US" sz="3000" b="0" i="0" u="none" strike="noStrike">
+                          <a:solidFill>
+                            <a:srgbClr val="000000"/>
+                          </a:solidFill>
+                          <a:effectLst/>
+                          <a:latin typeface="Times New Roman" panose="02020603050405020304" pitchFamily="18" charset="0"/>
+                        </a:rPr>
+                        <a:t>13956.8</a:t>
+                      </a:r>
+                    </a:p>
+                  </a:txBody>
+                  <a:tcPr marL="7620" marR="7620" marT="7620" marB="0" anchor="b">
+                    <a:lnL>
+                      <a:noFill/>
+                    </a:lnL>
+                    <a:lnR>
+                      <a:noFill/>
+                    </a:lnR>
+                    <a:lnT>
+                      <a:noFill/>
+                    </a:lnT>
+                    <a:lnB>
+                      <a:noFill/>
+                    </a:lnB>
+                    <a:noFill/>
+                  </a:tcPr>
+                </a:tc>
+                <a:tc>
+                  <a:txBody>
+                    <a:bodyPr/>
+                    <a:lstStyle/>
+                    <a:p>
+                      <a:pPr algn="ctr" fontAlgn="b"/>
+                      <a:r>
+                        <a:rPr lang="en-US" sz="3000" b="0" i="0" u="none" strike="noStrike" dirty="0">
+                          <a:solidFill>
+                            <a:srgbClr val="000000"/>
+                          </a:solidFill>
+                          <a:effectLst/>
+                          <a:latin typeface="Times New Roman" panose="02020603050405020304" pitchFamily="18" charset="0"/>
+                        </a:rPr>
+                        <a:t>0.84</a:t>
+                      </a:r>
+                    </a:p>
+                  </a:txBody>
+                  <a:tcPr marL="7620" marR="7620" marT="7620" marB="0" anchor="b">
+                    <a:lnL>
+                      <a:noFill/>
+                    </a:lnL>
+                    <a:lnR>
+                      <a:noFill/>
+                    </a:lnR>
+                    <a:lnT>
+                      <a:noFill/>
+                    </a:lnT>
+                    <a:lnB>
+                      <a:noFill/>
+                    </a:lnB>
+                    <a:noFill/>
+                  </a:tcPr>
+                </a:tc>
+                <a:extLst>
+                  <a:ext uri="{0D108BD9-81ED-4DB2-BD59-A6C34878D82A}">
+                    <a16:rowId xmlns:a16="http://schemas.microsoft.com/office/drawing/2014/main" val="4005176525"/>
+                  </a:ext>
+                </a:extLst>
+              </a:tr>
+              <a:tr h="480060">
+                <a:tc gridSpan="3">
+                  <a:txBody>
+                    <a:bodyPr/>
+                    <a:lstStyle/>
+                    <a:p>
+                      <a:pPr algn="r" fontAlgn="b"/>
+                      <a:r>
+                        <a:rPr lang="en-US" sz="3000" b="0" i="0" u="none" strike="noStrike" dirty="0">
+                          <a:solidFill>
+                            <a:srgbClr val="000000"/>
+                          </a:solidFill>
+                          <a:effectLst/>
+                          <a:latin typeface="Times New Roman" panose="02020603050405020304" pitchFamily="18" charset="0"/>
+                        </a:rPr>
+                        <a:t>Opt-out | Viewed | Time 4</a:t>
+                      </a:r>
+                    </a:p>
+                  </a:txBody>
+                  <a:tcPr marL="7620" marR="7620" marT="7620" marB="0" anchor="b">
+                    <a:lnL>
+                      <a:noFill/>
+                    </a:lnL>
+                    <a:lnR>
+                      <a:noFill/>
+                    </a:lnR>
+                    <a:lnT>
+                      <a:noFill/>
+                    </a:lnT>
+                    <a:lnB>
+                      <a:noFill/>
+                    </a:lnB>
+                    <a:noFill/>
+                  </a:tcPr>
+                </a:tc>
+                <a:tc hMerge="1">
+                  <a:txBody>
+                    <a:bodyPr/>
+                    <a:lstStyle/>
+                    <a:p>
+                      <a:endParaRPr lang="en-US"/>
+                    </a:p>
+                  </a:txBody>
+                  <a:tcPr/>
+                </a:tc>
+                <a:tc hMerge="1">
+                  <a:txBody>
+                    <a:bodyPr/>
+                    <a:lstStyle/>
+                    <a:p>
+                      <a:endParaRPr lang="en-US"/>
+                    </a:p>
+                  </a:txBody>
+                  <a:tcPr/>
+                </a:tc>
+                <a:tc>
+                  <a:txBody>
+                    <a:bodyPr/>
+                    <a:lstStyle/>
+                    <a:p>
+                      <a:pPr algn="ctr" fontAlgn="b"/>
+                      <a:r>
+                        <a:rPr lang="en-US" sz="3000" b="0" i="0" u="none" strike="noStrike">
+                          <a:solidFill>
+                            <a:srgbClr val="000000"/>
+                          </a:solidFill>
+                          <a:effectLst/>
+                          <a:latin typeface="Times New Roman" panose="02020603050405020304" pitchFamily="18" charset="0"/>
+                        </a:rPr>
+                        <a:t>-0.19</a:t>
+                      </a:r>
+                    </a:p>
+                  </a:txBody>
+                  <a:tcPr marL="7620" marR="7620" marT="7620" marB="0" anchor="b">
+                    <a:lnL>
+                      <a:noFill/>
+                    </a:lnL>
+                    <a:lnR>
+                      <a:noFill/>
+                    </a:lnR>
+                    <a:lnT>
+                      <a:noFill/>
+                    </a:lnT>
+                    <a:lnB>
+                      <a:noFill/>
+                    </a:lnB>
+                    <a:noFill/>
+                  </a:tcPr>
+                </a:tc>
+                <a:tc>
+                  <a:txBody>
+                    <a:bodyPr/>
+                    <a:lstStyle/>
+                    <a:p>
+                      <a:pPr algn="ctr" fontAlgn="b"/>
+                      <a:r>
+                        <a:rPr lang="en-US" sz="3000" b="0" i="0" u="none" strike="noStrike">
+                          <a:solidFill>
+                            <a:srgbClr val="000000"/>
+                          </a:solidFill>
+                          <a:effectLst/>
+                          <a:latin typeface="Times New Roman" panose="02020603050405020304" pitchFamily="18" charset="0"/>
+                        </a:rPr>
+                        <a:t>1.5</a:t>
+                      </a:r>
+                    </a:p>
+                  </a:txBody>
+                  <a:tcPr marL="7620" marR="7620" marT="7620" marB="0" anchor="b">
+                    <a:lnL>
+                      <a:noFill/>
+                    </a:lnL>
+                    <a:lnR>
+                      <a:noFill/>
+                    </a:lnR>
+                    <a:lnT>
+                      <a:noFill/>
+                    </a:lnT>
+                    <a:lnB>
+                      <a:noFill/>
+                    </a:lnB>
+                    <a:noFill/>
+                  </a:tcPr>
+                </a:tc>
+                <a:tc>
+                  <a:txBody>
+                    <a:bodyPr/>
+                    <a:lstStyle/>
+                    <a:p>
+                      <a:pPr algn="ctr" fontAlgn="b"/>
+                      <a:r>
+                        <a:rPr lang="en-US" sz="3000" b="0" i="0" u="none" strike="noStrike">
+                          <a:solidFill>
+                            <a:srgbClr val="000000"/>
+                          </a:solidFill>
+                          <a:effectLst/>
+                          <a:latin typeface="Times New Roman" panose="02020603050405020304" pitchFamily="18" charset="0"/>
+                        </a:rPr>
+                        <a:t>-0.1</a:t>
+                      </a:r>
+                    </a:p>
+                  </a:txBody>
+                  <a:tcPr marL="7620" marR="7620" marT="7620" marB="0" anchor="b">
+                    <a:lnL>
+                      <a:noFill/>
+                    </a:lnL>
+                    <a:lnR>
+                      <a:noFill/>
+                    </a:lnR>
+                    <a:lnT>
+                      <a:noFill/>
+                    </a:lnT>
+                    <a:lnB>
+                      <a:noFill/>
+                    </a:lnB>
+                    <a:noFill/>
+                  </a:tcPr>
+                </a:tc>
+                <a:tc>
+                  <a:txBody>
+                    <a:bodyPr/>
+                    <a:lstStyle/>
+                    <a:p>
+                      <a:pPr algn="ctr" fontAlgn="b"/>
+                      <a:r>
+                        <a:rPr lang="en-US" sz="3000" b="0" i="0" u="none" strike="noStrike">
+                          <a:solidFill>
+                            <a:srgbClr val="000000"/>
+                          </a:solidFill>
+                          <a:effectLst/>
+                          <a:latin typeface="Times New Roman" panose="02020603050405020304" pitchFamily="18" charset="0"/>
+                        </a:rPr>
+                        <a:t>13812.3</a:t>
+                      </a:r>
+                    </a:p>
+                  </a:txBody>
+                  <a:tcPr marL="7620" marR="7620" marT="7620" marB="0" anchor="b">
+                    <a:lnL>
+                      <a:noFill/>
+                    </a:lnL>
+                    <a:lnR>
+                      <a:noFill/>
+                    </a:lnR>
+                    <a:lnT>
+                      <a:noFill/>
+                    </a:lnT>
+                    <a:lnB>
+                      <a:noFill/>
+                    </a:lnB>
+                    <a:noFill/>
+                  </a:tcPr>
+                </a:tc>
+                <a:tc>
+                  <a:txBody>
+                    <a:bodyPr/>
+                    <a:lstStyle/>
+                    <a:p>
+                      <a:pPr algn="ctr" fontAlgn="b"/>
+                      <a:r>
+                        <a:rPr lang="en-US" sz="3000" b="0" i="0" u="none" strike="noStrike">
+                          <a:solidFill>
+                            <a:srgbClr val="000000"/>
+                          </a:solidFill>
+                          <a:effectLst/>
+                          <a:latin typeface="Times New Roman" panose="02020603050405020304" pitchFamily="18" charset="0"/>
+                        </a:rPr>
+                        <a:t>0.9</a:t>
+                      </a:r>
+                    </a:p>
+                  </a:txBody>
+                  <a:tcPr marL="7620" marR="7620" marT="7620" marB="0" anchor="b">
+                    <a:lnL>
+                      <a:noFill/>
+                    </a:lnL>
+                    <a:lnR>
+                      <a:noFill/>
+                    </a:lnR>
+                    <a:lnT>
+                      <a:noFill/>
+                    </a:lnT>
+                    <a:lnB>
+                      <a:noFill/>
+                    </a:lnB>
+                    <a:noFill/>
+                  </a:tcPr>
+                </a:tc>
+                <a:extLst>
+                  <a:ext uri="{0D108BD9-81ED-4DB2-BD59-A6C34878D82A}">
+                    <a16:rowId xmlns:a16="http://schemas.microsoft.com/office/drawing/2014/main" val="9718649"/>
+                  </a:ext>
+                </a:extLst>
+              </a:tr>
+              <a:tr h="480060">
+                <a:tc gridSpan="3">
+                  <a:txBody>
+                    <a:bodyPr/>
+                    <a:lstStyle/>
+                    <a:p>
+                      <a:pPr algn="r" fontAlgn="b"/>
+                      <a:r>
+                        <a:rPr lang="en-US" sz="3000" b="0" i="0" u="none" strike="noStrike">
+                          <a:solidFill>
+                            <a:srgbClr val="000000"/>
+                          </a:solidFill>
+                          <a:effectLst/>
+                          <a:latin typeface="Times New Roman" panose="02020603050405020304" pitchFamily="18" charset="0"/>
+                        </a:rPr>
+                        <a:t>Opt-in | Viewed | Time1</a:t>
+                      </a:r>
+                    </a:p>
+                  </a:txBody>
+                  <a:tcPr marL="7620" marR="7620" marT="7620" marB="0" anchor="b">
+                    <a:lnL>
+                      <a:noFill/>
+                    </a:lnL>
+                    <a:lnR>
+                      <a:noFill/>
+                    </a:lnR>
+                    <a:lnT>
+                      <a:noFill/>
+                    </a:lnT>
+                    <a:lnB>
+                      <a:noFill/>
+                    </a:lnB>
+                    <a:noFill/>
+                  </a:tcPr>
+                </a:tc>
+                <a:tc hMerge="1">
+                  <a:txBody>
+                    <a:bodyPr/>
+                    <a:lstStyle/>
+                    <a:p>
+                      <a:endParaRPr lang="en-US"/>
+                    </a:p>
+                  </a:txBody>
+                  <a:tcPr/>
+                </a:tc>
+                <a:tc hMerge="1">
+                  <a:txBody>
+                    <a:bodyPr/>
+                    <a:lstStyle/>
+                    <a:p>
+                      <a:endParaRPr lang="en-US"/>
+                    </a:p>
+                  </a:txBody>
+                  <a:tcPr/>
+                </a:tc>
+                <a:tc>
+                  <a:txBody>
+                    <a:bodyPr/>
+                    <a:lstStyle/>
+                    <a:p>
+                      <a:pPr algn="ctr" fontAlgn="b"/>
+                      <a:r>
+                        <a:rPr lang="en-US" sz="3000" b="1" i="0" u="none" strike="noStrike">
+                          <a:solidFill>
+                            <a:srgbClr val="000000"/>
+                          </a:solidFill>
+                          <a:effectLst/>
+                          <a:latin typeface="Times New Roman" panose="02020603050405020304" pitchFamily="18" charset="0"/>
+                        </a:rPr>
+                        <a:t>-4.61</a:t>
+                      </a:r>
+                    </a:p>
+                  </a:txBody>
+                  <a:tcPr marL="7620" marR="7620" marT="7620" marB="0" anchor="b">
+                    <a:lnL>
+                      <a:noFill/>
+                    </a:lnL>
+                    <a:lnR>
+                      <a:noFill/>
+                    </a:lnR>
+                    <a:lnT>
+                      <a:noFill/>
+                    </a:lnT>
+                    <a:lnB>
+                      <a:noFill/>
+                    </a:lnB>
+                    <a:noFill/>
+                  </a:tcPr>
+                </a:tc>
+                <a:tc>
+                  <a:txBody>
+                    <a:bodyPr/>
+                    <a:lstStyle/>
+                    <a:p>
+                      <a:pPr algn="ctr" fontAlgn="b"/>
+                      <a:r>
+                        <a:rPr lang="en-US" sz="3000" b="0" i="0" u="none" strike="noStrike">
+                          <a:solidFill>
+                            <a:srgbClr val="000000"/>
+                          </a:solidFill>
+                          <a:effectLst/>
+                          <a:latin typeface="Times New Roman" panose="02020603050405020304" pitchFamily="18" charset="0"/>
+                        </a:rPr>
+                        <a:t>2</a:t>
+                      </a:r>
+                    </a:p>
+                  </a:txBody>
+                  <a:tcPr marL="7620" marR="7620" marT="7620" marB="0" anchor="b">
+                    <a:lnL>
+                      <a:noFill/>
+                    </a:lnL>
+                    <a:lnR>
+                      <a:noFill/>
+                    </a:lnR>
+                    <a:lnT>
+                      <a:noFill/>
+                    </a:lnT>
+                    <a:lnB>
+                      <a:noFill/>
+                    </a:lnB>
+                    <a:noFill/>
+                  </a:tcPr>
+                </a:tc>
+                <a:tc>
+                  <a:txBody>
+                    <a:bodyPr/>
+                    <a:lstStyle/>
+                    <a:p>
+                      <a:pPr algn="ctr" fontAlgn="b"/>
+                      <a:r>
+                        <a:rPr lang="en-US" sz="3000" b="0" i="0" u="none" strike="noStrike">
+                          <a:solidFill>
+                            <a:srgbClr val="000000"/>
+                          </a:solidFill>
+                          <a:effectLst/>
+                          <a:latin typeface="Times New Roman" panose="02020603050405020304" pitchFamily="18" charset="0"/>
+                        </a:rPr>
+                        <a:t>-2.3</a:t>
+                      </a:r>
+                    </a:p>
+                  </a:txBody>
+                  <a:tcPr marL="7620" marR="7620" marT="7620" marB="0" anchor="b">
+                    <a:lnL>
+                      <a:noFill/>
+                    </a:lnL>
+                    <a:lnR>
+                      <a:noFill/>
+                    </a:lnR>
+                    <a:lnT>
+                      <a:noFill/>
+                    </a:lnT>
+                    <a:lnB>
+                      <a:noFill/>
+                    </a:lnB>
+                    <a:noFill/>
+                  </a:tcPr>
+                </a:tc>
+                <a:tc>
+                  <a:txBody>
+                    <a:bodyPr/>
+                    <a:lstStyle/>
+                    <a:p>
+                      <a:pPr algn="ctr" fontAlgn="b"/>
+                      <a:r>
+                        <a:rPr lang="en-US" sz="3000" b="0" i="0" u="none" strike="noStrike">
+                          <a:solidFill>
+                            <a:srgbClr val="000000"/>
+                          </a:solidFill>
+                          <a:effectLst/>
+                          <a:latin typeface="Times New Roman" panose="02020603050405020304" pitchFamily="18" charset="0"/>
+                        </a:rPr>
+                        <a:t>13333.7</a:t>
+                      </a:r>
+                    </a:p>
+                  </a:txBody>
+                  <a:tcPr marL="7620" marR="7620" marT="7620" marB="0" anchor="b">
+                    <a:lnL>
+                      <a:noFill/>
+                    </a:lnL>
+                    <a:lnR>
+                      <a:noFill/>
+                    </a:lnR>
+                    <a:lnT>
+                      <a:noFill/>
+                    </a:lnT>
+                    <a:lnB>
+                      <a:noFill/>
+                    </a:lnB>
+                    <a:noFill/>
+                  </a:tcPr>
+                </a:tc>
+                <a:tc>
+                  <a:txBody>
+                    <a:bodyPr/>
+                    <a:lstStyle/>
+                    <a:p>
+                      <a:pPr algn="ctr" fontAlgn="b"/>
+                      <a:r>
+                        <a:rPr lang="en-US" sz="3000" b="1" i="0" u="none" strike="noStrike" dirty="0">
+                          <a:solidFill>
+                            <a:srgbClr val="000000"/>
+                          </a:solidFill>
+                          <a:effectLst/>
+                          <a:latin typeface="Times New Roman" panose="02020603050405020304" pitchFamily="18" charset="0"/>
+                        </a:rPr>
+                        <a:t>0.02</a:t>
+                      </a:r>
+                    </a:p>
+                  </a:txBody>
+                  <a:tcPr marL="7620" marR="7620" marT="7620" marB="0" anchor="b">
+                    <a:lnL>
+                      <a:noFill/>
+                    </a:lnL>
+                    <a:lnR>
+                      <a:noFill/>
+                    </a:lnR>
+                    <a:lnT>
+                      <a:noFill/>
+                    </a:lnT>
+                    <a:lnB>
+                      <a:noFill/>
+                    </a:lnB>
+                    <a:noFill/>
+                  </a:tcPr>
+                </a:tc>
+                <a:extLst>
+                  <a:ext uri="{0D108BD9-81ED-4DB2-BD59-A6C34878D82A}">
+                    <a16:rowId xmlns:a16="http://schemas.microsoft.com/office/drawing/2014/main" val="4018609346"/>
+                  </a:ext>
+                </a:extLst>
+              </a:tr>
+              <a:tr h="480060">
+                <a:tc gridSpan="3">
+                  <a:txBody>
+                    <a:bodyPr/>
+                    <a:lstStyle/>
+                    <a:p>
+                      <a:pPr algn="r" fontAlgn="b"/>
+                      <a:r>
+                        <a:rPr lang="en-US" sz="3000" b="0" i="0" u="none" strike="noStrike">
+                          <a:solidFill>
+                            <a:srgbClr val="000000"/>
+                          </a:solidFill>
+                          <a:effectLst/>
+                          <a:latin typeface="Times New Roman" panose="02020603050405020304" pitchFamily="18" charset="0"/>
+                        </a:rPr>
+                        <a:t>Opt-in | Viewed | Time2</a:t>
+                      </a:r>
+                    </a:p>
+                  </a:txBody>
+                  <a:tcPr marL="7620" marR="7620" marT="7620" marB="0" anchor="b">
+                    <a:lnL>
+                      <a:noFill/>
+                    </a:lnL>
+                    <a:lnR>
+                      <a:noFill/>
+                    </a:lnR>
+                    <a:lnT>
+                      <a:noFill/>
+                    </a:lnT>
+                    <a:lnB>
+                      <a:noFill/>
+                    </a:lnB>
+                    <a:noFill/>
+                  </a:tcPr>
+                </a:tc>
+                <a:tc hMerge="1">
+                  <a:txBody>
+                    <a:bodyPr/>
+                    <a:lstStyle/>
+                    <a:p>
+                      <a:endParaRPr lang="en-US"/>
+                    </a:p>
+                  </a:txBody>
+                  <a:tcPr/>
+                </a:tc>
+                <a:tc hMerge="1">
+                  <a:txBody>
+                    <a:bodyPr/>
+                    <a:lstStyle/>
+                    <a:p>
+                      <a:endParaRPr lang="en-US"/>
+                    </a:p>
+                  </a:txBody>
+                  <a:tcPr/>
+                </a:tc>
+                <a:tc>
+                  <a:txBody>
+                    <a:bodyPr/>
+                    <a:lstStyle/>
+                    <a:p>
+                      <a:pPr algn="ctr" fontAlgn="b"/>
+                      <a:r>
+                        <a:rPr lang="en-US" sz="3000" b="0" i="0" u="none" strike="noStrike">
+                          <a:solidFill>
+                            <a:srgbClr val="000000"/>
+                          </a:solidFill>
+                          <a:effectLst/>
+                          <a:latin typeface="Times New Roman" panose="02020603050405020304" pitchFamily="18" charset="0"/>
+                        </a:rPr>
+                        <a:t>2.77</a:t>
+                      </a:r>
+                    </a:p>
+                  </a:txBody>
+                  <a:tcPr marL="7620" marR="7620" marT="7620" marB="0" anchor="b">
+                    <a:lnL>
+                      <a:noFill/>
+                    </a:lnL>
+                    <a:lnR>
+                      <a:noFill/>
+                    </a:lnR>
+                    <a:lnT>
+                      <a:noFill/>
+                    </a:lnT>
+                    <a:lnB>
+                      <a:noFill/>
+                    </a:lnB>
+                    <a:noFill/>
+                  </a:tcPr>
+                </a:tc>
+                <a:tc>
+                  <a:txBody>
+                    <a:bodyPr/>
+                    <a:lstStyle/>
+                    <a:p>
+                      <a:pPr algn="ctr" fontAlgn="b"/>
+                      <a:r>
+                        <a:rPr lang="en-US" sz="3000" b="0" i="0" u="none" strike="noStrike">
+                          <a:solidFill>
+                            <a:srgbClr val="000000"/>
+                          </a:solidFill>
+                          <a:effectLst/>
+                          <a:latin typeface="Times New Roman" panose="02020603050405020304" pitchFamily="18" charset="0"/>
+                        </a:rPr>
+                        <a:t>2,46</a:t>
+                      </a:r>
+                    </a:p>
+                  </a:txBody>
+                  <a:tcPr marL="7620" marR="7620" marT="7620" marB="0" anchor="b">
+                    <a:lnL>
+                      <a:noFill/>
+                    </a:lnL>
+                    <a:lnR>
+                      <a:noFill/>
+                    </a:lnR>
+                    <a:lnT>
+                      <a:noFill/>
+                    </a:lnT>
+                    <a:lnB>
+                      <a:noFill/>
+                    </a:lnB>
+                    <a:noFill/>
+                  </a:tcPr>
+                </a:tc>
+                <a:tc>
+                  <a:txBody>
+                    <a:bodyPr/>
+                    <a:lstStyle/>
+                    <a:p>
+                      <a:pPr algn="ctr" fontAlgn="b"/>
+                      <a:r>
+                        <a:rPr lang="en-US" sz="3000" b="0" i="0" u="none" strike="noStrike">
+                          <a:solidFill>
+                            <a:srgbClr val="000000"/>
+                          </a:solidFill>
+                          <a:effectLst/>
+                          <a:latin typeface="Times New Roman" panose="02020603050405020304" pitchFamily="18" charset="0"/>
+                        </a:rPr>
+                        <a:t>1.12</a:t>
+                      </a:r>
+                    </a:p>
+                  </a:txBody>
+                  <a:tcPr marL="7620" marR="7620" marT="7620" marB="0" anchor="b">
+                    <a:lnL>
+                      <a:noFill/>
+                    </a:lnL>
+                    <a:lnR>
+                      <a:noFill/>
+                    </a:lnR>
+                    <a:lnT>
+                      <a:noFill/>
+                    </a:lnT>
+                    <a:lnB>
+                      <a:noFill/>
+                    </a:lnB>
+                    <a:noFill/>
+                  </a:tcPr>
+                </a:tc>
+                <a:tc>
+                  <a:txBody>
+                    <a:bodyPr/>
+                    <a:lstStyle/>
+                    <a:p>
+                      <a:pPr algn="ctr" fontAlgn="b"/>
+                      <a:r>
+                        <a:rPr lang="en-US" sz="3000" b="0" i="0" u="none" strike="noStrike">
+                          <a:solidFill>
+                            <a:srgbClr val="000000"/>
+                          </a:solidFill>
+                          <a:effectLst/>
+                          <a:latin typeface="Times New Roman" panose="02020603050405020304" pitchFamily="18" charset="0"/>
+                        </a:rPr>
+                        <a:t>13919.1</a:t>
+                      </a:r>
+                    </a:p>
+                  </a:txBody>
+                  <a:tcPr marL="7620" marR="7620" marT="7620" marB="0" anchor="b">
+                    <a:lnL>
+                      <a:noFill/>
+                    </a:lnL>
+                    <a:lnR>
+                      <a:noFill/>
+                    </a:lnR>
+                    <a:lnT>
+                      <a:noFill/>
+                    </a:lnT>
+                    <a:lnB>
+                      <a:noFill/>
+                    </a:lnB>
+                    <a:noFill/>
+                  </a:tcPr>
+                </a:tc>
+                <a:tc>
+                  <a:txBody>
+                    <a:bodyPr/>
+                    <a:lstStyle/>
+                    <a:p>
+                      <a:pPr algn="ctr" fontAlgn="b"/>
+                      <a:r>
+                        <a:rPr lang="en-US" sz="3000" b="0" i="0" u="none" strike="noStrike" dirty="0">
+                          <a:solidFill>
+                            <a:srgbClr val="000000"/>
+                          </a:solidFill>
+                          <a:effectLst/>
+                          <a:latin typeface="Times New Roman" panose="02020603050405020304" pitchFamily="18" charset="0"/>
+                        </a:rPr>
+                        <a:t>0.26</a:t>
+                      </a:r>
+                    </a:p>
+                  </a:txBody>
+                  <a:tcPr marL="7620" marR="7620" marT="7620" marB="0" anchor="b">
+                    <a:lnL>
+                      <a:noFill/>
+                    </a:lnL>
+                    <a:lnR>
+                      <a:noFill/>
+                    </a:lnR>
+                    <a:lnT>
+                      <a:noFill/>
+                    </a:lnT>
+                    <a:lnB>
+                      <a:noFill/>
+                    </a:lnB>
+                    <a:noFill/>
+                  </a:tcPr>
+                </a:tc>
+                <a:extLst>
+                  <a:ext uri="{0D108BD9-81ED-4DB2-BD59-A6C34878D82A}">
+                    <a16:rowId xmlns:a16="http://schemas.microsoft.com/office/drawing/2014/main" val="3824695917"/>
+                  </a:ext>
+                </a:extLst>
+              </a:tr>
+              <a:tr h="480060">
+                <a:tc gridSpan="3">
+                  <a:txBody>
+                    <a:bodyPr/>
+                    <a:lstStyle/>
+                    <a:p>
+                      <a:pPr algn="r" fontAlgn="b"/>
+                      <a:r>
+                        <a:rPr lang="en-US" sz="3000" b="0" i="0" u="none" strike="noStrike">
+                          <a:solidFill>
+                            <a:srgbClr val="000000"/>
+                          </a:solidFill>
+                          <a:effectLst/>
+                          <a:latin typeface="Times New Roman" panose="02020603050405020304" pitchFamily="18" charset="0"/>
+                        </a:rPr>
+                        <a:t>Opt-in | Viewed | Time3</a:t>
+                      </a:r>
+                    </a:p>
+                  </a:txBody>
+                  <a:tcPr marL="7620" marR="7620" marT="7620" marB="0" anchor="b">
+                    <a:lnL>
+                      <a:noFill/>
+                    </a:lnL>
+                    <a:lnR>
+                      <a:noFill/>
+                    </a:lnR>
+                    <a:lnT>
+                      <a:noFill/>
+                    </a:lnT>
+                    <a:lnB>
+                      <a:noFill/>
+                    </a:lnB>
+                    <a:noFill/>
+                  </a:tcPr>
+                </a:tc>
+                <a:tc hMerge="1">
+                  <a:txBody>
+                    <a:bodyPr/>
+                    <a:lstStyle/>
+                    <a:p>
+                      <a:endParaRPr lang="en-US"/>
+                    </a:p>
+                  </a:txBody>
+                  <a:tcPr/>
+                </a:tc>
+                <a:tc hMerge="1">
+                  <a:txBody>
+                    <a:bodyPr/>
+                    <a:lstStyle/>
+                    <a:p>
+                      <a:endParaRPr lang="en-US"/>
+                    </a:p>
+                  </a:txBody>
+                  <a:tcPr/>
+                </a:tc>
+                <a:tc>
+                  <a:txBody>
+                    <a:bodyPr/>
+                    <a:lstStyle/>
+                    <a:p>
+                      <a:pPr algn="ctr" fontAlgn="b"/>
+                      <a:r>
+                        <a:rPr lang="en-US" sz="3000" b="0" i="0" u="none" strike="noStrike">
+                          <a:solidFill>
+                            <a:srgbClr val="000000"/>
+                          </a:solidFill>
+                          <a:effectLst/>
+                          <a:latin typeface="Times New Roman" panose="02020603050405020304" pitchFamily="18" charset="0"/>
+                        </a:rPr>
+                        <a:t>3.35</a:t>
+                      </a:r>
+                    </a:p>
+                  </a:txBody>
+                  <a:tcPr marL="7620" marR="7620" marT="7620" marB="0" anchor="b">
+                    <a:lnL>
+                      <a:noFill/>
+                    </a:lnL>
+                    <a:lnR>
+                      <a:noFill/>
+                    </a:lnR>
+                    <a:lnT>
+                      <a:noFill/>
+                    </a:lnT>
+                    <a:lnB>
+                      <a:noFill/>
+                    </a:lnB>
+                    <a:noFill/>
+                  </a:tcPr>
+                </a:tc>
+                <a:tc>
+                  <a:txBody>
+                    <a:bodyPr/>
+                    <a:lstStyle/>
+                    <a:p>
+                      <a:pPr algn="ctr" fontAlgn="b"/>
+                      <a:r>
+                        <a:rPr lang="en-US" sz="3000" b="0" i="0" u="none" strike="noStrike">
+                          <a:solidFill>
+                            <a:srgbClr val="000000"/>
+                          </a:solidFill>
+                          <a:effectLst/>
+                          <a:latin typeface="Times New Roman" panose="02020603050405020304" pitchFamily="18" charset="0"/>
+                        </a:rPr>
+                        <a:t>3.1</a:t>
+                      </a:r>
+                    </a:p>
+                  </a:txBody>
+                  <a:tcPr marL="7620" marR="7620" marT="7620" marB="0" anchor="b">
+                    <a:lnL>
+                      <a:noFill/>
+                    </a:lnL>
+                    <a:lnR>
+                      <a:noFill/>
+                    </a:lnR>
+                    <a:lnT>
+                      <a:noFill/>
+                    </a:lnT>
+                    <a:lnB>
+                      <a:noFill/>
+                    </a:lnB>
+                    <a:noFill/>
+                  </a:tcPr>
+                </a:tc>
+                <a:tc>
+                  <a:txBody>
+                    <a:bodyPr/>
+                    <a:lstStyle/>
+                    <a:p>
+                      <a:pPr algn="ctr" fontAlgn="b"/>
+                      <a:r>
+                        <a:rPr lang="en-US" sz="3000" b="0" i="0" u="none" strike="noStrike">
+                          <a:solidFill>
+                            <a:srgbClr val="000000"/>
+                          </a:solidFill>
+                          <a:effectLst/>
+                          <a:latin typeface="Times New Roman" panose="02020603050405020304" pitchFamily="18" charset="0"/>
+                        </a:rPr>
+                        <a:t>1.08</a:t>
+                      </a:r>
+                    </a:p>
+                  </a:txBody>
+                  <a:tcPr marL="7620" marR="7620" marT="7620" marB="0" anchor="b">
+                    <a:lnL>
+                      <a:noFill/>
+                    </a:lnL>
+                    <a:lnR>
+                      <a:noFill/>
+                    </a:lnR>
+                    <a:lnT>
+                      <a:noFill/>
+                    </a:lnT>
+                    <a:lnB>
+                      <a:noFill/>
+                    </a:lnB>
+                    <a:noFill/>
+                  </a:tcPr>
+                </a:tc>
+                <a:tc>
+                  <a:txBody>
+                    <a:bodyPr/>
+                    <a:lstStyle/>
+                    <a:p>
+                      <a:pPr algn="ctr" fontAlgn="b"/>
+                      <a:r>
+                        <a:rPr lang="en-US" sz="3000" b="0" i="0" u="none" strike="noStrike">
+                          <a:solidFill>
+                            <a:srgbClr val="000000"/>
+                          </a:solidFill>
+                          <a:effectLst/>
+                          <a:latin typeface="Times New Roman" panose="02020603050405020304" pitchFamily="18" charset="0"/>
+                        </a:rPr>
+                        <a:t>13903.1</a:t>
+                      </a:r>
+                    </a:p>
+                  </a:txBody>
+                  <a:tcPr marL="7620" marR="7620" marT="7620" marB="0" anchor="b">
+                    <a:lnL>
+                      <a:noFill/>
+                    </a:lnL>
+                    <a:lnR>
+                      <a:noFill/>
+                    </a:lnR>
+                    <a:lnT>
+                      <a:noFill/>
+                    </a:lnT>
+                    <a:lnB>
+                      <a:noFill/>
+                    </a:lnB>
+                    <a:noFill/>
+                  </a:tcPr>
+                </a:tc>
+                <a:tc>
+                  <a:txBody>
+                    <a:bodyPr/>
+                    <a:lstStyle/>
+                    <a:p>
+                      <a:pPr algn="ctr" fontAlgn="b"/>
+                      <a:r>
+                        <a:rPr lang="en-US" sz="3000" b="0" i="0" u="none" strike="noStrike" dirty="0">
+                          <a:solidFill>
+                            <a:srgbClr val="000000"/>
+                          </a:solidFill>
+                          <a:effectLst/>
+                          <a:latin typeface="Times New Roman" panose="02020603050405020304" pitchFamily="18" charset="0"/>
+                        </a:rPr>
+                        <a:t>0.28</a:t>
+                      </a:r>
+                    </a:p>
+                  </a:txBody>
+                  <a:tcPr marL="7620" marR="7620" marT="7620" marB="0" anchor="b">
+                    <a:lnL>
+                      <a:noFill/>
+                    </a:lnL>
+                    <a:lnR>
+                      <a:noFill/>
+                    </a:lnR>
+                    <a:lnT>
+                      <a:noFill/>
+                    </a:lnT>
+                    <a:lnB>
+                      <a:noFill/>
+                    </a:lnB>
+                    <a:noFill/>
+                  </a:tcPr>
+                </a:tc>
+                <a:extLst>
+                  <a:ext uri="{0D108BD9-81ED-4DB2-BD59-A6C34878D82A}">
+                    <a16:rowId xmlns:a16="http://schemas.microsoft.com/office/drawing/2014/main" val="4053235397"/>
+                  </a:ext>
+                </a:extLst>
+              </a:tr>
+              <a:tr h="487680">
+                <a:tc gridSpan="3">
+                  <a:txBody>
+                    <a:bodyPr/>
+                    <a:lstStyle/>
+                    <a:p>
+                      <a:pPr algn="r" fontAlgn="b"/>
+                      <a:r>
+                        <a:rPr lang="en-US" sz="3000" b="0" i="0" u="none" strike="noStrike" dirty="0">
+                          <a:solidFill>
+                            <a:srgbClr val="000000"/>
+                          </a:solidFill>
+                          <a:effectLst/>
+                          <a:latin typeface="Times New Roman" panose="02020603050405020304" pitchFamily="18" charset="0"/>
+                        </a:rPr>
+                        <a:t>Opt-in |Viewed | Time4</a:t>
+                      </a:r>
+                    </a:p>
+                  </a:txBody>
+                  <a:tcPr marL="7620" marR="7620" marT="7620" marB="0" anchor="b">
+                    <a:lnL>
+                      <a:noFill/>
+                    </a:lnL>
+                    <a:lnR>
+                      <a:noFill/>
+                    </a:lnR>
+                    <a:lnT>
+                      <a:noFill/>
+                    </a:lnT>
+                    <a:lnB w="12700" cap="flat" cmpd="sng" algn="ctr">
+                      <a:solidFill>
+                        <a:schemeClr val="tx1"/>
+                      </a:solidFill>
+                      <a:prstDash val="solid"/>
+                      <a:round/>
+                      <a:headEnd type="none" w="med" len="med"/>
+                      <a:tailEnd type="none" w="med" len="med"/>
+                    </a:lnB>
+                    <a:noFill/>
+                  </a:tcPr>
+                </a:tc>
+                <a:tc hMerge="1">
+                  <a:txBody>
+                    <a:bodyPr/>
+                    <a:lstStyle/>
+                    <a:p>
+                      <a:endParaRPr lang="en-US"/>
+                    </a:p>
+                  </a:txBody>
+                  <a:tcPr/>
+                </a:tc>
+                <a:tc hMerge="1">
+                  <a:txBody>
+                    <a:bodyPr/>
+                    <a:lstStyle/>
+                    <a:p>
+                      <a:endParaRPr lang="en-US"/>
+                    </a:p>
+                  </a:txBody>
+                  <a:tcPr/>
+                </a:tc>
+                <a:tc>
+                  <a:txBody>
+                    <a:bodyPr/>
+                    <a:lstStyle/>
+                    <a:p>
+                      <a:pPr algn="ctr" fontAlgn="b"/>
+                      <a:r>
+                        <a:rPr lang="en-US" sz="3000" b="1" i="0" u="none" strike="noStrike" dirty="0">
+                          <a:solidFill>
+                            <a:srgbClr val="000000"/>
+                          </a:solidFill>
+                          <a:effectLst/>
+                          <a:latin typeface="Times New Roman" panose="02020603050405020304" pitchFamily="18" charset="0"/>
+                        </a:rPr>
+                        <a:t>5.28</a:t>
+                      </a:r>
+                    </a:p>
+                  </a:txBody>
+                  <a:tcPr marL="7620" marR="7620" marT="7620" marB="0" anchor="b">
+                    <a:lnL>
+                      <a:noFill/>
+                    </a:lnL>
+                    <a:lnR>
+                      <a:noFill/>
+                    </a:lnR>
+                    <a:lnT>
+                      <a:noFill/>
+                    </a:lnT>
+                    <a:lnB w="12700" cap="flat" cmpd="sng" algn="ctr">
+                      <a:solidFill>
+                        <a:schemeClr val="tx1"/>
+                      </a:solidFill>
+                      <a:prstDash val="solid"/>
+                      <a:round/>
+                      <a:headEnd type="none" w="med" len="med"/>
+                      <a:tailEnd type="none" w="med" len="med"/>
+                    </a:lnB>
+                    <a:noFill/>
+                  </a:tcPr>
+                </a:tc>
+                <a:tc>
+                  <a:txBody>
+                    <a:bodyPr/>
+                    <a:lstStyle/>
+                    <a:p>
+                      <a:pPr algn="ctr" fontAlgn="b"/>
+                      <a:r>
+                        <a:rPr lang="en-US" sz="3000" b="0" i="0" u="none" strike="noStrike">
+                          <a:solidFill>
+                            <a:srgbClr val="000000"/>
+                          </a:solidFill>
+                          <a:effectLst/>
+                          <a:latin typeface="Times New Roman" panose="02020603050405020304" pitchFamily="18" charset="0"/>
+                        </a:rPr>
+                        <a:t>2.3</a:t>
+                      </a:r>
+                    </a:p>
+                  </a:txBody>
+                  <a:tcPr marL="7620" marR="7620" marT="7620" marB="0" anchor="b">
+                    <a:lnL>
+                      <a:noFill/>
+                    </a:lnL>
+                    <a:lnR>
+                      <a:noFill/>
+                    </a:lnR>
+                    <a:lnT>
+                      <a:noFill/>
+                    </a:lnT>
+                    <a:lnB w="12700" cap="flat" cmpd="sng" algn="ctr">
+                      <a:solidFill>
+                        <a:srgbClr val="000000"/>
+                      </a:solidFill>
+                      <a:prstDash val="solid"/>
+                      <a:round/>
+                      <a:headEnd type="none" w="med" len="med"/>
+                      <a:tailEnd type="none" w="med" len="med"/>
+                    </a:lnB>
+                    <a:noFill/>
+                  </a:tcPr>
+                </a:tc>
+                <a:tc>
+                  <a:txBody>
+                    <a:bodyPr/>
+                    <a:lstStyle/>
+                    <a:p>
+                      <a:pPr algn="ctr" fontAlgn="b"/>
+                      <a:r>
+                        <a:rPr lang="en-US" sz="3000" b="0" i="0" u="none" strike="noStrike">
+                          <a:solidFill>
+                            <a:srgbClr val="000000"/>
+                          </a:solidFill>
+                          <a:effectLst/>
+                          <a:latin typeface="Times New Roman" panose="02020603050405020304" pitchFamily="18" charset="0"/>
+                        </a:rPr>
+                        <a:t>2.28</a:t>
+                      </a:r>
+                    </a:p>
+                  </a:txBody>
+                  <a:tcPr marL="7620" marR="7620" marT="7620" marB="0" anchor="b">
+                    <a:lnL>
+                      <a:noFill/>
+                    </a:lnL>
+                    <a:lnR>
+                      <a:noFill/>
+                    </a:lnR>
+                    <a:lnT>
+                      <a:noFill/>
+                    </a:lnT>
+                    <a:lnB w="12700" cap="flat" cmpd="sng" algn="ctr">
+                      <a:solidFill>
+                        <a:srgbClr val="000000"/>
+                      </a:solidFill>
+                      <a:prstDash val="solid"/>
+                      <a:round/>
+                      <a:headEnd type="none" w="med" len="med"/>
+                      <a:tailEnd type="none" w="med" len="med"/>
+                    </a:lnB>
+                    <a:noFill/>
+                  </a:tcPr>
+                </a:tc>
+                <a:tc>
+                  <a:txBody>
+                    <a:bodyPr/>
+                    <a:lstStyle/>
+                    <a:p>
+                      <a:pPr algn="ctr" fontAlgn="b"/>
+                      <a:r>
+                        <a:rPr lang="en-US" sz="3000" b="0" i="0" u="none" strike="noStrike">
+                          <a:solidFill>
+                            <a:srgbClr val="000000"/>
+                          </a:solidFill>
+                          <a:effectLst/>
+                          <a:latin typeface="Times New Roman" panose="02020603050405020304" pitchFamily="18" charset="0"/>
+                        </a:rPr>
+                        <a:t>13696.9</a:t>
+                      </a:r>
+                    </a:p>
+                  </a:txBody>
+                  <a:tcPr marL="7620" marR="7620" marT="7620" marB="0" anchor="b">
+                    <a:lnL>
+                      <a:noFill/>
+                    </a:lnL>
+                    <a:lnR>
+                      <a:noFill/>
+                    </a:lnR>
+                    <a:lnT>
+                      <a:noFill/>
+                    </a:lnT>
+                    <a:lnB w="12700" cap="flat" cmpd="sng" algn="ctr">
+                      <a:solidFill>
+                        <a:srgbClr val="000000"/>
+                      </a:solidFill>
+                      <a:prstDash val="solid"/>
+                      <a:round/>
+                      <a:headEnd type="none" w="med" len="med"/>
+                      <a:tailEnd type="none" w="med" len="med"/>
+                    </a:lnB>
+                    <a:noFill/>
+                  </a:tcPr>
+                </a:tc>
+                <a:tc>
+                  <a:txBody>
+                    <a:bodyPr/>
+                    <a:lstStyle/>
+                    <a:p>
+                      <a:pPr algn="ctr" fontAlgn="b"/>
+                      <a:r>
+                        <a:rPr lang="en-US" sz="3000" b="1" i="0" u="none" strike="noStrike" dirty="0">
+                          <a:solidFill>
+                            <a:srgbClr val="000000"/>
+                          </a:solidFill>
+                          <a:effectLst/>
+                          <a:latin typeface="Times New Roman" panose="02020603050405020304" pitchFamily="18" charset="0"/>
+                        </a:rPr>
+                        <a:t>0.02</a:t>
+                      </a:r>
+                    </a:p>
+                  </a:txBody>
+                  <a:tcPr marL="7620" marR="7620" marT="7620" marB="0" anchor="b">
+                    <a:lnL>
+                      <a:noFill/>
+                    </a:lnL>
+                    <a:lnR>
+                      <a:noFill/>
+                    </a:lnR>
+                    <a:lnT>
+                      <a:noFill/>
+                    </a:lnT>
+                    <a:lnB w="12700" cap="flat" cmpd="sng" algn="ctr">
+                      <a:solidFill>
+                        <a:srgbClr val="000000"/>
+                      </a:solidFill>
+                      <a:prstDash val="solid"/>
+                      <a:round/>
+                      <a:headEnd type="none" w="med" len="med"/>
+                      <a:tailEnd type="none" w="med" len="med"/>
+                    </a:lnB>
+                    <a:noFill/>
+                  </a:tcPr>
+                </a:tc>
+                <a:extLst>
+                  <a:ext uri="{0D108BD9-81ED-4DB2-BD59-A6C34878D82A}">
+                    <a16:rowId xmlns:a16="http://schemas.microsoft.com/office/drawing/2014/main" val="308345790"/>
+                  </a:ext>
+                </a:extLst>
+              </a:tr>
+              <a:tr h="273740">
+                <a:tc>
+                  <a:txBody>
+                    <a:bodyPr/>
+                    <a:lstStyle/>
+                    <a:p>
+                      <a:pPr marL="0" marR="0" lvl="0" indent="0" algn="r" defTabSz="4389120" rtl="0" eaLnBrk="1" fontAlgn="b" latinLnBrk="0" hangingPunct="1">
+                        <a:lnSpc>
+                          <a:spcPct val="100000"/>
+                        </a:lnSpc>
+                        <a:spcBef>
+                          <a:spcPts val="0"/>
+                        </a:spcBef>
+                        <a:spcAft>
+                          <a:spcPts val="0"/>
+                        </a:spcAft>
+                        <a:buClrTx/>
+                        <a:buSzTx/>
+                        <a:buFontTx/>
+                        <a:buNone/>
+                        <a:tabLst/>
+                        <a:defRPr/>
+                      </a:pPr>
+                      <a:r>
+                        <a:rPr lang="en-US" sz="3000" b="0" i="0" u="none" strike="noStrike" dirty="0">
+                          <a:solidFill>
+                            <a:srgbClr val="000000"/>
+                          </a:solidFill>
+                          <a:effectLst/>
+                          <a:latin typeface="Times New Roman" panose="02020603050405020304" pitchFamily="18" charset="0"/>
+                        </a:rPr>
+                        <a:t>RANDOM EFFECTS:</a:t>
+                      </a:r>
+                    </a:p>
+                  </a:txBody>
+                  <a:tcPr marL="7620" marR="7620" marT="7620" marB="0" anchor="b">
+                    <a:lnL>
+                      <a:noFill/>
+                    </a:lnL>
+                    <a:lnR>
+                      <a:noFill/>
+                    </a:lnR>
+                    <a:lnT w="12700" cap="flat" cmpd="sng" algn="ctr">
+                      <a:solidFill>
+                        <a:schemeClr val="tx1"/>
+                      </a:solidFill>
+                      <a:prstDash val="solid"/>
+                      <a:round/>
+                      <a:headEnd type="none" w="med" len="med"/>
+                      <a:tailEnd type="none" w="med" len="med"/>
+                    </a:lnT>
+                    <a:lnB w="12700" cap="flat" cmpd="sng" algn="ctr">
+                      <a:solidFill>
+                        <a:srgbClr val="000000"/>
+                      </a:solidFill>
+                      <a:prstDash val="solid"/>
+                      <a:round/>
+                      <a:headEnd type="none" w="med" len="med"/>
+                      <a:tailEnd type="none" w="med" len="med"/>
+                    </a:lnB>
+                    <a:noFill/>
+                  </a:tcPr>
+                </a:tc>
+                <a:tc gridSpan="2">
+                  <a:txBody>
+                    <a:bodyPr/>
+                    <a:lstStyle/>
+                    <a:p>
+                      <a:pPr marL="0" marR="0" lvl="0" indent="0" algn="r" defTabSz="4389120" rtl="0" eaLnBrk="1" fontAlgn="b" latinLnBrk="0" hangingPunct="1">
+                        <a:lnSpc>
+                          <a:spcPct val="100000"/>
+                        </a:lnSpc>
+                        <a:spcBef>
+                          <a:spcPts val="0"/>
+                        </a:spcBef>
+                        <a:spcAft>
+                          <a:spcPts val="0"/>
+                        </a:spcAft>
+                        <a:buClrTx/>
+                        <a:buSzTx/>
+                        <a:buFontTx/>
+                        <a:buNone/>
+                        <a:tabLst/>
+                        <a:defRPr/>
+                      </a:pPr>
+                      <a:r>
+                        <a:rPr lang="en-US" sz="3000" b="1" i="0" u="none" strike="noStrike" dirty="0">
+                          <a:solidFill>
+                            <a:srgbClr val="000000"/>
+                          </a:solidFill>
+                          <a:effectLst/>
+                          <a:latin typeface="Times New Roman" panose="02020603050405020304" pitchFamily="18" charset="0"/>
+                        </a:rPr>
+                        <a:t>Group</a:t>
+                      </a:r>
+                    </a:p>
+                  </a:txBody>
+                  <a:tcPr marL="7620" marR="7620" marT="7620" marB="0" anchor="b">
+                    <a:lnL>
+                      <a:noFill/>
+                    </a:lnL>
+                    <a:lnR>
+                      <a:noFill/>
+                    </a:lnR>
+                    <a:lnT w="12700" cap="flat" cmpd="sng" algn="ctr">
+                      <a:solidFill>
+                        <a:schemeClr val="tx1"/>
+                      </a:solidFill>
+                      <a:prstDash val="solid"/>
+                      <a:round/>
+                      <a:headEnd type="none" w="med" len="med"/>
+                      <a:tailEnd type="none" w="med" len="med"/>
+                    </a:lnT>
+                    <a:lnB w="12700" cap="flat" cmpd="sng" algn="ctr">
+                      <a:solidFill>
+                        <a:srgbClr val="000000"/>
+                      </a:solidFill>
+                      <a:prstDash val="solid"/>
+                      <a:round/>
+                      <a:headEnd type="none" w="med" len="med"/>
+                      <a:tailEnd type="none" w="med" len="med"/>
+                    </a:lnB>
+                    <a:noFill/>
+                  </a:tcPr>
+                </a:tc>
+                <a:tc hMerge="1">
+                  <a:txBody>
+                    <a:bodyPr/>
+                    <a:lstStyle/>
+                    <a:p>
+                      <a:endParaRPr lang="en-US"/>
+                    </a:p>
+                  </a:txBody>
+                  <a:tcPr/>
+                </a:tc>
+                <a:tc>
+                  <a:txBody>
+                    <a:bodyPr/>
+                    <a:lstStyle/>
+                    <a:p>
+                      <a:pPr algn="ctr" fontAlgn="b"/>
+                      <a:r>
+                        <a:rPr lang="el-GR" sz="3000" b="0" i="1" u="none" strike="noStrike">
+                          <a:solidFill>
+                            <a:srgbClr val="000000"/>
+                          </a:solidFill>
+                          <a:effectLst/>
+                          <a:latin typeface="Times New Roman" panose="02020603050405020304" pitchFamily="18" charset="0"/>
+                        </a:rPr>
+                        <a:t>σ</a:t>
+                      </a:r>
+                      <a:r>
+                        <a:rPr lang="el-GR" sz="3000" b="0" i="1" u="none" strike="noStrike" baseline="30000">
+                          <a:solidFill>
+                            <a:srgbClr val="000000"/>
+                          </a:solidFill>
+                          <a:effectLst/>
+                          <a:latin typeface="Times New Roman" panose="02020603050405020304" pitchFamily="18" charset="0"/>
+                        </a:rPr>
+                        <a:t>2</a:t>
+                      </a:r>
+                      <a:endParaRPr lang="el-GR" sz="3000" b="0" i="1" u="none" strike="noStrike">
+                        <a:solidFill>
+                          <a:srgbClr val="000000"/>
+                        </a:solidFill>
+                        <a:effectLst/>
+                        <a:latin typeface="Times New Roman" panose="02020603050405020304" pitchFamily="18" charset="0"/>
+                      </a:endParaRPr>
+                    </a:p>
+                  </a:txBody>
+                  <a:tcPr marL="7620" marR="7620" marT="7620" marB="0" anchor="b">
+                    <a:lnL>
+                      <a:noFill/>
+                    </a:lnL>
+                    <a:lnR>
+                      <a:noFill/>
+                    </a:lnR>
+                    <a:lnT w="12700" cap="flat" cmpd="sng" algn="ctr">
+                      <a:solidFill>
+                        <a:schemeClr val="tx1"/>
+                      </a:solidFill>
+                      <a:prstDash val="solid"/>
+                      <a:round/>
+                      <a:headEnd type="none" w="med" len="med"/>
+                      <a:tailEnd type="none" w="med" len="med"/>
+                    </a:lnT>
+                    <a:lnB w="12700" cap="flat" cmpd="sng" algn="ctr">
+                      <a:solidFill>
+                        <a:srgbClr val="000000"/>
+                      </a:solidFill>
+                      <a:prstDash val="solid"/>
+                      <a:round/>
+                      <a:headEnd type="none" w="med" len="med"/>
+                      <a:tailEnd type="none" w="med" len="med"/>
+                    </a:lnB>
+                    <a:noFill/>
+                  </a:tcPr>
+                </a:tc>
+                <a:tc>
+                  <a:txBody>
+                    <a:bodyPr/>
+                    <a:lstStyle/>
+                    <a:p>
+                      <a:pPr algn="ctr" fontAlgn="b"/>
+                      <a:r>
+                        <a:rPr lang="el-GR" sz="3000" b="0" i="1" u="none" strike="noStrike">
+                          <a:solidFill>
+                            <a:srgbClr val="000000"/>
+                          </a:solidFill>
+                          <a:effectLst/>
+                          <a:latin typeface="Times New Roman" panose="02020603050405020304" pitchFamily="18" charset="0"/>
+                        </a:rPr>
+                        <a:t>σ</a:t>
+                      </a:r>
+                    </a:p>
+                  </a:txBody>
+                  <a:tcPr marL="7620" marR="7620" marT="7620" marB="0" anchor="b">
+                    <a:lnL>
+                      <a:noFill/>
+                    </a:lnL>
+                    <a:lnR>
+                      <a:noFill/>
+                    </a:lnR>
+                    <a:lnT w="12700" cap="flat" cmpd="sng" algn="ctr">
+                      <a:solidFill>
+                        <a:srgbClr val="000000"/>
+                      </a:solidFill>
+                      <a:prstDash val="solid"/>
+                      <a:round/>
+                      <a:headEnd type="none" w="med" len="med"/>
+                      <a:tailEnd type="none" w="med" len="med"/>
+                    </a:lnT>
+                    <a:lnB w="12700" cap="flat" cmpd="sng" algn="ctr">
+                      <a:solidFill>
+                        <a:srgbClr val="000000"/>
+                      </a:solidFill>
+                      <a:prstDash val="solid"/>
+                      <a:round/>
+                      <a:headEnd type="none" w="med" len="med"/>
+                      <a:tailEnd type="none" w="med" len="med"/>
+                    </a:lnB>
+                    <a:noFill/>
+                  </a:tcPr>
+                </a:tc>
+                <a:tc>
+                  <a:txBody>
+                    <a:bodyPr/>
+                    <a:lstStyle/>
+                    <a:p>
+                      <a:pPr algn="ctr" fontAlgn="b"/>
+                      <a:r>
+                        <a:rPr lang="en-US" sz="3000" b="0" i="1" u="none" strike="noStrike">
+                          <a:solidFill>
+                            <a:srgbClr val="000000"/>
+                          </a:solidFill>
+                          <a:effectLst/>
+                          <a:latin typeface="Times New Roman" panose="02020603050405020304" pitchFamily="18" charset="0"/>
+                        </a:rPr>
+                        <a:t>n</a:t>
+                      </a:r>
+                    </a:p>
+                  </a:txBody>
+                  <a:tcPr marL="7620" marR="7620" marT="15240" marB="15240" anchor="b">
+                    <a:lnL>
+                      <a:noFill/>
+                    </a:lnL>
+                    <a:lnR>
+                      <a:noFill/>
+                    </a:lnR>
+                    <a:lnT w="12700" cap="flat" cmpd="sng" algn="ctr">
+                      <a:solidFill>
+                        <a:srgbClr val="000000"/>
+                      </a:solidFill>
+                      <a:prstDash val="solid"/>
+                      <a:round/>
+                      <a:headEnd type="none" w="med" len="med"/>
+                      <a:tailEnd type="none" w="med" len="med"/>
+                    </a:lnT>
+                    <a:lnB w="12700" cap="flat" cmpd="sng" algn="ctr">
+                      <a:solidFill>
+                        <a:srgbClr val="000000"/>
+                      </a:solidFill>
+                      <a:prstDash val="solid"/>
+                      <a:round/>
+                      <a:headEnd type="none" w="med" len="med"/>
+                      <a:tailEnd type="none" w="med" len="med"/>
+                    </a:lnB>
+                    <a:noFill/>
+                  </a:tcPr>
+                </a:tc>
+                <a:tc>
+                  <a:txBody>
+                    <a:bodyPr/>
+                    <a:lstStyle/>
+                    <a:p>
+                      <a:pPr algn="ctr" fontAlgn="b"/>
+                      <a:r>
+                        <a:rPr lang="en-US" sz="3000" b="0" i="1" u="none" strike="noStrike" dirty="0">
+                          <a:solidFill>
+                            <a:srgbClr val="000000"/>
+                          </a:solidFill>
+                          <a:effectLst/>
+                          <a:latin typeface="Times New Roman" panose="02020603050405020304" pitchFamily="18" charset="0"/>
+                        </a:rPr>
+                        <a:t>ICC</a:t>
+                      </a:r>
+                    </a:p>
+                  </a:txBody>
+                  <a:tcPr marL="7620" marR="7620" marT="7620" marB="0" anchor="b">
+                    <a:lnL>
+                      <a:noFill/>
+                    </a:lnL>
+                    <a:lnR>
+                      <a:noFill/>
+                    </a:lnR>
+                    <a:lnT w="12700" cap="flat" cmpd="sng" algn="ctr">
+                      <a:solidFill>
+                        <a:srgbClr val="000000"/>
+                      </a:solidFill>
+                      <a:prstDash val="solid"/>
+                      <a:round/>
+                      <a:headEnd type="none" w="med" len="med"/>
+                      <a:tailEnd type="none" w="med" len="med"/>
+                    </a:lnT>
+                    <a:lnB w="12700" cap="flat" cmpd="sng" algn="ctr">
+                      <a:solidFill>
+                        <a:srgbClr val="000000"/>
+                      </a:solidFill>
+                      <a:prstDash val="solid"/>
+                      <a:round/>
+                      <a:headEnd type="none" w="med" len="med"/>
+                      <a:tailEnd type="none" w="med" len="med"/>
+                    </a:lnB>
+                    <a:noFill/>
+                  </a:tcPr>
+                </a:tc>
+                <a:tc>
+                  <a:txBody>
+                    <a:bodyPr/>
+                    <a:lstStyle/>
+                    <a:p>
+                      <a:pPr algn="l" fontAlgn="b"/>
+                      <a:r>
+                        <a:rPr lang="en-US" sz="3000" b="0" i="0" u="none" strike="noStrike" dirty="0">
+                          <a:solidFill>
+                            <a:srgbClr val="000000"/>
+                          </a:solidFill>
+                          <a:effectLst/>
+                          <a:latin typeface="Arial" panose="020B0604020202020204" pitchFamily="34" charset="0"/>
+                        </a:rPr>
+                        <a:t> </a:t>
+                      </a:r>
+                    </a:p>
+                  </a:txBody>
+                  <a:tcPr marL="7620" marR="7620" marT="15240" marB="15240" anchor="b">
+                    <a:lnL>
+                      <a:noFill/>
+                    </a:lnL>
+                    <a:lnR>
+                      <a:noFill/>
+                    </a:lnR>
+                    <a:lnT w="12700" cap="flat" cmpd="sng" algn="ctr">
+                      <a:solidFill>
+                        <a:srgbClr val="000000"/>
+                      </a:solidFill>
+                      <a:prstDash val="solid"/>
+                      <a:round/>
+                      <a:headEnd type="none" w="med" len="med"/>
+                      <a:tailEnd type="none" w="med" len="med"/>
+                    </a:lnT>
+                    <a:lnB w="12700" cap="flat" cmpd="sng" algn="ctr">
+                      <a:solidFill>
+                        <a:srgbClr val="000000"/>
+                      </a:solidFill>
+                      <a:prstDash val="solid"/>
+                      <a:round/>
+                      <a:headEnd type="none" w="med" len="med"/>
+                      <a:tailEnd type="none" w="med" len="med"/>
+                    </a:lnB>
+                    <a:noFill/>
+                  </a:tcPr>
+                </a:tc>
+                <a:extLst>
+                  <a:ext uri="{0D108BD9-81ED-4DB2-BD59-A6C34878D82A}">
+                    <a16:rowId xmlns:a16="http://schemas.microsoft.com/office/drawing/2014/main" val="591546807"/>
+                  </a:ext>
+                </a:extLst>
+              </a:tr>
+              <a:tr h="480060">
+                <a:tc gridSpan="3">
+                  <a:txBody>
+                    <a:bodyPr/>
+                    <a:lstStyle/>
+                    <a:p>
+                      <a:pPr algn="r" fontAlgn="b"/>
+                      <a:r>
+                        <a:rPr lang="en-US" sz="3000" b="0" i="0" u="none" strike="noStrike" dirty="0" err="1">
+                          <a:solidFill>
+                            <a:srgbClr val="000000"/>
+                          </a:solidFill>
+                          <a:effectLst/>
+                          <a:latin typeface="Times New Roman" panose="02020603050405020304" pitchFamily="18" charset="0"/>
+                        </a:rPr>
+                        <a:t>student_id</a:t>
+                      </a:r>
+                      <a:endParaRPr lang="en-US" sz="3000" b="0" i="0" u="none" strike="noStrike" dirty="0">
+                        <a:solidFill>
+                          <a:srgbClr val="000000"/>
+                        </a:solidFill>
+                        <a:effectLst/>
+                        <a:latin typeface="Times New Roman" panose="02020603050405020304" pitchFamily="18" charset="0"/>
+                      </a:endParaRPr>
+                    </a:p>
+                  </a:txBody>
+                  <a:tcPr marL="7620" marR="7620" marT="7620" marB="0" anchor="b">
+                    <a:lnL>
+                      <a:noFill/>
+                    </a:lnL>
+                    <a:lnR>
+                      <a:noFill/>
+                    </a:lnR>
+                    <a:lnT w="12700" cap="flat" cmpd="sng" algn="ctr">
+                      <a:solidFill>
+                        <a:srgbClr val="000000"/>
+                      </a:solidFill>
+                      <a:prstDash val="solid"/>
+                      <a:round/>
+                      <a:headEnd type="none" w="med" len="med"/>
+                      <a:tailEnd type="none" w="med" len="med"/>
+                    </a:lnT>
+                    <a:lnB>
+                      <a:noFill/>
+                    </a:lnB>
+                    <a:noFill/>
+                  </a:tcPr>
+                </a:tc>
+                <a:tc hMerge="1">
+                  <a:txBody>
+                    <a:bodyPr/>
+                    <a:lstStyle/>
+                    <a:p>
+                      <a:endParaRPr lang="en-US"/>
+                    </a:p>
+                  </a:txBody>
+                  <a:tcPr/>
+                </a:tc>
+                <a:tc hMerge="1">
+                  <a:txBody>
+                    <a:bodyPr/>
+                    <a:lstStyle/>
+                    <a:p>
+                      <a:endParaRPr lang="en-US"/>
+                    </a:p>
+                  </a:txBody>
+                  <a:tcPr/>
+                </a:tc>
+                <a:tc>
+                  <a:txBody>
+                    <a:bodyPr/>
+                    <a:lstStyle/>
+                    <a:p>
+                      <a:pPr algn="r" fontAlgn="b"/>
+                      <a:r>
+                        <a:rPr lang="en-US" sz="3000" b="0" i="0" u="none" strike="noStrike">
+                          <a:solidFill>
+                            <a:srgbClr val="000000"/>
+                          </a:solidFill>
+                          <a:effectLst/>
+                          <a:latin typeface="Times New Roman" panose="02020603050405020304" pitchFamily="18" charset="0"/>
+                        </a:rPr>
+                        <a:t>35.01</a:t>
+                      </a:r>
+                    </a:p>
+                  </a:txBody>
+                  <a:tcPr marL="7620" marR="7620" marT="7620" marB="0" anchor="b">
+                    <a:lnL>
+                      <a:noFill/>
+                    </a:lnL>
+                    <a:lnR>
+                      <a:noFill/>
+                    </a:lnR>
+                    <a:lnT w="12700" cap="flat" cmpd="sng" algn="ctr">
+                      <a:solidFill>
+                        <a:srgbClr val="000000"/>
+                      </a:solidFill>
+                      <a:prstDash val="solid"/>
+                      <a:round/>
+                      <a:headEnd type="none" w="med" len="med"/>
+                      <a:tailEnd type="none" w="med" len="med"/>
+                    </a:lnT>
+                    <a:lnB>
+                      <a:noFill/>
+                    </a:lnB>
+                    <a:noFill/>
+                  </a:tcPr>
+                </a:tc>
+                <a:tc>
+                  <a:txBody>
+                    <a:bodyPr/>
+                    <a:lstStyle/>
+                    <a:p>
+                      <a:pPr algn="r" fontAlgn="b"/>
+                      <a:r>
+                        <a:rPr lang="en-US" sz="3000" b="0" i="0" u="none" strike="noStrike">
+                          <a:solidFill>
+                            <a:srgbClr val="000000"/>
+                          </a:solidFill>
+                          <a:effectLst/>
+                          <a:latin typeface="Times New Roman" panose="02020603050405020304" pitchFamily="18" charset="0"/>
+                        </a:rPr>
+                        <a:t>5.9</a:t>
+                      </a:r>
+                    </a:p>
+                  </a:txBody>
+                  <a:tcPr marL="7620" marR="7620" marT="7620" marB="0" anchor="b">
+                    <a:lnL>
+                      <a:noFill/>
+                    </a:lnL>
+                    <a:lnR>
+                      <a:noFill/>
+                    </a:lnR>
+                    <a:lnT w="12700" cap="flat" cmpd="sng" algn="ctr">
+                      <a:solidFill>
+                        <a:srgbClr val="000000"/>
+                      </a:solidFill>
+                      <a:prstDash val="solid"/>
+                      <a:round/>
+                      <a:headEnd type="none" w="med" len="med"/>
+                      <a:tailEnd type="none" w="med" len="med"/>
+                    </a:lnT>
+                    <a:lnB>
+                      <a:noFill/>
+                    </a:lnB>
+                    <a:noFill/>
+                  </a:tcPr>
+                </a:tc>
+                <a:tc>
+                  <a:txBody>
+                    <a:bodyPr/>
+                    <a:lstStyle/>
+                    <a:p>
+                      <a:pPr algn="r" fontAlgn="b"/>
+                      <a:r>
+                        <a:rPr lang="en-US" sz="3000" b="0" i="0" u="none" strike="noStrike">
+                          <a:solidFill>
+                            <a:srgbClr val="000000"/>
+                          </a:solidFill>
+                          <a:effectLst/>
+                          <a:latin typeface="Times New Roman" panose="02020603050405020304" pitchFamily="18" charset="0"/>
+                        </a:rPr>
+                        <a:t>369</a:t>
+                      </a:r>
+                    </a:p>
+                  </a:txBody>
+                  <a:tcPr marL="7620" marR="7620" marT="7620" marB="0" anchor="b">
+                    <a:lnL>
+                      <a:noFill/>
+                    </a:lnL>
+                    <a:lnR>
+                      <a:noFill/>
+                    </a:lnR>
+                    <a:lnT w="12700" cap="flat" cmpd="sng" algn="ctr">
+                      <a:solidFill>
+                        <a:srgbClr val="000000"/>
+                      </a:solidFill>
+                      <a:prstDash val="solid"/>
+                      <a:round/>
+                      <a:headEnd type="none" w="med" len="med"/>
+                      <a:tailEnd type="none" w="med" len="med"/>
+                    </a:lnT>
+                    <a:lnB>
+                      <a:noFill/>
+                    </a:lnB>
+                    <a:noFill/>
+                  </a:tcPr>
+                </a:tc>
+                <a:tc>
+                  <a:txBody>
+                    <a:bodyPr/>
+                    <a:lstStyle/>
+                    <a:p>
+                      <a:pPr algn="r" fontAlgn="b"/>
+                      <a:r>
+                        <a:rPr lang="en-US" sz="3000" b="0" i="0" u="none" strike="noStrike">
+                          <a:solidFill>
+                            <a:srgbClr val="000000"/>
+                          </a:solidFill>
+                          <a:effectLst/>
+                          <a:latin typeface="Times New Roman" panose="02020603050405020304" pitchFamily="18" charset="0"/>
+                        </a:rPr>
+                        <a:t>0.07</a:t>
+                      </a:r>
+                    </a:p>
+                  </a:txBody>
+                  <a:tcPr marL="7620" marR="7620" marT="7620" marB="0" anchor="b">
+                    <a:lnL>
+                      <a:noFill/>
+                    </a:lnL>
+                    <a:lnR>
+                      <a:noFill/>
+                    </a:lnR>
+                    <a:lnT w="12700" cap="flat" cmpd="sng" algn="ctr">
+                      <a:solidFill>
+                        <a:srgbClr val="000000"/>
+                      </a:solidFill>
+                      <a:prstDash val="solid"/>
+                      <a:round/>
+                      <a:headEnd type="none" w="med" len="med"/>
+                      <a:tailEnd type="none" w="med" len="med"/>
+                    </a:lnT>
+                    <a:lnB>
+                      <a:noFill/>
+                    </a:lnB>
+                    <a:noFill/>
+                  </a:tcPr>
+                </a:tc>
+                <a:tc>
+                  <a:txBody>
+                    <a:bodyPr/>
+                    <a:lstStyle/>
+                    <a:p>
+                      <a:pPr algn="l" fontAlgn="b"/>
+                      <a:endParaRPr lang="en-US" sz="3000" b="0" i="0" u="none" strike="noStrike">
+                        <a:solidFill>
+                          <a:srgbClr val="000000"/>
+                        </a:solidFill>
+                        <a:effectLst/>
+                        <a:latin typeface="Arial" panose="020B0604020202020204" pitchFamily="34" charset="0"/>
+                      </a:endParaRPr>
+                    </a:p>
+                  </a:txBody>
+                  <a:tcPr marL="7620" marR="7620" marT="15240" marB="15240" anchor="b">
+                    <a:lnL>
+                      <a:noFill/>
+                    </a:lnL>
+                    <a:lnR>
+                      <a:noFill/>
+                    </a:lnR>
+                    <a:lnT w="12700" cap="flat" cmpd="sng" algn="ctr">
+                      <a:solidFill>
+                        <a:srgbClr val="000000"/>
+                      </a:solidFill>
+                      <a:prstDash val="solid"/>
+                      <a:round/>
+                      <a:headEnd type="none" w="med" len="med"/>
+                      <a:tailEnd type="none" w="med" len="med"/>
+                    </a:lnT>
+                    <a:lnB>
+                      <a:noFill/>
+                    </a:lnB>
+                    <a:noFill/>
+                  </a:tcPr>
+                </a:tc>
+                <a:extLst>
+                  <a:ext uri="{0D108BD9-81ED-4DB2-BD59-A6C34878D82A}">
+                    <a16:rowId xmlns:a16="http://schemas.microsoft.com/office/drawing/2014/main" val="4130745682"/>
+                  </a:ext>
+                </a:extLst>
+              </a:tr>
+              <a:tr h="480060">
+                <a:tc gridSpan="3">
+                  <a:txBody>
+                    <a:bodyPr/>
+                    <a:lstStyle/>
+                    <a:p>
+                      <a:pPr algn="r" fontAlgn="b"/>
+                      <a:r>
+                        <a:rPr lang="en-US" sz="3000" b="0" i="0" u="none" strike="noStrike">
+                          <a:solidFill>
+                            <a:srgbClr val="000000"/>
+                          </a:solidFill>
+                          <a:effectLst/>
+                          <a:latin typeface="Times New Roman" panose="02020603050405020304" pitchFamily="18" charset="0"/>
+                        </a:rPr>
+                        <a:t>question_id</a:t>
+                      </a:r>
+                    </a:p>
+                  </a:txBody>
+                  <a:tcPr marL="7620" marR="7620" marT="7620" marB="0" anchor="b">
+                    <a:lnL>
+                      <a:noFill/>
+                    </a:lnL>
+                    <a:lnR>
+                      <a:noFill/>
+                    </a:lnR>
+                    <a:lnT>
+                      <a:noFill/>
+                    </a:lnT>
+                    <a:lnB>
+                      <a:noFill/>
+                    </a:lnB>
+                    <a:noFill/>
+                  </a:tcPr>
+                </a:tc>
+                <a:tc hMerge="1">
+                  <a:txBody>
+                    <a:bodyPr/>
+                    <a:lstStyle/>
+                    <a:p>
+                      <a:endParaRPr lang="en-US"/>
+                    </a:p>
+                  </a:txBody>
+                  <a:tcPr/>
+                </a:tc>
+                <a:tc hMerge="1">
+                  <a:txBody>
+                    <a:bodyPr/>
+                    <a:lstStyle/>
+                    <a:p>
+                      <a:endParaRPr lang="en-US"/>
+                    </a:p>
+                  </a:txBody>
+                  <a:tcPr/>
+                </a:tc>
+                <a:tc>
+                  <a:txBody>
+                    <a:bodyPr/>
+                    <a:lstStyle/>
+                    <a:p>
+                      <a:pPr algn="r" fontAlgn="b"/>
+                      <a:r>
+                        <a:rPr lang="en-US" sz="3000" b="0" i="0" u="none" strike="noStrike">
+                          <a:solidFill>
+                            <a:srgbClr val="000000"/>
+                          </a:solidFill>
+                          <a:effectLst/>
+                          <a:latin typeface="Times New Roman" panose="02020603050405020304" pitchFamily="18" charset="0"/>
+                        </a:rPr>
+                        <a:t>77.06</a:t>
+                      </a:r>
+                    </a:p>
+                  </a:txBody>
+                  <a:tcPr marL="7620" marR="7620" marT="7620" marB="0" anchor="b">
+                    <a:lnL>
+                      <a:noFill/>
+                    </a:lnL>
+                    <a:lnR>
+                      <a:noFill/>
+                    </a:lnR>
+                    <a:lnT>
+                      <a:noFill/>
+                    </a:lnT>
+                    <a:lnB>
+                      <a:noFill/>
+                    </a:lnB>
+                    <a:noFill/>
+                  </a:tcPr>
+                </a:tc>
+                <a:tc>
+                  <a:txBody>
+                    <a:bodyPr/>
+                    <a:lstStyle/>
+                    <a:p>
+                      <a:pPr algn="r" fontAlgn="b"/>
+                      <a:r>
+                        <a:rPr lang="en-US" sz="3000" b="0" i="0" u="none" strike="noStrike">
+                          <a:solidFill>
+                            <a:srgbClr val="000000"/>
+                          </a:solidFill>
+                          <a:effectLst/>
+                          <a:latin typeface="Times New Roman" panose="02020603050405020304" pitchFamily="18" charset="0"/>
+                        </a:rPr>
+                        <a:t>8.8</a:t>
+                      </a:r>
+                    </a:p>
+                  </a:txBody>
+                  <a:tcPr marL="7620" marR="7620" marT="7620" marB="0" anchor="b">
+                    <a:lnL>
+                      <a:noFill/>
+                    </a:lnL>
+                    <a:lnR>
+                      <a:noFill/>
+                    </a:lnR>
+                    <a:lnT>
+                      <a:noFill/>
+                    </a:lnT>
+                    <a:lnB>
+                      <a:noFill/>
+                    </a:lnB>
+                    <a:noFill/>
+                  </a:tcPr>
+                </a:tc>
+                <a:tc>
+                  <a:txBody>
+                    <a:bodyPr/>
+                    <a:lstStyle/>
+                    <a:p>
+                      <a:pPr algn="r" fontAlgn="b"/>
+                      <a:r>
+                        <a:rPr lang="en-US" sz="3000" b="0" i="0" u="none" strike="noStrike">
+                          <a:solidFill>
+                            <a:srgbClr val="000000"/>
+                          </a:solidFill>
+                          <a:effectLst/>
+                          <a:latin typeface="Times New Roman" panose="02020603050405020304" pitchFamily="18" charset="0"/>
+                        </a:rPr>
+                        <a:t>9</a:t>
+                      </a:r>
+                    </a:p>
+                  </a:txBody>
+                  <a:tcPr marL="7620" marR="7620" marT="7620" marB="0" anchor="b">
+                    <a:lnL>
+                      <a:noFill/>
+                    </a:lnL>
+                    <a:lnR>
+                      <a:noFill/>
+                    </a:lnR>
+                    <a:lnT>
+                      <a:noFill/>
+                    </a:lnT>
+                    <a:lnB>
+                      <a:noFill/>
+                    </a:lnB>
+                    <a:noFill/>
+                  </a:tcPr>
+                </a:tc>
+                <a:tc>
+                  <a:txBody>
+                    <a:bodyPr/>
+                    <a:lstStyle/>
+                    <a:p>
+                      <a:pPr algn="r" fontAlgn="b"/>
+                      <a:r>
+                        <a:rPr lang="en-US" sz="3000" b="0" i="0" u="none" strike="noStrike">
+                          <a:solidFill>
+                            <a:srgbClr val="000000"/>
+                          </a:solidFill>
+                          <a:effectLst/>
+                          <a:latin typeface="Times New Roman" panose="02020603050405020304" pitchFamily="18" charset="0"/>
+                        </a:rPr>
+                        <a:t>0.16</a:t>
+                      </a:r>
+                    </a:p>
+                  </a:txBody>
+                  <a:tcPr marL="7620" marR="7620" marT="7620" marB="0" anchor="b">
+                    <a:lnL>
+                      <a:noFill/>
+                    </a:lnL>
+                    <a:lnR>
+                      <a:noFill/>
+                    </a:lnR>
+                    <a:lnT>
+                      <a:noFill/>
+                    </a:lnT>
+                    <a:lnB>
+                      <a:noFill/>
+                    </a:lnB>
+                    <a:noFill/>
+                  </a:tcPr>
+                </a:tc>
+                <a:tc>
+                  <a:txBody>
+                    <a:bodyPr/>
+                    <a:lstStyle/>
+                    <a:p>
+                      <a:pPr algn="l" fontAlgn="b"/>
+                      <a:endParaRPr lang="en-US" sz="3000" b="0" i="0" u="none" strike="noStrike">
+                        <a:solidFill>
+                          <a:srgbClr val="000000"/>
+                        </a:solidFill>
+                        <a:effectLst/>
+                        <a:latin typeface="Arial" panose="020B0604020202020204" pitchFamily="34" charset="0"/>
+                      </a:endParaRPr>
+                    </a:p>
+                  </a:txBody>
+                  <a:tcPr marL="7620" marR="7620" marT="15240" marB="15240" anchor="b">
+                    <a:lnL>
+                      <a:noFill/>
+                    </a:lnL>
+                    <a:lnR>
+                      <a:noFill/>
+                    </a:lnR>
+                    <a:lnT>
+                      <a:noFill/>
+                    </a:lnT>
+                    <a:lnB>
+                      <a:noFill/>
+                    </a:lnB>
+                    <a:noFill/>
+                  </a:tcPr>
+                </a:tc>
+                <a:extLst>
+                  <a:ext uri="{0D108BD9-81ED-4DB2-BD59-A6C34878D82A}">
+                    <a16:rowId xmlns:a16="http://schemas.microsoft.com/office/drawing/2014/main" val="2864184959"/>
+                  </a:ext>
+                </a:extLst>
+              </a:tr>
+              <a:tr h="487680">
+                <a:tc gridSpan="3">
+                  <a:txBody>
+                    <a:bodyPr/>
+                    <a:lstStyle/>
+                    <a:p>
+                      <a:pPr algn="r" fontAlgn="b"/>
+                      <a:r>
+                        <a:rPr lang="en-US" sz="3000" b="0" i="0" u="none" strike="noStrike">
+                          <a:solidFill>
+                            <a:srgbClr val="000000"/>
+                          </a:solidFill>
+                          <a:effectLst/>
+                          <a:latin typeface="Times New Roman" panose="02020603050405020304" pitchFamily="18" charset="0"/>
+                        </a:rPr>
+                        <a:t>attempt</a:t>
+                      </a:r>
+                    </a:p>
+                  </a:txBody>
+                  <a:tcPr marL="7620" marR="7620" marT="7620" marB="0" anchor="b">
+                    <a:lnL>
+                      <a:noFill/>
+                    </a:lnL>
+                    <a:lnR>
+                      <a:noFill/>
+                    </a:lnR>
+                    <a:lnT>
+                      <a:noFill/>
+                    </a:lnT>
+                    <a:lnB w="12700" cap="flat" cmpd="sng" algn="ctr">
+                      <a:solidFill>
+                        <a:srgbClr val="000000"/>
+                      </a:solidFill>
+                      <a:prstDash val="solid"/>
+                      <a:round/>
+                      <a:headEnd type="none" w="med" len="med"/>
+                      <a:tailEnd type="none" w="med" len="med"/>
+                    </a:lnB>
+                    <a:noFill/>
+                  </a:tcPr>
+                </a:tc>
+                <a:tc hMerge="1">
+                  <a:txBody>
+                    <a:bodyPr/>
+                    <a:lstStyle/>
+                    <a:p>
+                      <a:endParaRPr lang="en-US"/>
+                    </a:p>
+                  </a:txBody>
+                  <a:tcPr/>
+                </a:tc>
+                <a:tc hMerge="1">
+                  <a:txBody>
+                    <a:bodyPr/>
+                    <a:lstStyle/>
+                    <a:p>
+                      <a:endParaRPr lang="en-US"/>
+                    </a:p>
+                  </a:txBody>
+                  <a:tcPr/>
+                </a:tc>
+                <a:tc>
+                  <a:txBody>
+                    <a:bodyPr/>
+                    <a:lstStyle/>
+                    <a:p>
+                      <a:pPr algn="r" fontAlgn="b"/>
+                      <a:r>
+                        <a:rPr lang="en-US" sz="3000" b="0" i="0" u="none" strike="noStrike">
+                          <a:solidFill>
+                            <a:srgbClr val="000000"/>
+                          </a:solidFill>
+                          <a:effectLst/>
+                          <a:latin typeface="Times New Roman" panose="02020603050405020304" pitchFamily="18" charset="0"/>
+                        </a:rPr>
+                        <a:t>6.92</a:t>
+                      </a:r>
+                    </a:p>
+                  </a:txBody>
+                  <a:tcPr marL="7620" marR="7620" marT="7620" marB="0" anchor="b">
+                    <a:lnL>
+                      <a:noFill/>
+                    </a:lnL>
+                    <a:lnR>
+                      <a:noFill/>
+                    </a:lnR>
+                    <a:lnT>
+                      <a:noFill/>
+                    </a:lnT>
+                    <a:lnB w="12700" cap="flat" cmpd="sng" algn="ctr">
+                      <a:solidFill>
+                        <a:srgbClr val="000000"/>
+                      </a:solidFill>
+                      <a:prstDash val="solid"/>
+                      <a:round/>
+                      <a:headEnd type="none" w="med" len="med"/>
+                      <a:tailEnd type="none" w="med" len="med"/>
+                    </a:lnB>
+                    <a:noFill/>
+                  </a:tcPr>
+                </a:tc>
+                <a:tc>
+                  <a:txBody>
+                    <a:bodyPr/>
+                    <a:lstStyle/>
+                    <a:p>
+                      <a:pPr algn="r" fontAlgn="b"/>
+                      <a:r>
+                        <a:rPr lang="en-US" sz="3000" b="0" i="0" u="none" strike="noStrike">
+                          <a:solidFill>
+                            <a:srgbClr val="000000"/>
+                          </a:solidFill>
+                          <a:effectLst/>
+                          <a:latin typeface="Times New Roman" panose="02020603050405020304" pitchFamily="18" charset="0"/>
+                        </a:rPr>
+                        <a:t>2.6</a:t>
+                      </a:r>
+                    </a:p>
+                  </a:txBody>
+                  <a:tcPr marL="7620" marR="7620" marT="7620" marB="0" anchor="b">
+                    <a:lnL>
+                      <a:noFill/>
+                    </a:lnL>
+                    <a:lnR>
+                      <a:noFill/>
+                    </a:lnR>
+                    <a:lnT>
+                      <a:noFill/>
+                    </a:lnT>
+                    <a:lnB w="12700" cap="flat" cmpd="sng" algn="ctr">
+                      <a:solidFill>
+                        <a:srgbClr val="000000"/>
+                      </a:solidFill>
+                      <a:prstDash val="solid"/>
+                      <a:round/>
+                      <a:headEnd type="none" w="med" len="med"/>
+                      <a:tailEnd type="none" w="med" len="med"/>
+                    </a:lnB>
+                    <a:noFill/>
+                  </a:tcPr>
+                </a:tc>
+                <a:tc>
+                  <a:txBody>
+                    <a:bodyPr/>
+                    <a:lstStyle/>
+                    <a:p>
+                      <a:pPr algn="r" fontAlgn="b"/>
+                      <a:r>
+                        <a:rPr lang="en-US" sz="3000" b="0" i="0" u="none" strike="noStrike">
+                          <a:solidFill>
+                            <a:srgbClr val="000000"/>
+                          </a:solidFill>
+                          <a:effectLst/>
+                          <a:latin typeface="Times New Roman" panose="02020603050405020304" pitchFamily="18" charset="0"/>
+                        </a:rPr>
+                        <a:t>4</a:t>
+                      </a:r>
+                    </a:p>
+                  </a:txBody>
+                  <a:tcPr marL="7620" marR="7620" marT="7620" marB="0" anchor="b">
+                    <a:lnL>
+                      <a:noFill/>
+                    </a:lnL>
+                    <a:lnR>
+                      <a:noFill/>
+                    </a:lnR>
+                    <a:lnT>
+                      <a:noFill/>
+                    </a:lnT>
+                    <a:lnB w="12700" cap="flat" cmpd="sng" algn="ctr">
+                      <a:solidFill>
+                        <a:srgbClr val="000000"/>
+                      </a:solidFill>
+                      <a:prstDash val="solid"/>
+                      <a:round/>
+                      <a:headEnd type="none" w="med" len="med"/>
+                      <a:tailEnd type="none" w="med" len="med"/>
+                    </a:lnB>
+                    <a:noFill/>
+                  </a:tcPr>
+                </a:tc>
+                <a:tc>
+                  <a:txBody>
+                    <a:bodyPr/>
+                    <a:lstStyle/>
+                    <a:p>
+                      <a:pPr algn="r" fontAlgn="b"/>
+                      <a:r>
+                        <a:rPr lang="en-US" sz="3000" b="0" i="0" u="none" strike="noStrike">
+                          <a:solidFill>
+                            <a:srgbClr val="000000"/>
+                          </a:solidFill>
+                          <a:effectLst/>
+                          <a:latin typeface="Times New Roman" panose="02020603050405020304" pitchFamily="18" charset="0"/>
+                        </a:rPr>
+                        <a:t>0.01</a:t>
+                      </a:r>
+                    </a:p>
+                  </a:txBody>
+                  <a:tcPr marL="7620" marR="7620" marT="7620" marB="0" anchor="b">
+                    <a:lnL>
+                      <a:noFill/>
+                    </a:lnL>
+                    <a:lnR>
+                      <a:noFill/>
+                    </a:lnR>
+                    <a:lnT>
+                      <a:noFill/>
+                    </a:lnT>
+                    <a:lnB w="12700" cap="flat" cmpd="sng" algn="ctr">
+                      <a:solidFill>
+                        <a:srgbClr val="000000"/>
+                      </a:solidFill>
+                      <a:prstDash val="solid"/>
+                      <a:round/>
+                      <a:headEnd type="none" w="med" len="med"/>
+                      <a:tailEnd type="none" w="med" len="med"/>
+                    </a:lnB>
+                    <a:noFill/>
+                  </a:tcPr>
+                </a:tc>
+                <a:tc>
+                  <a:txBody>
+                    <a:bodyPr/>
+                    <a:lstStyle/>
+                    <a:p>
+                      <a:pPr algn="l" fontAlgn="b"/>
+                      <a:r>
+                        <a:rPr lang="en-US" sz="3000" b="0" i="0" u="none" strike="noStrike" dirty="0">
+                          <a:solidFill>
+                            <a:srgbClr val="000000"/>
+                          </a:solidFill>
+                          <a:effectLst/>
+                          <a:latin typeface="Arial" panose="020B0604020202020204" pitchFamily="34" charset="0"/>
+                        </a:rPr>
+                        <a:t> </a:t>
+                      </a:r>
+                    </a:p>
+                  </a:txBody>
+                  <a:tcPr marL="7620" marR="7620" marT="15240" marB="15240" anchor="b">
+                    <a:lnL>
+                      <a:noFill/>
+                    </a:lnL>
+                    <a:lnR>
+                      <a:noFill/>
+                    </a:lnR>
+                    <a:lnT>
+                      <a:noFill/>
+                    </a:lnT>
+                    <a:lnB w="12700" cap="flat" cmpd="sng" algn="ctr">
+                      <a:solidFill>
+                        <a:srgbClr val="000000"/>
+                      </a:solidFill>
+                      <a:prstDash val="solid"/>
+                      <a:round/>
+                      <a:headEnd type="none" w="med" len="med"/>
+                      <a:tailEnd type="none" w="med" len="med"/>
+                    </a:lnB>
+                    <a:noFill/>
+                  </a:tcPr>
+                </a:tc>
+                <a:extLst>
+                  <a:ext uri="{0D108BD9-81ED-4DB2-BD59-A6C34878D82A}">
+                    <a16:rowId xmlns:a16="http://schemas.microsoft.com/office/drawing/2014/main" val="36292941"/>
+                  </a:ext>
+                </a:extLst>
+              </a:tr>
+            </a:tbl>
+          </a:graphicData>
+        </a:graphic>
+      </p:graphicFrame>
     </p:spTree>
     <p:extLst>
       <p:ext uri="{BB962C8B-B14F-4D97-AF65-F5344CB8AC3E}">

--- a/W23 Rubric Item Data/Poster.pptx
+++ b/W23 Rubric Item Data/Poster.pptx
@@ -415,663 +415,6 @@
 </pc:chgInfo>
 </file>
 
-<file path=ppt/charts/chart1.xml><?xml version="1.0" encoding="utf-8"?>
-<c:chartSpace xmlns:c="http://schemas.openxmlformats.org/drawingml/2006/chart" xmlns:a="http://schemas.openxmlformats.org/drawingml/2006/main" xmlns:r="http://schemas.openxmlformats.org/officeDocument/2006/relationships" xmlns:c16r2="http://schemas.microsoft.com/office/drawing/2015/06/chart">
-  <c:date1904 val="0"/>
-  <c:lang val="en-US"/>
-  <c:roundedCorners val="0"/>
-  <mc:AlternateContent xmlns:mc="http://schemas.openxmlformats.org/markup-compatibility/2006">
-    <mc:Choice xmlns:c14="http://schemas.microsoft.com/office/drawing/2007/8/2/chart" Requires="c14">
-      <c14:style val="102"/>
-    </mc:Choice>
-    <mc:Fallback>
-      <c:style val="2"/>
-    </mc:Fallback>
-  </mc:AlternateContent>
-  <c:chart>
-    <c:autoTitleDeleted val="0"/>
-    <c:plotArea>
-      <c:layout/>
-      <c:pieChart>
-        <c:varyColors val="1"/>
-        <c:dLbls>
-          <c:showLegendKey val="0"/>
-          <c:showVal val="0"/>
-          <c:showCatName val="0"/>
-          <c:showSerName val="0"/>
-          <c:showPercent val="0"/>
-          <c:showBubbleSize val="0"/>
-          <c:showLeaderLines val="0"/>
-        </c:dLbls>
-        <c:firstSliceAng val="0"/>
-      </c:pieChart>
-      <c:spPr>
-        <a:noFill/>
-        <a:ln>
-          <a:noFill/>
-        </a:ln>
-        <a:effectLst/>
-      </c:spPr>
-    </c:plotArea>
-    <c:legend>
-      <c:legendPos val="b"/>
-      <c:overlay val="0"/>
-      <c:spPr>
-        <a:noFill/>
-        <a:ln>
-          <a:noFill/>
-        </a:ln>
-        <a:effectLst/>
-      </c:spPr>
-      <c:txPr>
-        <a:bodyPr rot="0" spcFirstLastPara="1" vertOverflow="ellipsis" vert="horz" wrap="square" anchor="ctr" anchorCtr="1"/>
-        <a:lstStyle/>
-        <a:p>
-          <a:pPr>
-            <a:defRPr sz="2800" b="0" i="0" u="none" strike="noStrike" kern="1200" baseline="0">
-              <a:solidFill>
-                <a:schemeClr val="tx1">
-                  <a:lumMod val="65000"/>
-                  <a:lumOff val="35000"/>
-                </a:schemeClr>
-              </a:solidFill>
-              <a:latin typeface="+mn-lt"/>
-              <a:ea typeface="+mn-ea"/>
-              <a:cs typeface="+mn-cs"/>
-            </a:defRPr>
-          </a:pPr>
-          <a:endParaRPr lang="en-US"/>
-        </a:p>
-      </c:txPr>
-    </c:legend>
-    <c:plotVisOnly val="1"/>
-    <c:dispBlanksAs val="gap"/>
-    <c:showDLblsOverMax val="0"/>
-  </c:chart>
-  <c:spPr>
-    <a:noFill/>
-    <a:ln>
-      <a:solidFill>
-        <a:schemeClr val="tx1"/>
-      </a:solidFill>
-    </a:ln>
-    <a:effectLst/>
-  </c:spPr>
-  <c:txPr>
-    <a:bodyPr/>
-    <a:lstStyle/>
-    <a:p>
-      <a:pPr>
-        <a:defRPr/>
-      </a:pPr>
-      <a:endParaRPr lang="en-US"/>
-    </a:p>
-  </c:txPr>
-  <c:externalData r:id="rId3">
-    <c:autoUpdate val="0"/>
-  </c:externalData>
-</c:chartSpace>
-</file>
-
-<file path=ppt/charts/colors1.xml><?xml version="1.0" encoding="utf-8"?>
-<cs:colorStyle xmlns:cs="http://schemas.microsoft.com/office/drawing/2012/chartStyle" xmlns:a="http://schemas.openxmlformats.org/drawingml/2006/main" meth="cycle" id="10">
-  <a:schemeClr val="accent1"/>
-  <a:schemeClr val="accent2"/>
-  <a:schemeClr val="accent3"/>
-  <a:schemeClr val="accent4"/>
-  <a:schemeClr val="accent5"/>
-  <a:schemeClr val="accent6"/>
-  <cs:variation/>
-  <cs:variation>
-    <a:lumMod val="60000"/>
-  </cs:variation>
-  <cs:variation>
-    <a:lumMod val="80000"/>
-    <a:lumOff val="20000"/>
-  </cs:variation>
-  <cs:variation>
-    <a:lumMod val="80000"/>
-  </cs:variation>
-  <cs:variation>
-    <a:lumMod val="60000"/>
-    <a:lumOff val="40000"/>
-  </cs:variation>
-  <cs:variation>
-    <a:lumMod val="50000"/>
-  </cs:variation>
-  <cs:variation>
-    <a:lumMod val="70000"/>
-    <a:lumOff val="30000"/>
-  </cs:variation>
-  <cs:variation>
-    <a:lumMod val="70000"/>
-  </cs:variation>
-  <cs:variation>
-    <a:lumMod val="50000"/>
-    <a:lumOff val="50000"/>
-  </cs:variation>
-</cs:colorStyle>
-</file>
-
-<file path=ppt/charts/style1.xml><?xml version="1.0" encoding="utf-8"?>
-<cs:chartStyle xmlns:cs="http://schemas.microsoft.com/office/drawing/2012/chartStyle" xmlns:a="http://schemas.openxmlformats.org/drawingml/2006/main" id="251">
-  <cs:axisTitle>
-    <cs:lnRef idx="0"/>
-    <cs:fillRef idx="0"/>
-    <cs:effectRef idx="0"/>
-    <cs:fontRef idx="minor">
-      <a:schemeClr val="tx1">
-        <a:lumMod val="65000"/>
-        <a:lumOff val="35000"/>
-      </a:schemeClr>
-    </cs:fontRef>
-    <cs:defRPr sz="1330" kern="1200"/>
-  </cs:axisTitle>
-  <cs:categoryAxis>
-    <cs:lnRef idx="0"/>
-    <cs:fillRef idx="0"/>
-    <cs:effectRef idx="0"/>
-    <cs:fontRef idx="minor">
-      <a:schemeClr val="tx1">
-        <a:lumMod val="65000"/>
-        <a:lumOff val="35000"/>
-      </a:schemeClr>
-    </cs:fontRef>
-    <cs:spPr>
-      <a:ln w="9525" cap="flat" cmpd="sng" algn="ctr">
-        <a:solidFill>
-          <a:schemeClr val="tx1">
-            <a:lumMod val="15000"/>
-            <a:lumOff val="85000"/>
-          </a:schemeClr>
-        </a:solidFill>
-        <a:round/>
-      </a:ln>
-    </cs:spPr>
-    <cs:defRPr sz="1197" kern="1200"/>
-  </cs:categoryAxis>
-  <cs:chartArea mods="allowNoFillOverride allowNoLineOverride">
-    <cs:lnRef idx="0"/>
-    <cs:fillRef idx="0"/>
-    <cs:effectRef idx="0"/>
-    <cs:fontRef idx="minor">
-      <a:schemeClr val="tx1"/>
-    </cs:fontRef>
-    <cs:spPr>
-      <a:solidFill>
-        <a:schemeClr val="bg1"/>
-      </a:solidFill>
-      <a:ln w="9525" cap="flat" cmpd="sng" algn="ctr">
-        <a:solidFill>
-          <a:schemeClr val="tx1">
-            <a:lumMod val="15000"/>
-            <a:lumOff val="85000"/>
-          </a:schemeClr>
-        </a:solidFill>
-        <a:round/>
-      </a:ln>
-    </cs:spPr>
-    <cs:defRPr sz="1197" kern="1200"/>
-  </cs:chartArea>
-  <cs:dataLabel>
-    <cs:lnRef idx="0"/>
-    <cs:fillRef idx="0"/>
-    <cs:effectRef idx="0"/>
-    <cs:fontRef idx="minor">
-      <a:schemeClr val="tx1">
-        <a:lumMod val="75000"/>
-        <a:lumOff val="25000"/>
-      </a:schemeClr>
-    </cs:fontRef>
-    <cs:defRPr sz="1197" kern="1200"/>
-  </cs:dataLabel>
-  <cs:dataLabelCallout>
-    <cs:lnRef idx="0"/>
-    <cs:fillRef idx="0"/>
-    <cs:effectRef idx="0"/>
-    <cs:fontRef idx="minor">
-      <a:schemeClr val="dk1">
-        <a:lumMod val="65000"/>
-        <a:lumOff val="35000"/>
-      </a:schemeClr>
-    </cs:fontRef>
-    <cs:spPr>
-      <a:solidFill>
-        <a:schemeClr val="lt1"/>
-      </a:solidFill>
-      <a:ln>
-        <a:solidFill>
-          <a:schemeClr val="dk1">
-            <a:lumMod val="25000"/>
-            <a:lumOff val="75000"/>
-          </a:schemeClr>
-        </a:solidFill>
-      </a:ln>
-    </cs:spPr>
-    <cs:defRPr sz="1197" kern="1200"/>
-    <cs:bodyPr rot="0" spcFirstLastPara="1" vertOverflow="clip" horzOverflow="clip" vert="horz" wrap="square" lIns="36576" tIns="18288" rIns="36576" bIns="18288" anchor="ctr" anchorCtr="1">
-      <a:spAutoFit/>
-    </cs:bodyPr>
-  </cs:dataLabelCallout>
-  <cs:dataPoint>
-    <cs:lnRef idx="0"/>
-    <cs:fillRef idx="1">
-      <cs:styleClr val="auto"/>
-    </cs:fillRef>
-    <cs:effectRef idx="0"/>
-    <cs:fontRef idx="minor">
-      <a:schemeClr val="tx1"/>
-    </cs:fontRef>
-    <cs:spPr>
-      <a:ln w="19050">
-        <a:solidFill>
-          <a:schemeClr val="lt1"/>
-        </a:solidFill>
-      </a:ln>
-    </cs:spPr>
-  </cs:dataPoint>
-  <cs:dataPoint3D>
-    <cs:lnRef idx="0"/>
-    <cs:fillRef idx="1">
-      <cs:styleClr val="auto"/>
-    </cs:fillRef>
-    <cs:effectRef idx="0"/>
-    <cs:fontRef idx="minor">
-      <a:schemeClr val="tx1"/>
-    </cs:fontRef>
-    <cs:spPr>
-      <a:ln w="25400">
-        <a:solidFill>
-          <a:schemeClr val="lt1"/>
-        </a:solidFill>
-      </a:ln>
-    </cs:spPr>
-  </cs:dataPoint3D>
-  <cs:dataPointLine>
-    <cs:lnRef idx="0">
-      <cs:styleClr val="auto"/>
-    </cs:lnRef>
-    <cs:fillRef idx="0"/>
-    <cs:effectRef idx="0"/>
-    <cs:fontRef idx="minor">
-      <a:schemeClr val="tx1"/>
-    </cs:fontRef>
-    <cs:spPr>
-      <a:ln w="28575" cap="rnd">
-        <a:solidFill>
-          <a:schemeClr val="phClr"/>
-        </a:solidFill>
-        <a:round/>
-      </a:ln>
-    </cs:spPr>
-  </cs:dataPointLine>
-  <cs:dataPointMarker>
-    <cs:lnRef idx="0">
-      <cs:styleClr val="auto"/>
-    </cs:lnRef>
-    <cs:fillRef idx="1">
-      <cs:styleClr val="auto"/>
-    </cs:fillRef>
-    <cs:effectRef idx="0"/>
-    <cs:fontRef idx="minor">
-      <a:schemeClr val="tx1"/>
-    </cs:fontRef>
-    <cs:spPr>
-      <a:ln w="9525">
-        <a:solidFill>
-          <a:schemeClr val="phClr"/>
-        </a:solidFill>
-      </a:ln>
-    </cs:spPr>
-  </cs:dataPointMarker>
-  <cs:dataPointMarkerLayout symbol="circle" size="5"/>
-  <cs:dataPointWireframe>
-    <cs:lnRef idx="0">
-      <cs:styleClr val="auto"/>
-    </cs:lnRef>
-    <cs:fillRef idx="0"/>
-    <cs:effectRef idx="0"/>
-    <cs:fontRef idx="minor">
-      <a:schemeClr val="tx1"/>
-    </cs:fontRef>
-    <cs:spPr>
-      <a:ln w="9525" cap="rnd">
-        <a:solidFill>
-          <a:schemeClr val="phClr"/>
-        </a:solidFill>
-        <a:round/>
-      </a:ln>
-    </cs:spPr>
-  </cs:dataPointWireframe>
-  <cs:dataTable>
-    <cs:lnRef idx="0"/>
-    <cs:fillRef idx="0"/>
-    <cs:effectRef idx="0"/>
-    <cs:fontRef idx="minor">
-      <a:schemeClr val="tx1">
-        <a:lumMod val="65000"/>
-        <a:lumOff val="35000"/>
-      </a:schemeClr>
-    </cs:fontRef>
-    <cs:spPr>
-      <a:noFill/>
-      <a:ln w="9525" cap="flat" cmpd="sng" algn="ctr">
-        <a:solidFill>
-          <a:schemeClr val="tx1">
-            <a:lumMod val="15000"/>
-            <a:lumOff val="85000"/>
-          </a:schemeClr>
-        </a:solidFill>
-        <a:round/>
-      </a:ln>
-    </cs:spPr>
-    <cs:defRPr sz="1197" kern="1200"/>
-  </cs:dataTable>
-  <cs:downBar>
-    <cs:lnRef idx="0"/>
-    <cs:fillRef idx="0"/>
-    <cs:effectRef idx="0"/>
-    <cs:fontRef idx="minor">
-      <a:schemeClr val="tx1"/>
-    </cs:fontRef>
-    <cs:spPr>
-      <a:solidFill>
-        <a:schemeClr val="dk1">
-          <a:lumMod val="75000"/>
-          <a:lumOff val="25000"/>
-        </a:schemeClr>
-      </a:solidFill>
-      <a:ln w="9525" cap="flat" cmpd="sng" algn="ctr">
-        <a:solidFill>
-          <a:schemeClr val="tx1">
-            <a:lumMod val="65000"/>
-            <a:lumOff val="35000"/>
-          </a:schemeClr>
-        </a:solidFill>
-        <a:round/>
-      </a:ln>
-    </cs:spPr>
-  </cs:downBar>
-  <cs:dropLine>
-    <cs:lnRef idx="0"/>
-    <cs:fillRef idx="0"/>
-    <cs:effectRef idx="0"/>
-    <cs:fontRef idx="minor">
-      <a:schemeClr val="tx1"/>
-    </cs:fontRef>
-    <cs:spPr>
-      <a:ln w="9525" cap="flat" cmpd="sng" algn="ctr">
-        <a:solidFill>
-          <a:schemeClr val="tx1">
-            <a:lumMod val="35000"/>
-            <a:lumOff val="65000"/>
-          </a:schemeClr>
-        </a:solidFill>
-        <a:round/>
-      </a:ln>
-    </cs:spPr>
-  </cs:dropLine>
-  <cs:errorBar>
-    <cs:lnRef idx="0"/>
-    <cs:fillRef idx="0"/>
-    <cs:effectRef idx="0"/>
-    <cs:fontRef idx="minor">
-      <a:schemeClr val="tx1"/>
-    </cs:fontRef>
-    <cs:spPr>
-      <a:ln w="9525" cap="flat" cmpd="sng" algn="ctr">
-        <a:solidFill>
-          <a:schemeClr val="tx1">
-            <a:lumMod val="65000"/>
-            <a:lumOff val="35000"/>
-          </a:schemeClr>
-        </a:solidFill>
-        <a:round/>
-      </a:ln>
-    </cs:spPr>
-  </cs:errorBar>
-  <cs:floor>
-    <cs:lnRef idx="0"/>
-    <cs:fillRef idx="0"/>
-    <cs:effectRef idx="0"/>
-    <cs:fontRef idx="minor">
-      <a:schemeClr val="tx1"/>
-    </cs:fontRef>
-    <cs:spPr>
-      <a:noFill/>
-      <a:ln>
-        <a:noFill/>
-      </a:ln>
-    </cs:spPr>
-  </cs:floor>
-  <cs:gridlineMajor>
-    <cs:lnRef idx="0"/>
-    <cs:fillRef idx="0"/>
-    <cs:effectRef idx="0"/>
-    <cs:fontRef idx="minor">
-      <a:schemeClr val="tx1"/>
-    </cs:fontRef>
-    <cs:spPr>
-      <a:ln w="9525" cap="flat" cmpd="sng" algn="ctr">
-        <a:solidFill>
-          <a:schemeClr val="tx1">
-            <a:lumMod val="15000"/>
-            <a:lumOff val="85000"/>
-          </a:schemeClr>
-        </a:solidFill>
-        <a:round/>
-      </a:ln>
-    </cs:spPr>
-  </cs:gridlineMajor>
-  <cs:gridlineMinor>
-    <cs:lnRef idx="0"/>
-    <cs:fillRef idx="0"/>
-    <cs:effectRef idx="0"/>
-    <cs:fontRef idx="minor">
-      <a:schemeClr val="tx1"/>
-    </cs:fontRef>
-    <cs:spPr>
-      <a:ln w="9525" cap="flat" cmpd="sng" algn="ctr">
-        <a:solidFill>
-          <a:schemeClr val="tx1">
-            <a:lumMod val="5000"/>
-            <a:lumOff val="95000"/>
-          </a:schemeClr>
-        </a:solidFill>
-        <a:round/>
-      </a:ln>
-    </cs:spPr>
-  </cs:gridlineMinor>
-  <cs:hiLoLine>
-    <cs:lnRef idx="0"/>
-    <cs:fillRef idx="0"/>
-    <cs:effectRef idx="0"/>
-    <cs:fontRef idx="minor">
-      <a:schemeClr val="tx1"/>
-    </cs:fontRef>
-    <cs:spPr>
-      <a:ln w="9525" cap="flat" cmpd="sng" algn="ctr">
-        <a:solidFill>
-          <a:schemeClr val="tx1">
-            <a:lumMod val="50000"/>
-            <a:lumOff val="50000"/>
-          </a:schemeClr>
-        </a:solidFill>
-        <a:round/>
-      </a:ln>
-    </cs:spPr>
-  </cs:hiLoLine>
-  <cs:leaderLine>
-    <cs:lnRef idx="0"/>
-    <cs:fillRef idx="0"/>
-    <cs:effectRef idx="0"/>
-    <cs:fontRef idx="minor">
-      <a:schemeClr val="tx1"/>
-    </cs:fontRef>
-    <cs:spPr>
-      <a:ln w="9525" cap="flat" cmpd="sng" algn="ctr">
-        <a:solidFill>
-          <a:schemeClr val="tx1">
-            <a:lumMod val="35000"/>
-            <a:lumOff val="65000"/>
-          </a:schemeClr>
-        </a:solidFill>
-        <a:round/>
-      </a:ln>
-    </cs:spPr>
-  </cs:leaderLine>
-  <cs:legend>
-    <cs:lnRef idx="0"/>
-    <cs:fillRef idx="0"/>
-    <cs:effectRef idx="0"/>
-    <cs:fontRef idx="minor">
-      <a:schemeClr val="tx1">
-        <a:lumMod val="65000"/>
-        <a:lumOff val="35000"/>
-      </a:schemeClr>
-    </cs:fontRef>
-    <cs:defRPr sz="1197" kern="1200"/>
-  </cs:legend>
-  <cs:plotArea mods="allowNoFillOverride allowNoLineOverride">
-    <cs:lnRef idx="0"/>
-    <cs:fillRef idx="0"/>
-    <cs:effectRef idx="0"/>
-    <cs:fontRef idx="minor">
-      <a:schemeClr val="tx1"/>
-    </cs:fontRef>
-  </cs:plotArea>
-  <cs:plotArea3D mods="allowNoFillOverride allowNoLineOverride">
-    <cs:lnRef idx="0"/>
-    <cs:fillRef idx="0"/>
-    <cs:effectRef idx="0"/>
-    <cs:fontRef idx="minor">
-      <a:schemeClr val="tx1"/>
-    </cs:fontRef>
-  </cs:plotArea3D>
-  <cs:seriesAxis>
-    <cs:lnRef idx="0"/>
-    <cs:fillRef idx="0"/>
-    <cs:effectRef idx="0"/>
-    <cs:fontRef idx="minor">
-      <a:schemeClr val="tx1">
-        <a:lumMod val="65000"/>
-        <a:lumOff val="35000"/>
-      </a:schemeClr>
-    </cs:fontRef>
-    <cs:defRPr sz="1197" kern="1200"/>
-  </cs:seriesAxis>
-  <cs:seriesLine>
-    <cs:lnRef idx="0"/>
-    <cs:fillRef idx="0"/>
-    <cs:effectRef idx="0"/>
-    <cs:fontRef idx="minor">
-      <a:schemeClr val="tx1"/>
-    </cs:fontRef>
-    <cs:spPr>
-      <a:ln w="9525" cap="flat" cmpd="sng" algn="ctr">
-        <a:solidFill>
-          <a:schemeClr val="tx1">
-            <a:lumMod val="35000"/>
-            <a:lumOff val="65000"/>
-          </a:schemeClr>
-        </a:solidFill>
-        <a:round/>
-      </a:ln>
-    </cs:spPr>
-  </cs:seriesLine>
-  <cs:title>
-    <cs:lnRef idx="0"/>
-    <cs:fillRef idx="0"/>
-    <cs:effectRef idx="0"/>
-    <cs:fontRef idx="minor">
-      <a:schemeClr val="tx1">
-        <a:lumMod val="65000"/>
-        <a:lumOff val="35000"/>
-      </a:schemeClr>
-    </cs:fontRef>
-    <cs:defRPr sz="1862" b="0" kern="1200" spc="0" baseline="0"/>
-  </cs:title>
-  <cs:trendline>
-    <cs:lnRef idx="0">
-      <cs:styleClr val="auto"/>
-    </cs:lnRef>
-    <cs:fillRef idx="0"/>
-    <cs:effectRef idx="0"/>
-    <cs:fontRef idx="minor">
-      <a:schemeClr val="tx1"/>
-    </cs:fontRef>
-    <cs:spPr>
-      <a:ln w="19050" cap="rnd">
-        <a:solidFill>
-          <a:schemeClr val="phClr"/>
-        </a:solidFill>
-        <a:prstDash val="sysDot"/>
-      </a:ln>
-    </cs:spPr>
-  </cs:trendline>
-  <cs:trendlineLabel>
-    <cs:lnRef idx="0"/>
-    <cs:fillRef idx="0"/>
-    <cs:effectRef idx="0"/>
-    <cs:fontRef idx="minor">
-      <a:schemeClr val="tx1">
-        <a:lumMod val="65000"/>
-        <a:lumOff val="35000"/>
-      </a:schemeClr>
-    </cs:fontRef>
-    <cs:defRPr sz="1197" kern="1200"/>
-  </cs:trendlineLabel>
-  <cs:upBar>
-    <cs:lnRef idx="0"/>
-    <cs:fillRef idx="0"/>
-    <cs:effectRef idx="0"/>
-    <cs:fontRef idx="minor">
-      <a:schemeClr val="tx1"/>
-    </cs:fontRef>
-    <cs:spPr>
-      <a:solidFill>
-        <a:schemeClr val="lt1"/>
-      </a:solidFill>
-      <a:ln w="9525" cap="flat" cmpd="sng" algn="ctr">
-        <a:solidFill>
-          <a:schemeClr val="tx1">
-            <a:lumMod val="65000"/>
-            <a:lumOff val="35000"/>
-          </a:schemeClr>
-        </a:solidFill>
-        <a:round/>
-      </a:ln>
-    </cs:spPr>
-  </cs:upBar>
-  <cs:valueAxis>
-    <cs:lnRef idx="0"/>
-    <cs:fillRef idx="0"/>
-    <cs:effectRef idx="0"/>
-    <cs:fontRef idx="minor">
-      <a:schemeClr val="tx1">
-        <a:lumMod val="65000"/>
-        <a:lumOff val="35000"/>
-      </a:schemeClr>
-    </cs:fontRef>
-    <cs:defRPr sz="1197" kern="1200"/>
-  </cs:valueAxis>
-  <cs:wall>
-    <cs:lnRef idx="0"/>
-    <cs:fillRef idx="0"/>
-    <cs:effectRef idx="0"/>
-    <cs:fontRef idx="minor">
-      <a:schemeClr val="tx1"/>
-    </cs:fontRef>
-    <cs:spPr>
-      <a:noFill/>
-      <a:ln>
-        <a:noFill/>
-      </a:ln>
-    </cs:spPr>
-  </cs:wall>
-</cs:chartStyle>
-</file>
-
 <file path=ppt/comments/modernComment_100_CE7A01EF.xml><?xml version="1.0" encoding="utf-8"?>
 <p188:cmLst xmlns:a="http://schemas.openxmlformats.org/drawingml/2006/main" xmlns:r="http://schemas.openxmlformats.org/officeDocument/2006/relationships" xmlns:p188="http://schemas.microsoft.com/office/powerpoint/2018/8/main">
   <p188:cm id="{3051AD31-CCA3-41C5-84B6-A1D0012E7FE2}" authorId="{454DFD8A-50BE-47CD-C47A-78D8C0E9F1E2}" created="2025-04-29T01:55:14.227">
@@ -1080,7 +423,7 @@
       <pc:sldMk xmlns:pc="http://schemas.microsoft.com/office/powerpoint/2013/main/command" cId="3464102383" sldId="256"/>
       <ac:spMk id="20" creationId="{00000000-0000-0000-0000-000000000000}"/>
       <ac:txMk cp="0">
-        <ac:context len="445" hash="2402125386"/>
+        <ac:context len="446" hash="3316831964"/>
       </ac:txMk>
     </ac:txMkLst>
     <p188:pos x="11916835" y="1116279"/>
@@ -1229,7 +572,7 @@
           <a:p>
             <a:fld id="{A1B8C7A7-F203-4B9E-8863-87A096513449}" type="datetimeFigureOut">
               <a:rPr lang="en-US" smtClean="0"/>
-              <a:t>4/28/2025</a:t>
+              <a:t>4/28/25</a:t>
             </a:fld>
             <a:endParaRPr lang="en-US"/>
           </a:p>
@@ -1399,7 +742,7 @@
           <a:p>
             <a:fld id="{A1B8C7A7-F203-4B9E-8863-87A096513449}" type="datetimeFigureOut">
               <a:rPr lang="en-US" smtClean="0"/>
-              <a:t>4/28/2025</a:t>
+              <a:t>4/28/25</a:t>
             </a:fld>
             <a:endParaRPr lang="en-US"/>
           </a:p>
@@ -1579,7 +922,7 @@
           <a:p>
             <a:fld id="{A1B8C7A7-F203-4B9E-8863-87A096513449}" type="datetimeFigureOut">
               <a:rPr lang="en-US" smtClean="0"/>
-              <a:t>4/28/2025</a:t>
+              <a:t>4/28/25</a:t>
             </a:fld>
             <a:endParaRPr lang="en-US"/>
           </a:p>
@@ -1749,7 +1092,7 @@
           <a:p>
             <a:fld id="{A1B8C7A7-F203-4B9E-8863-87A096513449}" type="datetimeFigureOut">
               <a:rPr lang="en-US" smtClean="0"/>
-              <a:t>4/28/2025</a:t>
+              <a:t>4/28/25</a:t>
             </a:fld>
             <a:endParaRPr lang="en-US"/>
           </a:p>
@@ -1993,7 +1336,7 @@
           <a:p>
             <a:fld id="{A1B8C7A7-F203-4B9E-8863-87A096513449}" type="datetimeFigureOut">
               <a:rPr lang="en-US" smtClean="0"/>
-              <a:t>4/28/2025</a:t>
+              <a:t>4/28/25</a:t>
             </a:fld>
             <a:endParaRPr lang="en-US"/>
           </a:p>
@@ -2225,7 +1568,7 @@
           <a:p>
             <a:fld id="{A1B8C7A7-F203-4B9E-8863-87A096513449}" type="datetimeFigureOut">
               <a:rPr lang="en-US" smtClean="0"/>
-              <a:t>4/28/2025</a:t>
+              <a:t>4/28/25</a:t>
             </a:fld>
             <a:endParaRPr lang="en-US"/>
           </a:p>
@@ -2592,7 +1935,7 @@
           <a:p>
             <a:fld id="{A1B8C7A7-F203-4B9E-8863-87A096513449}" type="datetimeFigureOut">
               <a:rPr lang="en-US" smtClean="0"/>
-              <a:t>4/28/2025</a:t>
+              <a:t>4/28/25</a:t>
             </a:fld>
             <a:endParaRPr lang="en-US"/>
           </a:p>
@@ -2710,7 +2053,7 @@
           <a:p>
             <a:fld id="{A1B8C7A7-F203-4B9E-8863-87A096513449}" type="datetimeFigureOut">
               <a:rPr lang="en-US" smtClean="0"/>
-              <a:t>4/28/2025</a:t>
+              <a:t>4/28/25</a:t>
             </a:fld>
             <a:endParaRPr lang="en-US"/>
           </a:p>
@@ -2805,7 +2148,7 @@
           <a:p>
             <a:fld id="{A1B8C7A7-F203-4B9E-8863-87A096513449}" type="datetimeFigureOut">
               <a:rPr lang="en-US" smtClean="0"/>
-              <a:t>4/28/2025</a:t>
+              <a:t>4/28/25</a:t>
             </a:fld>
             <a:endParaRPr lang="en-US"/>
           </a:p>
@@ -3082,7 +2425,7 @@
           <a:p>
             <a:fld id="{A1B8C7A7-F203-4B9E-8863-87A096513449}" type="datetimeFigureOut">
               <a:rPr lang="en-US" smtClean="0"/>
-              <a:t>4/28/2025</a:t>
+              <a:t>4/28/25</a:t>
             </a:fld>
             <a:endParaRPr lang="en-US"/>
           </a:p>
@@ -3339,7 +2682,7 @@
           <a:p>
             <a:fld id="{A1B8C7A7-F203-4B9E-8863-87A096513449}" type="datetimeFigureOut">
               <a:rPr lang="en-US" smtClean="0"/>
-              <a:t>4/28/2025</a:t>
+              <a:t>4/28/25</a:t>
             </a:fld>
             <a:endParaRPr lang="en-US"/>
           </a:p>
@@ -3552,7 +2895,7 @@
           <a:p>
             <a:fld id="{A1B8C7A7-F203-4B9E-8863-87A096513449}" type="datetimeFigureOut">
               <a:rPr lang="en-US" smtClean="0"/>
-              <a:t>4/28/2025</a:t>
+              <a:t>4/28/25</a:t>
             </a:fld>
             <a:endParaRPr lang="en-US"/>
           </a:p>
@@ -3959,22 +3302,26 @@
       </p:grpSpPr>
       <p:sp>
         <p:nvSpPr>
-          <p:cNvPr id="6" name="Rectangle 5"/>
-          <p:cNvSpPr>
-            <a:spLocks noGrp="1" noRot="1" noMove="1" noResize="1" noEditPoints="1" noAdjustHandles="1" noChangeArrowheads="1" noChangeShapeType="1"/>
-          </p:cNvSpPr>
+          <p:cNvPr id="40" name="Rounded Rectangle 39">
+            <a:extLst>
+              <a:ext uri="{FF2B5EF4-FFF2-40B4-BE49-F238E27FC236}">
+                <a16:creationId xmlns:a16="http://schemas.microsoft.com/office/drawing/2014/main" id="{55984722-1D8D-3D28-86A4-C6CEE2F2FA62}"/>
+              </a:ext>
+            </a:extLst>
+          </p:cNvPr>
+          <p:cNvSpPr/>
           <p:nvPr/>
         </p:nvSpPr>
         <p:spPr>
           <a:xfrm>
-            <a:off x="13732402" y="5389582"/>
-            <a:ext cx="14711542" cy="27528818"/>
+            <a:off x="19092910" y="22676754"/>
+            <a:ext cx="24871680" cy="10332720"/>
           </a:xfrm>
-          <a:prstGeom prst="rect">
+          <a:prstGeom prst="roundRect">
             <a:avLst/>
           </a:prstGeom>
           <a:solidFill>
-            <a:srgbClr val="FDFFE1"/>
+            <a:srgbClr val="E6DDFE"/>
           </a:solidFill>
           <a:ln>
             <a:noFill/>
@@ -3983,7 +3330,7 @@
         <p:style>
           <a:lnRef idx="2">
             <a:schemeClr val="accent1">
-              <a:shade val="50000"/>
+              <a:shade val="15000"/>
             </a:schemeClr>
           </a:lnRef>
           <a:fillRef idx="1">
@@ -4001,17 +3348,7 @@
           <a:lstStyle/>
           <a:p>
             <a:pPr algn="ctr"/>
-            <a:endParaRPr lang="en-US" sz="1543" dirty="0">
-              <a:solidFill>
-                <a:schemeClr val="accent4">
-                  <a:lumMod val="20000"/>
-                  <a:lumOff val="80000"/>
-                </a:schemeClr>
-              </a:solidFill>
-              <a:highlight>
-                <a:srgbClr val="FFFF00"/>
-              </a:highlight>
-            </a:endParaRPr>
+            <a:endParaRPr lang="en-US"/>
           </a:p>
         </p:txBody>
       </p:sp>
@@ -4043,86 +3380,6 @@
               </a:rPr>
               <a:t>Results</a:t>
             </a:r>
-          </a:p>
-        </p:txBody>
-      </p:sp>
-      <p:sp>
-        <p:nvSpPr>
-          <p:cNvPr id="15" name="TextBox 14"/>
-          <p:cNvSpPr txBox="1"/>
-          <p:nvPr/>
-        </p:nvSpPr>
-        <p:spPr>
-          <a:xfrm>
-            <a:off x="28981395" y="15322350"/>
-            <a:ext cx="11364686" cy="1147558"/>
-          </a:xfrm>
-          <a:prstGeom prst="rect">
-            <a:avLst/>
-          </a:prstGeom>
-          <a:noFill/>
-        </p:spPr>
-        <p:txBody>
-          <a:bodyPr wrap="square" rtlCol="0">
-            <a:spAutoFit/>
-          </a:bodyPr>
-          <a:lstStyle/>
-          <a:p>
-            <a:r>
-              <a:rPr lang="en-US" sz="6857" dirty="0">
-                <a:latin typeface="+mj-lt"/>
-              </a:rPr>
-              <a:t>Conclusion</a:t>
-            </a:r>
-          </a:p>
-        </p:txBody>
-      </p:sp>
-      <p:sp>
-        <p:nvSpPr>
-          <p:cNvPr id="18" name="Rectangle 17"/>
-          <p:cNvSpPr/>
-          <p:nvPr/>
-        </p:nvSpPr>
-        <p:spPr>
-          <a:xfrm>
-            <a:off x="28858575" y="16469908"/>
-            <a:ext cx="14720206" cy="290673"/>
-          </a:xfrm>
-          <a:prstGeom prst="rect">
-            <a:avLst/>
-          </a:prstGeom>
-          <a:solidFill>
-            <a:schemeClr val="accent3">
-              <a:lumMod val="60000"/>
-              <a:lumOff val="40000"/>
-            </a:schemeClr>
-          </a:solidFill>
-          <a:ln>
-            <a:noFill/>
-          </a:ln>
-        </p:spPr>
-        <p:style>
-          <a:lnRef idx="2">
-            <a:schemeClr val="accent1">
-              <a:shade val="50000"/>
-            </a:schemeClr>
-          </a:lnRef>
-          <a:fillRef idx="1">
-            <a:schemeClr val="accent1"/>
-          </a:fillRef>
-          <a:effectRef idx="0">
-            <a:schemeClr val="accent1"/>
-          </a:effectRef>
-          <a:fontRef idx="minor">
-            <a:schemeClr val="lt1"/>
-          </a:fontRef>
-        </p:style>
-        <p:txBody>
-          <a:bodyPr rtlCol="0" anchor="ctr"/>
-          <a:lstStyle/>
-          <a:p>
-            <a:pPr algn="ctr"/>
-            <a:endParaRPr lang="en-US" sz="1543"/>
           </a:p>
         </p:txBody>
       </p:sp>
@@ -4203,7 +3460,7 @@
                 <a:rPr lang="en-US" sz="4457" dirty="0">
                   <a:latin typeface="Corbel" panose="020B0503020204020204" pitchFamily="34" charset="0"/>
                 </a:rPr>
-                <a:t>Scaffolding provides a framework for teaching students to develop feedback literacy through iterative feedback. Feedback literacy is learners’ ability to understand and apply feedback.  Instructors aim to foster feedback literacy by giving feedback that prompts deeper connections through contextualization and broad application. The current </a:t>
+                <a:t>Scaffolding provides a framework for teaching students to develop feedback literacy through iterative feedback. Feedback literacy is learners’ ability to understand and apply feedback. Instructors aim to foster feedback literacy by giving feedback that prompts deeper connections through contextualization and broad application. The current </a:t>
               </a:r>
               <a:r>
                 <a:rPr lang="en-US" sz="4460" dirty="0">
@@ -4216,13 +3473,13 @@
                   <a:effectLst/>
                   <a:latin typeface="Corbel" panose="020B0503020204020204" pitchFamily="34" charset="0"/>
                 </a:rPr>
-                <a:t>examines the change of repeated mistakes over time in the context </a:t>
+                <a:t>examined the change of repeated mistakes over time in the context </a:t>
               </a:r>
               <a:r>
                 <a:rPr lang="en-US" sz="4460" dirty="0">
                   <a:latin typeface="Corbel" panose="020B0503020204020204" pitchFamily="34" charset="0"/>
                 </a:rPr>
-                <a:t>of metacognitive intervention.</a:t>
+                <a:t>of a metacognitive intervention.</a:t>
               </a:r>
               <a:endParaRPr lang="en-US" sz="4457" dirty="0">
                 <a:latin typeface="Corbel" panose="020B0503020204020204" pitchFamily="34" charset="0"/>
@@ -4231,28 +3488,6 @@
           </p:txBody>
         </p:sp>
       </p:grpSp>
-      <p:graphicFrame>
-        <p:nvGraphicFramePr>
-          <p:cNvPr id="27" name="Chart 26"/>
-          <p:cNvGraphicFramePr/>
-          <p:nvPr>
-            <p:extLst>
-              <p:ext uri="{D42A27DB-BD31-4B8C-83A1-F6EECF244321}">
-                <p14:modId xmlns:p14="http://schemas.microsoft.com/office/powerpoint/2010/main" val="420275756"/>
-              </p:ext>
-            </p:extLst>
-          </p:nvPr>
-        </p:nvGraphicFramePr>
-        <p:xfrm>
-          <a:off x="29130959" y="17038346"/>
-          <a:ext cx="13175281" cy="9033152"/>
-        </p:xfrm>
-        <a:graphic>
-          <a:graphicData uri="http://schemas.openxmlformats.org/drawingml/2006/chart">
-            <c:chart xmlns:c="http://schemas.openxmlformats.org/drawingml/2006/chart" xmlns:r="http://schemas.openxmlformats.org/officeDocument/2006/relationships" r:id="rId3"/>
-          </a:graphicData>
-        </a:graphic>
-      </p:graphicFrame>
       <p:grpSp>
         <p:nvGrpSpPr>
           <p:cNvPr id="26" name="Group 25">
@@ -4292,7 +3527,9 @@
               <a:avLst/>
             </a:prstGeom>
             <a:solidFill>
-              <a:srgbClr val="FFE0FD"/>
+              <a:srgbClr val="8BC1FF">
+                <a:alpha val="71373"/>
+              </a:srgbClr>
             </a:solidFill>
             <a:ln>
               <a:noFill/>
@@ -4321,10 +3558,7 @@
               <a:pPr algn="ctr"/>
               <a:endParaRPr lang="en-US" sz="1543" dirty="0">
                 <a:solidFill>
-                  <a:schemeClr val="accent4">
-                    <a:lumMod val="20000"/>
-                    <a:lumOff val="80000"/>
-                  </a:schemeClr>
+                  <a:schemeClr val="tx1"/>
                 </a:solidFill>
               </a:endParaRPr>
             </a:p>
@@ -4392,90 +3626,6 @@
           </p:txBody>
         </p:sp>
       </p:grpSp>
-      <p:sp>
-        <p:nvSpPr>
-          <p:cNvPr id="36" name="TextBox 35"/>
-          <p:cNvSpPr txBox="1"/>
-          <p:nvPr/>
-        </p:nvSpPr>
-        <p:spPr>
-          <a:xfrm>
-            <a:off x="28981395" y="27362520"/>
-            <a:ext cx="8948917" cy="4154342"/>
-          </a:xfrm>
-          <a:prstGeom prst="rect">
-            <a:avLst/>
-          </a:prstGeom>
-          <a:noFill/>
-        </p:spPr>
-        <p:txBody>
-          <a:bodyPr wrap="square" rtlCol="0">
-            <a:spAutoFit/>
-          </a:bodyPr>
-          <a:lstStyle/>
-          <a:p>
-            <a:r>
-              <a:rPr lang="en-US" sz="3771" b="1" dirty="0">
-                <a:latin typeface="+mj-lt"/>
-              </a:rPr>
-              <a:t>References</a:t>
-            </a:r>
-          </a:p>
-          <a:p>
-            <a:endParaRPr lang="en-US" sz="3771" dirty="0"/>
-          </a:p>
-          <a:p>
-            <a:pPr marL="489851" indent="-489851">
-              <a:buFont typeface="Arial" panose="020B0604020202020204" pitchFamily="34" charset="0"/>
-              <a:buChar char="•"/>
-            </a:pPr>
-            <a:r>
-              <a:rPr lang="en-US" sz="3771" dirty="0"/>
-              <a:t>Reference one</a:t>
-            </a:r>
-          </a:p>
-          <a:p>
-            <a:pPr marL="489851" indent="-489851">
-              <a:buFont typeface="Arial" panose="020B0604020202020204" pitchFamily="34" charset="0"/>
-              <a:buChar char="•"/>
-            </a:pPr>
-            <a:r>
-              <a:rPr lang="en-US" sz="3771" dirty="0"/>
-              <a:t>Reference two</a:t>
-            </a:r>
-          </a:p>
-          <a:p>
-            <a:pPr marL="489851" indent="-489851">
-              <a:buFont typeface="Arial" panose="020B0604020202020204" pitchFamily="34" charset="0"/>
-              <a:buChar char="•"/>
-            </a:pPr>
-            <a:r>
-              <a:rPr lang="en-US" sz="3771" dirty="0"/>
-              <a:t>Reference three</a:t>
-            </a:r>
-          </a:p>
-          <a:p>
-            <a:pPr marL="489851" indent="-489851">
-              <a:buFont typeface="Arial" panose="020B0604020202020204" pitchFamily="34" charset="0"/>
-              <a:buChar char="•"/>
-            </a:pPr>
-            <a:r>
-              <a:rPr lang="en-US" sz="3771" dirty="0"/>
-              <a:t>Reference four</a:t>
-            </a:r>
-          </a:p>
-          <a:p>
-            <a:pPr marL="489851" indent="-489851">
-              <a:buFont typeface="Arial" panose="020B0604020202020204" pitchFamily="34" charset="0"/>
-              <a:buChar char="•"/>
-            </a:pPr>
-            <a:r>
-              <a:rPr lang="en-US" sz="3771" dirty="0"/>
-              <a:t>Reference five</a:t>
-            </a:r>
-          </a:p>
-        </p:txBody>
-      </p:sp>
       <p:grpSp>
         <p:nvGrpSpPr>
           <p:cNvPr id="22" name="Group 21">
@@ -4602,7 +3752,7 @@
               </a:pPr>
               <a:r>
                 <a:rPr lang="en-US" sz="4457" dirty="0"/>
-                <a:t>Hypothesis 3: Controlling for feedback viewing, students in the intervention group repeat a smaller percentage of mistakes on exams after the intervention compared to before the intervention and compared to students who did not opt in to the intervention </a:t>
+                <a:t>Hypothesis 3: Controlling for feedback viewing, students in the intervention group repeat a smaller percentage of mistakes on exams after the intervention compared to before the intervention and compared to students who did not opt-in to the intervention.</a:t>
               </a:r>
             </a:p>
           </p:txBody>
@@ -4681,10 +3831,10 @@
         </p:nvGrpSpPr>
         <p:grpSpPr>
           <a:xfrm>
-            <a:off x="295627" y="23411467"/>
-            <a:ext cx="13213898" cy="9355113"/>
-            <a:chOff x="208541" y="22166141"/>
-            <a:chExt cx="13213898" cy="9355113"/>
+            <a:off x="541016" y="23518929"/>
+            <a:ext cx="18273093" cy="8734254"/>
+            <a:chOff x="562036" y="21693121"/>
+            <a:chExt cx="18684640" cy="8734254"/>
           </a:xfrm>
         </p:grpSpPr>
         <p:sp>
@@ -4697,7 +3847,7 @@
           </p:nvSpPr>
           <p:spPr>
             <a:xfrm>
-              <a:off x="255812" y="22166141"/>
+              <a:off x="7881990" y="21693121"/>
               <a:ext cx="11364686" cy="1147558"/>
             </a:xfrm>
             <a:prstGeom prst="rect">
@@ -4736,8 +3886,8 @@
           </p:nvSpPr>
           <p:spPr>
             <a:xfrm>
-              <a:off x="208541" y="23879162"/>
-              <a:ext cx="13213898" cy="7642092"/>
+              <a:off x="562036" y="23471625"/>
+              <a:ext cx="18547398" cy="6955750"/>
             </a:xfrm>
             <a:prstGeom prst="rect">
               <a:avLst/>
@@ -4760,19 +3910,7 @@
                 <a:rPr lang="en-US" sz="4460" dirty="0">
                   <a:latin typeface="Corbel" panose="020B0503020204020204" pitchFamily="34" charset="0"/>
                 </a:rPr>
-                <a:t>: 3</a:t>
-              </a:r>
-              <a:r>
-                <a:rPr lang="en-US" altLang="zh-CN" sz="4460" dirty="0">
-                  <a:latin typeface="Corbel" panose="020B0503020204020204" pitchFamily="34" charset="0"/>
-                </a:rPr>
-                <a:t>70</a:t>
-              </a:r>
-              <a:r>
-                <a:rPr lang="en-US" sz="4460" dirty="0">
-                  <a:latin typeface="Corbel" panose="020B0503020204020204" pitchFamily="34" charset="0"/>
-                </a:rPr>
-                <a:t> undergraduates in a research method course.</a:t>
+                <a:t>: 369 undergraduates in a research method course.</a:t>
               </a:r>
             </a:p>
             <a:p>
@@ -4786,7 +3924,7 @@
                 <a:rPr lang="en-US" sz="4460" dirty="0">
                   <a:latin typeface="Corbel" panose="020B0503020204020204" pitchFamily="34" charset="0"/>
                 </a:rPr>
-                <a:t>: Optional metacognitive exam corrections after Exam 3.</a:t>
+                <a:t>: Optional metacognitive exam corrections between Exam 3  and Exam 4. </a:t>
               </a:r>
             </a:p>
             <a:p>
@@ -4812,7 +3950,7 @@
                 <a:rPr lang="en-US" sz="4460" dirty="0">
                   <a:latin typeface="Corbel" panose="020B0503020204020204" pitchFamily="34" charset="0"/>
                 </a:rPr>
-                <a:t>Repeated mistakes (matched rubric items across scaffolded exams).</a:t>
+                <a:t>Percentage of mistakes that were repeated on subsequent exams (matched standardized rubric items across scaffolded exams /  total rubric items previously given as feedback).</a:t>
               </a:r>
             </a:p>
             <a:p>
@@ -4838,7 +3976,7 @@
                 <a:rPr lang="en-US" sz="4460" dirty="0">
                   <a:latin typeface="Corbel" panose="020B0503020204020204" pitchFamily="34" charset="0"/>
                 </a:rPr>
-                <a:t>Two Multilevel mixed-effects models estimated with Restricted Maximum Likelihood and Satterthwaite's t-test method</a:t>
+                <a:t>Two Multilevel Mixed-Effects Models estimated with Restricted Maximum Likelihood and Satterthwaite's t-test method</a:t>
               </a:r>
             </a:p>
           </p:txBody>
@@ -4900,166 +4038,64 @@
           </a:p>
         </p:txBody>
       </p:sp>
-      <p:grpSp>
-        <p:nvGrpSpPr>
-          <p:cNvPr id="30" name="Group 29">
-            <a:extLst>
-              <a:ext uri="{FF2B5EF4-FFF2-40B4-BE49-F238E27FC236}">
-                <a16:creationId xmlns:a16="http://schemas.microsoft.com/office/drawing/2014/main" id="{6AB4CA81-167F-19A2-A9A4-72E60813D322}"/>
-              </a:ext>
-            </a:extLst>
-          </p:cNvPr>
-          <p:cNvGrpSpPr/>
+      <p:sp>
+        <p:nvSpPr>
+          <p:cNvPr id="6" name="Rectangle 5"/>
+          <p:cNvSpPr>
+            <a:spLocks/>
+          </p:cNvSpPr>
           <p:nvPr/>
-        </p:nvGrpSpPr>
-        <p:grpSpPr>
+        </p:nvSpPr>
+        <p:spPr>
           <a:xfrm>
-            <a:off x="29010975" y="5690670"/>
-            <a:ext cx="14720206" cy="1438231"/>
-            <a:chOff x="29010975" y="5690670"/>
-            <a:chExt cx="14720206" cy="1438231"/>
-          </a:xfrm>
-        </p:grpSpPr>
-        <p:sp>
-          <p:nvSpPr>
-            <p:cNvPr id="24" name="TextBox 23">
-              <a:extLst>
-                <a:ext uri="{FF2B5EF4-FFF2-40B4-BE49-F238E27FC236}">
-                  <a16:creationId xmlns:a16="http://schemas.microsoft.com/office/drawing/2014/main" id="{CB808E9C-A563-32D1-2709-6CD034221FB9}"/>
-                </a:ext>
-              </a:extLst>
-            </p:cNvPr>
-            <p:cNvSpPr txBox="1"/>
-            <p:nvPr/>
-          </p:nvSpPr>
-          <p:spPr>
-            <a:xfrm>
-              <a:off x="29133795" y="5690670"/>
-              <a:ext cx="11364686" cy="1147558"/>
-            </a:xfrm>
-            <a:prstGeom prst="rect">
-              <a:avLst/>
-            </a:prstGeom>
-            <a:noFill/>
-          </p:spPr>
-          <p:txBody>
-            <a:bodyPr wrap="square" rtlCol="0">
-              <a:spAutoFit/>
-            </a:bodyPr>
-            <a:lstStyle/>
-            <a:p>
-              <a:r>
-                <a:rPr lang="en-US" sz="6857" dirty="0">
-                  <a:latin typeface="+mj-lt"/>
-                </a:rPr>
-                <a:t>Sample Demographics</a:t>
-              </a:r>
-            </a:p>
-          </p:txBody>
-        </p:sp>
-        <p:sp>
-          <p:nvSpPr>
-            <p:cNvPr id="28" name="Rectangle 27">
-              <a:extLst>
-                <a:ext uri="{FF2B5EF4-FFF2-40B4-BE49-F238E27FC236}">
-                  <a16:creationId xmlns:a16="http://schemas.microsoft.com/office/drawing/2014/main" id="{2B9C0289-92A5-ED49-542F-F93D80A6C97A}"/>
-                </a:ext>
-              </a:extLst>
-            </p:cNvPr>
-            <p:cNvSpPr/>
-            <p:nvPr/>
-          </p:nvSpPr>
-          <p:spPr>
-            <a:xfrm>
-              <a:off x="29010975" y="6838228"/>
-              <a:ext cx="14720206" cy="290673"/>
-            </a:xfrm>
-            <a:prstGeom prst="rect">
-              <a:avLst/>
-            </a:prstGeom>
-            <a:solidFill>
-              <a:schemeClr val="accent3">
-                <a:lumMod val="60000"/>
-                <a:lumOff val="40000"/>
-              </a:schemeClr>
-            </a:solidFill>
-            <a:ln>
-              <a:noFill/>
-            </a:ln>
-          </p:spPr>
-          <p:style>
-            <a:lnRef idx="2">
-              <a:schemeClr val="accent1">
-                <a:shade val="50000"/>
-              </a:schemeClr>
-            </a:lnRef>
-            <a:fillRef idx="1">
-              <a:schemeClr val="accent1"/>
-            </a:fillRef>
-            <a:effectRef idx="0">
-              <a:schemeClr val="accent1"/>
-            </a:effectRef>
-            <a:fontRef idx="minor">
-              <a:schemeClr val="lt1"/>
-            </a:fontRef>
-          </p:style>
-          <p:txBody>
-            <a:bodyPr rtlCol="0" anchor="ctr"/>
-            <a:lstStyle/>
-            <a:p>
-              <a:pPr algn="ctr"/>
-              <a:endParaRPr lang="en-US" sz="1543"/>
-            </a:p>
-          </p:txBody>
-        </p:sp>
-      </p:grpSp>
-      <p:pic>
-        <p:nvPicPr>
-          <p:cNvPr id="1026" name="Picture 2">
-            <a:extLst>
-              <a:ext uri="{FF2B5EF4-FFF2-40B4-BE49-F238E27FC236}">
-                <a16:creationId xmlns:a16="http://schemas.microsoft.com/office/drawing/2014/main" id="{73CF3C72-6D92-97D8-7544-51B2E8C98746}"/>
-              </a:ext>
-            </a:extLst>
-          </p:cNvPr>
-          <p:cNvPicPr>
-            <a:picLocks noChangeAspect="1" noChangeArrowheads="1"/>
-          </p:cNvPicPr>
-          <p:nvPr/>
-        </p:nvPicPr>
-        <p:blipFill>
-          <a:blip r:embed="rId4">
-            <a:extLst>
-              <a:ext uri="{28A0092B-C50C-407E-A947-70E740481C1C}">
-                <a14:useLocalDpi xmlns:a14="http://schemas.microsoft.com/office/drawing/2010/main" val="0"/>
-              </a:ext>
-            </a:extLst>
-          </a:blip>
-          <a:srcRect/>
-          <a:stretch>
-            <a:fillRect/>
-          </a:stretch>
-        </p:blipFill>
-        <p:spPr bwMode="auto">
-          <a:xfrm>
-            <a:off x="29130959" y="7462927"/>
-            <a:ext cx="12676068" cy="7977433"/>
+            <a:off x="13732402" y="5389581"/>
+            <a:ext cx="30158798" cy="17287173"/>
           </a:xfrm>
           <a:prstGeom prst="rect">
             <a:avLst/>
           </a:prstGeom>
-          <a:noFill/>
-          <a:extLst>
-            <a:ext uri="{909E8E84-426E-40DD-AFC4-6F175D3DCCD1}">
-              <a14:hiddenFill xmlns:a14="http://schemas.microsoft.com/office/drawing/2010/main">
-                <a:solidFill>
-                  <a:srgbClr val="FFFFFF"/>
-                </a:solidFill>
-              </a14:hiddenFill>
-            </a:ext>
-          </a:extLst>
+          <a:solidFill>
+            <a:srgbClr val="FDFFE1"/>
+          </a:solidFill>
+          <a:ln>
+            <a:noFill/>
+          </a:ln>
         </p:spPr>
-      </p:pic>
+        <p:style>
+          <a:lnRef idx="2">
+            <a:schemeClr val="accent1">
+              <a:shade val="50000"/>
+            </a:schemeClr>
+          </a:lnRef>
+          <a:fillRef idx="1">
+            <a:schemeClr val="accent1"/>
+          </a:fillRef>
+          <a:effectRef idx="0">
+            <a:schemeClr val="accent1"/>
+          </a:effectRef>
+          <a:fontRef idx="minor">
+            <a:schemeClr val="lt1"/>
+          </a:fontRef>
+        </p:style>
+        <p:txBody>
+          <a:bodyPr rtlCol="0" anchor="ctr"/>
+          <a:lstStyle/>
+          <a:p>
+            <a:pPr algn="ctr"/>
+            <a:endParaRPr lang="en-US" sz="1543" dirty="0">
+              <a:solidFill>
+                <a:schemeClr val="accent4">
+                  <a:lumMod val="20000"/>
+                  <a:lumOff val="80000"/>
+                </a:schemeClr>
+              </a:solidFill>
+              <a:highlight>
+                <a:srgbClr val="FFFF00"/>
+              </a:highlight>
+            </a:endParaRPr>
+          </a:p>
+        </p:txBody>
+      </p:sp>
       <p:sp>
         <p:nvSpPr>
           <p:cNvPr id="2" name="Rectangle 1">
@@ -5076,8 +4112,8 @@
         </p:nvSpPr>
         <p:spPr>
           <a:xfrm>
-            <a:off x="342898" y="24718807"/>
-            <a:ext cx="12956721" cy="378794"/>
+            <a:off x="342898" y="24609518"/>
+            <a:ext cx="18653760" cy="374904"/>
           </a:xfrm>
           <a:prstGeom prst="rect">
             <a:avLst/>
@@ -5174,42 +4210,6 @@
           </a:p>
         </p:txBody>
       </p:sp>
-      <p:pic>
-        <p:nvPicPr>
-          <p:cNvPr id="45" name="Picture 44">
-            <a:extLst>
-              <a:ext uri="{FF2B5EF4-FFF2-40B4-BE49-F238E27FC236}">
-                <a16:creationId xmlns:a16="http://schemas.microsoft.com/office/drawing/2014/main" id="{0E45E8C3-6179-C469-790A-595649964781}"/>
-              </a:ext>
-            </a:extLst>
-          </p:cNvPr>
-          <p:cNvPicPr>
-            <a:picLocks noGrp="1" noRot="1" noChangeAspect="1" noMove="1" noResize="1" noEditPoints="1" noAdjustHandles="1" noChangeArrowheads="1" noChangeShapeType="1" noCrop="1"/>
-          </p:cNvPicPr>
-          <p:nvPr/>
-        </p:nvPicPr>
-        <p:blipFill>
-          <a:blip r:embed="rId5">
-            <a:extLst>
-              <a:ext uri="{28A0092B-C50C-407E-A947-70E740481C1C}">
-                <a14:useLocalDpi xmlns:a14="http://schemas.microsoft.com/office/drawing/2010/main" val="0"/>
-              </a:ext>
-            </a:extLst>
-          </a:blip>
-          <a:stretch>
-            <a:fillRect/>
-          </a:stretch>
-        </p:blipFill>
-        <p:spPr>
-          <a:xfrm>
-            <a:off x="14239248" y="6974579"/>
-            <a:ext cx="13716000" cy="8229600"/>
-          </a:xfrm>
-          <a:prstGeom prst="rect">
-            <a:avLst/>
-          </a:prstGeom>
-        </p:spPr>
-      </p:pic>
       <p:graphicFrame>
         <p:nvGraphicFramePr>
           <p:cNvPr id="3" name="Table 2">
@@ -5220,75 +4220,75 @@
             </a:extLst>
           </p:cNvPr>
           <p:cNvGraphicFramePr>
-            <a:graphicFrameLocks noGrp="1" noDrilldown="1" noMove="1" noResize="1"/>
+            <a:graphicFrameLocks/>
           </p:cNvGraphicFramePr>
           <p:nvPr>
             <p:extLst>
               <p:ext uri="{D42A27DB-BD31-4B8C-83A1-F6EECF244321}">
-                <p14:modId xmlns:p14="http://schemas.microsoft.com/office/powerpoint/2010/main" val="1238171570"/>
+                <p14:modId xmlns:p14="http://schemas.microsoft.com/office/powerpoint/2010/main" val="1687289145"/>
               </p:ext>
             </p:extLst>
           </p:nvPr>
         </p:nvGraphicFramePr>
         <p:xfrm>
-          <a:off x="13940915" y="21455411"/>
-          <a:ext cx="14329284" cy="11102340"/>
+          <a:off x="27216158" y="6283527"/>
+          <a:ext cx="16135714" cy="15321713"/>
         </p:xfrm>
         <a:graphic>
           <a:graphicData uri="http://schemas.openxmlformats.org/drawingml/2006/table">
             <a:tbl>
               <a:tblPr/>
               <a:tblGrid>
-                <a:gridCol w="3862482">
+                <a:gridCol w="4349409">
                   <a:extLst>
                     <a:ext uri="{9D8B030D-6E8A-4147-A177-3AD203B41FA5}">
                       <a16:colId xmlns:a16="http://schemas.microsoft.com/office/drawing/2014/main" val="1527920058"/>
                     </a:ext>
                   </a:extLst>
                 </a:gridCol>
-                <a:gridCol w="485611">
+                <a:gridCol w="546829">
                   <a:extLst>
                     <a:ext uri="{9D8B030D-6E8A-4147-A177-3AD203B41FA5}">
                       <a16:colId xmlns:a16="http://schemas.microsoft.com/office/drawing/2014/main" val="1683163326"/>
                     </a:ext>
                   </a:extLst>
                 </a:gridCol>
-                <a:gridCol w="3376871">
+                <a:gridCol w="3802577">
                   <a:extLst>
                     <a:ext uri="{9D8B030D-6E8A-4147-A177-3AD203B41FA5}">
                       <a16:colId xmlns:a16="http://schemas.microsoft.com/office/drawing/2014/main" val="243023392"/>
                     </a:ext>
                   </a:extLst>
                 </a:gridCol>
-                <a:gridCol w="1404538">
+                <a:gridCol w="1581602">
                   <a:extLst>
                     <a:ext uri="{9D8B030D-6E8A-4147-A177-3AD203B41FA5}">
                       <a16:colId xmlns:a16="http://schemas.microsoft.com/office/drawing/2014/main" val="3129513609"/>
                     </a:ext>
                   </a:extLst>
                 </a:gridCol>
-                <a:gridCol w="956281">
+                <a:gridCol w="1076835">
                   <a:extLst>
                     <a:ext uri="{9D8B030D-6E8A-4147-A177-3AD203B41FA5}">
                       <a16:colId xmlns:a16="http://schemas.microsoft.com/office/drawing/2014/main" val="1912173823"/>
                     </a:ext>
                   </a:extLst>
                 </a:gridCol>
-                <a:gridCol w="1105702">
+                <a:gridCol w="1245093">
                   <a:extLst>
                     <a:ext uri="{9D8B030D-6E8A-4147-A177-3AD203B41FA5}">
                       <a16:colId xmlns:a16="http://schemas.microsoft.com/office/drawing/2014/main" val="103504942"/>
                     </a:ext>
                   </a:extLst>
                 </a:gridCol>
-                <a:gridCol w="1912563">
+                <a:gridCol w="2153673">
                   <a:extLst>
                     <a:ext uri="{9D8B030D-6E8A-4147-A177-3AD203B41FA5}">
                       <a16:colId xmlns:a16="http://schemas.microsoft.com/office/drawing/2014/main" val="4145715444"/>
                     </a:ext>
                   </a:extLst>
                 </a:gridCol>
-                <a:gridCol w="1225236">
+                <a:gridCol w="1379696">
                   <a:extLst>
                     <a:ext uri="{9D8B030D-6E8A-4147-A177-3AD203B41FA5}">
                       <a16:colId xmlns:a16="http://schemas.microsoft.com/office/drawing/2014/main" val="2354231706"/>
@@ -5296,7 +4296,7 @@
                   </a:extLst>
                 </a:gridCol>
               </a:tblGrid>
-              <a:tr h="472440">
+              <a:tr h="617312">
                 <a:tc gridSpan="2">
                   <a:txBody>
                     <a:bodyPr/>
@@ -5304,7 +4304,7 @@
                     <a:p>
                       <a:pPr algn="l" fontAlgn="b"/>
                       <a:r>
-                        <a:rPr lang="en-US" sz="3000" b="1" i="0" u="none" strike="noStrike" dirty="0">
+                        <a:rPr lang="en-US" sz="4000" b="1" i="0" u="none" strike="noStrike" dirty="0">
                           <a:solidFill>
                             <a:srgbClr val="000000"/>
                           </a:solidFill>
@@ -5347,7 +4347,7 @@
                     <a:lstStyle/>
                     <a:p>
                       <a:pPr algn="l" fontAlgn="b"/>
-                      <a:endParaRPr lang="en-US" sz="3000" b="1" i="0" u="none" strike="noStrike">
+                      <a:endParaRPr lang="en-US" sz="4000" b="1" i="0" u="none" strike="noStrike">
                         <a:solidFill>
                           <a:srgbClr val="000000"/>
                         </a:solidFill>
@@ -5378,7 +4378,7 @@
                     <a:lstStyle/>
                     <a:p>
                       <a:pPr algn="l" fontAlgn="b"/>
-                      <a:endParaRPr lang="en-US" sz="3000" b="0" i="0" u="none" strike="noStrike">
+                      <a:endParaRPr lang="en-US" sz="4000" b="0" i="0" u="none" strike="noStrike">
                         <a:solidFill>
                           <a:srgbClr val="000000"/>
                         </a:solidFill>
@@ -5409,7 +4409,7 @@
                     <a:lstStyle/>
                     <a:p>
                       <a:pPr algn="l" fontAlgn="b"/>
-                      <a:endParaRPr lang="en-US" sz="3000" b="0" i="0" u="none" strike="noStrike">
+                      <a:endParaRPr lang="en-US" sz="4000" b="0" i="0" u="none" strike="noStrike">
                         <a:solidFill>
                           <a:srgbClr val="000000"/>
                         </a:solidFill>
@@ -5440,7 +4440,7 @@
                     <a:lstStyle/>
                     <a:p>
                       <a:pPr algn="l" fontAlgn="b"/>
-                      <a:endParaRPr lang="en-US" sz="3000" b="0" i="0" u="none" strike="noStrike">
+                      <a:endParaRPr lang="en-US" sz="4000" b="0" i="0" u="none" strike="noStrike">
                         <a:solidFill>
                           <a:srgbClr val="000000"/>
                         </a:solidFill>
@@ -5471,7 +4471,7 @@
                     <a:lstStyle/>
                     <a:p>
                       <a:pPr algn="l" fontAlgn="b"/>
-                      <a:endParaRPr lang="en-US" sz="3000" b="0" i="0" u="none" strike="noStrike">
+                      <a:endParaRPr lang="en-US" sz="4000" b="0" i="0" u="none" strike="noStrike">
                         <a:solidFill>
                           <a:srgbClr val="000000"/>
                         </a:solidFill>
@@ -5502,7 +4502,7 @@
                     <a:lstStyle/>
                     <a:p>
                       <a:pPr algn="l" fontAlgn="b"/>
-                      <a:endParaRPr lang="en-US" sz="3000" b="0" i="0" u="none" strike="noStrike">
+                      <a:endParaRPr lang="en-US" sz="4000" b="0" i="0" u="none" strike="noStrike">
                         <a:solidFill>
                           <a:srgbClr val="000000"/>
                         </a:solidFill>
@@ -5533,7 +4533,7 @@
                   </a:ext>
                 </a:extLst>
               </a:tr>
-              <a:tr h="487680">
+              <a:tr h="950393">
                 <a:tc gridSpan="8">
                   <a:txBody>
                     <a:bodyPr/>
@@ -5541,18 +4541,18 @@
                     <a:p>
                       <a:pPr algn="l" fontAlgn="b"/>
                       <a:r>
-                        <a:rPr lang="en-US" sz="3000" b="0" i="1" u="none" strike="noStrike" dirty="0">
-                          <a:solidFill>
-                            <a:srgbClr val="000000"/>
-                          </a:solidFill>
-                          <a:effectLst/>
-                          <a:latin typeface="Times New Roman" panose="02020603050405020304" pitchFamily="18" charset="0"/>
-                        </a:rPr>
-                        <a:t>Percentage of Repeated Mistakes Over Time by Feedback Viewing and Intervention Group</a:t>
-                      </a:r>
-                    </a:p>
-                  </a:txBody>
-                  <a:tcPr marL="7620" marR="7620" marT="7620" marB="0" anchor="b">
+                        <a:rPr lang="en-US" sz="4000" b="0" i="1" u="none" strike="noStrike" dirty="0">
+                          <a:solidFill>
+                            <a:srgbClr val="000000"/>
+                          </a:solidFill>
+                          <a:effectLst/>
+                          <a:latin typeface="Times New Roman" panose="02020603050405020304" pitchFamily="18" charset="0"/>
+                        </a:rPr>
+                        <a:t>Percentage of Mistakes Repeated Over Time by Feedback Viewing and Group</a:t>
+                      </a:r>
+                    </a:p>
+                  </a:txBody>
+                  <a:tcPr marL="7620" marR="7620" marT="7620" marB="0" anchor="ctr">
                     <a:lnL>
                       <a:noFill/>
                     </a:lnL>
@@ -5632,7 +4632,16 @@
                       <a:endParaRPr lang="en-US"/>
                     </a:p>
                   </a:txBody>
-                  <a:tcPr/>
+                  <a:tcPr>
+                    <a:lnL w="12700" cmpd="sng">
+                      <a:noFill/>
+                      <a:prstDash val="solid"/>
+                    </a:lnL>
+                    <a:lnT w="12700" cmpd="sng">
+                      <a:noFill/>
+                      <a:prstDash val="solid"/>
+                    </a:lnT>
+                  </a:tcPr>
                 </a:tc>
                 <a:tc hMerge="1">
                   <a:txBody>
@@ -5650,7 +4659,7 @@
                   </a:ext>
                 </a:extLst>
               </a:tr>
-              <a:tr h="480060">
+              <a:tr h="617312">
                 <a:tc gridSpan="2">
                   <a:txBody>
                     <a:bodyPr/>
@@ -5658,7 +4667,7 @@
                     <a:p>
                       <a:pPr algn="ctr" fontAlgn="ctr"/>
                       <a:r>
-                        <a:rPr lang="en-US" sz="3000" b="0" i="0" u="none" strike="noStrike" dirty="0">
+                        <a:rPr lang="en-US" sz="4000" b="0" i="0" u="none" strike="noStrike" dirty="0">
                           <a:solidFill>
                             <a:srgbClr val="000000"/>
                           </a:solidFill>
@@ -5714,7 +4723,7 @@
                     <a:p>
                       <a:pPr algn="l" fontAlgn="b"/>
                       <a:r>
-                        <a:rPr lang="en-US" sz="3000" b="0" i="0" u="none" strike="noStrike" dirty="0">
+                        <a:rPr lang="en-US" sz="4000" b="0" i="0" u="none" strike="noStrike" dirty="0">
                           <a:solidFill>
                             <a:srgbClr val="000000"/>
                           </a:solidFill>
@@ -5760,7 +4769,7 @@
                     <a:p>
                       <a:pPr algn="ctr" fontAlgn="b"/>
                       <a:r>
-                        <a:rPr lang="el-GR" sz="3000" b="0" i="1" u="none" strike="noStrike" dirty="0">
+                        <a:rPr lang="el-GR" sz="4000" b="0" i="1" u="none" strike="noStrike" dirty="0">
                           <a:solidFill>
                             <a:srgbClr val="000000"/>
                           </a:solidFill>
@@ -5806,7 +4815,7 @@
                     <a:p>
                       <a:pPr algn="ctr" fontAlgn="b"/>
                       <a:r>
-                        <a:rPr lang="en-US" sz="3000" b="0" i="1" u="none" strike="noStrike" dirty="0">
+                        <a:rPr lang="en-US" sz="4000" b="0" i="1" u="none" strike="noStrike" dirty="0">
                           <a:solidFill>
                             <a:srgbClr val="000000"/>
                           </a:solidFill>
@@ -5852,7 +4861,7 @@
                     <a:p>
                       <a:pPr algn="ctr" fontAlgn="b"/>
                       <a:r>
-                        <a:rPr lang="en-US" sz="3000" b="0" i="1" u="none" strike="noStrike">
+                        <a:rPr lang="en-US" sz="4000" b="0" i="1" u="none" strike="noStrike">
                           <a:solidFill>
                             <a:srgbClr val="000000"/>
                           </a:solidFill>
@@ -5898,7 +4907,7 @@
                     <a:p>
                       <a:pPr algn="ctr" fontAlgn="b"/>
                       <a:r>
-                        <a:rPr lang="en-US" sz="3000" b="0" i="1" u="none" strike="noStrike" dirty="0" err="1">
+                        <a:rPr lang="en-US" sz="4000" b="0" i="1" u="none" strike="noStrike" dirty="0">
                           <a:solidFill>
                             <a:srgbClr val="000000"/>
                           </a:solidFill>
@@ -5907,13 +4916,43 @@
                         </a:rPr>
                         <a:t>df</a:t>
                       </a:r>
-                      <a:endParaRPr lang="en-US" sz="3000" b="0" i="1" u="none" strike="noStrike" dirty="0">
-                        <a:solidFill>
-                          <a:srgbClr val="000000"/>
-                        </a:solidFill>
-                        <a:effectLst/>
-                        <a:latin typeface="Times New Roman" panose="02020603050405020304" pitchFamily="18" charset="0"/>
-                      </a:endParaRPr>
+                    </a:p>
+                  </a:txBody>
+                  <a:tcPr marL="7620" marR="7620" marT="7620" marB="0" anchor="b">
+                    <a:lnL>
+                      <a:noFill/>
+                    </a:lnL>
+                    <a:lnR>
+                      <a:noFill/>
+                    </a:lnR>
+                    <a:lnB w="12700" cap="flat" cmpd="sng" algn="ctr">
+                      <a:solidFill>
+                        <a:srgbClr val="000000"/>
+                      </a:solidFill>
+                      <a:prstDash val="solid"/>
+                      <a:round/>
+                      <a:headEnd type="none" w="med" len="med"/>
+                      <a:tailEnd type="none" w="med" len="med"/>
+                    </a:lnB>
+                    <a:noFill/>
+                  </a:tcPr>
+                </a:tc>
+                <a:tc>
+                  <a:txBody>
+                    <a:bodyPr/>
+                    <a:lstStyle/>
+                    <a:p>
+                      <a:pPr algn="ctr" fontAlgn="b"/>
+                      <a:r>
+                        <a:rPr lang="en-US" sz="4000" b="0" i="1" u="none" strike="noStrike" dirty="0">
+                          <a:solidFill>
+                            <a:srgbClr val="000000"/>
+                          </a:solidFill>
+                          <a:effectLst/>
+                          <a:latin typeface="Times New Roman" panose="02020603050405020304" pitchFamily="18" charset="0"/>
+                        </a:rPr>
+                        <a:t>p</a:t>
+                      </a:r>
                     </a:p>
                   </a:txBody>
                   <a:tcPr marL="7620" marR="7620" marT="7620" marB="0" anchor="b">
@@ -5944,21 +4983,28 @@
                     <a:noFill/>
                   </a:tcPr>
                 </a:tc>
-                <a:tc>
-                  <a:txBody>
-                    <a:bodyPr/>
-                    <a:lstStyle/>
-                    <a:p>
-                      <a:pPr algn="ctr" fontAlgn="b"/>
-                      <a:r>
-                        <a:rPr lang="en-US" sz="3000" b="0" i="1" u="none" strike="noStrike" dirty="0">
-                          <a:solidFill>
-                            <a:srgbClr val="000000"/>
-                          </a:solidFill>
-                          <a:effectLst/>
-                          <a:latin typeface="Times New Roman" panose="02020603050405020304" pitchFamily="18" charset="0"/>
-                        </a:rPr>
-                        <a:t>p</a:t>
+                <a:extLst>
+                  <a:ext uri="{0D108BD9-81ED-4DB2-BD59-A6C34878D82A}">
+                    <a16:rowId xmlns:a16="http://schemas.microsoft.com/office/drawing/2014/main" val="2363984019"/>
+                  </a:ext>
+                </a:extLst>
+              </a:tr>
+              <a:tr h="621792">
+                <a:tc gridSpan="3">
+                  <a:txBody>
+                    <a:bodyPr/>
+                    <a:lstStyle/>
+                    <a:p>
+                      <a:pPr algn="r" fontAlgn="b"/>
+                      <a:r>
+                        <a:rPr lang="en-US" sz="4000" b="0" i="0" u="none" strike="noStrike" dirty="0">
+                          <a:solidFill>
+                            <a:srgbClr val="000000"/>
+                          </a:solidFill>
+                          <a:effectLst/>
+                          <a:latin typeface="Times New Roman" panose="02020603050405020304" pitchFamily="18" charset="0"/>
+                        </a:rPr>
+                        <a:t>Intercept (Opt-out | Not Viewed | Time1)</a:t>
                       </a:r>
                     </a:p>
                   </a:txBody>
@@ -5978,6 +5024,3601 @@
                       <a:headEnd type="none" w="med" len="med"/>
                       <a:tailEnd type="none" w="med" len="med"/>
                     </a:lnT>
+                    <a:lnB>
+                      <a:noFill/>
+                    </a:lnB>
+                    <a:noFill/>
+                  </a:tcPr>
+                </a:tc>
+                <a:tc hMerge="1">
+                  <a:txBody>
+                    <a:bodyPr/>
+                    <a:lstStyle/>
+                    <a:p>
+                      <a:endParaRPr lang="en-US"/>
+                    </a:p>
+                  </a:txBody>
+                  <a:tcPr/>
+                </a:tc>
+                <a:tc hMerge="1">
+                  <a:txBody>
+                    <a:bodyPr/>
+                    <a:lstStyle/>
+                    <a:p>
+                      <a:endParaRPr lang="en-US"/>
+                    </a:p>
+                  </a:txBody>
+                  <a:tcPr/>
+                </a:tc>
+                <a:tc>
+                  <a:txBody>
+                    <a:bodyPr/>
+                    <a:lstStyle/>
+                    <a:p>
+                      <a:pPr algn="ctr" fontAlgn="b"/>
+                      <a:r>
+                        <a:rPr lang="en-US" sz="4000" b="0" i="0" u="none" strike="noStrike" dirty="0">
+                          <a:solidFill>
+                            <a:srgbClr val="000000"/>
+                          </a:solidFill>
+                          <a:effectLst/>
+                          <a:latin typeface="Times New Roman" panose="02020603050405020304" pitchFamily="18" charset="0"/>
+                        </a:rPr>
+                        <a:t>14.79</a:t>
+                      </a:r>
+                    </a:p>
+                  </a:txBody>
+                  <a:tcPr marL="7620" marR="7620" marT="7620" marB="0" anchor="b">
+                    <a:lnL>
+                      <a:noFill/>
+                    </a:lnL>
+                    <a:lnR>
+                      <a:noFill/>
+                    </a:lnR>
+                    <a:lnT w="12700" cap="flat" cmpd="sng" algn="ctr">
+                      <a:solidFill>
+                        <a:srgbClr val="000000"/>
+                      </a:solidFill>
+                      <a:prstDash val="solid"/>
+                      <a:round/>
+                      <a:headEnd type="none" w="med" len="med"/>
+                      <a:tailEnd type="none" w="med" len="med"/>
+                    </a:lnT>
+                    <a:lnB>
+                      <a:noFill/>
+                    </a:lnB>
+                    <a:noFill/>
+                  </a:tcPr>
+                </a:tc>
+                <a:tc>
+                  <a:txBody>
+                    <a:bodyPr/>
+                    <a:lstStyle/>
+                    <a:p>
+                      <a:pPr algn="ctr" fontAlgn="b"/>
+                      <a:r>
+                        <a:rPr lang="en-US" sz="4000" b="0" i="0" u="none" strike="noStrike" dirty="0">
+                          <a:solidFill>
+                            <a:srgbClr val="000000"/>
+                          </a:solidFill>
+                          <a:effectLst/>
+                          <a:latin typeface="Times New Roman" panose="02020603050405020304" pitchFamily="18" charset="0"/>
+                        </a:rPr>
+                        <a:t>4.3</a:t>
+                      </a:r>
+                    </a:p>
+                  </a:txBody>
+                  <a:tcPr marL="7620" marR="7620" marT="7620" marB="0" anchor="b">
+                    <a:lnL>
+                      <a:noFill/>
+                    </a:lnL>
+                    <a:lnR>
+                      <a:noFill/>
+                    </a:lnR>
+                    <a:lnT w="12700" cap="flat" cmpd="sng" algn="ctr">
+                      <a:solidFill>
+                        <a:srgbClr val="000000"/>
+                      </a:solidFill>
+                      <a:prstDash val="solid"/>
+                      <a:round/>
+                      <a:headEnd type="none" w="med" len="med"/>
+                      <a:tailEnd type="none" w="med" len="med"/>
+                    </a:lnT>
+                    <a:lnB>
+                      <a:noFill/>
+                    </a:lnB>
+                    <a:noFill/>
+                  </a:tcPr>
+                </a:tc>
+                <a:tc>
+                  <a:txBody>
+                    <a:bodyPr/>
+                    <a:lstStyle/>
+                    <a:p>
+                      <a:pPr algn="ctr" fontAlgn="b"/>
+                      <a:r>
+                        <a:rPr lang="en-US" sz="4000" b="0" i="0" u="none" strike="noStrike" dirty="0">
+                          <a:solidFill>
+                            <a:srgbClr val="000000"/>
+                          </a:solidFill>
+                          <a:effectLst/>
+                          <a:latin typeface="Times New Roman" panose="02020603050405020304" pitchFamily="18" charset="0"/>
+                        </a:rPr>
+                        <a:t>3.48</a:t>
+                      </a:r>
+                    </a:p>
+                  </a:txBody>
+                  <a:tcPr marL="7620" marR="7620" marT="7620" marB="0" anchor="b">
+                    <a:lnL>
+                      <a:noFill/>
+                    </a:lnL>
+                    <a:lnR>
+                      <a:noFill/>
+                    </a:lnR>
+                    <a:lnT w="12700" cap="flat" cmpd="sng" algn="ctr">
+                      <a:solidFill>
+                        <a:srgbClr val="000000"/>
+                      </a:solidFill>
+                      <a:prstDash val="solid"/>
+                      <a:round/>
+                      <a:headEnd type="none" w="med" len="med"/>
+                      <a:tailEnd type="none" w="med" len="med"/>
+                    </a:lnT>
+                    <a:lnB>
+                      <a:noFill/>
+                    </a:lnB>
+                    <a:noFill/>
+                  </a:tcPr>
+                </a:tc>
+                <a:tc>
+                  <a:txBody>
+                    <a:bodyPr/>
+                    <a:lstStyle/>
+                    <a:p>
+                      <a:pPr algn="ctr" fontAlgn="b"/>
+                      <a:r>
+                        <a:rPr lang="en-US" sz="4000" b="0" i="0" u="none" strike="noStrike" dirty="0">
+                          <a:solidFill>
+                            <a:srgbClr val="000000"/>
+                          </a:solidFill>
+                          <a:effectLst/>
+                          <a:latin typeface="Times New Roman" panose="02020603050405020304" pitchFamily="18" charset="0"/>
+                        </a:rPr>
+                        <a:t>15.44</a:t>
+                      </a:r>
+                    </a:p>
+                  </a:txBody>
+                  <a:tcPr marL="7620" marR="7620" marT="7620" marB="0" anchor="b">
+                    <a:lnL>
+                      <a:noFill/>
+                    </a:lnL>
+                    <a:lnR>
+                      <a:noFill/>
+                    </a:lnR>
+                    <a:lnT w="12700" cap="flat" cmpd="sng" algn="ctr">
+                      <a:solidFill>
+                        <a:srgbClr val="000000"/>
+                      </a:solidFill>
+                      <a:prstDash val="solid"/>
+                      <a:round/>
+                      <a:headEnd type="none" w="med" len="med"/>
+                      <a:tailEnd type="none" w="med" len="med"/>
+                    </a:lnT>
+                    <a:lnB>
+                      <a:noFill/>
+                    </a:lnB>
+                    <a:noFill/>
+                  </a:tcPr>
+                </a:tc>
+                <a:tc>
+                  <a:txBody>
+                    <a:bodyPr/>
+                    <a:lstStyle/>
+                    <a:p>
+                      <a:pPr algn="ctr" fontAlgn="b"/>
+                      <a:r>
+                        <a:rPr lang="en-US" sz="4000" b="0" i="0" u="none" strike="noStrike">
+                          <a:solidFill>
+                            <a:srgbClr val="000000"/>
+                          </a:solidFill>
+                          <a:effectLst/>
+                          <a:latin typeface="Times New Roman" panose="02020603050405020304" pitchFamily="18" charset="0"/>
+                        </a:rPr>
+                        <a:t>&lt;.005</a:t>
+                      </a:r>
+                    </a:p>
+                  </a:txBody>
+                  <a:tcPr marL="7620" marR="7620" marT="7620" marB="0" anchor="b">
+                    <a:lnL>
+                      <a:noFill/>
+                    </a:lnL>
+                    <a:lnR>
+                      <a:noFill/>
+                    </a:lnR>
+                    <a:lnT w="12700" cap="flat" cmpd="sng" algn="ctr">
+                      <a:solidFill>
+                        <a:srgbClr val="000000"/>
+                      </a:solidFill>
+                      <a:prstDash val="solid"/>
+                      <a:round/>
+                      <a:headEnd type="none" w="med" len="med"/>
+                      <a:tailEnd type="none" w="med" len="med"/>
+                    </a:lnT>
+                    <a:lnB>
+                      <a:noFill/>
+                    </a:lnB>
+                    <a:noFill/>
+                  </a:tcPr>
+                </a:tc>
+                <a:extLst>
+                  <a:ext uri="{0D108BD9-81ED-4DB2-BD59-A6C34878D82A}">
+                    <a16:rowId xmlns:a16="http://schemas.microsoft.com/office/drawing/2014/main" val="3846280420"/>
+                  </a:ext>
+                </a:extLst>
+              </a:tr>
+              <a:tr h="621792">
+                <a:tc gridSpan="3">
+                  <a:txBody>
+                    <a:bodyPr/>
+                    <a:lstStyle/>
+                    <a:p>
+                      <a:pPr algn="r" fontAlgn="b"/>
+                      <a:r>
+                        <a:rPr lang="en-US" sz="4000" b="0" i="0" u="none" strike="noStrike">
+                          <a:solidFill>
+                            <a:srgbClr val="000000"/>
+                          </a:solidFill>
+                          <a:effectLst/>
+                          <a:latin typeface="Times New Roman" panose="02020603050405020304" pitchFamily="18" charset="0"/>
+                        </a:rPr>
+                        <a:t>Opt-out | Not Viewed | Time2</a:t>
+                      </a:r>
+                    </a:p>
+                  </a:txBody>
+                  <a:tcPr marL="7620" marR="7620" marT="7620" marB="0" anchor="b">
+                    <a:lnL>
+                      <a:noFill/>
+                    </a:lnL>
+                    <a:lnR>
+                      <a:noFill/>
+                    </a:lnR>
+                    <a:lnT>
+                      <a:noFill/>
+                    </a:lnT>
+                    <a:lnB>
+                      <a:noFill/>
+                    </a:lnB>
+                    <a:noFill/>
+                  </a:tcPr>
+                </a:tc>
+                <a:tc hMerge="1">
+                  <a:txBody>
+                    <a:bodyPr/>
+                    <a:lstStyle/>
+                    <a:p>
+                      <a:endParaRPr lang="en-US"/>
+                    </a:p>
+                  </a:txBody>
+                  <a:tcPr/>
+                </a:tc>
+                <a:tc hMerge="1">
+                  <a:txBody>
+                    <a:bodyPr/>
+                    <a:lstStyle/>
+                    <a:p>
+                      <a:endParaRPr lang="en-US"/>
+                    </a:p>
+                  </a:txBody>
+                  <a:tcPr/>
+                </a:tc>
+                <a:tc>
+                  <a:txBody>
+                    <a:bodyPr/>
+                    <a:lstStyle/>
+                    <a:p>
+                      <a:pPr algn="ctr" fontAlgn="b"/>
+                      <a:r>
+                        <a:rPr lang="en-US" sz="4000" b="1" i="0" u="none" strike="noStrike">
+                          <a:solidFill>
+                            <a:srgbClr val="000000"/>
+                          </a:solidFill>
+                          <a:effectLst/>
+                          <a:latin typeface="Times New Roman" panose="02020603050405020304" pitchFamily="18" charset="0"/>
+                        </a:rPr>
+                        <a:t>-6.76</a:t>
+                      </a:r>
+                    </a:p>
+                  </a:txBody>
+                  <a:tcPr marL="7620" marR="7620" marT="7620" marB="0" anchor="b">
+                    <a:lnL>
+                      <a:noFill/>
+                    </a:lnL>
+                    <a:lnR>
+                      <a:noFill/>
+                    </a:lnR>
+                    <a:lnT>
+                      <a:noFill/>
+                    </a:lnT>
+                    <a:lnB>
+                      <a:noFill/>
+                    </a:lnB>
+                    <a:noFill/>
+                  </a:tcPr>
+                </a:tc>
+                <a:tc>
+                  <a:txBody>
+                    <a:bodyPr/>
+                    <a:lstStyle/>
+                    <a:p>
+                      <a:pPr algn="ctr" fontAlgn="b"/>
+                      <a:r>
+                        <a:rPr lang="en-US" sz="4000" b="0" i="0" u="none" strike="noStrike">
+                          <a:solidFill>
+                            <a:srgbClr val="000000"/>
+                          </a:solidFill>
+                          <a:effectLst/>
+                          <a:latin typeface="Times New Roman" panose="02020603050405020304" pitchFamily="18" charset="0"/>
+                        </a:rPr>
+                        <a:t>1.7</a:t>
+                      </a:r>
+                    </a:p>
+                  </a:txBody>
+                  <a:tcPr marL="7620" marR="7620" marT="7620" marB="0" anchor="b">
+                    <a:lnL>
+                      <a:noFill/>
+                    </a:lnL>
+                    <a:lnR>
+                      <a:noFill/>
+                    </a:lnR>
+                    <a:lnT>
+                      <a:noFill/>
+                    </a:lnT>
+                    <a:lnB>
+                      <a:noFill/>
+                    </a:lnB>
+                    <a:noFill/>
+                  </a:tcPr>
+                </a:tc>
+                <a:tc>
+                  <a:txBody>
+                    <a:bodyPr/>
+                    <a:lstStyle/>
+                    <a:p>
+                      <a:pPr algn="ctr" fontAlgn="b"/>
+                      <a:r>
+                        <a:rPr lang="en-US" sz="4000" b="0" i="0" u="none" strike="noStrike" dirty="0">
+                          <a:solidFill>
+                            <a:srgbClr val="000000"/>
+                          </a:solidFill>
+                          <a:effectLst/>
+                          <a:latin typeface="Times New Roman" panose="02020603050405020304" pitchFamily="18" charset="0"/>
+                        </a:rPr>
+                        <a:t>-4</a:t>
+                      </a:r>
+                    </a:p>
+                  </a:txBody>
+                  <a:tcPr marL="7620" marR="7620" marT="7620" marB="0" anchor="b">
+                    <a:lnL>
+                      <a:noFill/>
+                    </a:lnL>
+                    <a:lnR>
+                      <a:noFill/>
+                    </a:lnR>
+                    <a:lnT>
+                      <a:noFill/>
+                    </a:lnT>
+                    <a:lnB>
+                      <a:noFill/>
+                    </a:lnB>
+                    <a:noFill/>
+                  </a:tcPr>
+                </a:tc>
+                <a:tc>
+                  <a:txBody>
+                    <a:bodyPr/>
+                    <a:lstStyle/>
+                    <a:p>
+                      <a:pPr algn="ctr" fontAlgn="b"/>
+                      <a:r>
+                        <a:rPr lang="en-US" sz="4000" b="0" i="0" u="none" strike="noStrike">
+                          <a:solidFill>
+                            <a:srgbClr val="000000"/>
+                          </a:solidFill>
+                          <a:effectLst/>
+                          <a:latin typeface="Times New Roman" panose="02020603050405020304" pitchFamily="18" charset="0"/>
+                        </a:rPr>
+                        <a:t>57.15</a:t>
+                      </a:r>
+                    </a:p>
+                  </a:txBody>
+                  <a:tcPr marL="7620" marR="7620" marT="7620" marB="0" anchor="b">
+                    <a:lnL>
+                      <a:noFill/>
+                    </a:lnL>
+                    <a:lnR>
+                      <a:noFill/>
+                    </a:lnR>
+                    <a:lnT>
+                      <a:noFill/>
+                    </a:lnT>
+                    <a:lnB>
+                      <a:noFill/>
+                    </a:lnB>
+                    <a:noFill/>
+                  </a:tcPr>
+                </a:tc>
+                <a:tc>
+                  <a:txBody>
+                    <a:bodyPr/>
+                    <a:lstStyle/>
+                    <a:p>
+                      <a:pPr algn="ctr" fontAlgn="b"/>
+                      <a:r>
+                        <a:rPr lang="en-US" sz="4000" b="1" i="0" u="none" strike="noStrike">
+                          <a:solidFill>
+                            <a:srgbClr val="000000"/>
+                          </a:solidFill>
+                          <a:effectLst/>
+                          <a:latin typeface="Times New Roman" panose="02020603050405020304" pitchFamily="18" charset="0"/>
+                        </a:rPr>
+                        <a:t>&lt;.001</a:t>
+                      </a:r>
+                    </a:p>
+                  </a:txBody>
+                  <a:tcPr marL="7620" marR="7620" marT="7620" marB="0" anchor="b">
+                    <a:lnL>
+                      <a:noFill/>
+                    </a:lnL>
+                    <a:lnR>
+                      <a:noFill/>
+                    </a:lnR>
+                    <a:lnT>
+                      <a:noFill/>
+                    </a:lnT>
+                    <a:lnB>
+                      <a:noFill/>
+                    </a:lnB>
+                    <a:noFill/>
+                  </a:tcPr>
+                </a:tc>
+                <a:extLst>
+                  <a:ext uri="{0D108BD9-81ED-4DB2-BD59-A6C34878D82A}">
+                    <a16:rowId xmlns:a16="http://schemas.microsoft.com/office/drawing/2014/main" val="1395577437"/>
+                  </a:ext>
+                </a:extLst>
+              </a:tr>
+              <a:tr h="621792">
+                <a:tc gridSpan="3">
+                  <a:txBody>
+                    <a:bodyPr/>
+                    <a:lstStyle/>
+                    <a:p>
+                      <a:pPr algn="r" fontAlgn="b"/>
+                      <a:r>
+                        <a:rPr lang="en-US" sz="4000" b="0" i="0" u="none" strike="noStrike">
+                          <a:solidFill>
+                            <a:srgbClr val="000000"/>
+                          </a:solidFill>
+                          <a:effectLst/>
+                          <a:latin typeface="Times New Roman" panose="02020603050405020304" pitchFamily="18" charset="0"/>
+                        </a:rPr>
+                        <a:t>Opt-out | Not Viewed | Time3</a:t>
+                      </a:r>
+                    </a:p>
+                  </a:txBody>
+                  <a:tcPr marL="7620" marR="7620" marT="7620" marB="0" anchor="b">
+                    <a:lnL>
+                      <a:noFill/>
+                    </a:lnL>
+                    <a:lnR>
+                      <a:noFill/>
+                    </a:lnR>
+                    <a:lnT>
+                      <a:noFill/>
+                    </a:lnT>
+                    <a:lnB>
+                      <a:noFill/>
+                    </a:lnB>
+                    <a:noFill/>
+                  </a:tcPr>
+                </a:tc>
+                <a:tc hMerge="1">
+                  <a:txBody>
+                    <a:bodyPr/>
+                    <a:lstStyle/>
+                    <a:p>
+                      <a:endParaRPr lang="en-US"/>
+                    </a:p>
+                  </a:txBody>
+                  <a:tcPr/>
+                </a:tc>
+                <a:tc hMerge="1">
+                  <a:txBody>
+                    <a:bodyPr/>
+                    <a:lstStyle/>
+                    <a:p>
+                      <a:endParaRPr lang="en-US"/>
+                    </a:p>
+                  </a:txBody>
+                  <a:tcPr/>
+                </a:tc>
+                <a:tc>
+                  <a:txBody>
+                    <a:bodyPr/>
+                    <a:lstStyle/>
+                    <a:p>
+                      <a:pPr algn="ctr" fontAlgn="b"/>
+                      <a:r>
+                        <a:rPr lang="en-US" sz="4000" b="1" i="0" u="none" strike="noStrike" dirty="0">
+                          <a:solidFill>
+                            <a:srgbClr val="000000"/>
+                          </a:solidFill>
+                          <a:effectLst/>
+                          <a:latin typeface="Times New Roman" panose="02020603050405020304" pitchFamily="18" charset="0"/>
+                        </a:rPr>
+                        <a:t>-17.49</a:t>
+                      </a:r>
+                    </a:p>
+                  </a:txBody>
+                  <a:tcPr marL="7620" marR="7620" marT="7620" marB="0" anchor="b">
+                    <a:lnL>
+                      <a:noFill/>
+                    </a:lnL>
+                    <a:lnR>
+                      <a:noFill/>
+                    </a:lnR>
+                    <a:lnT>
+                      <a:noFill/>
+                    </a:lnT>
+                    <a:lnB>
+                      <a:noFill/>
+                    </a:lnB>
+                    <a:noFill/>
+                  </a:tcPr>
+                </a:tc>
+                <a:tc>
+                  <a:txBody>
+                    <a:bodyPr/>
+                    <a:lstStyle/>
+                    <a:p>
+                      <a:pPr algn="ctr" fontAlgn="b"/>
+                      <a:r>
+                        <a:rPr lang="en-US" sz="4000" b="0" i="0" u="none" strike="noStrike">
+                          <a:solidFill>
+                            <a:srgbClr val="000000"/>
+                          </a:solidFill>
+                          <a:effectLst/>
+                          <a:latin typeface="Times New Roman" panose="02020603050405020304" pitchFamily="18" charset="0"/>
+                        </a:rPr>
+                        <a:t>2.3</a:t>
+                      </a:r>
+                    </a:p>
+                  </a:txBody>
+                  <a:tcPr marL="7620" marR="7620" marT="7620" marB="0" anchor="b">
+                    <a:lnL>
+                      <a:noFill/>
+                    </a:lnL>
+                    <a:lnR>
+                      <a:noFill/>
+                    </a:lnR>
+                    <a:lnT>
+                      <a:noFill/>
+                    </a:lnT>
+                    <a:lnB>
+                      <a:noFill/>
+                    </a:lnB>
+                    <a:noFill/>
+                  </a:tcPr>
+                </a:tc>
+                <a:tc>
+                  <a:txBody>
+                    <a:bodyPr/>
+                    <a:lstStyle/>
+                    <a:p>
+                      <a:pPr algn="ctr" fontAlgn="b"/>
+                      <a:r>
+                        <a:rPr lang="en-US" sz="4000" b="0" i="0" u="none" strike="noStrike">
+                          <a:solidFill>
+                            <a:srgbClr val="000000"/>
+                          </a:solidFill>
+                          <a:effectLst/>
+                          <a:latin typeface="Times New Roman" panose="02020603050405020304" pitchFamily="18" charset="0"/>
+                        </a:rPr>
+                        <a:t>-0.6</a:t>
+                      </a:r>
+                    </a:p>
+                  </a:txBody>
+                  <a:tcPr marL="7620" marR="7620" marT="7620" marB="0" anchor="b">
+                    <a:lnL>
+                      <a:noFill/>
+                    </a:lnL>
+                    <a:lnR>
+                      <a:noFill/>
+                    </a:lnR>
+                    <a:lnT>
+                      <a:noFill/>
+                    </a:lnT>
+                    <a:lnB>
+                      <a:noFill/>
+                    </a:lnB>
+                    <a:noFill/>
+                  </a:tcPr>
+                </a:tc>
+                <a:tc>
+                  <a:txBody>
+                    <a:bodyPr/>
+                    <a:lstStyle/>
+                    <a:p>
+                      <a:pPr algn="ctr" fontAlgn="b"/>
+                      <a:r>
+                        <a:rPr lang="en-US" sz="4000" b="0" i="0" u="none" strike="noStrike">
+                          <a:solidFill>
+                            <a:srgbClr val="000000"/>
+                          </a:solidFill>
+                          <a:effectLst/>
+                          <a:latin typeface="Times New Roman" panose="02020603050405020304" pitchFamily="18" charset="0"/>
+                        </a:rPr>
+                        <a:t>22.13</a:t>
+                      </a:r>
+                    </a:p>
+                  </a:txBody>
+                  <a:tcPr marL="7620" marR="7620" marT="7620" marB="0" anchor="b">
+                    <a:lnL>
+                      <a:noFill/>
+                    </a:lnL>
+                    <a:lnR>
+                      <a:noFill/>
+                    </a:lnR>
+                    <a:lnT>
+                      <a:noFill/>
+                    </a:lnT>
+                    <a:lnB>
+                      <a:noFill/>
+                    </a:lnB>
+                    <a:noFill/>
+                  </a:tcPr>
+                </a:tc>
+                <a:tc>
+                  <a:txBody>
+                    <a:bodyPr/>
+                    <a:lstStyle/>
+                    <a:p>
+                      <a:pPr algn="ctr" fontAlgn="b"/>
+                      <a:r>
+                        <a:rPr lang="en-US" sz="4000" b="1" i="0" u="none" strike="noStrike">
+                          <a:solidFill>
+                            <a:srgbClr val="000000"/>
+                          </a:solidFill>
+                          <a:effectLst/>
+                          <a:latin typeface="Times New Roman" panose="02020603050405020304" pitchFamily="18" charset="0"/>
+                        </a:rPr>
+                        <a:t>&lt;.001</a:t>
+                      </a:r>
+                    </a:p>
+                  </a:txBody>
+                  <a:tcPr marL="7620" marR="7620" marT="7620" marB="0" anchor="b">
+                    <a:lnL>
+                      <a:noFill/>
+                    </a:lnL>
+                    <a:lnR>
+                      <a:noFill/>
+                    </a:lnR>
+                    <a:lnT>
+                      <a:noFill/>
+                    </a:lnT>
+                    <a:lnB>
+                      <a:noFill/>
+                    </a:lnB>
+                    <a:noFill/>
+                  </a:tcPr>
+                </a:tc>
+                <a:extLst>
+                  <a:ext uri="{0D108BD9-81ED-4DB2-BD59-A6C34878D82A}">
+                    <a16:rowId xmlns:a16="http://schemas.microsoft.com/office/drawing/2014/main" val="663543714"/>
+                  </a:ext>
+                </a:extLst>
+              </a:tr>
+              <a:tr h="593344">
+                <a:tc gridSpan="3">
+                  <a:txBody>
+                    <a:bodyPr/>
+                    <a:lstStyle/>
+                    <a:p>
+                      <a:pPr algn="r" fontAlgn="b"/>
+                      <a:r>
+                        <a:rPr lang="en-US" sz="4000" b="0" i="0" u="none" strike="noStrike" dirty="0">
+                          <a:solidFill>
+                            <a:srgbClr val="000000"/>
+                          </a:solidFill>
+                          <a:effectLst/>
+                          <a:latin typeface="Times New Roman" panose="02020603050405020304" pitchFamily="18" charset="0"/>
+                        </a:rPr>
+                        <a:t>Opt-out | Not Viewed | Time4</a:t>
+                      </a:r>
+                    </a:p>
+                  </a:txBody>
+                  <a:tcPr marL="7620" marR="7620" marT="7620" marB="0" anchor="b">
+                    <a:lnL>
+                      <a:noFill/>
+                    </a:lnL>
+                    <a:lnR>
+                      <a:noFill/>
+                    </a:lnR>
+                    <a:lnT>
+                      <a:noFill/>
+                    </a:lnT>
+                    <a:lnB>
+                      <a:noFill/>
+                    </a:lnB>
+                    <a:noFill/>
+                  </a:tcPr>
+                </a:tc>
+                <a:tc hMerge="1">
+                  <a:txBody>
+                    <a:bodyPr/>
+                    <a:lstStyle/>
+                    <a:p>
+                      <a:endParaRPr lang="en-US"/>
+                    </a:p>
+                  </a:txBody>
+                  <a:tcPr/>
+                </a:tc>
+                <a:tc hMerge="1">
+                  <a:txBody>
+                    <a:bodyPr/>
+                    <a:lstStyle/>
+                    <a:p>
+                      <a:endParaRPr lang="en-US"/>
+                    </a:p>
+                  </a:txBody>
+                  <a:tcPr/>
+                </a:tc>
+                <a:tc>
+                  <a:txBody>
+                    <a:bodyPr/>
+                    <a:lstStyle/>
+                    <a:p>
+                      <a:pPr algn="ctr" fontAlgn="b"/>
+                      <a:r>
+                        <a:rPr lang="en-US" sz="4000" b="1" i="0" u="none" strike="noStrike">
+                          <a:solidFill>
+                            <a:srgbClr val="000000"/>
+                          </a:solidFill>
+                          <a:effectLst/>
+                          <a:latin typeface="Times New Roman" panose="02020603050405020304" pitchFamily="18" charset="0"/>
+                        </a:rPr>
+                        <a:t>-15.74</a:t>
+                      </a:r>
+                    </a:p>
+                  </a:txBody>
+                  <a:tcPr marL="7620" marR="7620" marT="7620" marB="0" anchor="b">
+                    <a:lnL>
+                      <a:noFill/>
+                    </a:lnL>
+                    <a:lnR>
+                      <a:noFill/>
+                    </a:lnR>
+                    <a:lnT>
+                      <a:noFill/>
+                    </a:lnT>
+                    <a:lnB>
+                      <a:noFill/>
+                    </a:lnB>
+                    <a:noFill/>
+                  </a:tcPr>
+                </a:tc>
+                <a:tc>
+                  <a:txBody>
+                    <a:bodyPr/>
+                    <a:lstStyle/>
+                    <a:p>
+                      <a:pPr algn="ctr" fontAlgn="b"/>
+                      <a:r>
+                        <a:rPr lang="en-US" sz="4000" b="0" i="0" u="none" strike="noStrike">
+                          <a:solidFill>
+                            <a:srgbClr val="000000"/>
+                          </a:solidFill>
+                          <a:effectLst/>
+                          <a:latin typeface="Times New Roman" panose="02020603050405020304" pitchFamily="18" charset="0"/>
+                        </a:rPr>
+                        <a:t>2.7</a:t>
+                      </a:r>
+                    </a:p>
+                  </a:txBody>
+                  <a:tcPr marL="7620" marR="7620" marT="7620" marB="0" anchor="b">
+                    <a:lnL>
+                      <a:noFill/>
+                    </a:lnL>
+                    <a:lnR>
+                      <a:noFill/>
+                    </a:lnR>
+                    <a:lnT>
+                      <a:noFill/>
+                    </a:lnT>
+                    <a:lnB>
+                      <a:noFill/>
+                    </a:lnB>
+                    <a:noFill/>
+                  </a:tcPr>
+                </a:tc>
+                <a:tc>
+                  <a:txBody>
+                    <a:bodyPr/>
+                    <a:lstStyle/>
+                    <a:p>
+                      <a:pPr algn="ctr" fontAlgn="b"/>
+                      <a:r>
+                        <a:rPr lang="en-US" sz="4000" b="0" i="0" u="none" strike="noStrike">
+                          <a:solidFill>
+                            <a:srgbClr val="000000"/>
+                          </a:solidFill>
+                          <a:effectLst/>
+                          <a:latin typeface="Times New Roman" panose="02020603050405020304" pitchFamily="18" charset="0"/>
+                        </a:rPr>
+                        <a:t>-5.8</a:t>
+                      </a:r>
+                    </a:p>
+                  </a:txBody>
+                  <a:tcPr marL="7620" marR="7620" marT="7620" marB="0" anchor="b">
+                    <a:lnL>
+                      <a:noFill/>
+                    </a:lnL>
+                    <a:lnR>
+                      <a:noFill/>
+                    </a:lnR>
+                    <a:lnT>
+                      <a:noFill/>
+                    </a:lnT>
+                    <a:lnB>
+                      <a:noFill/>
+                    </a:lnB>
+                    <a:noFill/>
+                  </a:tcPr>
+                </a:tc>
+                <a:tc>
+                  <a:txBody>
+                    <a:bodyPr/>
+                    <a:lstStyle/>
+                    <a:p>
+                      <a:pPr algn="ctr" fontAlgn="b"/>
+                      <a:r>
+                        <a:rPr lang="en-US" sz="4000" b="0" i="0" u="none" strike="noStrike">
+                          <a:solidFill>
+                            <a:srgbClr val="000000"/>
+                          </a:solidFill>
+                          <a:effectLst/>
+                          <a:latin typeface="Times New Roman" panose="02020603050405020304" pitchFamily="18" charset="0"/>
+                        </a:rPr>
+                        <a:t>12.64</a:t>
+                      </a:r>
+                    </a:p>
+                  </a:txBody>
+                  <a:tcPr marL="7620" marR="7620" marT="7620" marB="0" anchor="b">
+                    <a:lnL>
+                      <a:noFill/>
+                    </a:lnL>
+                    <a:lnR>
+                      <a:noFill/>
+                    </a:lnR>
+                    <a:lnT>
+                      <a:noFill/>
+                    </a:lnT>
+                    <a:lnB>
+                      <a:noFill/>
+                    </a:lnB>
+                    <a:noFill/>
+                  </a:tcPr>
+                </a:tc>
+                <a:tc>
+                  <a:txBody>
+                    <a:bodyPr/>
+                    <a:lstStyle/>
+                    <a:p>
+                      <a:pPr algn="ctr" fontAlgn="b"/>
+                      <a:r>
+                        <a:rPr lang="en-US" sz="4000" b="1" i="0" u="none" strike="noStrike">
+                          <a:solidFill>
+                            <a:srgbClr val="000000"/>
+                          </a:solidFill>
+                          <a:effectLst/>
+                          <a:latin typeface="Times New Roman" panose="02020603050405020304" pitchFamily="18" charset="0"/>
+                        </a:rPr>
+                        <a:t>&lt;.001</a:t>
+                      </a:r>
+                    </a:p>
+                  </a:txBody>
+                  <a:tcPr marL="7620" marR="7620" marT="7620" marB="0" anchor="b">
+                    <a:lnL>
+                      <a:noFill/>
+                    </a:lnL>
+                    <a:lnR>
+                      <a:noFill/>
+                    </a:lnR>
+                    <a:lnT>
+                      <a:noFill/>
+                    </a:lnT>
+                    <a:lnB>
+                      <a:noFill/>
+                    </a:lnB>
+                    <a:noFill/>
+                  </a:tcPr>
+                </a:tc>
+                <a:extLst>
+                  <a:ext uri="{0D108BD9-81ED-4DB2-BD59-A6C34878D82A}">
+                    <a16:rowId xmlns:a16="http://schemas.microsoft.com/office/drawing/2014/main" val="463551486"/>
+                  </a:ext>
+                </a:extLst>
+              </a:tr>
+              <a:tr h="621792">
+                <a:tc gridSpan="3">
+                  <a:txBody>
+                    <a:bodyPr/>
+                    <a:lstStyle/>
+                    <a:p>
+                      <a:pPr algn="r" fontAlgn="b"/>
+                      <a:r>
+                        <a:rPr lang="en-US" sz="4000" b="0" i="0" u="none" strike="noStrike" dirty="0">
+                          <a:solidFill>
+                            <a:srgbClr val="000000"/>
+                          </a:solidFill>
+                          <a:effectLst/>
+                          <a:latin typeface="Times New Roman" panose="02020603050405020304" pitchFamily="18" charset="0"/>
+                        </a:rPr>
+                        <a:t>Opt-in | Not Viewed | Time 1</a:t>
+                      </a:r>
+                    </a:p>
+                  </a:txBody>
+                  <a:tcPr marL="7620" marR="7620" marT="7620" marB="0" anchor="b">
+                    <a:lnL>
+                      <a:noFill/>
+                    </a:lnL>
+                    <a:lnR>
+                      <a:noFill/>
+                    </a:lnR>
+                    <a:lnT>
+                      <a:noFill/>
+                    </a:lnT>
+                    <a:lnB>
+                      <a:noFill/>
+                    </a:lnB>
+                    <a:noFill/>
+                  </a:tcPr>
+                </a:tc>
+                <a:tc hMerge="1">
+                  <a:txBody>
+                    <a:bodyPr/>
+                    <a:lstStyle/>
+                    <a:p>
+                      <a:endParaRPr lang="en-US"/>
+                    </a:p>
+                  </a:txBody>
+                  <a:tcPr/>
+                </a:tc>
+                <a:tc hMerge="1">
+                  <a:txBody>
+                    <a:bodyPr/>
+                    <a:lstStyle/>
+                    <a:p>
+                      <a:endParaRPr lang="en-US"/>
+                    </a:p>
+                  </a:txBody>
+                  <a:tcPr/>
+                </a:tc>
+                <a:tc>
+                  <a:txBody>
+                    <a:bodyPr/>
+                    <a:lstStyle/>
+                    <a:p>
+                      <a:pPr algn="ctr" fontAlgn="b"/>
+                      <a:r>
+                        <a:rPr lang="en-US" sz="4000" b="0" i="0" u="none" strike="noStrike">
+                          <a:solidFill>
+                            <a:srgbClr val="000000"/>
+                          </a:solidFill>
+                          <a:effectLst/>
+                          <a:latin typeface="Times New Roman" panose="02020603050405020304" pitchFamily="18" charset="0"/>
+                        </a:rPr>
+                        <a:t>0.13</a:t>
+                      </a:r>
+                    </a:p>
+                  </a:txBody>
+                  <a:tcPr marL="7620" marR="7620" marT="7620" marB="0" anchor="b">
+                    <a:lnL>
+                      <a:noFill/>
+                    </a:lnL>
+                    <a:lnR>
+                      <a:noFill/>
+                    </a:lnR>
+                    <a:lnT>
+                      <a:noFill/>
+                    </a:lnT>
+                    <a:lnB>
+                      <a:noFill/>
+                    </a:lnB>
+                    <a:noFill/>
+                  </a:tcPr>
+                </a:tc>
+                <a:tc>
+                  <a:txBody>
+                    <a:bodyPr/>
+                    <a:lstStyle/>
+                    <a:p>
+                      <a:pPr algn="ctr" fontAlgn="b"/>
+                      <a:r>
+                        <a:rPr lang="en-US" sz="4000" b="0" i="0" u="none" strike="noStrike">
+                          <a:solidFill>
+                            <a:srgbClr val="000000"/>
+                          </a:solidFill>
+                          <a:effectLst/>
+                          <a:latin typeface="Times New Roman" panose="02020603050405020304" pitchFamily="18" charset="0"/>
+                        </a:rPr>
+                        <a:t>1.8</a:t>
+                      </a:r>
+                    </a:p>
+                  </a:txBody>
+                  <a:tcPr marL="7620" marR="7620" marT="7620" marB="0" anchor="b">
+                    <a:lnL>
+                      <a:noFill/>
+                    </a:lnL>
+                    <a:lnR>
+                      <a:noFill/>
+                    </a:lnR>
+                    <a:lnT>
+                      <a:noFill/>
+                    </a:lnT>
+                    <a:lnB>
+                      <a:noFill/>
+                    </a:lnB>
+                    <a:noFill/>
+                  </a:tcPr>
+                </a:tc>
+                <a:tc>
+                  <a:txBody>
+                    <a:bodyPr/>
+                    <a:lstStyle/>
+                    <a:p>
+                      <a:pPr algn="ctr" fontAlgn="b"/>
+                      <a:r>
+                        <a:rPr lang="en-US" sz="4000" b="0" i="0" u="none" strike="noStrike">
+                          <a:solidFill>
+                            <a:srgbClr val="000000"/>
+                          </a:solidFill>
+                          <a:effectLst/>
+                          <a:latin typeface="Times New Roman" panose="02020603050405020304" pitchFamily="18" charset="0"/>
+                        </a:rPr>
+                        <a:t>0.07</a:t>
+                      </a:r>
+                    </a:p>
+                  </a:txBody>
+                  <a:tcPr marL="7620" marR="7620" marT="7620" marB="0" anchor="b">
+                    <a:lnL>
+                      <a:noFill/>
+                    </a:lnL>
+                    <a:lnR>
+                      <a:noFill/>
+                    </a:lnR>
+                    <a:lnT>
+                      <a:noFill/>
+                    </a:lnT>
+                    <a:lnB>
+                      <a:noFill/>
+                    </a:lnB>
+                    <a:noFill/>
+                  </a:tcPr>
+                </a:tc>
+                <a:tc>
+                  <a:txBody>
+                    <a:bodyPr/>
+                    <a:lstStyle/>
+                    <a:p>
+                      <a:pPr algn="ctr" fontAlgn="b"/>
+                      <a:r>
+                        <a:rPr lang="en-US" sz="4000" b="0" i="0" u="none" strike="noStrike">
+                          <a:solidFill>
+                            <a:srgbClr val="000000"/>
+                          </a:solidFill>
+                          <a:effectLst/>
+                          <a:latin typeface="Times New Roman" panose="02020603050405020304" pitchFamily="18" charset="0"/>
+                        </a:rPr>
+                        <a:t>6764.07</a:t>
+                      </a:r>
+                    </a:p>
+                  </a:txBody>
+                  <a:tcPr marL="7620" marR="7620" marT="7620" marB="0" anchor="b">
+                    <a:lnL>
+                      <a:noFill/>
+                    </a:lnL>
+                    <a:lnR>
+                      <a:noFill/>
+                    </a:lnR>
+                    <a:lnT>
+                      <a:noFill/>
+                    </a:lnT>
+                    <a:lnB>
+                      <a:noFill/>
+                    </a:lnB>
+                    <a:noFill/>
+                  </a:tcPr>
+                </a:tc>
+                <a:tc>
+                  <a:txBody>
+                    <a:bodyPr/>
+                    <a:lstStyle/>
+                    <a:p>
+                      <a:pPr algn="ctr" fontAlgn="b"/>
+                      <a:r>
+                        <a:rPr lang="en-US" sz="4000" b="0" i="0" u="none" strike="noStrike">
+                          <a:solidFill>
+                            <a:srgbClr val="000000"/>
+                          </a:solidFill>
+                          <a:effectLst/>
+                          <a:latin typeface="Times New Roman" panose="02020603050405020304" pitchFamily="18" charset="0"/>
+                        </a:rPr>
+                        <a:t>0.94</a:t>
+                      </a:r>
+                    </a:p>
+                  </a:txBody>
+                  <a:tcPr marL="7620" marR="7620" marT="7620" marB="0" anchor="b">
+                    <a:lnL>
+                      <a:noFill/>
+                    </a:lnL>
+                    <a:lnR>
+                      <a:noFill/>
+                    </a:lnR>
+                    <a:lnT>
+                      <a:noFill/>
+                    </a:lnT>
+                    <a:lnB>
+                      <a:noFill/>
+                    </a:lnB>
+                    <a:noFill/>
+                  </a:tcPr>
+                </a:tc>
+                <a:extLst>
+                  <a:ext uri="{0D108BD9-81ED-4DB2-BD59-A6C34878D82A}">
+                    <a16:rowId xmlns:a16="http://schemas.microsoft.com/office/drawing/2014/main" val="3440878565"/>
+                  </a:ext>
+                </a:extLst>
+              </a:tr>
+              <a:tr h="621792">
+                <a:tc gridSpan="3">
+                  <a:txBody>
+                    <a:bodyPr/>
+                    <a:lstStyle/>
+                    <a:p>
+                      <a:pPr algn="r" fontAlgn="b"/>
+                      <a:r>
+                        <a:rPr lang="en-US" sz="4000" b="0" i="0" u="none" strike="noStrike" dirty="0">
+                          <a:solidFill>
+                            <a:srgbClr val="000000"/>
+                          </a:solidFill>
+                          <a:effectLst/>
+                          <a:latin typeface="Times New Roman" panose="02020603050405020304" pitchFamily="18" charset="0"/>
+                        </a:rPr>
+                        <a:t>Opt-out | Viewed | Time 1</a:t>
+                      </a:r>
+                    </a:p>
+                  </a:txBody>
+                  <a:tcPr marL="7620" marR="7620" marT="7620" marB="0" anchor="b">
+                    <a:lnL>
+                      <a:noFill/>
+                    </a:lnL>
+                    <a:lnR>
+                      <a:noFill/>
+                    </a:lnR>
+                    <a:lnT>
+                      <a:noFill/>
+                    </a:lnT>
+                    <a:lnB>
+                      <a:noFill/>
+                    </a:lnB>
+                    <a:noFill/>
+                  </a:tcPr>
+                </a:tc>
+                <a:tc hMerge="1">
+                  <a:txBody>
+                    <a:bodyPr/>
+                    <a:lstStyle/>
+                    <a:p>
+                      <a:endParaRPr lang="en-US"/>
+                    </a:p>
+                  </a:txBody>
+                  <a:tcPr/>
+                </a:tc>
+                <a:tc hMerge="1">
+                  <a:txBody>
+                    <a:bodyPr/>
+                    <a:lstStyle/>
+                    <a:p>
+                      <a:endParaRPr lang="en-US"/>
+                    </a:p>
+                  </a:txBody>
+                  <a:tcPr/>
+                </a:tc>
+                <a:tc>
+                  <a:txBody>
+                    <a:bodyPr/>
+                    <a:lstStyle/>
+                    <a:p>
+                      <a:pPr algn="ctr" fontAlgn="b"/>
+                      <a:r>
+                        <a:rPr lang="en-US" sz="4000" b="0" i="0" u="none" strike="noStrike">
+                          <a:solidFill>
+                            <a:srgbClr val="000000"/>
+                          </a:solidFill>
+                          <a:effectLst/>
+                          <a:latin typeface="Times New Roman" panose="02020603050405020304" pitchFamily="18" charset="0"/>
+                        </a:rPr>
+                        <a:t>1.53</a:t>
+                      </a:r>
+                    </a:p>
+                  </a:txBody>
+                  <a:tcPr marL="7620" marR="7620" marT="7620" marB="0" anchor="b">
+                    <a:lnL>
+                      <a:noFill/>
+                    </a:lnL>
+                    <a:lnR>
+                      <a:noFill/>
+                    </a:lnR>
+                    <a:lnT>
+                      <a:noFill/>
+                    </a:lnT>
+                    <a:lnB>
+                      <a:noFill/>
+                    </a:lnB>
+                    <a:noFill/>
+                  </a:tcPr>
+                </a:tc>
+                <a:tc>
+                  <a:txBody>
+                    <a:bodyPr/>
+                    <a:lstStyle/>
+                    <a:p>
+                      <a:pPr algn="ctr" fontAlgn="b"/>
+                      <a:r>
+                        <a:rPr lang="en-US" sz="4000" b="0" i="0" u="none" strike="noStrike">
+                          <a:solidFill>
+                            <a:srgbClr val="000000"/>
+                          </a:solidFill>
+                          <a:effectLst/>
+                          <a:latin typeface="Times New Roman" panose="02020603050405020304" pitchFamily="18" charset="0"/>
+                        </a:rPr>
+                        <a:t>1.4</a:t>
+                      </a:r>
+                    </a:p>
+                  </a:txBody>
+                  <a:tcPr marL="7620" marR="7620" marT="7620" marB="0" anchor="b">
+                    <a:lnL>
+                      <a:noFill/>
+                    </a:lnL>
+                    <a:lnR>
+                      <a:noFill/>
+                    </a:lnR>
+                    <a:lnT>
+                      <a:noFill/>
+                    </a:lnT>
+                    <a:lnB>
+                      <a:noFill/>
+                    </a:lnB>
+                    <a:noFill/>
+                  </a:tcPr>
+                </a:tc>
+                <a:tc>
+                  <a:txBody>
+                    <a:bodyPr/>
+                    <a:lstStyle/>
+                    <a:p>
+                      <a:pPr algn="ctr" fontAlgn="b"/>
+                      <a:r>
+                        <a:rPr lang="en-US" sz="4000" b="0" i="0" u="none" strike="noStrike">
+                          <a:solidFill>
+                            <a:srgbClr val="000000"/>
+                          </a:solidFill>
+                          <a:effectLst/>
+                          <a:latin typeface="Times New Roman" panose="02020603050405020304" pitchFamily="18" charset="0"/>
+                        </a:rPr>
+                        <a:t>1.13</a:t>
+                      </a:r>
+                    </a:p>
+                  </a:txBody>
+                  <a:tcPr marL="7620" marR="7620" marT="7620" marB="0" anchor="b">
+                    <a:lnL>
+                      <a:noFill/>
+                    </a:lnL>
+                    <a:lnR>
+                      <a:noFill/>
+                    </a:lnR>
+                    <a:lnT>
+                      <a:noFill/>
+                    </a:lnT>
+                    <a:lnB>
+                      <a:noFill/>
+                    </a:lnB>
+                    <a:noFill/>
+                  </a:tcPr>
+                </a:tc>
+                <a:tc>
+                  <a:txBody>
+                    <a:bodyPr/>
+                    <a:lstStyle/>
+                    <a:p>
+                      <a:pPr algn="ctr" fontAlgn="b"/>
+                      <a:r>
+                        <a:rPr lang="en-US" sz="4000" b="0" i="0" u="none" strike="noStrike">
+                          <a:solidFill>
+                            <a:srgbClr val="000000"/>
+                          </a:solidFill>
+                          <a:effectLst/>
+                          <a:latin typeface="Times New Roman" panose="02020603050405020304" pitchFamily="18" charset="0"/>
+                        </a:rPr>
+                        <a:t>12931</a:t>
+                      </a:r>
+                    </a:p>
+                  </a:txBody>
+                  <a:tcPr marL="7620" marR="7620" marT="7620" marB="0" anchor="b">
+                    <a:lnL>
+                      <a:noFill/>
+                    </a:lnL>
+                    <a:lnR>
+                      <a:noFill/>
+                    </a:lnR>
+                    <a:lnT>
+                      <a:noFill/>
+                    </a:lnT>
+                    <a:lnB>
+                      <a:noFill/>
+                    </a:lnB>
+                    <a:noFill/>
+                  </a:tcPr>
+                </a:tc>
+                <a:tc>
+                  <a:txBody>
+                    <a:bodyPr/>
+                    <a:lstStyle/>
+                    <a:p>
+                      <a:pPr algn="ctr" fontAlgn="b"/>
+                      <a:r>
+                        <a:rPr lang="en-US" sz="4000" b="0" i="0" u="none" strike="noStrike" dirty="0">
+                          <a:solidFill>
+                            <a:srgbClr val="000000"/>
+                          </a:solidFill>
+                          <a:effectLst/>
+                          <a:latin typeface="Times New Roman" panose="02020603050405020304" pitchFamily="18" charset="0"/>
+                        </a:rPr>
+                        <a:t>0.26</a:t>
+                      </a:r>
+                    </a:p>
+                  </a:txBody>
+                  <a:tcPr marL="7620" marR="7620" marT="7620" marB="0" anchor="b">
+                    <a:lnL>
+                      <a:noFill/>
+                    </a:lnL>
+                    <a:lnR>
+                      <a:noFill/>
+                    </a:lnR>
+                    <a:lnT>
+                      <a:noFill/>
+                    </a:lnT>
+                    <a:lnB>
+                      <a:noFill/>
+                    </a:lnB>
+                    <a:noFill/>
+                  </a:tcPr>
+                </a:tc>
+                <a:extLst>
+                  <a:ext uri="{0D108BD9-81ED-4DB2-BD59-A6C34878D82A}">
+                    <a16:rowId xmlns:a16="http://schemas.microsoft.com/office/drawing/2014/main" val="944817839"/>
+                  </a:ext>
+                </a:extLst>
+              </a:tr>
+              <a:tr h="621792">
+                <a:tc gridSpan="3">
+                  <a:txBody>
+                    <a:bodyPr/>
+                    <a:lstStyle/>
+                    <a:p>
+                      <a:pPr algn="r" fontAlgn="b"/>
+                      <a:r>
+                        <a:rPr lang="en-US" sz="4000" b="0" i="0" u="none" strike="noStrike">
+                          <a:solidFill>
+                            <a:srgbClr val="000000"/>
+                          </a:solidFill>
+                          <a:effectLst/>
+                          <a:latin typeface="Times New Roman" panose="02020603050405020304" pitchFamily="18" charset="0"/>
+                        </a:rPr>
+                        <a:t>Opt-in | Not Viewed | Time 2</a:t>
+                      </a:r>
+                    </a:p>
+                  </a:txBody>
+                  <a:tcPr marL="7620" marR="7620" marT="7620" marB="0" anchor="b">
+                    <a:lnL>
+                      <a:noFill/>
+                    </a:lnL>
+                    <a:lnR>
+                      <a:noFill/>
+                    </a:lnR>
+                    <a:lnT>
+                      <a:noFill/>
+                    </a:lnT>
+                    <a:lnB>
+                      <a:noFill/>
+                    </a:lnB>
+                    <a:noFill/>
+                  </a:tcPr>
+                </a:tc>
+                <a:tc hMerge="1">
+                  <a:txBody>
+                    <a:bodyPr/>
+                    <a:lstStyle/>
+                    <a:p>
+                      <a:endParaRPr lang="en-US"/>
+                    </a:p>
+                  </a:txBody>
+                  <a:tcPr/>
+                </a:tc>
+                <a:tc hMerge="1">
+                  <a:txBody>
+                    <a:bodyPr/>
+                    <a:lstStyle/>
+                    <a:p>
+                      <a:endParaRPr lang="en-US"/>
+                    </a:p>
+                  </a:txBody>
+                  <a:tcPr/>
+                </a:tc>
+                <a:tc>
+                  <a:txBody>
+                    <a:bodyPr/>
+                    <a:lstStyle/>
+                    <a:p>
+                      <a:pPr algn="ctr" fontAlgn="b"/>
+                      <a:r>
+                        <a:rPr lang="en-US" sz="4000" b="0" i="0" u="none" strike="noStrike">
+                          <a:solidFill>
+                            <a:srgbClr val="000000"/>
+                          </a:solidFill>
+                          <a:effectLst/>
+                          <a:latin typeface="Times New Roman" panose="02020603050405020304" pitchFamily="18" charset="0"/>
+                        </a:rPr>
+                        <a:t>0.99</a:t>
+                      </a:r>
+                    </a:p>
+                  </a:txBody>
+                  <a:tcPr marL="7620" marR="7620" marT="7620" marB="0" anchor="b">
+                    <a:lnL>
+                      <a:noFill/>
+                    </a:lnL>
+                    <a:lnR>
+                      <a:noFill/>
+                    </a:lnR>
+                    <a:lnT>
+                      <a:noFill/>
+                    </a:lnT>
+                    <a:lnB>
+                      <a:noFill/>
+                    </a:lnB>
+                    <a:noFill/>
+                  </a:tcPr>
+                </a:tc>
+                <a:tc>
+                  <a:txBody>
+                    <a:bodyPr/>
+                    <a:lstStyle/>
+                    <a:p>
+                      <a:pPr algn="ctr" fontAlgn="b"/>
+                      <a:r>
+                        <a:rPr lang="en-US" sz="4000" b="0" i="0" u="none" strike="noStrike">
+                          <a:solidFill>
+                            <a:srgbClr val="000000"/>
+                          </a:solidFill>
+                          <a:effectLst/>
+                          <a:latin typeface="Times New Roman" panose="02020603050405020304" pitchFamily="18" charset="0"/>
+                        </a:rPr>
+                        <a:t>2</a:t>
+                      </a:r>
+                    </a:p>
+                  </a:txBody>
+                  <a:tcPr marL="7620" marR="7620" marT="7620" marB="0" anchor="b">
+                    <a:lnL>
+                      <a:noFill/>
+                    </a:lnL>
+                    <a:lnR>
+                      <a:noFill/>
+                    </a:lnR>
+                    <a:lnT>
+                      <a:noFill/>
+                    </a:lnT>
+                    <a:lnB>
+                      <a:noFill/>
+                    </a:lnB>
+                    <a:noFill/>
+                  </a:tcPr>
+                </a:tc>
+                <a:tc>
+                  <a:txBody>
+                    <a:bodyPr/>
+                    <a:lstStyle/>
+                    <a:p>
+                      <a:pPr algn="ctr" fontAlgn="b"/>
+                      <a:r>
+                        <a:rPr lang="en-US" sz="4000" b="0" i="0" u="none" strike="noStrike">
+                          <a:solidFill>
+                            <a:srgbClr val="000000"/>
+                          </a:solidFill>
+                          <a:effectLst/>
+                          <a:latin typeface="Times New Roman" panose="02020603050405020304" pitchFamily="18" charset="0"/>
+                        </a:rPr>
+                        <a:t>0.49</a:t>
+                      </a:r>
+                    </a:p>
+                  </a:txBody>
+                  <a:tcPr marL="7620" marR="7620" marT="7620" marB="0" anchor="b">
+                    <a:lnL>
+                      <a:noFill/>
+                    </a:lnL>
+                    <a:lnR>
+                      <a:noFill/>
+                    </a:lnR>
+                    <a:lnT>
+                      <a:noFill/>
+                    </a:lnT>
+                    <a:lnB>
+                      <a:noFill/>
+                    </a:lnB>
+                    <a:noFill/>
+                  </a:tcPr>
+                </a:tc>
+                <a:tc>
+                  <a:txBody>
+                    <a:bodyPr/>
+                    <a:lstStyle/>
+                    <a:p>
+                      <a:pPr algn="ctr" fontAlgn="b"/>
+                      <a:r>
+                        <a:rPr lang="en-US" sz="4000" b="0" i="0" u="none" strike="noStrike">
+                          <a:solidFill>
+                            <a:srgbClr val="000000"/>
+                          </a:solidFill>
+                          <a:effectLst/>
+                          <a:latin typeface="Times New Roman" panose="02020603050405020304" pitchFamily="18" charset="0"/>
+                        </a:rPr>
+                        <a:t>13957.5</a:t>
+                      </a:r>
+                    </a:p>
+                  </a:txBody>
+                  <a:tcPr marL="7620" marR="7620" marT="7620" marB="0" anchor="b">
+                    <a:lnL>
+                      <a:noFill/>
+                    </a:lnL>
+                    <a:lnR>
+                      <a:noFill/>
+                    </a:lnR>
+                    <a:lnT>
+                      <a:noFill/>
+                    </a:lnT>
+                    <a:lnB>
+                      <a:noFill/>
+                    </a:lnB>
+                    <a:noFill/>
+                  </a:tcPr>
+                </a:tc>
+                <a:tc>
+                  <a:txBody>
+                    <a:bodyPr/>
+                    <a:lstStyle/>
+                    <a:p>
+                      <a:pPr algn="ctr" fontAlgn="b"/>
+                      <a:r>
+                        <a:rPr lang="en-US" sz="4000" b="0" i="0" u="none" strike="noStrike" dirty="0">
+                          <a:solidFill>
+                            <a:srgbClr val="000000"/>
+                          </a:solidFill>
+                          <a:effectLst/>
+                          <a:latin typeface="Times New Roman" panose="02020603050405020304" pitchFamily="18" charset="0"/>
+                        </a:rPr>
+                        <a:t>0.63</a:t>
+                      </a:r>
+                    </a:p>
+                  </a:txBody>
+                  <a:tcPr marL="7620" marR="7620" marT="7620" marB="0" anchor="b">
+                    <a:lnL>
+                      <a:noFill/>
+                    </a:lnL>
+                    <a:lnR>
+                      <a:noFill/>
+                    </a:lnR>
+                    <a:lnT>
+                      <a:noFill/>
+                    </a:lnT>
+                    <a:lnB>
+                      <a:noFill/>
+                    </a:lnB>
+                    <a:noFill/>
+                  </a:tcPr>
+                </a:tc>
+                <a:extLst>
+                  <a:ext uri="{0D108BD9-81ED-4DB2-BD59-A6C34878D82A}">
+                    <a16:rowId xmlns:a16="http://schemas.microsoft.com/office/drawing/2014/main" val="702134735"/>
+                  </a:ext>
+                </a:extLst>
+              </a:tr>
+              <a:tr h="621792">
+                <a:tc gridSpan="3">
+                  <a:txBody>
+                    <a:bodyPr/>
+                    <a:lstStyle/>
+                    <a:p>
+                      <a:pPr algn="r" fontAlgn="b"/>
+                      <a:r>
+                        <a:rPr lang="en-US" sz="4000" b="0" i="0" u="none" strike="noStrike">
+                          <a:solidFill>
+                            <a:srgbClr val="000000"/>
+                          </a:solidFill>
+                          <a:effectLst/>
+                          <a:latin typeface="Times New Roman" panose="02020603050405020304" pitchFamily="18" charset="0"/>
+                        </a:rPr>
+                        <a:t>Opt-in | Not Viewed | Time 3</a:t>
+                      </a:r>
+                    </a:p>
+                  </a:txBody>
+                  <a:tcPr marL="7620" marR="7620" marT="7620" marB="0" anchor="b">
+                    <a:lnL>
+                      <a:noFill/>
+                    </a:lnL>
+                    <a:lnR>
+                      <a:noFill/>
+                    </a:lnR>
+                    <a:lnT>
+                      <a:noFill/>
+                    </a:lnT>
+                    <a:lnB>
+                      <a:noFill/>
+                    </a:lnB>
+                    <a:noFill/>
+                  </a:tcPr>
+                </a:tc>
+                <a:tc hMerge="1">
+                  <a:txBody>
+                    <a:bodyPr/>
+                    <a:lstStyle/>
+                    <a:p>
+                      <a:endParaRPr lang="en-US"/>
+                    </a:p>
+                  </a:txBody>
+                  <a:tcPr/>
+                </a:tc>
+                <a:tc hMerge="1">
+                  <a:txBody>
+                    <a:bodyPr/>
+                    <a:lstStyle/>
+                    <a:p>
+                      <a:endParaRPr lang="en-US"/>
+                    </a:p>
+                  </a:txBody>
+                  <a:tcPr/>
+                </a:tc>
+                <a:tc>
+                  <a:txBody>
+                    <a:bodyPr/>
+                    <a:lstStyle/>
+                    <a:p>
+                      <a:pPr algn="ctr" fontAlgn="b"/>
+                      <a:r>
+                        <a:rPr lang="en-US" sz="4000" b="0" i="0" u="none" strike="noStrike">
+                          <a:solidFill>
+                            <a:srgbClr val="000000"/>
+                          </a:solidFill>
+                          <a:effectLst/>
+                          <a:latin typeface="Times New Roman" panose="02020603050405020304" pitchFamily="18" charset="0"/>
+                        </a:rPr>
+                        <a:t>-0.79</a:t>
+                      </a:r>
+                    </a:p>
+                  </a:txBody>
+                  <a:tcPr marL="7620" marR="7620" marT="7620" marB="0" anchor="b">
+                    <a:lnL>
+                      <a:noFill/>
+                    </a:lnL>
+                    <a:lnR>
+                      <a:noFill/>
+                    </a:lnR>
+                    <a:lnT>
+                      <a:noFill/>
+                    </a:lnT>
+                    <a:lnB>
+                      <a:noFill/>
+                    </a:lnB>
+                    <a:noFill/>
+                  </a:tcPr>
+                </a:tc>
+                <a:tc>
+                  <a:txBody>
+                    <a:bodyPr/>
+                    <a:lstStyle/>
+                    <a:p>
+                      <a:pPr algn="ctr" fontAlgn="b"/>
+                      <a:r>
+                        <a:rPr lang="en-US" sz="4000" b="0" i="0" u="none" strike="noStrike">
+                          <a:solidFill>
+                            <a:srgbClr val="000000"/>
+                          </a:solidFill>
+                          <a:effectLst/>
+                          <a:latin typeface="Times New Roman" panose="02020603050405020304" pitchFamily="18" charset="0"/>
+                        </a:rPr>
+                        <a:t>2.8</a:t>
+                      </a:r>
+                    </a:p>
+                  </a:txBody>
+                  <a:tcPr marL="7620" marR="7620" marT="7620" marB="0" anchor="b">
+                    <a:lnL>
+                      <a:noFill/>
+                    </a:lnL>
+                    <a:lnR>
+                      <a:noFill/>
+                    </a:lnR>
+                    <a:lnT>
+                      <a:noFill/>
+                    </a:lnT>
+                    <a:lnB>
+                      <a:noFill/>
+                    </a:lnB>
+                    <a:noFill/>
+                  </a:tcPr>
+                </a:tc>
+                <a:tc>
+                  <a:txBody>
+                    <a:bodyPr/>
+                    <a:lstStyle/>
+                    <a:p>
+                      <a:pPr algn="ctr" fontAlgn="b"/>
+                      <a:r>
+                        <a:rPr lang="en-US" sz="4000" b="0" i="0" u="none" strike="noStrike">
+                          <a:solidFill>
+                            <a:srgbClr val="000000"/>
+                          </a:solidFill>
+                          <a:effectLst/>
+                          <a:latin typeface="Times New Roman" panose="02020603050405020304" pitchFamily="18" charset="0"/>
+                        </a:rPr>
+                        <a:t>-0.3</a:t>
+                      </a:r>
+                    </a:p>
+                  </a:txBody>
+                  <a:tcPr marL="7620" marR="7620" marT="7620" marB="0" anchor="b">
+                    <a:lnL>
+                      <a:noFill/>
+                    </a:lnL>
+                    <a:lnR>
+                      <a:noFill/>
+                    </a:lnR>
+                    <a:lnT>
+                      <a:noFill/>
+                    </a:lnT>
+                    <a:lnB>
+                      <a:noFill/>
+                    </a:lnB>
+                    <a:noFill/>
+                  </a:tcPr>
+                </a:tc>
+                <a:tc>
+                  <a:txBody>
+                    <a:bodyPr/>
+                    <a:lstStyle/>
+                    <a:p>
+                      <a:pPr algn="ctr" fontAlgn="b"/>
+                      <a:r>
+                        <a:rPr lang="en-US" sz="4000" b="0" i="0" u="none" strike="noStrike">
+                          <a:solidFill>
+                            <a:srgbClr val="000000"/>
+                          </a:solidFill>
+                          <a:effectLst/>
+                          <a:latin typeface="Times New Roman" panose="02020603050405020304" pitchFamily="18" charset="0"/>
+                        </a:rPr>
+                        <a:t>13933.6</a:t>
+                      </a:r>
+                    </a:p>
+                  </a:txBody>
+                  <a:tcPr marL="7620" marR="7620" marT="7620" marB="0" anchor="b">
+                    <a:lnL>
+                      <a:noFill/>
+                    </a:lnL>
+                    <a:lnR>
+                      <a:noFill/>
+                    </a:lnR>
+                    <a:lnT>
+                      <a:noFill/>
+                    </a:lnT>
+                    <a:lnB>
+                      <a:noFill/>
+                    </a:lnB>
+                    <a:noFill/>
+                  </a:tcPr>
+                </a:tc>
+                <a:tc>
+                  <a:txBody>
+                    <a:bodyPr/>
+                    <a:lstStyle/>
+                    <a:p>
+                      <a:pPr algn="ctr" fontAlgn="b"/>
+                      <a:r>
+                        <a:rPr lang="en-US" sz="4000" b="0" i="0" u="none" strike="noStrike">
+                          <a:solidFill>
+                            <a:srgbClr val="000000"/>
+                          </a:solidFill>
+                          <a:effectLst/>
+                          <a:latin typeface="Times New Roman" panose="02020603050405020304" pitchFamily="18" charset="0"/>
+                        </a:rPr>
+                        <a:t>0.78</a:t>
+                      </a:r>
+                    </a:p>
+                  </a:txBody>
+                  <a:tcPr marL="7620" marR="7620" marT="7620" marB="0" anchor="b">
+                    <a:lnL>
+                      <a:noFill/>
+                    </a:lnL>
+                    <a:lnR>
+                      <a:noFill/>
+                    </a:lnR>
+                    <a:lnT>
+                      <a:noFill/>
+                    </a:lnT>
+                    <a:lnB>
+                      <a:noFill/>
+                    </a:lnB>
+                    <a:noFill/>
+                  </a:tcPr>
+                </a:tc>
+                <a:extLst>
+                  <a:ext uri="{0D108BD9-81ED-4DB2-BD59-A6C34878D82A}">
+                    <a16:rowId xmlns:a16="http://schemas.microsoft.com/office/drawing/2014/main" val="766488421"/>
+                  </a:ext>
+                </a:extLst>
+              </a:tr>
+              <a:tr h="621792">
+                <a:tc gridSpan="3">
+                  <a:txBody>
+                    <a:bodyPr/>
+                    <a:lstStyle/>
+                    <a:p>
+                      <a:pPr algn="r" fontAlgn="b"/>
+                      <a:r>
+                        <a:rPr lang="en-US" sz="4000" b="0" i="0" u="none" strike="noStrike">
+                          <a:solidFill>
+                            <a:srgbClr val="000000"/>
+                          </a:solidFill>
+                          <a:effectLst/>
+                          <a:latin typeface="Times New Roman" panose="02020603050405020304" pitchFamily="18" charset="0"/>
+                        </a:rPr>
+                        <a:t>Opt-in | Not Viewed | Time 4</a:t>
+                      </a:r>
+                    </a:p>
+                  </a:txBody>
+                  <a:tcPr marL="7620" marR="7620" marT="7620" marB="0" anchor="b">
+                    <a:lnL>
+                      <a:noFill/>
+                    </a:lnL>
+                    <a:lnR>
+                      <a:noFill/>
+                    </a:lnR>
+                    <a:lnT>
+                      <a:noFill/>
+                    </a:lnT>
+                    <a:lnB>
+                      <a:noFill/>
+                    </a:lnB>
+                    <a:noFill/>
+                  </a:tcPr>
+                </a:tc>
+                <a:tc hMerge="1">
+                  <a:txBody>
+                    <a:bodyPr/>
+                    <a:lstStyle/>
+                    <a:p>
+                      <a:endParaRPr lang="en-US"/>
+                    </a:p>
+                  </a:txBody>
+                  <a:tcPr/>
+                </a:tc>
+                <a:tc hMerge="1">
+                  <a:txBody>
+                    <a:bodyPr/>
+                    <a:lstStyle/>
+                    <a:p>
+                      <a:endParaRPr lang="en-US"/>
+                    </a:p>
+                  </a:txBody>
+                  <a:tcPr/>
+                </a:tc>
+                <a:tc>
+                  <a:txBody>
+                    <a:bodyPr/>
+                    <a:lstStyle/>
+                    <a:p>
+                      <a:pPr algn="ctr" fontAlgn="b"/>
+                      <a:r>
+                        <a:rPr lang="en-US" sz="4000" b="0" i="0" u="none" strike="noStrike">
+                          <a:solidFill>
+                            <a:srgbClr val="000000"/>
+                          </a:solidFill>
+                          <a:effectLst/>
+                          <a:latin typeface="Times New Roman" panose="02020603050405020304" pitchFamily="18" charset="0"/>
+                        </a:rPr>
+                        <a:t>-1.17</a:t>
+                      </a:r>
+                    </a:p>
+                  </a:txBody>
+                  <a:tcPr marL="7620" marR="7620" marT="7620" marB="0" anchor="b">
+                    <a:lnL>
+                      <a:noFill/>
+                    </a:lnL>
+                    <a:lnR>
+                      <a:noFill/>
+                    </a:lnR>
+                    <a:lnT>
+                      <a:noFill/>
+                    </a:lnT>
+                    <a:lnB>
+                      <a:noFill/>
+                    </a:lnB>
+                    <a:noFill/>
+                  </a:tcPr>
+                </a:tc>
+                <a:tc>
+                  <a:txBody>
+                    <a:bodyPr/>
+                    <a:lstStyle/>
+                    <a:p>
+                      <a:pPr algn="ctr" fontAlgn="b"/>
+                      <a:r>
+                        <a:rPr lang="en-US" sz="4000" b="0" i="0" u="none" strike="noStrike">
+                          <a:solidFill>
+                            <a:srgbClr val="000000"/>
+                          </a:solidFill>
+                          <a:effectLst/>
+                          <a:latin typeface="Times New Roman" panose="02020603050405020304" pitchFamily="18" charset="0"/>
+                        </a:rPr>
+                        <a:t>1.9</a:t>
+                      </a:r>
+                    </a:p>
+                  </a:txBody>
+                  <a:tcPr marL="7620" marR="7620" marT="7620" marB="0" anchor="b">
+                    <a:lnL>
+                      <a:noFill/>
+                    </a:lnL>
+                    <a:lnR>
+                      <a:noFill/>
+                    </a:lnR>
+                    <a:lnT>
+                      <a:noFill/>
+                    </a:lnT>
+                    <a:lnB>
+                      <a:noFill/>
+                    </a:lnB>
+                    <a:noFill/>
+                  </a:tcPr>
+                </a:tc>
+                <a:tc>
+                  <a:txBody>
+                    <a:bodyPr/>
+                    <a:lstStyle/>
+                    <a:p>
+                      <a:pPr algn="ctr" fontAlgn="b"/>
+                      <a:r>
+                        <a:rPr lang="en-US" sz="4000" b="0" i="0" u="none" strike="noStrike" dirty="0">
+                          <a:solidFill>
+                            <a:srgbClr val="000000"/>
+                          </a:solidFill>
+                          <a:effectLst/>
+                          <a:latin typeface="Times New Roman" panose="02020603050405020304" pitchFamily="18" charset="0"/>
+                        </a:rPr>
+                        <a:t>-0.6</a:t>
+                      </a:r>
+                    </a:p>
+                  </a:txBody>
+                  <a:tcPr marL="7620" marR="7620" marT="7620" marB="0" anchor="b">
+                    <a:lnL>
+                      <a:noFill/>
+                    </a:lnL>
+                    <a:lnR>
+                      <a:noFill/>
+                    </a:lnR>
+                    <a:lnT>
+                      <a:noFill/>
+                    </a:lnT>
+                    <a:lnB>
+                      <a:noFill/>
+                    </a:lnB>
+                    <a:noFill/>
+                  </a:tcPr>
+                </a:tc>
+                <a:tc>
+                  <a:txBody>
+                    <a:bodyPr/>
+                    <a:lstStyle/>
+                    <a:p>
+                      <a:pPr algn="ctr" fontAlgn="b"/>
+                      <a:r>
+                        <a:rPr lang="en-US" sz="4000" b="0" i="0" u="none" strike="noStrike">
+                          <a:solidFill>
+                            <a:srgbClr val="000000"/>
+                          </a:solidFill>
+                          <a:effectLst/>
+                          <a:latin typeface="Times New Roman" panose="02020603050405020304" pitchFamily="18" charset="0"/>
+                        </a:rPr>
+                        <a:t>13919.4</a:t>
+                      </a:r>
+                    </a:p>
+                  </a:txBody>
+                  <a:tcPr marL="7620" marR="7620" marT="7620" marB="0" anchor="b">
+                    <a:lnL>
+                      <a:noFill/>
+                    </a:lnL>
+                    <a:lnR>
+                      <a:noFill/>
+                    </a:lnR>
+                    <a:lnT>
+                      <a:noFill/>
+                    </a:lnT>
+                    <a:lnB>
+                      <a:noFill/>
+                    </a:lnB>
+                    <a:noFill/>
+                  </a:tcPr>
+                </a:tc>
+                <a:tc>
+                  <a:txBody>
+                    <a:bodyPr/>
+                    <a:lstStyle/>
+                    <a:p>
+                      <a:pPr algn="ctr" fontAlgn="b"/>
+                      <a:r>
+                        <a:rPr lang="en-US" sz="4000" b="0" i="0" u="none" strike="noStrike" dirty="0">
+                          <a:solidFill>
+                            <a:srgbClr val="000000"/>
+                          </a:solidFill>
+                          <a:effectLst/>
+                          <a:latin typeface="Times New Roman" panose="02020603050405020304" pitchFamily="18" charset="0"/>
+                        </a:rPr>
+                        <a:t>0.54</a:t>
+                      </a:r>
+                    </a:p>
+                  </a:txBody>
+                  <a:tcPr marL="7620" marR="7620" marT="7620" marB="0" anchor="b">
+                    <a:lnL>
+                      <a:noFill/>
+                    </a:lnL>
+                    <a:lnR>
+                      <a:noFill/>
+                    </a:lnR>
+                    <a:lnT>
+                      <a:noFill/>
+                    </a:lnT>
+                    <a:lnB>
+                      <a:noFill/>
+                    </a:lnB>
+                    <a:noFill/>
+                  </a:tcPr>
+                </a:tc>
+                <a:extLst>
+                  <a:ext uri="{0D108BD9-81ED-4DB2-BD59-A6C34878D82A}">
+                    <a16:rowId xmlns:a16="http://schemas.microsoft.com/office/drawing/2014/main" val="3288335466"/>
+                  </a:ext>
+                </a:extLst>
+              </a:tr>
+              <a:tr h="621792">
+                <a:tc gridSpan="3">
+                  <a:txBody>
+                    <a:bodyPr/>
+                    <a:lstStyle/>
+                    <a:p>
+                      <a:pPr algn="r" fontAlgn="b"/>
+                      <a:r>
+                        <a:rPr lang="en-US" sz="4000" b="0" i="0" u="none" strike="noStrike" dirty="0">
+                          <a:solidFill>
+                            <a:srgbClr val="000000"/>
+                          </a:solidFill>
+                          <a:effectLst/>
+                          <a:latin typeface="Times New Roman" panose="02020603050405020304" pitchFamily="18" charset="0"/>
+                        </a:rPr>
+                        <a:t>Opt-out | Viewed | Time 2</a:t>
+                      </a:r>
+                    </a:p>
+                  </a:txBody>
+                  <a:tcPr marL="7620" marR="7620" marT="7620" marB="0" anchor="b">
+                    <a:lnL>
+                      <a:noFill/>
+                    </a:lnL>
+                    <a:lnR>
+                      <a:noFill/>
+                    </a:lnR>
+                    <a:lnT>
+                      <a:noFill/>
+                    </a:lnT>
+                    <a:lnB>
+                      <a:noFill/>
+                    </a:lnB>
+                    <a:noFill/>
+                  </a:tcPr>
+                </a:tc>
+                <a:tc hMerge="1">
+                  <a:txBody>
+                    <a:bodyPr/>
+                    <a:lstStyle/>
+                    <a:p>
+                      <a:endParaRPr lang="en-US"/>
+                    </a:p>
+                  </a:txBody>
+                  <a:tcPr/>
+                </a:tc>
+                <a:tc hMerge="1">
+                  <a:txBody>
+                    <a:bodyPr/>
+                    <a:lstStyle/>
+                    <a:p>
+                      <a:endParaRPr lang="en-US"/>
+                    </a:p>
+                  </a:txBody>
+                  <a:tcPr/>
+                </a:tc>
+                <a:tc>
+                  <a:txBody>
+                    <a:bodyPr/>
+                    <a:lstStyle/>
+                    <a:p>
+                      <a:pPr algn="ctr" fontAlgn="b"/>
+                      <a:r>
+                        <a:rPr lang="en-US" sz="4000" b="0" i="0" u="none" strike="noStrike" dirty="0">
+                          <a:solidFill>
+                            <a:srgbClr val="000000"/>
+                          </a:solidFill>
+                          <a:effectLst/>
+                          <a:latin typeface="Times New Roman" panose="02020603050405020304" pitchFamily="18" charset="0"/>
+                        </a:rPr>
+                        <a:t>-2.97</a:t>
+                      </a:r>
+                    </a:p>
+                  </a:txBody>
+                  <a:tcPr marL="7620" marR="7620" marT="7620" marB="0" anchor="b">
+                    <a:lnL>
+                      <a:noFill/>
+                    </a:lnL>
+                    <a:lnR>
+                      <a:noFill/>
+                    </a:lnR>
+                    <a:lnT>
+                      <a:noFill/>
+                    </a:lnT>
+                    <a:lnB>
+                      <a:noFill/>
+                    </a:lnB>
+                    <a:noFill/>
+                  </a:tcPr>
+                </a:tc>
+                <a:tc>
+                  <a:txBody>
+                    <a:bodyPr/>
+                    <a:lstStyle/>
+                    <a:p>
+                      <a:pPr algn="ctr" fontAlgn="b"/>
+                      <a:r>
+                        <a:rPr lang="en-US" sz="4000" b="0" i="0" u="none" strike="noStrike">
+                          <a:solidFill>
+                            <a:srgbClr val="000000"/>
+                          </a:solidFill>
+                          <a:effectLst/>
+                          <a:latin typeface="Times New Roman" panose="02020603050405020304" pitchFamily="18" charset="0"/>
+                        </a:rPr>
+                        <a:t>1.6</a:t>
+                      </a:r>
+                    </a:p>
+                  </a:txBody>
+                  <a:tcPr marL="7620" marR="7620" marT="7620" marB="0" anchor="b">
+                    <a:lnL>
+                      <a:noFill/>
+                    </a:lnL>
+                    <a:lnR>
+                      <a:noFill/>
+                    </a:lnR>
+                    <a:lnT>
+                      <a:noFill/>
+                    </a:lnT>
+                    <a:lnB>
+                      <a:noFill/>
+                    </a:lnB>
+                    <a:noFill/>
+                  </a:tcPr>
+                </a:tc>
+                <a:tc>
+                  <a:txBody>
+                    <a:bodyPr/>
+                    <a:lstStyle/>
+                    <a:p>
+                      <a:pPr algn="ctr" fontAlgn="b"/>
+                      <a:r>
+                        <a:rPr lang="en-US" sz="4000" b="0" i="0" u="none" strike="noStrike" dirty="0">
+                          <a:solidFill>
+                            <a:srgbClr val="000000"/>
+                          </a:solidFill>
+                          <a:effectLst/>
+                          <a:latin typeface="Times New Roman" panose="02020603050405020304" pitchFamily="18" charset="0"/>
+                        </a:rPr>
+                        <a:t>-1.8</a:t>
+                      </a:r>
+                    </a:p>
+                  </a:txBody>
+                  <a:tcPr marL="7620" marR="7620" marT="7620" marB="0" anchor="b">
+                    <a:lnL>
+                      <a:noFill/>
+                    </a:lnL>
+                    <a:lnR>
+                      <a:noFill/>
+                    </a:lnR>
+                    <a:lnT>
+                      <a:noFill/>
+                    </a:lnT>
+                    <a:lnB>
+                      <a:noFill/>
+                    </a:lnB>
+                    <a:noFill/>
+                  </a:tcPr>
+                </a:tc>
+                <a:tc>
+                  <a:txBody>
+                    <a:bodyPr/>
+                    <a:lstStyle/>
+                    <a:p>
+                      <a:pPr algn="ctr" fontAlgn="b"/>
+                      <a:r>
+                        <a:rPr lang="en-US" sz="4000" b="0" i="0" u="none" strike="noStrike">
+                          <a:solidFill>
+                            <a:srgbClr val="000000"/>
+                          </a:solidFill>
+                          <a:effectLst/>
+                          <a:latin typeface="Times New Roman" panose="02020603050405020304" pitchFamily="18" charset="0"/>
+                        </a:rPr>
+                        <a:t>13948</a:t>
+                      </a:r>
+                    </a:p>
+                  </a:txBody>
+                  <a:tcPr marL="7620" marR="7620" marT="7620" marB="0" anchor="b">
+                    <a:lnL>
+                      <a:noFill/>
+                    </a:lnL>
+                    <a:lnR>
+                      <a:noFill/>
+                    </a:lnR>
+                    <a:lnT>
+                      <a:noFill/>
+                    </a:lnT>
+                    <a:lnB>
+                      <a:noFill/>
+                    </a:lnB>
+                    <a:noFill/>
+                  </a:tcPr>
+                </a:tc>
+                <a:tc>
+                  <a:txBody>
+                    <a:bodyPr/>
+                    <a:lstStyle/>
+                    <a:p>
+                      <a:pPr algn="ctr" fontAlgn="b"/>
+                      <a:r>
+                        <a:rPr lang="en-US" sz="4000" b="0" i="0" u="none" strike="noStrike">
+                          <a:solidFill>
+                            <a:srgbClr val="000000"/>
+                          </a:solidFill>
+                          <a:effectLst/>
+                          <a:latin typeface="Times New Roman" panose="02020603050405020304" pitchFamily="18" charset="0"/>
+                        </a:rPr>
+                        <a:t>0.07</a:t>
+                      </a:r>
+                    </a:p>
+                  </a:txBody>
+                  <a:tcPr marL="7620" marR="7620" marT="7620" marB="0" anchor="b">
+                    <a:lnL>
+                      <a:noFill/>
+                    </a:lnL>
+                    <a:lnR>
+                      <a:noFill/>
+                    </a:lnR>
+                    <a:lnT>
+                      <a:noFill/>
+                    </a:lnT>
+                    <a:lnB>
+                      <a:noFill/>
+                    </a:lnB>
+                    <a:noFill/>
+                  </a:tcPr>
+                </a:tc>
+                <a:extLst>
+                  <a:ext uri="{0D108BD9-81ED-4DB2-BD59-A6C34878D82A}">
+                    <a16:rowId xmlns:a16="http://schemas.microsoft.com/office/drawing/2014/main" val="4089121106"/>
+                  </a:ext>
+                </a:extLst>
+              </a:tr>
+              <a:tr h="621792">
+                <a:tc gridSpan="3">
+                  <a:txBody>
+                    <a:bodyPr/>
+                    <a:lstStyle/>
+                    <a:p>
+                      <a:pPr algn="r" fontAlgn="b"/>
+                      <a:r>
+                        <a:rPr lang="en-US" sz="4000" b="0" i="0" u="none" strike="noStrike">
+                          <a:solidFill>
+                            <a:srgbClr val="000000"/>
+                          </a:solidFill>
+                          <a:effectLst/>
+                          <a:latin typeface="Times New Roman" panose="02020603050405020304" pitchFamily="18" charset="0"/>
+                        </a:rPr>
+                        <a:t>Opt-out | Viewed | Time 3</a:t>
+                      </a:r>
+                    </a:p>
+                  </a:txBody>
+                  <a:tcPr marL="7620" marR="7620" marT="7620" marB="0" anchor="b">
+                    <a:lnL>
+                      <a:noFill/>
+                    </a:lnL>
+                    <a:lnR>
+                      <a:noFill/>
+                    </a:lnR>
+                    <a:lnT>
+                      <a:noFill/>
+                    </a:lnT>
+                    <a:lnB>
+                      <a:noFill/>
+                    </a:lnB>
+                    <a:noFill/>
+                  </a:tcPr>
+                </a:tc>
+                <a:tc hMerge="1">
+                  <a:txBody>
+                    <a:bodyPr/>
+                    <a:lstStyle/>
+                    <a:p>
+                      <a:endParaRPr lang="en-US"/>
+                    </a:p>
+                  </a:txBody>
+                  <a:tcPr/>
+                </a:tc>
+                <a:tc hMerge="1">
+                  <a:txBody>
+                    <a:bodyPr/>
+                    <a:lstStyle/>
+                    <a:p>
+                      <a:endParaRPr lang="en-US"/>
+                    </a:p>
+                  </a:txBody>
+                  <a:tcPr/>
+                </a:tc>
+                <a:tc>
+                  <a:txBody>
+                    <a:bodyPr/>
+                    <a:lstStyle/>
+                    <a:p>
+                      <a:pPr algn="ctr" fontAlgn="b"/>
+                      <a:r>
+                        <a:rPr lang="en-US" sz="4000" b="0" i="0" u="none" strike="noStrike">
+                          <a:solidFill>
+                            <a:srgbClr val="000000"/>
+                          </a:solidFill>
+                          <a:effectLst/>
+                          <a:latin typeface="Times New Roman" panose="02020603050405020304" pitchFamily="18" charset="0"/>
+                        </a:rPr>
+                        <a:t>0.36</a:t>
+                      </a:r>
+                    </a:p>
+                  </a:txBody>
+                  <a:tcPr marL="7620" marR="7620" marT="7620" marB="0" anchor="b">
+                    <a:lnL>
+                      <a:noFill/>
+                    </a:lnL>
+                    <a:lnR>
+                      <a:noFill/>
+                    </a:lnR>
+                    <a:lnT>
+                      <a:noFill/>
+                    </a:lnT>
+                    <a:lnB>
+                      <a:noFill/>
+                    </a:lnB>
+                    <a:noFill/>
+                  </a:tcPr>
+                </a:tc>
+                <a:tc>
+                  <a:txBody>
+                    <a:bodyPr/>
+                    <a:lstStyle/>
+                    <a:p>
+                      <a:pPr algn="ctr" fontAlgn="b"/>
+                      <a:r>
+                        <a:rPr lang="en-US" sz="4000" b="0" i="0" u="none" strike="noStrike">
+                          <a:solidFill>
+                            <a:srgbClr val="000000"/>
+                          </a:solidFill>
+                          <a:effectLst/>
+                          <a:latin typeface="Times New Roman" panose="02020603050405020304" pitchFamily="18" charset="0"/>
+                        </a:rPr>
+                        <a:t>1.7</a:t>
+                      </a:r>
+                    </a:p>
+                  </a:txBody>
+                  <a:tcPr marL="7620" marR="7620" marT="7620" marB="0" anchor="b">
+                    <a:lnL>
+                      <a:noFill/>
+                    </a:lnL>
+                    <a:lnR>
+                      <a:noFill/>
+                    </a:lnR>
+                    <a:lnT>
+                      <a:noFill/>
+                    </a:lnT>
+                    <a:lnB>
+                      <a:noFill/>
+                    </a:lnB>
+                    <a:noFill/>
+                  </a:tcPr>
+                </a:tc>
+                <a:tc>
+                  <a:txBody>
+                    <a:bodyPr/>
+                    <a:lstStyle/>
+                    <a:p>
+                      <a:pPr algn="ctr" fontAlgn="b"/>
+                      <a:r>
+                        <a:rPr lang="en-US" sz="4000" b="0" i="0" u="none" strike="noStrike">
+                          <a:solidFill>
+                            <a:srgbClr val="000000"/>
+                          </a:solidFill>
+                          <a:effectLst/>
+                          <a:latin typeface="Times New Roman" panose="02020603050405020304" pitchFamily="18" charset="0"/>
+                        </a:rPr>
+                        <a:t>0.21</a:t>
+                      </a:r>
+                    </a:p>
+                  </a:txBody>
+                  <a:tcPr marL="7620" marR="7620" marT="7620" marB="0" anchor="b">
+                    <a:lnL>
+                      <a:noFill/>
+                    </a:lnL>
+                    <a:lnR>
+                      <a:noFill/>
+                    </a:lnR>
+                    <a:lnT>
+                      <a:noFill/>
+                    </a:lnT>
+                    <a:lnB>
+                      <a:noFill/>
+                    </a:lnB>
+                    <a:noFill/>
+                  </a:tcPr>
+                </a:tc>
+                <a:tc>
+                  <a:txBody>
+                    <a:bodyPr/>
+                    <a:lstStyle/>
+                    <a:p>
+                      <a:pPr algn="ctr" fontAlgn="b"/>
+                      <a:r>
+                        <a:rPr lang="en-US" sz="4000" b="0" i="0" u="none" strike="noStrike">
+                          <a:solidFill>
+                            <a:srgbClr val="000000"/>
+                          </a:solidFill>
+                          <a:effectLst/>
+                          <a:latin typeface="Times New Roman" panose="02020603050405020304" pitchFamily="18" charset="0"/>
+                        </a:rPr>
+                        <a:t>13956.8</a:t>
+                      </a:r>
+                    </a:p>
+                  </a:txBody>
+                  <a:tcPr marL="7620" marR="7620" marT="7620" marB="0" anchor="b">
+                    <a:lnL>
+                      <a:noFill/>
+                    </a:lnL>
+                    <a:lnR>
+                      <a:noFill/>
+                    </a:lnR>
+                    <a:lnT>
+                      <a:noFill/>
+                    </a:lnT>
+                    <a:lnB>
+                      <a:noFill/>
+                    </a:lnB>
+                    <a:noFill/>
+                  </a:tcPr>
+                </a:tc>
+                <a:tc>
+                  <a:txBody>
+                    <a:bodyPr/>
+                    <a:lstStyle/>
+                    <a:p>
+                      <a:pPr algn="ctr" fontAlgn="b"/>
+                      <a:r>
+                        <a:rPr lang="en-US" sz="4000" b="0" i="0" u="none" strike="noStrike" dirty="0">
+                          <a:solidFill>
+                            <a:srgbClr val="000000"/>
+                          </a:solidFill>
+                          <a:effectLst/>
+                          <a:latin typeface="Times New Roman" panose="02020603050405020304" pitchFamily="18" charset="0"/>
+                        </a:rPr>
+                        <a:t>0.84</a:t>
+                      </a:r>
+                    </a:p>
+                  </a:txBody>
+                  <a:tcPr marL="7620" marR="7620" marT="7620" marB="0" anchor="b">
+                    <a:lnL>
+                      <a:noFill/>
+                    </a:lnL>
+                    <a:lnR>
+                      <a:noFill/>
+                    </a:lnR>
+                    <a:lnT>
+                      <a:noFill/>
+                    </a:lnT>
+                    <a:lnB>
+                      <a:noFill/>
+                    </a:lnB>
+                    <a:noFill/>
+                  </a:tcPr>
+                </a:tc>
+                <a:extLst>
+                  <a:ext uri="{0D108BD9-81ED-4DB2-BD59-A6C34878D82A}">
+                    <a16:rowId xmlns:a16="http://schemas.microsoft.com/office/drawing/2014/main" val="4005176525"/>
+                  </a:ext>
+                </a:extLst>
+              </a:tr>
+              <a:tr h="621792">
+                <a:tc gridSpan="3">
+                  <a:txBody>
+                    <a:bodyPr/>
+                    <a:lstStyle/>
+                    <a:p>
+                      <a:pPr algn="r" fontAlgn="b"/>
+                      <a:r>
+                        <a:rPr lang="en-US" sz="4000" b="0" i="0" u="none" strike="noStrike" dirty="0">
+                          <a:solidFill>
+                            <a:srgbClr val="000000"/>
+                          </a:solidFill>
+                          <a:effectLst/>
+                          <a:latin typeface="Times New Roman" panose="02020603050405020304" pitchFamily="18" charset="0"/>
+                        </a:rPr>
+                        <a:t>Opt-out | Viewed | Time 4</a:t>
+                      </a:r>
+                    </a:p>
+                  </a:txBody>
+                  <a:tcPr marL="7620" marR="7620" marT="7620" marB="0" anchor="b">
+                    <a:lnL>
+                      <a:noFill/>
+                    </a:lnL>
+                    <a:lnR>
+                      <a:noFill/>
+                    </a:lnR>
+                    <a:lnT>
+                      <a:noFill/>
+                    </a:lnT>
+                    <a:lnB>
+                      <a:noFill/>
+                    </a:lnB>
+                    <a:noFill/>
+                  </a:tcPr>
+                </a:tc>
+                <a:tc hMerge="1">
+                  <a:txBody>
+                    <a:bodyPr/>
+                    <a:lstStyle/>
+                    <a:p>
+                      <a:endParaRPr lang="en-US"/>
+                    </a:p>
+                  </a:txBody>
+                  <a:tcPr/>
+                </a:tc>
+                <a:tc hMerge="1">
+                  <a:txBody>
+                    <a:bodyPr/>
+                    <a:lstStyle/>
+                    <a:p>
+                      <a:endParaRPr lang="en-US"/>
+                    </a:p>
+                  </a:txBody>
+                  <a:tcPr/>
+                </a:tc>
+                <a:tc>
+                  <a:txBody>
+                    <a:bodyPr/>
+                    <a:lstStyle/>
+                    <a:p>
+                      <a:pPr algn="ctr" fontAlgn="b"/>
+                      <a:r>
+                        <a:rPr lang="en-US" sz="4000" b="0" i="0" u="none" strike="noStrike">
+                          <a:solidFill>
+                            <a:srgbClr val="000000"/>
+                          </a:solidFill>
+                          <a:effectLst/>
+                          <a:latin typeface="Times New Roman" panose="02020603050405020304" pitchFamily="18" charset="0"/>
+                        </a:rPr>
+                        <a:t>-0.19</a:t>
+                      </a:r>
+                    </a:p>
+                  </a:txBody>
+                  <a:tcPr marL="7620" marR="7620" marT="7620" marB="0" anchor="b">
+                    <a:lnL>
+                      <a:noFill/>
+                    </a:lnL>
+                    <a:lnR>
+                      <a:noFill/>
+                    </a:lnR>
+                    <a:lnT>
+                      <a:noFill/>
+                    </a:lnT>
+                    <a:lnB>
+                      <a:noFill/>
+                    </a:lnB>
+                    <a:noFill/>
+                  </a:tcPr>
+                </a:tc>
+                <a:tc>
+                  <a:txBody>
+                    <a:bodyPr/>
+                    <a:lstStyle/>
+                    <a:p>
+                      <a:pPr algn="ctr" fontAlgn="b"/>
+                      <a:r>
+                        <a:rPr lang="en-US" sz="4000" b="0" i="0" u="none" strike="noStrike" dirty="0">
+                          <a:solidFill>
+                            <a:srgbClr val="000000"/>
+                          </a:solidFill>
+                          <a:effectLst/>
+                          <a:latin typeface="Times New Roman" panose="02020603050405020304" pitchFamily="18" charset="0"/>
+                        </a:rPr>
+                        <a:t>1.5</a:t>
+                      </a:r>
+                    </a:p>
+                  </a:txBody>
+                  <a:tcPr marL="7620" marR="7620" marT="7620" marB="0" anchor="b">
+                    <a:lnL>
+                      <a:noFill/>
+                    </a:lnL>
+                    <a:lnR>
+                      <a:noFill/>
+                    </a:lnR>
+                    <a:lnT>
+                      <a:noFill/>
+                    </a:lnT>
+                    <a:lnB>
+                      <a:noFill/>
+                    </a:lnB>
+                    <a:noFill/>
+                  </a:tcPr>
+                </a:tc>
+                <a:tc>
+                  <a:txBody>
+                    <a:bodyPr/>
+                    <a:lstStyle/>
+                    <a:p>
+                      <a:pPr algn="ctr" fontAlgn="b"/>
+                      <a:r>
+                        <a:rPr lang="en-US" sz="4000" b="0" i="0" u="none" strike="noStrike">
+                          <a:solidFill>
+                            <a:srgbClr val="000000"/>
+                          </a:solidFill>
+                          <a:effectLst/>
+                          <a:latin typeface="Times New Roman" panose="02020603050405020304" pitchFamily="18" charset="0"/>
+                        </a:rPr>
+                        <a:t>-0.1</a:t>
+                      </a:r>
+                    </a:p>
+                  </a:txBody>
+                  <a:tcPr marL="7620" marR="7620" marT="7620" marB="0" anchor="b">
+                    <a:lnL>
+                      <a:noFill/>
+                    </a:lnL>
+                    <a:lnR>
+                      <a:noFill/>
+                    </a:lnR>
+                    <a:lnT>
+                      <a:noFill/>
+                    </a:lnT>
+                    <a:lnB>
+                      <a:noFill/>
+                    </a:lnB>
+                    <a:noFill/>
+                  </a:tcPr>
+                </a:tc>
+                <a:tc>
+                  <a:txBody>
+                    <a:bodyPr/>
+                    <a:lstStyle/>
+                    <a:p>
+                      <a:pPr algn="ctr" fontAlgn="b"/>
+                      <a:r>
+                        <a:rPr lang="en-US" sz="4000" b="0" i="0" u="none" strike="noStrike">
+                          <a:solidFill>
+                            <a:srgbClr val="000000"/>
+                          </a:solidFill>
+                          <a:effectLst/>
+                          <a:latin typeface="Times New Roman" panose="02020603050405020304" pitchFamily="18" charset="0"/>
+                        </a:rPr>
+                        <a:t>13812.3</a:t>
+                      </a:r>
+                    </a:p>
+                  </a:txBody>
+                  <a:tcPr marL="7620" marR="7620" marT="7620" marB="0" anchor="b">
+                    <a:lnL>
+                      <a:noFill/>
+                    </a:lnL>
+                    <a:lnR>
+                      <a:noFill/>
+                    </a:lnR>
+                    <a:lnT>
+                      <a:noFill/>
+                    </a:lnT>
+                    <a:lnB>
+                      <a:noFill/>
+                    </a:lnB>
+                    <a:noFill/>
+                  </a:tcPr>
+                </a:tc>
+                <a:tc>
+                  <a:txBody>
+                    <a:bodyPr/>
+                    <a:lstStyle/>
+                    <a:p>
+                      <a:pPr algn="ctr" fontAlgn="b"/>
+                      <a:r>
+                        <a:rPr lang="en-US" sz="4000" b="0" i="0" u="none" strike="noStrike">
+                          <a:solidFill>
+                            <a:srgbClr val="000000"/>
+                          </a:solidFill>
+                          <a:effectLst/>
+                          <a:latin typeface="Times New Roman" panose="02020603050405020304" pitchFamily="18" charset="0"/>
+                        </a:rPr>
+                        <a:t>0.9</a:t>
+                      </a:r>
+                    </a:p>
+                  </a:txBody>
+                  <a:tcPr marL="7620" marR="7620" marT="7620" marB="0" anchor="b">
+                    <a:lnL>
+                      <a:noFill/>
+                    </a:lnL>
+                    <a:lnR>
+                      <a:noFill/>
+                    </a:lnR>
+                    <a:lnT>
+                      <a:noFill/>
+                    </a:lnT>
+                    <a:lnB>
+                      <a:noFill/>
+                    </a:lnB>
+                    <a:noFill/>
+                  </a:tcPr>
+                </a:tc>
+                <a:extLst>
+                  <a:ext uri="{0D108BD9-81ED-4DB2-BD59-A6C34878D82A}">
+                    <a16:rowId xmlns:a16="http://schemas.microsoft.com/office/drawing/2014/main" val="9718649"/>
+                  </a:ext>
+                </a:extLst>
+              </a:tr>
+              <a:tr h="621792">
+                <a:tc gridSpan="3">
+                  <a:txBody>
+                    <a:bodyPr/>
+                    <a:lstStyle/>
+                    <a:p>
+                      <a:pPr algn="r" fontAlgn="b"/>
+                      <a:r>
+                        <a:rPr lang="en-US" sz="4000" b="0" i="0" u="none" strike="noStrike" dirty="0">
+                          <a:solidFill>
+                            <a:srgbClr val="000000"/>
+                          </a:solidFill>
+                          <a:effectLst/>
+                          <a:latin typeface="Times New Roman" panose="02020603050405020304" pitchFamily="18" charset="0"/>
+                        </a:rPr>
+                        <a:t>Opt-in | Viewed | Time1</a:t>
+                      </a:r>
+                    </a:p>
+                  </a:txBody>
+                  <a:tcPr marL="7620" marR="7620" marT="7620" marB="0" anchor="b">
+                    <a:lnL>
+                      <a:noFill/>
+                    </a:lnL>
+                    <a:lnR>
+                      <a:noFill/>
+                    </a:lnR>
+                    <a:lnT>
+                      <a:noFill/>
+                    </a:lnT>
+                    <a:lnB>
+                      <a:noFill/>
+                    </a:lnB>
+                    <a:noFill/>
+                  </a:tcPr>
+                </a:tc>
+                <a:tc hMerge="1">
+                  <a:txBody>
+                    <a:bodyPr/>
+                    <a:lstStyle/>
+                    <a:p>
+                      <a:endParaRPr lang="en-US"/>
+                    </a:p>
+                  </a:txBody>
+                  <a:tcPr/>
+                </a:tc>
+                <a:tc hMerge="1">
+                  <a:txBody>
+                    <a:bodyPr/>
+                    <a:lstStyle/>
+                    <a:p>
+                      <a:endParaRPr lang="en-US"/>
+                    </a:p>
+                  </a:txBody>
+                  <a:tcPr/>
+                </a:tc>
+                <a:tc>
+                  <a:txBody>
+                    <a:bodyPr/>
+                    <a:lstStyle/>
+                    <a:p>
+                      <a:pPr algn="ctr" fontAlgn="b"/>
+                      <a:r>
+                        <a:rPr lang="en-US" sz="4000" b="1" i="0" u="none" strike="noStrike">
+                          <a:solidFill>
+                            <a:srgbClr val="000000"/>
+                          </a:solidFill>
+                          <a:effectLst/>
+                          <a:latin typeface="Times New Roman" panose="02020603050405020304" pitchFamily="18" charset="0"/>
+                        </a:rPr>
+                        <a:t>-4.61</a:t>
+                      </a:r>
+                    </a:p>
+                  </a:txBody>
+                  <a:tcPr marL="7620" marR="7620" marT="7620" marB="0" anchor="b">
+                    <a:lnL>
+                      <a:noFill/>
+                    </a:lnL>
+                    <a:lnR>
+                      <a:noFill/>
+                    </a:lnR>
+                    <a:lnT>
+                      <a:noFill/>
+                    </a:lnT>
+                    <a:lnB>
+                      <a:noFill/>
+                    </a:lnB>
+                    <a:noFill/>
+                  </a:tcPr>
+                </a:tc>
+                <a:tc>
+                  <a:txBody>
+                    <a:bodyPr/>
+                    <a:lstStyle/>
+                    <a:p>
+                      <a:pPr algn="ctr" fontAlgn="b"/>
+                      <a:r>
+                        <a:rPr lang="en-US" sz="4000" b="0" i="0" u="none" strike="noStrike" dirty="0">
+                          <a:solidFill>
+                            <a:srgbClr val="000000"/>
+                          </a:solidFill>
+                          <a:effectLst/>
+                          <a:latin typeface="Times New Roman" panose="02020603050405020304" pitchFamily="18" charset="0"/>
+                        </a:rPr>
+                        <a:t>2</a:t>
+                      </a:r>
+                    </a:p>
+                  </a:txBody>
+                  <a:tcPr marL="7620" marR="7620" marT="7620" marB="0" anchor="b">
+                    <a:lnL>
+                      <a:noFill/>
+                    </a:lnL>
+                    <a:lnR>
+                      <a:noFill/>
+                    </a:lnR>
+                    <a:lnT>
+                      <a:noFill/>
+                    </a:lnT>
+                    <a:lnB>
+                      <a:noFill/>
+                    </a:lnB>
+                    <a:noFill/>
+                  </a:tcPr>
+                </a:tc>
+                <a:tc>
+                  <a:txBody>
+                    <a:bodyPr/>
+                    <a:lstStyle/>
+                    <a:p>
+                      <a:pPr algn="ctr" fontAlgn="b"/>
+                      <a:r>
+                        <a:rPr lang="en-US" sz="4000" b="0" i="0" u="none" strike="noStrike">
+                          <a:solidFill>
+                            <a:srgbClr val="000000"/>
+                          </a:solidFill>
+                          <a:effectLst/>
+                          <a:latin typeface="Times New Roman" panose="02020603050405020304" pitchFamily="18" charset="0"/>
+                        </a:rPr>
+                        <a:t>-2.3</a:t>
+                      </a:r>
+                    </a:p>
+                  </a:txBody>
+                  <a:tcPr marL="7620" marR="7620" marT="7620" marB="0" anchor="b">
+                    <a:lnL>
+                      <a:noFill/>
+                    </a:lnL>
+                    <a:lnR>
+                      <a:noFill/>
+                    </a:lnR>
+                    <a:lnT>
+                      <a:noFill/>
+                    </a:lnT>
+                    <a:lnB>
+                      <a:noFill/>
+                    </a:lnB>
+                    <a:noFill/>
+                  </a:tcPr>
+                </a:tc>
+                <a:tc>
+                  <a:txBody>
+                    <a:bodyPr/>
+                    <a:lstStyle/>
+                    <a:p>
+                      <a:pPr algn="ctr" fontAlgn="b"/>
+                      <a:r>
+                        <a:rPr lang="en-US" sz="4000" b="0" i="0" u="none" strike="noStrike">
+                          <a:solidFill>
+                            <a:srgbClr val="000000"/>
+                          </a:solidFill>
+                          <a:effectLst/>
+                          <a:latin typeface="Times New Roman" panose="02020603050405020304" pitchFamily="18" charset="0"/>
+                        </a:rPr>
+                        <a:t>13333.7</a:t>
+                      </a:r>
+                    </a:p>
+                  </a:txBody>
+                  <a:tcPr marL="7620" marR="7620" marT="7620" marB="0" anchor="b">
+                    <a:lnL>
+                      <a:noFill/>
+                    </a:lnL>
+                    <a:lnR>
+                      <a:noFill/>
+                    </a:lnR>
+                    <a:lnT>
+                      <a:noFill/>
+                    </a:lnT>
+                    <a:lnB>
+                      <a:noFill/>
+                    </a:lnB>
+                    <a:noFill/>
+                  </a:tcPr>
+                </a:tc>
+                <a:tc>
+                  <a:txBody>
+                    <a:bodyPr/>
+                    <a:lstStyle/>
+                    <a:p>
+                      <a:pPr algn="ctr" fontAlgn="b"/>
+                      <a:r>
+                        <a:rPr lang="en-US" sz="4000" b="1" i="0" u="none" strike="noStrike" dirty="0">
+                          <a:solidFill>
+                            <a:srgbClr val="000000"/>
+                          </a:solidFill>
+                          <a:effectLst/>
+                          <a:latin typeface="Times New Roman" panose="02020603050405020304" pitchFamily="18" charset="0"/>
+                        </a:rPr>
+                        <a:t>0.02</a:t>
+                      </a:r>
+                    </a:p>
+                  </a:txBody>
+                  <a:tcPr marL="7620" marR="7620" marT="7620" marB="0" anchor="b">
+                    <a:lnL>
+                      <a:noFill/>
+                    </a:lnL>
+                    <a:lnR>
+                      <a:noFill/>
+                    </a:lnR>
+                    <a:lnT>
+                      <a:noFill/>
+                    </a:lnT>
+                    <a:lnB>
+                      <a:noFill/>
+                    </a:lnB>
+                    <a:noFill/>
+                  </a:tcPr>
+                </a:tc>
+                <a:extLst>
+                  <a:ext uri="{0D108BD9-81ED-4DB2-BD59-A6C34878D82A}">
+                    <a16:rowId xmlns:a16="http://schemas.microsoft.com/office/drawing/2014/main" val="4018609346"/>
+                  </a:ext>
+                </a:extLst>
+              </a:tr>
+              <a:tr h="621792">
+                <a:tc gridSpan="3">
+                  <a:txBody>
+                    <a:bodyPr/>
+                    <a:lstStyle/>
+                    <a:p>
+                      <a:pPr algn="r" fontAlgn="b"/>
+                      <a:r>
+                        <a:rPr lang="en-US" sz="4000" b="0" i="0" u="none" strike="noStrike" dirty="0">
+                          <a:solidFill>
+                            <a:srgbClr val="000000"/>
+                          </a:solidFill>
+                          <a:effectLst/>
+                          <a:latin typeface="Times New Roman" panose="02020603050405020304" pitchFamily="18" charset="0"/>
+                        </a:rPr>
+                        <a:t>Opt-in | Viewed | Time2</a:t>
+                      </a:r>
+                    </a:p>
+                  </a:txBody>
+                  <a:tcPr marL="7620" marR="7620" marT="7620" marB="0" anchor="b">
+                    <a:lnL>
+                      <a:noFill/>
+                    </a:lnL>
+                    <a:lnR>
+                      <a:noFill/>
+                    </a:lnR>
+                    <a:lnT>
+                      <a:noFill/>
+                    </a:lnT>
+                    <a:lnB>
+                      <a:noFill/>
+                    </a:lnB>
+                    <a:noFill/>
+                  </a:tcPr>
+                </a:tc>
+                <a:tc hMerge="1">
+                  <a:txBody>
+                    <a:bodyPr/>
+                    <a:lstStyle/>
+                    <a:p>
+                      <a:endParaRPr lang="en-US"/>
+                    </a:p>
+                  </a:txBody>
+                  <a:tcPr/>
+                </a:tc>
+                <a:tc hMerge="1">
+                  <a:txBody>
+                    <a:bodyPr/>
+                    <a:lstStyle/>
+                    <a:p>
+                      <a:endParaRPr lang="en-US"/>
+                    </a:p>
+                  </a:txBody>
+                  <a:tcPr/>
+                </a:tc>
+                <a:tc>
+                  <a:txBody>
+                    <a:bodyPr/>
+                    <a:lstStyle/>
+                    <a:p>
+                      <a:pPr algn="ctr" fontAlgn="b"/>
+                      <a:r>
+                        <a:rPr lang="en-US" sz="4000" b="0" i="0" u="none" strike="noStrike">
+                          <a:solidFill>
+                            <a:srgbClr val="000000"/>
+                          </a:solidFill>
+                          <a:effectLst/>
+                          <a:latin typeface="Times New Roman" panose="02020603050405020304" pitchFamily="18" charset="0"/>
+                        </a:rPr>
+                        <a:t>2.77</a:t>
+                      </a:r>
+                    </a:p>
+                  </a:txBody>
+                  <a:tcPr marL="7620" marR="7620" marT="7620" marB="0" anchor="b">
+                    <a:lnL>
+                      <a:noFill/>
+                    </a:lnL>
+                    <a:lnR>
+                      <a:noFill/>
+                    </a:lnR>
+                    <a:lnT>
+                      <a:noFill/>
+                    </a:lnT>
+                    <a:lnB>
+                      <a:noFill/>
+                    </a:lnB>
+                    <a:noFill/>
+                  </a:tcPr>
+                </a:tc>
+                <a:tc>
+                  <a:txBody>
+                    <a:bodyPr/>
+                    <a:lstStyle/>
+                    <a:p>
+                      <a:pPr algn="ctr" fontAlgn="b"/>
+                      <a:r>
+                        <a:rPr lang="en-US" sz="4000" b="0" i="0" u="none" strike="noStrike">
+                          <a:solidFill>
+                            <a:srgbClr val="000000"/>
+                          </a:solidFill>
+                          <a:effectLst/>
+                          <a:latin typeface="Times New Roman" panose="02020603050405020304" pitchFamily="18" charset="0"/>
+                        </a:rPr>
+                        <a:t>2,46</a:t>
+                      </a:r>
+                    </a:p>
+                  </a:txBody>
+                  <a:tcPr marL="7620" marR="7620" marT="7620" marB="0" anchor="b">
+                    <a:lnL>
+                      <a:noFill/>
+                    </a:lnL>
+                    <a:lnR>
+                      <a:noFill/>
+                    </a:lnR>
+                    <a:lnT>
+                      <a:noFill/>
+                    </a:lnT>
+                    <a:lnB>
+                      <a:noFill/>
+                    </a:lnB>
+                    <a:noFill/>
+                  </a:tcPr>
+                </a:tc>
+                <a:tc>
+                  <a:txBody>
+                    <a:bodyPr/>
+                    <a:lstStyle/>
+                    <a:p>
+                      <a:pPr algn="ctr" fontAlgn="b"/>
+                      <a:r>
+                        <a:rPr lang="en-US" sz="4000" b="0" i="0" u="none" strike="noStrike" dirty="0">
+                          <a:solidFill>
+                            <a:srgbClr val="000000"/>
+                          </a:solidFill>
+                          <a:effectLst/>
+                          <a:latin typeface="Times New Roman" panose="02020603050405020304" pitchFamily="18" charset="0"/>
+                        </a:rPr>
+                        <a:t>1.12</a:t>
+                      </a:r>
+                    </a:p>
+                  </a:txBody>
+                  <a:tcPr marL="7620" marR="7620" marT="7620" marB="0" anchor="b">
+                    <a:lnL>
+                      <a:noFill/>
+                    </a:lnL>
+                    <a:lnR>
+                      <a:noFill/>
+                    </a:lnR>
+                    <a:lnT>
+                      <a:noFill/>
+                    </a:lnT>
+                    <a:lnB>
+                      <a:noFill/>
+                    </a:lnB>
+                    <a:noFill/>
+                  </a:tcPr>
+                </a:tc>
+                <a:tc>
+                  <a:txBody>
+                    <a:bodyPr/>
+                    <a:lstStyle/>
+                    <a:p>
+                      <a:pPr algn="ctr" fontAlgn="b"/>
+                      <a:r>
+                        <a:rPr lang="en-US" sz="4000" b="0" i="0" u="none" strike="noStrike" dirty="0">
+                          <a:solidFill>
+                            <a:srgbClr val="000000"/>
+                          </a:solidFill>
+                          <a:effectLst/>
+                          <a:latin typeface="Times New Roman" panose="02020603050405020304" pitchFamily="18" charset="0"/>
+                        </a:rPr>
+                        <a:t>13919.1</a:t>
+                      </a:r>
+                    </a:p>
+                  </a:txBody>
+                  <a:tcPr marL="7620" marR="7620" marT="7620" marB="0" anchor="b">
+                    <a:lnL>
+                      <a:noFill/>
+                    </a:lnL>
+                    <a:lnR>
+                      <a:noFill/>
+                    </a:lnR>
+                    <a:lnT>
+                      <a:noFill/>
+                    </a:lnT>
+                    <a:lnB>
+                      <a:noFill/>
+                    </a:lnB>
+                    <a:noFill/>
+                  </a:tcPr>
+                </a:tc>
+                <a:tc>
+                  <a:txBody>
+                    <a:bodyPr/>
+                    <a:lstStyle/>
+                    <a:p>
+                      <a:pPr algn="ctr" fontAlgn="b"/>
+                      <a:r>
+                        <a:rPr lang="en-US" sz="4000" b="0" i="0" u="none" strike="noStrike" dirty="0">
+                          <a:solidFill>
+                            <a:srgbClr val="000000"/>
+                          </a:solidFill>
+                          <a:effectLst/>
+                          <a:latin typeface="Times New Roman" panose="02020603050405020304" pitchFamily="18" charset="0"/>
+                        </a:rPr>
+                        <a:t>0.26</a:t>
+                      </a:r>
+                    </a:p>
+                  </a:txBody>
+                  <a:tcPr marL="7620" marR="7620" marT="7620" marB="0" anchor="b">
+                    <a:lnL>
+                      <a:noFill/>
+                    </a:lnL>
+                    <a:lnR>
+                      <a:noFill/>
+                    </a:lnR>
+                    <a:lnT>
+                      <a:noFill/>
+                    </a:lnT>
+                    <a:lnB>
+                      <a:noFill/>
+                    </a:lnB>
+                    <a:noFill/>
+                  </a:tcPr>
+                </a:tc>
+                <a:extLst>
+                  <a:ext uri="{0D108BD9-81ED-4DB2-BD59-A6C34878D82A}">
+                    <a16:rowId xmlns:a16="http://schemas.microsoft.com/office/drawing/2014/main" val="3824695917"/>
+                  </a:ext>
+                </a:extLst>
+              </a:tr>
+              <a:tr h="621792">
+                <a:tc gridSpan="3">
+                  <a:txBody>
+                    <a:bodyPr/>
+                    <a:lstStyle/>
+                    <a:p>
+                      <a:pPr algn="r" fontAlgn="b"/>
+                      <a:r>
+                        <a:rPr lang="en-US" sz="4000" b="0" i="0" u="none" strike="noStrike">
+                          <a:solidFill>
+                            <a:srgbClr val="000000"/>
+                          </a:solidFill>
+                          <a:effectLst/>
+                          <a:latin typeface="Times New Roman" panose="02020603050405020304" pitchFamily="18" charset="0"/>
+                        </a:rPr>
+                        <a:t>Opt-in | Viewed | Time3</a:t>
+                      </a:r>
+                    </a:p>
+                  </a:txBody>
+                  <a:tcPr marL="7620" marR="7620" marT="7620" marB="0" anchor="b">
+                    <a:lnL>
+                      <a:noFill/>
+                    </a:lnL>
+                    <a:lnR>
+                      <a:noFill/>
+                    </a:lnR>
+                    <a:lnT>
+                      <a:noFill/>
+                    </a:lnT>
+                    <a:lnB>
+                      <a:noFill/>
+                    </a:lnB>
+                    <a:noFill/>
+                  </a:tcPr>
+                </a:tc>
+                <a:tc hMerge="1">
+                  <a:txBody>
+                    <a:bodyPr/>
+                    <a:lstStyle/>
+                    <a:p>
+                      <a:endParaRPr lang="en-US"/>
+                    </a:p>
+                  </a:txBody>
+                  <a:tcPr/>
+                </a:tc>
+                <a:tc hMerge="1">
+                  <a:txBody>
+                    <a:bodyPr/>
+                    <a:lstStyle/>
+                    <a:p>
+                      <a:endParaRPr lang="en-US"/>
+                    </a:p>
+                  </a:txBody>
+                  <a:tcPr/>
+                </a:tc>
+                <a:tc>
+                  <a:txBody>
+                    <a:bodyPr/>
+                    <a:lstStyle/>
+                    <a:p>
+                      <a:pPr algn="ctr" fontAlgn="b"/>
+                      <a:r>
+                        <a:rPr lang="en-US" sz="4000" b="0" i="0" u="none" strike="noStrike">
+                          <a:solidFill>
+                            <a:srgbClr val="000000"/>
+                          </a:solidFill>
+                          <a:effectLst/>
+                          <a:latin typeface="Times New Roman" panose="02020603050405020304" pitchFamily="18" charset="0"/>
+                        </a:rPr>
+                        <a:t>3.35</a:t>
+                      </a:r>
+                    </a:p>
+                  </a:txBody>
+                  <a:tcPr marL="7620" marR="7620" marT="7620" marB="0" anchor="b">
+                    <a:lnL>
+                      <a:noFill/>
+                    </a:lnL>
+                    <a:lnR>
+                      <a:noFill/>
+                    </a:lnR>
+                    <a:lnT>
+                      <a:noFill/>
+                    </a:lnT>
+                    <a:lnB>
+                      <a:noFill/>
+                    </a:lnB>
+                    <a:noFill/>
+                  </a:tcPr>
+                </a:tc>
+                <a:tc>
+                  <a:txBody>
+                    <a:bodyPr/>
+                    <a:lstStyle/>
+                    <a:p>
+                      <a:pPr algn="ctr" fontAlgn="b"/>
+                      <a:r>
+                        <a:rPr lang="en-US" sz="4000" b="0" i="0" u="none" strike="noStrike">
+                          <a:solidFill>
+                            <a:srgbClr val="000000"/>
+                          </a:solidFill>
+                          <a:effectLst/>
+                          <a:latin typeface="Times New Roman" panose="02020603050405020304" pitchFamily="18" charset="0"/>
+                        </a:rPr>
+                        <a:t>3.1</a:t>
+                      </a:r>
+                    </a:p>
+                  </a:txBody>
+                  <a:tcPr marL="7620" marR="7620" marT="7620" marB="0" anchor="b">
+                    <a:lnL>
+                      <a:noFill/>
+                    </a:lnL>
+                    <a:lnR>
+                      <a:noFill/>
+                    </a:lnR>
+                    <a:lnT>
+                      <a:noFill/>
+                    </a:lnT>
+                    <a:lnB>
+                      <a:noFill/>
+                    </a:lnB>
+                    <a:noFill/>
+                  </a:tcPr>
+                </a:tc>
+                <a:tc>
+                  <a:txBody>
+                    <a:bodyPr/>
+                    <a:lstStyle/>
+                    <a:p>
+                      <a:pPr algn="ctr" fontAlgn="b"/>
+                      <a:r>
+                        <a:rPr lang="en-US" sz="4000" b="0" i="0" u="none" strike="noStrike">
+                          <a:solidFill>
+                            <a:srgbClr val="000000"/>
+                          </a:solidFill>
+                          <a:effectLst/>
+                          <a:latin typeface="Times New Roman" panose="02020603050405020304" pitchFamily="18" charset="0"/>
+                        </a:rPr>
+                        <a:t>1.08</a:t>
+                      </a:r>
+                    </a:p>
+                  </a:txBody>
+                  <a:tcPr marL="7620" marR="7620" marT="7620" marB="0" anchor="b">
+                    <a:lnL>
+                      <a:noFill/>
+                    </a:lnL>
+                    <a:lnR>
+                      <a:noFill/>
+                    </a:lnR>
+                    <a:lnT>
+                      <a:noFill/>
+                    </a:lnT>
+                    <a:lnB>
+                      <a:noFill/>
+                    </a:lnB>
+                    <a:noFill/>
+                  </a:tcPr>
+                </a:tc>
+                <a:tc>
+                  <a:txBody>
+                    <a:bodyPr/>
+                    <a:lstStyle/>
+                    <a:p>
+                      <a:pPr algn="ctr" fontAlgn="b"/>
+                      <a:r>
+                        <a:rPr lang="en-US" sz="4000" b="0" i="0" u="none" strike="noStrike" dirty="0">
+                          <a:solidFill>
+                            <a:srgbClr val="000000"/>
+                          </a:solidFill>
+                          <a:effectLst/>
+                          <a:latin typeface="Times New Roman" panose="02020603050405020304" pitchFamily="18" charset="0"/>
+                        </a:rPr>
+                        <a:t>13903.1</a:t>
+                      </a:r>
+                    </a:p>
+                  </a:txBody>
+                  <a:tcPr marL="7620" marR="7620" marT="7620" marB="0" anchor="b">
+                    <a:lnL>
+                      <a:noFill/>
+                    </a:lnL>
+                    <a:lnR>
+                      <a:noFill/>
+                    </a:lnR>
+                    <a:lnT>
+                      <a:noFill/>
+                    </a:lnT>
+                    <a:lnB>
+                      <a:noFill/>
+                    </a:lnB>
+                    <a:noFill/>
+                  </a:tcPr>
+                </a:tc>
+                <a:tc>
+                  <a:txBody>
+                    <a:bodyPr/>
+                    <a:lstStyle/>
+                    <a:p>
+                      <a:pPr algn="ctr" fontAlgn="b"/>
+                      <a:r>
+                        <a:rPr lang="en-US" sz="4000" b="0" i="0" u="none" strike="noStrike" dirty="0">
+                          <a:solidFill>
+                            <a:srgbClr val="000000"/>
+                          </a:solidFill>
+                          <a:effectLst/>
+                          <a:latin typeface="Times New Roman" panose="02020603050405020304" pitchFamily="18" charset="0"/>
+                        </a:rPr>
+                        <a:t>0.28</a:t>
+                      </a:r>
+                    </a:p>
+                  </a:txBody>
+                  <a:tcPr marL="7620" marR="7620" marT="7620" marB="0" anchor="b">
+                    <a:lnL>
+                      <a:noFill/>
+                    </a:lnL>
+                    <a:lnR>
+                      <a:noFill/>
+                    </a:lnR>
+                    <a:lnT>
+                      <a:noFill/>
+                    </a:lnT>
+                    <a:lnB>
+                      <a:noFill/>
+                    </a:lnB>
+                    <a:noFill/>
+                  </a:tcPr>
+                </a:tc>
+                <a:extLst>
+                  <a:ext uri="{0D108BD9-81ED-4DB2-BD59-A6C34878D82A}">
+                    <a16:rowId xmlns:a16="http://schemas.microsoft.com/office/drawing/2014/main" val="4053235397"/>
+                  </a:ext>
+                </a:extLst>
+              </a:tr>
+              <a:tr h="621792">
+                <a:tc gridSpan="3">
+                  <a:txBody>
+                    <a:bodyPr/>
+                    <a:lstStyle/>
+                    <a:p>
+                      <a:pPr algn="r" fontAlgn="b"/>
+                      <a:r>
+                        <a:rPr lang="en-US" sz="4000" b="0" i="0" u="none" strike="noStrike" dirty="0">
+                          <a:solidFill>
+                            <a:srgbClr val="000000"/>
+                          </a:solidFill>
+                          <a:effectLst/>
+                          <a:latin typeface="Times New Roman" panose="02020603050405020304" pitchFamily="18" charset="0"/>
+                        </a:rPr>
+                        <a:t>Opt-in |Viewed | Time4</a:t>
+                      </a:r>
+                    </a:p>
+                  </a:txBody>
+                  <a:tcPr marL="7620" marR="7620" marT="7620" marB="0" anchor="b">
+                    <a:lnL>
+                      <a:noFill/>
+                    </a:lnL>
+                    <a:lnR>
+                      <a:noFill/>
+                    </a:lnR>
+                    <a:lnT>
+                      <a:noFill/>
+                    </a:lnT>
+                    <a:lnB w="12700" cap="flat" cmpd="sng" algn="ctr">
+                      <a:solidFill>
+                        <a:schemeClr val="tx1"/>
+                      </a:solidFill>
+                      <a:prstDash val="solid"/>
+                      <a:round/>
+                      <a:headEnd type="none" w="med" len="med"/>
+                      <a:tailEnd type="none" w="med" len="med"/>
+                    </a:lnB>
+                    <a:noFill/>
+                  </a:tcPr>
+                </a:tc>
+                <a:tc hMerge="1">
+                  <a:txBody>
+                    <a:bodyPr/>
+                    <a:lstStyle/>
+                    <a:p>
+                      <a:endParaRPr lang="en-US"/>
+                    </a:p>
+                  </a:txBody>
+                  <a:tcPr/>
+                </a:tc>
+                <a:tc hMerge="1">
+                  <a:txBody>
+                    <a:bodyPr/>
+                    <a:lstStyle/>
+                    <a:p>
+                      <a:endParaRPr lang="en-US"/>
+                    </a:p>
+                  </a:txBody>
+                  <a:tcPr/>
+                </a:tc>
+                <a:tc>
+                  <a:txBody>
+                    <a:bodyPr/>
+                    <a:lstStyle/>
+                    <a:p>
+                      <a:pPr algn="ctr" fontAlgn="b"/>
+                      <a:r>
+                        <a:rPr lang="en-US" sz="4000" b="1" i="0" u="none" strike="noStrike" dirty="0">
+                          <a:solidFill>
+                            <a:srgbClr val="000000"/>
+                          </a:solidFill>
+                          <a:effectLst/>
+                          <a:latin typeface="Times New Roman" panose="02020603050405020304" pitchFamily="18" charset="0"/>
+                        </a:rPr>
+                        <a:t>5.28</a:t>
+                      </a:r>
+                    </a:p>
+                  </a:txBody>
+                  <a:tcPr marL="7620" marR="7620" marT="7620" marB="0" anchor="b">
+                    <a:lnL>
+                      <a:noFill/>
+                    </a:lnL>
+                    <a:lnR>
+                      <a:noFill/>
+                    </a:lnR>
+                    <a:lnT>
+                      <a:noFill/>
+                    </a:lnT>
+                    <a:lnB w="12700" cap="flat" cmpd="sng" algn="ctr">
+                      <a:solidFill>
+                        <a:schemeClr val="tx1"/>
+                      </a:solidFill>
+                      <a:prstDash val="solid"/>
+                      <a:round/>
+                      <a:headEnd type="none" w="med" len="med"/>
+                      <a:tailEnd type="none" w="med" len="med"/>
+                    </a:lnB>
+                    <a:noFill/>
+                  </a:tcPr>
+                </a:tc>
+                <a:tc>
+                  <a:txBody>
+                    <a:bodyPr/>
+                    <a:lstStyle/>
+                    <a:p>
+                      <a:pPr algn="ctr" fontAlgn="b"/>
+                      <a:r>
+                        <a:rPr lang="en-US" sz="4000" b="0" i="0" u="none" strike="noStrike">
+                          <a:solidFill>
+                            <a:srgbClr val="000000"/>
+                          </a:solidFill>
+                          <a:effectLst/>
+                          <a:latin typeface="Times New Roman" panose="02020603050405020304" pitchFamily="18" charset="0"/>
+                        </a:rPr>
+                        <a:t>2.3</a:t>
+                      </a:r>
+                    </a:p>
+                  </a:txBody>
+                  <a:tcPr marL="7620" marR="7620" marT="7620" marB="0" anchor="b">
+                    <a:lnL>
+                      <a:noFill/>
+                    </a:lnL>
+                    <a:lnR>
+                      <a:noFill/>
+                    </a:lnR>
+                    <a:lnT>
+                      <a:noFill/>
+                    </a:lnT>
                     <a:lnB w="12700" cap="flat" cmpd="sng" algn="ctr">
                       <a:solidFill>
                         <a:srgbClr val="000000"/>
@@ -5990,73 +8631,6 @@
                     <a:noFill/>
                   </a:tcPr>
                 </a:tc>
-                <a:extLst>
-                  <a:ext uri="{0D108BD9-81ED-4DB2-BD59-A6C34878D82A}">
-                    <a16:rowId xmlns:a16="http://schemas.microsoft.com/office/drawing/2014/main" val="2363984019"/>
-                  </a:ext>
-                </a:extLst>
-              </a:tr>
-              <a:tr h="480060">
-                <a:tc gridSpan="3">
-                  <a:txBody>
-                    <a:bodyPr/>
-                    <a:lstStyle/>
-                    <a:p>
-                      <a:pPr algn="r" fontAlgn="b"/>
-                      <a:r>
-                        <a:rPr lang="en-US" sz="3000" b="0" i="0" u="none" strike="noStrike" dirty="0">
-                          <a:solidFill>
-                            <a:srgbClr val="000000"/>
-                          </a:solidFill>
-                          <a:effectLst/>
-                          <a:latin typeface="Times New Roman" panose="02020603050405020304" pitchFamily="18" charset="0"/>
-                        </a:rPr>
-                        <a:t>Intercept (Opt-out | Not Viewed | Time1)</a:t>
-                      </a:r>
-                    </a:p>
-                  </a:txBody>
-                  <a:tcPr marL="7620" marR="7620" marT="7620" marB="0" anchor="b">
-                    <a:lnL>
-                      <a:noFill/>
-                    </a:lnL>
-                    <a:lnR>
-                      <a:noFill/>
-                    </a:lnR>
-                    <a:lnT w="12700" cap="flat" cmpd="sng" algn="ctr">
-                      <a:solidFill>
-                        <a:srgbClr val="000000"/>
-                      </a:solidFill>
-                      <a:prstDash val="solid"/>
-                      <a:round/>
-                      <a:headEnd type="none" w="med" len="med"/>
-                      <a:tailEnd type="none" w="med" len="med"/>
-                    </a:lnT>
-                    <a:lnB>
-                      <a:noFill/>
-                    </a:lnB>
-                    <a:noFill/>
-                  </a:tcPr>
-                </a:tc>
-                <a:tc hMerge="1">
-                  <a:txBody>
-                    <a:bodyPr/>
-                    <a:lstStyle/>
-                    <a:p>
-                      <a:endParaRPr lang="en-US"/>
-                    </a:p>
-                  </a:txBody>
-                  <a:tcPr/>
-                </a:tc>
-                <a:tc hMerge="1">
-                  <a:txBody>
-                    <a:bodyPr/>
-                    <a:lstStyle/>
-                    <a:p>
-                      <a:endParaRPr lang="en-US"/>
-                    </a:p>
-                  </a:txBody>
-                  <a:tcPr/>
-                </a:tc>
                 <a:tc>
                   <a:txBody>
                     <a:bodyPr/>
@@ -6064,3555 +8638,14 @@
                     <a:p>
                       <a:pPr algn="ctr" fontAlgn="b"/>
                       <a:r>
-                        <a:rPr lang="en-US" sz="3000" b="0" i="0" u="none" strike="noStrike" dirty="0">
-                          <a:solidFill>
-                            <a:srgbClr val="000000"/>
-                          </a:solidFill>
-                          <a:effectLst/>
-                          <a:latin typeface="Times New Roman" panose="02020603050405020304" pitchFamily="18" charset="0"/>
-                        </a:rPr>
-                        <a:t>14.79</a:t>
-                      </a:r>
-                    </a:p>
-                  </a:txBody>
-                  <a:tcPr marL="7620" marR="7620" marT="7620" marB="0" anchor="b">
-                    <a:lnL>
-                      <a:noFill/>
-                    </a:lnL>
-                    <a:lnR>
-                      <a:noFill/>
-                    </a:lnR>
-                    <a:lnT w="12700" cap="flat" cmpd="sng" algn="ctr">
-                      <a:solidFill>
-                        <a:srgbClr val="000000"/>
-                      </a:solidFill>
-                      <a:prstDash val="solid"/>
-                      <a:round/>
-                      <a:headEnd type="none" w="med" len="med"/>
-                      <a:tailEnd type="none" w="med" len="med"/>
-                    </a:lnT>
-                    <a:lnB>
-                      <a:noFill/>
-                    </a:lnB>
-                    <a:noFill/>
-                  </a:tcPr>
-                </a:tc>
-                <a:tc>
-                  <a:txBody>
-                    <a:bodyPr/>
-                    <a:lstStyle/>
-                    <a:p>
-                      <a:pPr algn="ctr" fontAlgn="b"/>
-                      <a:r>
-                        <a:rPr lang="en-US" sz="3000" b="0" i="0" u="none" strike="noStrike" dirty="0">
-                          <a:solidFill>
-                            <a:srgbClr val="000000"/>
-                          </a:solidFill>
-                          <a:effectLst/>
-                          <a:latin typeface="Times New Roman" panose="02020603050405020304" pitchFamily="18" charset="0"/>
-                        </a:rPr>
-                        <a:t>4.3</a:t>
-                      </a:r>
-                    </a:p>
-                  </a:txBody>
-                  <a:tcPr marL="7620" marR="7620" marT="7620" marB="0" anchor="b">
-                    <a:lnL>
-                      <a:noFill/>
-                    </a:lnL>
-                    <a:lnR>
-                      <a:noFill/>
-                    </a:lnR>
-                    <a:lnT w="12700" cap="flat" cmpd="sng" algn="ctr">
-                      <a:solidFill>
-                        <a:srgbClr val="000000"/>
-                      </a:solidFill>
-                      <a:prstDash val="solid"/>
-                      <a:round/>
-                      <a:headEnd type="none" w="med" len="med"/>
-                      <a:tailEnd type="none" w="med" len="med"/>
-                    </a:lnT>
-                    <a:lnB>
-                      <a:noFill/>
-                    </a:lnB>
-                    <a:noFill/>
-                  </a:tcPr>
-                </a:tc>
-                <a:tc>
-                  <a:txBody>
-                    <a:bodyPr/>
-                    <a:lstStyle/>
-                    <a:p>
-                      <a:pPr algn="ctr" fontAlgn="b"/>
-                      <a:r>
-                        <a:rPr lang="en-US" sz="3000" b="0" i="0" u="none" strike="noStrike" dirty="0">
-                          <a:solidFill>
-                            <a:srgbClr val="000000"/>
-                          </a:solidFill>
-                          <a:effectLst/>
-                          <a:latin typeface="Times New Roman" panose="02020603050405020304" pitchFamily="18" charset="0"/>
-                        </a:rPr>
-                        <a:t>3.48</a:t>
-                      </a:r>
-                    </a:p>
-                  </a:txBody>
-                  <a:tcPr marL="7620" marR="7620" marT="7620" marB="0" anchor="b">
-                    <a:lnL>
-                      <a:noFill/>
-                    </a:lnL>
-                    <a:lnR>
-                      <a:noFill/>
-                    </a:lnR>
-                    <a:lnT w="12700" cap="flat" cmpd="sng" algn="ctr">
-                      <a:solidFill>
-                        <a:srgbClr val="000000"/>
-                      </a:solidFill>
-                      <a:prstDash val="solid"/>
-                      <a:round/>
-                      <a:headEnd type="none" w="med" len="med"/>
-                      <a:tailEnd type="none" w="med" len="med"/>
-                    </a:lnT>
-                    <a:lnB>
-                      <a:noFill/>
-                    </a:lnB>
-                    <a:noFill/>
-                  </a:tcPr>
-                </a:tc>
-                <a:tc>
-                  <a:txBody>
-                    <a:bodyPr/>
-                    <a:lstStyle/>
-                    <a:p>
-                      <a:pPr algn="ctr" fontAlgn="b"/>
-                      <a:r>
-                        <a:rPr lang="en-US" sz="3000" b="0" i="0" u="none" strike="noStrike" dirty="0">
-                          <a:solidFill>
-                            <a:srgbClr val="000000"/>
-                          </a:solidFill>
-                          <a:effectLst/>
-                          <a:latin typeface="Times New Roman" panose="02020603050405020304" pitchFamily="18" charset="0"/>
-                        </a:rPr>
-                        <a:t>15.44</a:t>
-                      </a:r>
-                    </a:p>
-                  </a:txBody>
-                  <a:tcPr marL="7620" marR="7620" marT="7620" marB="0" anchor="b">
-                    <a:lnL>
-                      <a:noFill/>
-                    </a:lnL>
-                    <a:lnR>
-                      <a:noFill/>
-                    </a:lnR>
-                    <a:lnT w="12700" cap="flat" cmpd="sng" algn="ctr">
-                      <a:solidFill>
-                        <a:srgbClr val="000000"/>
-                      </a:solidFill>
-                      <a:prstDash val="solid"/>
-                      <a:round/>
-                      <a:headEnd type="none" w="med" len="med"/>
-                      <a:tailEnd type="none" w="med" len="med"/>
-                    </a:lnT>
-                    <a:lnB>
-                      <a:noFill/>
-                    </a:lnB>
-                    <a:noFill/>
-                  </a:tcPr>
-                </a:tc>
-                <a:tc>
-                  <a:txBody>
-                    <a:bodyPr/>
-                    <a:lstStyle/>
-                    <a:p>
-                      <a:pPr algn="ctr" fontAlgn="b"/>
-                      <a:r>
-                        <a:rPr lang="en-US" sz="3000" b="0" i="0" u="none" strike="noStrike">
-                          <a:solidFill>
-                            <a:srgbClr val="000000"/>
-                          </a:solidFill>
-                          <a:effectLst/>
-                          <a:latin typeface="Times New Roman" panose="02020603050405020304" pitchFamily="18" charset="0"/>
-                        </a:rPr>
-                        <a:t>&lt;.005</a:t>
-                      </a:r>
-                    </a:p>
-                  </a:txBody>
-                  <a:tcPr marL="7620" marR="7620" marT="7620" marB="0" anchor="b">
-                    <a:lnL>
-                      <a:noFill/>
-                    </a:lnL>
-                    <a:lnR>
-                      <a:noFill/>
-                    </a:lnR>
-                    <a:lnT w="12700" cap="flat" cmpd="sng" algn="ctr">
-                      <a:solidFill>
-                        <a:srgbClr val="000000"/>
-                      </a:solidFill>
-                      <a:prstDash val="solid"/>
-                      <a:round/>
-                      <a:headEnd type="none" w="med" len="med"/>
-                      <a:tailEnd type="none" w="med" len="med"/>
-                    </a:lnT>
-                    <a:lnB>
-                      <a:noFill/>
-                    </a:lnB>
-                    <a:noFill/>
-                  </a:tcPr>
-                </a:tc>
-                <a:extLst>
-                  <a:ext uri="{0D108BD9-81ED-4DB2-BD59-A6C34878D82A}">
-                    <a16:rowId xmlns:a16="http://schemas.microsoft.com/office/drawing/2014/main" val="3846280420"/>
-                  </a:ext>
-                </a:extLst>
-              </a:tr>
-              <a:tr h="480060">
-                <a:tc gridSpan="3">
-                  <a:txBody>
-                    <a:bodyPr/>
-                    <a:lstStyle/>
-                    <a:p>
-                      <a:pPr algn="r" fontAlgn="b"/>
-                      <a:r>
-                        <a:rPr lang="en-US" sz="3000" b="0" i="0" u="none" strike="noStrike">
-                          <a:solidFill>
-                            <a:srgbClr val="000000"/>
-                          </a:solidFill>
-                          <a:effectLst/>
-                          <a:latin typeface="Times New Roman" panose="02020603050405020304" pitchFamily="18" charset="0"/>
-                        </a:rPr>
-                        <a:t>Opt-out | Not Viewed | Time2</a:t>
-                      </a:r>
-                    </a:p>
-                  </a:txBody>
-                  <a:tcPr marL="7620" marR="7620" marT="7620" marB="0" anchor="b">
-                    <a:lnL>
-                      <a:noFill/>
-                    </a:lnL>
-                    <a:lnR>
-                      <a:noFill/>
-                    </a:lnR>
-                    <a:lnT>
-                      <a:noFill/>
-                    </a:lnT>
-                    <a:lnB>
-                      <a:noFill/>
-                    </a:lnB>
-                    <a:noFill/>
-                  </a:tcPr>
-                </a:tc>
-                <a:tc hMerge="1">
-                  <a:txBody>
-                    <a:bodyPr/>
-                    <a:lstStyle/>
-                    <a:p>
-                      <a:endParaRPr lang="en-US"/>
-                    </a:p>
-                  </a:txBody>
-                  <a:tcPr/>
-                </a:tc>
-                <a:tc hMerge="1">
-                  <a:txBody>
-                    <a:bodyPr/>
-                    <a:lstStyle/>
-                    <a:p>
-                      <a:endParaRPr lang="en-US"/>
-                    </a:p>
-                  </a:txBody>
-                  <a:tcPr/>
-                </a:tc>
-                <a:tc>
-                  <a:txBody>
-                    <a:bodyPr/>
-                    <a:lstStyle/>
-                    <a:p>
-                      <a:pPr algn="ctr" fontAlgn="b"/>
-                      <a:r>
-                        <a:rPr lang="en-US" sz="3000" b="1" i="0" u="none" strike="noStrike">
-                          <a:solidFill>
-                            <a:srgbClr val="000000"/>
-                          </a:solidFill>
-                          <a:effectLst/>
-                          <a:latin typeface="Times New Roman" panose="02020603050405020304" pitchFamily="18" charset="0"/>
-                        </a:rPr>
-                        <a:t>-6.76</a:t>
-                      </a:r>
-                    </a:p>
-                  </a:txBody>
-                  <a:tcPr marL="7620" marR="7620" marT="7620" marB="0" anchor="b">
-                    <a:lnL>
-                      <a:noFill/>
-                    </a:lnL>
-                    <a:lnR>
-                      <a:noFill/>
-                    </a:lnR>
-                    <a:lnT>
-                      <a:noFill/>
-                    </a:lnT>
-                    <a:lnB>
-                      <a:noFill/>
-                    </a:lnB>
-                    <a:noFill/>
-                  </a:tcPr>
-                </a:tc>
-                <a:tc>
-                  <a:txBody>
-                    <a:bodyPr/>
-                    <a:lstStyle/>
-                    <a:p>
-                      <a:pPr algn="ctr" fontAlgn="b"/>
-                      <a:r>
-                        <a:rPr lang="en-US" sz="3000" b="0" i="0" u="none" strike="noStrike">
-                          <a:solidFill>
-                            <a:srgbClr val="000000"/>
-                          </a:solidFill>
-                          <a:effectLst/>
-                          <a:latin typeface="Times New Roman" panose="02020603050405020304" pitchFamily="18" charset="0"/>
-                        </a:rPr>
-                        <a:t>1.7</a:t>
-                      </a:r>
-                    </a:p>
-                  </a:txBody>
-                  <a:tcPr marL="7620" marR="7620" marT="7620" marB="0" anchor="b">
-                    <a:lnL>
-                      <a:noFill/>
-                    </a:lnL>
-                    <a:lnR>
-                      <a:noFill/>
-                    </a:lnR>
-                    <a:lnT>
-                      <a:noFill/>
-                    </a:lnT>
-                    <a:lnB>
-                      <a:noFill/>
-                    </a:lnB>
-                    <a:noFill/>
-                  </a:tcPr>
-                </a:tc>
-                <a:tc>
-                  <a:txBody>
-                    <a:bodyPr/>
-                    <a:lstStyle/>
-                    <a:p>
-                      <a:pPr algn="ctr" fontAlgn="b"/>
-                      <a:r>
-                        <a:rPr lang="en-US" sz="3000" b="0" i="0" u="none" strike="noStrike" dirty="0">
-                          <a:solidFill>
-                            <a:srgbClr val="000000"/>
-                          </a:solidFill>
-                          <a:effectLst/>
-                          <a:latin typeface="Times New Roman" panose="02020603050405020304" pitchFamily="18" charset="0"/>
-                        </a:rPr>
-                        <a:t>-4</a:t>
-                      </a:r>
-                    </a:p>
-                  </a:txBody>
-                  <a:tcPr marL="7620" marR="7620" marT="7620" marB="0" anchor="b">
-                    <a:lnL>
-                      <a:noFill/>
-                    </a:lnL>
-                    <a:lnR>
-                      <a:noFill/>
-                    </a:lnR>
-                    <a:lnT>
-                      <a:noFill/>
-                    </a:lnT>
-                    <a:lnB>
-                      <a:noFill/>
-                    </a:lnB>
-                    <a:noFill/>
-                  </a:tcPr>
-                </a:tc>
-                <a:tc>
-                  <a:txBody>
-                    <a:bodyPr/>
-                    <a:lstStyle/>
-                    <a:p>
-                      <a:pPr algn="ctr" fontAlgn="b"/>
-                      <a:r>
-                        <a:rPr lang="en-US" sz="3000" b="0" i="0" u="none" strike="noStrike">
-                          <a:solidFill>
-                            <a:srgbClr val="000000"/>
-                          </a:solidFill>
-                          <a:effectLst/>
-                          <a:latin typeface="Times New Roman" panose="02020603050405020304" pitchFamily="18" charset="0"/>
-                        </a:rPr>
-                        <a:t>57.15</a:t>
-                      </a:r>
-                    </a:p>
-                  </a:txBody>
-                  <a:tcPr marL="7620" marR="7620" marT="7620" marB="0" anchor="b">
-                    <a:lnL>
-                      <a:noFill/>
-                    </a:lnL>
-                    <a:lnR>
-                      <a:noFill/>
-                    </a:lnR>
-                    <a:lnT>
-                      <a:noFill/>
-                    </a:lnT>
-                    <a:lnB>
-                      <a:noFill/>
-                    </a:lnB>
-                    <a:noFill/>
-                  </a:tcPr>
-                </a:tc>
-                <a:tc>
-                  <a:txBody>
-                    <a:bodyPr/>
-                    <a:lstStyle/>
-                    <a:p>
-                      <a:pPr algn="ctr" fontAlgn="b"/>
-                      <a:r>
-                        <a:rPr lang="en-US" sz="3000" b="1" i="0" u="none" strike="noStrike">
-                          <a:solidFill>
-                            <a:srgbClr val="000000"/>
-                          </a:solidFill>
-                          <a:effectLst/>
-                          <a:latin typeface="Times New Roman" panose="02020603050405020304" pitchFamily="18" charset="0"/>
-                        </a:rPr>
-                        <a:t>&lt;.001</a:t>
-                      </a:r>
-                    </a:p>
-                  </a:txBody>
-                  <a:tcPr marL="7620" marR="7620" marT="7620" marB="0" anchor="b">
-                    <a:lnL>
-                      <a:noFill/>
-                    </a:lnL>
-                    <a:lnR>
-                      <a:noFill/>
-                    </a:lnR>
-                    <a:lnT>
-                      <a:noFill/>
-                    </a:lnT>
-                    <a:lnB>
-                      <a:noFill/>
-                    </a:lnB>
-                    <a:noFill/>
-                  </a:tcPr>
-                </a:tc>
-                <a:extLst>
-                  <a:ext uri="{0D108BD9-81ED-4DB2-BD59-A6C34878D82A}">
-                    <a16:rowId xmlns:a16="http://schemas.microsoft.com/office/drawing/2014/main" val="1395577437"/>
-                  </a:ext>
-                </a:extLst>
-              </a:tr>
-              <a:tr h="480060">
-                <a:tc gridSpan="3">
-                  <a:txBody>
-                    <a:bodyPr/>
-                    <a:lstStyle/>
-                    <a:p>
-                      <a:pPr algn="r" fontAlgn="b"/>
-                      <a:r>
-                        <a:rPr lang="en-US" sz="3000" b="0" i="0" u="none" strike="noStrike">
-                          <a:solidFill>
-                            <a:srgbClr val="000000"/>
-                          </a:solidFill>
-                          <a:effectLst/>
-                          <a:latin typeface="Times New Roman" panose="02020603050405020304" pitchFamily="18" charset="0"/>
-                        </a:rPr>
-                        <a:t>Opt-out | Not Viewed | Time3</a:t>
-                      </a:r>
-                    </a:p>
-                  </a:txBody>
-                  <a:tcPr marL="7620" marR="7620" marT="7620" marB="0" anchor="b">
-                    <a:lnL>
-                      <a:noFill/>
-                    </a:lnL>
-                    <a:lnR>
-                      <a:noFill/>
-                    </a:lnR>
-                    <a:lnT>
-                      <a:noFill/>
-                    </a:lnT>
-                    <a:lnB>
-                      <a:noFill/>
-                    </a:lnB>
-                    <a:noFill/>
-                  </a:tcPr>
-                </a:tc>
-                <a:tc hMerge="1">
-                  <a:txBody>
-                    <a:bodyPr/>
-                    <a:lstStyle/>
-                    <a:p>
-                      <a:endParaRPr lang="en-US"/>
-                    </a:p>
-                  </a:txBody>
-                  <a:tcPr/>
-                </a:tc>
-                <a:tc hMerge="1">
-                  <a:txBody>
-                    <a:bodyPr/>
-                    <a:lstStyle/>
-                    <a:p>
-                      <a:endParaRPr lang="en-US"/>
-                    </a:p>
-                  </a:txBody>
-                  <a:tcPr/>
-                </a:tc>
-                <a:tc>
-                  <a:txBody>
-                    <a:bodyPr/>
-                    <a:lstStyle/>
-                    <a:p>
-                      <a:pPr algn="ctr" fontAlgn="b"/>
-                      <a:r>
-                        <a:rPr lang="en-US" sz="3000" b="1" i="0" u="none" strike="noStrike">
-                          <a:solidFill>
-                            <a:srgbClr val="000000"/>
-                          </a:solidFill>
-                          <a:effectLst/>
-                          <a:latin typeface="Times New Roman" panose="02020603050405020304" pitchFamily="18" charset="0"/>
-                        </a:rPr>
-                        <a:t>-17.49</a:t>
-                      </a:r>
-                    </a:p>
-                  </a:txBody>
-                  <a:tcPr marL="7620" marR="7620" marT="7620" marB="0" anchor="b">
-                    <a:lnL>
-                      <a:noFill/>
-                    </a:lnL>
-                    <a:lnR>
-                      <a:noFill/>
-                    </a:lnR>
-                    <a:lnT>
-                      <a:noFill/>
-                    </a:lnT>
-                    <a:lnB>
-                      <a:noFill/>
-                    </a:lnB>
-                    <a:noFill/>
-                  </a:tcPr>
-                </a:tc>
-                <a:tc>
-                  <a:txBody>
-                    <a:bodyPr/>
-                    <a:lstStyle/>
-                    <a:p>
-                      <a:pPr algn="ctr" fontAlgn="b"/>
-                      <a:r>
-                        <a:rPr lang="en-US" sz="3000" b="0" i="0" u="none" strike="noStrike">
-                          <a:solidFill>
-                            <a:srgbClr val="000000"/>
-                          </a:solidFill>
-                          <a:effectLst/>
-                          <a:latin typeface="Times New Roman" panose="02020603050405020304" pitchFamily="18" charset="0"/>
-                        </a:rPr>
-                        <a:t>2.3</a:t>
-                      </a:r>
-                    </a:p>
-                  </a:txBody>
-                  <a:tcPr marL="7620" marR="7620" marT="7620" marB="0" anchor="b">
-                    <a:lnL>
-                      <a:noFill/>
-                    </a:lnL>
-                    <a:lnR>
-                      <a:noFill/>
-                    </a:lnR>
-                    <a:lnT>
-                      <a:noFill/>
-                    </a:lnT>
-                    <a:lnB>
-                      <a:noFill/>
-                    </a:lnB>
-                    <a:noFill/>
-                  </a:tcPr>
-                </a:tc>
-                <a:tc>
-                  <a:txBody>
-                    <a:bodyPr/>
-                    <a:lstStyle/>
-                    <a:p>
-                      <a:pPr algn="ctr" fontAlgn="b"/>
-                      <a:r>
-                        <a:rPr lang="en-US" sz="3000" b="0" i="0" u="none" strike="noStrike">
-                          <a:solidFill>
-                            <a:srgbClr val="000000"/>
-                          </a:solidFill>
-                          <a:effectLst/>
-                          <a:latin typeface="Times New Roman" panose="02020603050405020304" pitchFamily="18" charset="0"/>
-                        </a:rPr>
-                        <a:t>-0.6</a:t>
-                      </a:r>
-                    </a:p>
-                  </a:txBody>
-                  <a:tcPr marL="7620" marR="7620" marT="7620" marB="0" anchor="b">
-                    <a:lnL>
-                      <a:noFill/>
-                    </a:lnL>
-                    <a:lnR>
-                      <a:noFill/>
-                    </a:lnR>
-                    <a:lnT>
-                      <a:noFill/>
-                    </a:lnT>
-                    <a:lnB>
-                      <a:noFill/>
-                    </a:lnB>
-                    <a:noFill/>
-                  </a:tcPr>
-                </a:tc>
-                <a:tc>
-                  <a:txBody>
-                    <a:bodyPr/>
-                    <a:lstStyle/>
-                    <a:p>
-                      <a:pPr algn="ctr" fontAlgn="b"/>
-                      <a:r>
-                        <a:rPr lang="en-US" sz="3000" b="0" i="0" u="none" strike="noStrike">
-                          <a:solidFill>
-                            <a:srgbClr val="000000"/>
-                          </a:solidFill>
-                          <a:effectLst/>
-                          <a:latin typeface="Times New Roman" panose="02020603050405020304" pitchFamily="18" charset="0"/>
-                        </a:rPr>
-                        <a:t>22.13</a:t>
-                      </a:r>
-                    </a:p>
-                  </a:txBody>
-                  <a:tcPr marL="7620" marR="7620" marT="7620" marB="0" anchor="b">
-                    <a:lnL>
-                      <a:noFill/>
-                    </a:lnL>
-                    <a:lnR>
-                      <a:noFill/>
-                    </a:lnR>
-                    <a:lnT>
-                      <a:noFill/>
-                    </a:lnT>
-                    <a:lnB>
-                      <a:noFill/>
-                    </a:lnB>
-                    <a:noFill/>
-                  </a:tcPr>
-                </a:tc>
-                <a:tc>
-                  <a:txBody>
-                    <a:bodyPr/>
-                    <a:lstStyle/>
-                    <a:p>
-                      <a:pPr algn="ctr" fontAlgn="b"/>
-                      <a:r>
-                        <a:rPr lang="en-US" sz="3000" b="1" i="0" u="none" strike="noStrike">
-                          <a:solidFill>
-                            <a:srgbClr val="000000"/>
-                          </a:solidFill>
-                          <a:effectLst/>
-                          <a:latin typeface="Times New Roman" panose="02020603050405020304" pitchFamily="18" charset="0"/>
-                        </a:rPr>
-                        <a:t>&lt;.001</a:t>
-                      </a:r>
-                    </a:p>
-                  </a:txBody>
-                  <a:tcPr marL="7620" marR="7620" marT="7620" marB="0" anchor="b">
-                    <a:lnL>
-                      <a:noFill/>
-                    </a:lnL>
-                    <a:lnR>
-                      <a:noFill/>
-                    </a:lnR>
-                    <a:lnT>
-                      <a:noFill/>
-                    </a:lnT>
-                    <a:lnB>
-                      <a:noFill/>
-                    </a:lnB>
-                    <a:noFill/>
-                  </a:tcPr>
-                </a:tc>
-                <a:extLst>
-                  <a:ext uri="{0D108BD9-81ED-4DB2-BD59-A6C34878D82A}">
-                    <a16:rowId xmlns:a16="http://schemas.microsoft.com/office/drawing/2014/main" val="663543714"/>
-                  </a:ext>
-                </a:extLst>
-              </a:tr>
-              <a:tr h="480060">
-                <a:tc gridSpan="3">
-                  <a:txBody>
-                    <a:bodyPr/>
-                    <a:lstStyle/>
-                    <a:p>
-                      <a:pPr algn="r" fontAlgn="b"/>
-                      <a:r>
-                        <a:rPr lang="en-US" sz="3000" b="0" i="0" u="none" strike="noStrike" dirty="0">
-                          <a:solidFill>
-                            <a:srgbClr val="000000"/>
-                          </a:solidFill>
-                          <a:effectLst/>
-                          <a:latin typeface="Times New Roman" panose="02020603050405020304" pitchFamily="18" charset="0"/>
-                        </a:rPr>
-                        <a:t>Opt-out | Not Viewed | Time4</a:t>
-                      </a:r>
-                    </a:p>
-                  </a:txBody>
-                  <a:tcPr marL="7620" marR="7620" marT="7620" marB="0" anchor="b">
-                    <a:lnL>
-                      <a:noFill/>
-                    </a:lnL>
-                    <a:lnR>
-                      <a:noFill/>
-                    </a:lnR>
-                    <a:lnT>
-                      <a:noFill/>
-                    </a:lnT>
-                    <a:lnB>
-                      <a:noFill/>
-                    </a:lnB>
-                    <a:noFill/>
-                  </a:tcPr>
-                </a:tc>
-                <a:tc hMerge="1">
-                  <a:txBody>
-                    <a:bodyPr/>
-                    <a:lstStyle/>
-                    <a:p>
-                      <a:endParaRPr lang="en-US"/>
-                    </a:p>
-                  </a:txBody>
-                  <a:tcPr/>
-                </a:tc>
-                <a:tc hMerge="1">
-                  <a:txBody>
-                    <a:bodyPr/>
-                    <a:lstStyle/>
-                    <a:p>
-                      <a:endParaRPr lang="en-US"/>
-                    </a:p>
-                  </a:txBody>
-                  <a:tcPr/>
-                </a:tc>
-                <a:tc>
-                  <a:txBody>
-                    <a:bodyPr/>
-                    <a:lstStyle/>
-                    <a:p>
-                      <a:pPr algn="ctr" fontAlgn="b"/>
-                      <a:r>
-                        <a:rPr lang="en-US" sz="3000" b="1" i="0" u="none" strike="noStrike">
-                          <a:solidFill>
-                            <a:srgbClr val="000000"/>
-                          </a:solidFill>
-                          <a:effectLst/>
-                          <a:latin typeface="Times New Roman" panose="02020603050405020304" pitchFamily="18" charset="0"/>
-                        </a:rPr>
-                        <a:t>-15.74</a:t>
-                      </a:r>
-                    </a:p>
-                  </a:txBody>
-                  <a:tcPr marL="7620" marR="7620" marT="7620" marB="0" anchor="b">
-                    <a:lnL>
-                      <a:noFill/>
-                    </a:lnL>
-                    <a:lnR>
-                      <a:noFill/>
-                    </a:lnR>
-                    <a:lnT>
-                      <a:noFill/>
-                    </a:lnT>
-                    <a:lnB>
-                      <a:noFill/>
-                    </a:lnB>
-                    <a:noFill/>
-                  </a:tcPr>
-                </a:tc>
-                <a:tc>
-                  <a:txBody>
-                    <a:bodyPr/>
-                    <a:lstStyle/>
-                    <a:p>
-                      <a:pPr algn="ctr" fontAlgn="b"/>
-                      <a:r>
-                        <a:rPr lang="en-US" sz="3000" b="0" i="0" u="none" strike="noStrike">
-                          <a:solidFill>
-                            <a:srgbClr val="000000"/>
-                          </a:solidFill>
-                          <a:effectLst/>
-                          <a:latin typeface="Times New Roman" panose="02020603050405020304" pitchFamily="18" charset="0"/>
-                        </a:rPr>
-                        <a:t>2.7</a:t>
-                      </a:r>
-                    </a:p>
-                  </a:txBody>
-                  <a:tcPr marL="7620" marR="7620" marT="7620" marB="0" anchor="b">
-                    <a:lnL>
-                      <a:noFill/>
-                    </a:lnL>
-                    <a:lnR>
-                      <a:noFill/>
-                    </a:lnR>
-                    <a:lnT>
-                      <a:noFill/>
-                    </a:lnT>
-                    <a:lnB>
-                      <a:noFill/>
-                    </a:lnB>
-                    <a:noFill/>
-                  </a:tcPr>
-                </a:tc>
-                <a:tc>
-                  <a:txBody>
-                    <a:bodyPr/>
-                    <a:lstStyle/>
-                    <a:p>
-                      <a:pPr algn="ctr" fontAlgn="b"/>
-                      <a:r>
-                        <a:rPr lang="en-US" sz="3000" b="0" i="0" u="none" strike="noStrike">
-                          <a:solidFill>
-                            <a:srgbClr val="000000"/>
-                          </a:solidFill>
-                          <a:effectLst/>
-                          <a:latin typeface="Times New Roman" panose="02020603050405020304" pitchFamily="18" charset="0"/>
-                        </a:rPr>
-                        <a:t>-5.8</a:t>
-                      </a:r>
-                    </a:p>
-                  </a:txBody>
-                  <a:tcPr marL="7620" marR="7620" marT="7620" marB="0" anchor="b">
-                    <a:lnL>
-                      <a:noFill/>
-                    </a:lnL>
-                    <a:lnR>
-                      <a:noFill/>
-                    </a:lnR>
-                    <a:lnT>
-                      <a:noFill/>
-                    </a:lnT>
-                    <a:lnB>
-                      <a:noFill/>
-                    </a:lnB>
-                    <a:noFill/>
-                  </a:tcPr>
-                </a:tc>
-                <a:tc>
-                  <a:txBody>
-                    <a:bodyPr/>
-                    <a:lstStyle/>
-                    <a:p>
-                      <a:pPr algn="ctr" fontAlgn="b"/>
-                      <a:r>
-                        <a:rPr lang="en-US" sz="3000" b="0" i="0" u="none" strike="noStrike">
-                          <a:solidFill>
-                            <a:srgbClr val="000000"/>
-                          </a:solidFill>
-                          <a:effectLst/>
-                          <a:latin typeface="Times New Roman" panose="02020603050405020304" pitchFamily="18" charset="0"/>
-                        </a:rPr>
-                        <a:t>12.64</a:t>
-                      </a:r>
-                    </a:p>
-                  </a:txBody>
-                  <a:tcPr marL="7620" marR="7620" marT="7620" marB="0" anchor="b">
-                    <a:lnL>
-                      <a:noFill/>
-                    </a:lnL>
-                    <a:lnR>
-                      <a:noFill/>
-                    </a:lnR>
-                    <a:lnT>
-                      <a:noFill/>
-                    </a:lnT>
-                    <a:lnB>
-                      <a:noFill/>
-                    </a:lnB>
-                    <a:noFill/>
-                  </a:tcPr>
-                </a:tc>
-                <a:tc>
-                  <a:txBody>
-                    <a:bodyPr/>
-                    <a:lstStyle/>
-                    <a:p>
-                      <a:pPr algn="ctr" fontAlgn="b"/>
-                      <a:r>
-                        <a:rPr lang="en-US" sz="3000" b="1" i="0" u="none" strike="noStrike">
-                          <a:solidFill>
-                            <a:srgbClr val="000000"/>
-                          </a:solidFill>
-                          <a:effectLst/>
-                          <a:latin typeface="Times New Roman" panose="02020603050405020304" pitchFamily="18" charset="0"/>
-                        </a:rPr>
-                        <a:t>&lt;.001</a:t>
-                      </a:r>
-                    </a:p>
-                  </a:txBody>
-                  <a:tcPr marL="7620" marR="7620" marT="7620" marB="0" anchor="b">
-                    <a:lnL>
-                      <a:noFill/>
-                    </a:lnL>
-                    <a:lnR>
-                      <a:noFill/>
-                    </a:lnR>
-                    <a:lnT>
-                      <a:noFill/>
-                    </a:lnT>
-                    <a:lnB>
-                      <a:noFill/>
-                    </a:lnB>
-                    <a:noFill/>
-                  </a:tcPr>
-                </a:tc>
-                <a:extLst>
-                  <a:ext uri="{0D108BD9-81ED-4DB2-BD59-A6C34878D82A}">
-                    <a16:rowId xmlns:a16="http://schemas.microsoft.com/office/drawing/2014/main" val="463551486"/>
-                  </a:ext>
-                </a:extLst>
-              </a:tr>
-              <a:tr h="480060">
-                <a:tc gridSpan="3">
-                  <a:txBody>
-                    <a:bodyPr/>
-                    <a:lstStyle/>
-                    <a:p>
-                      <a:pPr algn="r" fontAlgn="b"/>
-                      <a:r>
-                        <a:rPr lang="en-US" sz="3000" b="0" i="0" u="none" strike="noStrike" dirty="0">
-                          <a:solidFill>
-                            <a:srgbClr val="000000"/>
-                          </a:solidFill>
-                          <a:effectLst/>
-                          <a:latin typeface="Times New Roman" panose="02020603050405020304" pitchFamily="18" charset="0"/>
-                        </a:rPr>
-                        <a:t>Opt-in | Not Viewed | Time 1</a:t>
-                      </a:r>
-                    </a:p>
-                  </a:txBody>
-                  <a:tcPr marL="7620" marR="7620" marT="7620" marB="0" anchor="b">
-                    <a:lnL>
-                      <a:noFill/>
-                    </a:lnL>
-                    <a:lnR>
-                      <a:noFill/>
-                    </a:lnR>
-                    <a:lnT>
-                      <a:noFill/>
-                    </a:lnT>
-                    <a:lnB>
-                      <a:noFill/>
-                    </a:lnB>
-                    <a:noFill/>
-                  </a:tcPr>
-                </a:tc>
-                <a:tc hMerge="1">
-                  <a:txBody>
-                    <a:bodyPr/>
-                    <a:lstStyle/>
-                    <a:p>
-                      <a:endParaRPr lang="en-US"/>
-                    </a:p>
-                  </a:txBody>
-                  <a:tcPr/>
-                </a:tc>
-                <a:tc hMerge="1">
-                  <a:txBody>
-                    <a:bodyPr/>
-                    <a:lstStyle/>
-                    <a:p>
-                      <a:endParaRPr lang="en-US"/>
-                    </a:p>
-                  </a:txBody>
-                  <a:tcPr/>
-                </a:tc>
-                <a:tc>
-                  <a:txBody>
-                    <a:bodyPr/>
-                    <a:lstStyle/>
-                    <a:p>
-                      <a:pPr algn="ctr" fontAlgn="b"/>
-                      <a:r>
-                        <a:rPr lang="en-US" sz="3000" b="0" i="0" u="none" strike="noStrike">
-                          <a:solidFill>
-                            <a:srgbClr val="000000"/>
-                          </a:solidFill>
-                          <a:effectLst/>
-                          <a:latin typeface="Times New Roman" panose="02020603050405020304" pitchFamily="18" charset="0"/>
-                        </a:rPr>
-                        <a:t>0.13</a:t>
-                      </a:r>
-                    </a:p>
-                  </a:txBody>
-                  <a:tcPr marL="7620" marR="7620" marT="7620" marB="0" anchor="b">
-                    <a:lnL>
-                      <a:noFill/>
-                    </a:lnL>
-                    <a:lnR>
-                      <a:noFill/>
-                    </a:lnR>
-                    <a:lnT>
-                      <a:noFill/>
-                    </a:lnT>
-                    <a:lnB>
-                      <a:noFill/>
-                    </a:lnB>
-                    <a:noFill/>
-                  </a:tcPr>
-                </a:tc>
-                <a:tc>
-                  <a:txBody>
-                    <a:bodyPr/>
-                    <a:lstStyle/>
-                    <a:p>
-                      <a:pPr algn="ctr" fontAlgn="b"/>
-                      <a:r>
-                        <a:rPr lang="en-US" sz="3000" b="0" i="0" u="none" strike="noStrike">
-                          <a:solidFill>
-                            <a:srgbClr val="000000"/>
-                          </a:solidFill>
-                          <a:effectLst/>
-                          <a:latin typeface="Times New Roman" panose="02020603050405020304" pitchFamily="18" charset="0"/>
-                        </a:rPr>
-                        <a:t>1.8</a:t>
-                      </a:r>
-                    </a:p>
-                  </a:txBody>
-                  <a:tcPr marL="7620" marR="7620" marT="7620" marB="0" anchor="b">
-                    <a:lnL>
-                      <a:noFill/>
-                    </a:lnL>
-                    <a:lnR>
-                      <a:noFill/>
-                    </a:lnR>
-                    <a:lnT>
-                      <a:noFill/>
-                    </a:lnT>
-                    <a:lnB>
-                      <a:noFill/>
-                    </a:lnB>
-                    <a:noFill/>
-                  </a:tcPr>
-                </a:tc>
-                <a:tc>
-                  <a:txBody>
-                    <a:bodyPr/>
-                    <a:lstStyle/>
-                    <a:p>
-                      <a:pPr algn="ctr" fontAlgn="b"/>
-                      <a:r>
-                        <a:rPr lang="en-US" sz="3000" b="0" i="0" u="none" strike="noStrike">
-                          <a:solidFill>
-                            <a:srgbClr val="000000"/>
-                          </a:solidFill>
-                          <a:effectLst/>
-                          <a:latin typeface="Times New Roman" panose="02020603050405020304" pitchFamily="18" charset="0"/>
-                        </a:rPr>
-                        <a:t>0.07</a:t>
-                      </a:r>
-                    </a:p>
-                  </a:txBody>
-                  <a:tcPr marL="7620" marR="7620" marT="7620" marB="0" anchor="b">
-                    <a:lnL>
-                      <a:noFill/>
-                    </a:lnL>
-                    <a:lnR>
-                      <a:noFill/>
-                    </a:lnR>
-                    <a:lnT>
-                      <a:noFill/>
-                    </a:lnT>
-                    <a:lnB>
-                      <a:noFill/>
-                    </a:lnB>
-                    <a:noFill/>
-                  </a:tcPr>
-                </a:tc>
-                <a:tc>
-                  <a:txBody>
-                    <a:bodyPr/>
-                    <a:lstStyle/>
-                    <a:p>
-                      <a:pPr algn="ctr" fontAlgn="b"/>
-                      <a:r>
-                        <a:rPr lang="en-US" sz="3000" b="0" i="0" u="none" strike="noStrike">
-                          <a:solidFill>
-                            <a:srgbClr val="000000"/>
-                          </a:solidFill>
-                          <a:effectLst/>
-                          <a:latin typeface="Times New Roman" panose="02020603050405020304" pitchFamily="18" charset="0"/>
-                        </a:rPr>
-                        <a:t>6764.07</a:t>
-                      </a:r>
-                    </a:p>
-                  </a:txBody>
-                  <a:tcPr marL="7620" marR="7620" marT="7620" marB="0" anchor="b">
-                    <a:lnL>
-                      <a:noFill/>
-                    </a:lnL>
-                    <a:lnR>
-                      <a:noFill/>
-                    </a:lnR>
-                    <a:lnT>
-                      <a:noFill/>
-                    </a:lnT>
-                    <a:lnB>
-                      <a:noFill/>
-                    </a:lnB>
-                    <a:noFill/>
-                  </a:tcPr>
-                </a:tc>
-                <a:tc>
-                  <a:txBody>
-                    <a:bodyPr/>
-                    <a:lstStyle/>
-                    <a:p>
-                      <a:pPr algn="ctr" fontAlgn="b"/>
-                      <a:r>
-                        <a:rPr lang="en-US" sz="3000" b="0" i="0" u="none" strike="noStrike">
-                          <a:solidFill>
-                            <a:srgbClr val="000000"/>
-                          </a:solidFill>
-                          <a:effectLst/>
-                          <a:latin typeface="Times New Roman" panose="02020603050405020304" pitchFamily="18" charset="0"/>
-                        </a:rPr>
-                        <a:t>0.94</a:t>
-                      </a:r>
-                    </a:p>
-                  </a:txBody>
-                  <a:tcPr marL="7620" marR="7620" marT="7620" marB="0" anchor="b">
-                    <a:lnL>
-                      <a:noFill/>
-                    </a:lnL>
-                    <a:lnR>
-                      <a:noFill/>
-                    </a:lnR>
-                    <a:lnT>
-                      <a:noFill/>
-                    </a:lnT>
-                    <a:lnB>
-                      <a:noFill/>
-                    </a:lnB>
-                    <a:noFill/>
-                  </a:tcPr>
-                </a:tc>
-                <a:extLst>
-                  <a:ext uri="{0D108BD9-81ED-4DB2-BD59-A6C34878D82A}">
-                    <a16:rowId xmlns:a16="http://schemas.microsoft.com/office/drawing/2014/main" val="3440878565"/>
-                  </a:ext>
-                </a:extLst>
-              </a:tr>
-              <a:tr h="480060">
-                <a:tc gridSpan="3">
-                  <a:txBody>
-                    <a:bodyPr/>
-                    <a:lstStyle/>
-                    <a:p>
-                      <a:pPr algn="r" fontAlgn="b"/>
-                      <a:r>
-                        <a:rPr lang="en-US" sz="3000" b="0" i="0" u="none" strike="noStrike">
-                          <a:solidFill>
-                            <a:srgbClr val="000000"/>
-                          </a:solidFill>
-                          <a:effectLst/>
-                          <a:latin typeface="Times New Roman" panose="02020603050405020304" pitchFamily="18" charset="0"/>
-                        </a:rPr>
-                        <a:t>Opt-out | Viewed | Time 1</a:t>
-                      </a:r>
-                    </a:p>
-                  </a:txBody>
-                  <a:tcPr marL="7620" marR="7620" marT="7620" marB="0" anchor="b">
-                    <a:lnL>
-                      <a:noFill/>
-                    </a:lnL>
-                    <a:lnR>
-                      <a:noFill/>
-                    </a:lnR>
-                    <a:lnT>
-                      <a:noFill/>
-                    </a:lnT>
-                    <a:lnB>
-                      <a:noFill/>
-                    </a:lnB>
-                    <a:noFill/>
-                  </a:tcPr>
-                </a:tc>
-                <a:tc hMerge="1">
-                  <a:txBody>
-                    <a:bodyPr/>
-                    <a:lstStyle/>
-                    <a:p>
-                      <a:endParaRPr lang="en-US"/>
-                    </a:p>
-                  </a:txBody>
-                  <a:tcPr/>
-                </a:tc>
-                <a:tc hMerge="1">
-                  <a:txBody>
-                    <a:bodyPr/>
-                    <a:lstStyle/>
-                    <a:p>
-                      <a:endParaRPr lang="en-US"/>
-                    </a:p>
-                  </a:txBody>
-                  <a:tcPr/>
-                </a:tc>
-                <a:tc>
-                  <a:txBody>
-                    <a:bodyPr/>
-                    <a:lstStyle/>
-                    <a:p>
-                      <a:pPr algn="ctr" fontAlgn="b"/>
-                      <a:r>
-                        <a:rPr lang="en-US" sz="3000" b="0" i="0" u="none" strike="noStrike">
-                          <a:solidFill>
-                            <a:srgbClr val="000000"/>
-                          </a:solidFill>
-                          <a:effectLst/>
-                          <a:latin typeface="Times New Roman" panose="02020603050405020304" pitchFamily="18" charset="0"/>
-                        </a:rPr>
-                        <a:t>1.53</a:t>
-                      </a:r>
-                    </a:p>
-                  </a:txBody>
-                  <a:tcPr marL="7620" marR="7620" marT="7620" marB="0" anchor="b">
-                    <a:lnL>
-                      <a:noFill/>
-                    </a:lnL>
-                    <a:lnR>
-                      <a:noFill/>
-                    </a:lnR>
-                    <a:lnT>
-                      <a:noFill/>
-                    </a:lnT>
-                    <a:lnB>
-                      <a:noFill/>
-                    </a:lnB>
-                    <a:noFill/>
-                  </a:tcPr>
-                </a:tc>
-                <a:tc>
-                  <a:txBody>
-                    <a:bodyPr/>
-                    <a:lstStyle/>
-                    <a:p>
-                      <a:pPr algn="ctr" fontAlgn="b"/>
-                      <a:r>
-                        <a:rPr lang="en-US" sz="3000" b="0" i="0" u="none" strike="noStrike">
-                          <a:solidFill>
-                            <a:srgbClr val="000000"/>
-                          </a:solidFill>
-                          <a:effectLst/>
-                          <a:latin typeface="Times New Roman" panose="02020603050405020304" pitchFamily="18" charset="0"/>
-                        </a:rPr>
-                        <a:t>1.4</a:t>
-                      </a:r>
-                    </a:p>
-                  </a:txBody>
-                  <a:tcPr marL="7620" marR="7620" marT="7620" marB="0" anchor="b">
-                    <a:lnL>
-                      <a:noFill/>
-                    </a:lnL>
-                    <a:lnR>
-                      <a:noFill/>
-                    </a:lnR>
-                    <a:lnT>
-                      <a:noFill/>
-                    </a:lnT>
-                    <a:lnB>
-                      <a:noFill/>
-                    </a:lnB>
-                    <a:noFill/>
-                  </a:tcPr>
-                </a:tc>
-                <a:tc>
-                  <a:txBody>
-                    <a:bodyPr/>
-                    <a:lstStyle/>
-                    <a:p>
-                      <a:pPr algn="ctr" fontAlgn="b"/>
-                      <a:r>
-                        <a:rPr lang="en-US" sz="3000" b="0" i="0" u="none" strike="noStrike">
-                          <a:solidFill>
-                            <a:srgbClr val="000000"/>
-                          </a:solidFill>
-                          <a:effectLst/>
-                          <a:latin typeface="Times New Roman" panose="02020603050405020304" pitchFamily="18" charset="0"/>
-                        </a:rPr>
-                        <a:t>1.13</a:t>
-                      </a:r>
-                    </a:p>
-                  </a:txBody>
-                  <a:tcPr marL="7620" marR="7620" marT="7620" marB="0" anchor="b">
-                    <a:lnL>
-                      <a:noFill/>
-                    </a:lnL>
-                    <a:lnR>
-                      <a:noFill/>
-                    </a:lnR>
-                    <a:lnT>
-                      <a:noFill/>
-                    </a:lnT>
-                    <a:lnB>
-                      <a:noFill/>
-                    </a:lnB>
-                    <a:noFill/>
-                  </a:tcPr>
-                </a:tc>
-                <a:tc>
-                  <a:txBody>
-                    <a:bodyPr/>
-                    <a:lstStyle/>
-                    <a:p>
-                      <a:pPr algn="ctr" fontAlgn="b"/>
-                      <a:r>
-                        <a:rPr lang="en-US" sz="3000" b="0" i="0" u="none" strike="noStrike">
-                          <a:solidFill>
-                            <a:srgbClr val="000000"/>
-                          </a:solidFill>
-                          <a:effectLst/>
-                          <a:latin typeface="Times New Roman" panose="02020603050405020304" pitchFamily="18" charset="0"/>
-                        </a:rPr>
-                        <a:t>12931</a:t>
-                      </a:r>
-                    </a:p>
-                  </a:txBody>
-                  <a:tcPr marL="7620" marR="7620" marT="7620" marB="0" anchor="b">
-                    <a:lnL>
-                      <a:noFill/>
-                    </a:lnL>
-                    <a:lnR>
-                      <a:noFill/>
-                    </a:lnR>
-                    <a:lnT>
-                      <a:noFill/>
-                    </a:lnT>
-                    <a:lnB>
-                      <a:noFill/>
-                    </a:lnB>
-                    <a:noFill/>
-                  </a:tcPr>
-                </a:tc>
-                <a:tc>
-                  <a:txBody>
-                    <a:bodyPr/>
-                    <a:lstStyle/>
-                    <a:p>
-                      <a:pPr algn="ctr" fontAlgn="b"/>
-                      <a:r>
-                        <a:rPr lang="en-US" sz="3000" b="0" i="0" u="none" strike="noStrike" dirty="0">
-                          <a:solidFill>
-                            <a:srgbClr val="000000"/>
-                          </a:solidFill>
-                          <a:effectLst/>
-                          <a:latin typeface="Times New Roman" panose="02020603050405020304" pitchFamily="18" charset="0"/>
-                        </a:rPr>
-                        <a:t>0.26</a:t>
-                      </a:r>
-                    </a:p>
-                  </a:txBody>
-                  <a:tcPr marL="7620" marR="7620" marT="7620" marB="0" anchor="b">
-                    <a:lnL>
-                      <a:noFill/>
-                    </a:lnL>
-                    <a:lnR>
-                      <a:noFill/>
-                    </a:lnR>
-                    <a:lnT>
-                      <a:noFill/>
-                    </a:lnT>
-                    <a:lnB>
-                      <a:noFill/>
-                    </a:lnB>
-                    <a:noFill/>
-                  </a:tcPr>
-                </a:tc>
-                <a:extLst>
-                  <a:ext uri="{0D108BD9-81ED-4DB2-BD59-A6C34878D82A}">
-                    <a16:rowId xmlns:a16="http://schemas.microsoft.com/office/drawing/2014/main" val="944817839"/>
-                  </a:ext>
-                </a:extLst>
-              </a:tr>
-              <a:tr h="480060">
-                <a:tc gridSpan="3">
-                  <a:txBody>
-                    <a:bodyPr/>
-                    <a:lstStyle/>
-                    <a:p>
-                      <a:pPr algn="r" fontAlgn="b"/>
-                      <a:r>
-                        <a:rPr lang="en-US" sz="3000" b="0" i="0" u="none" strike="noStrike">
-                          <a:solidFill>
-                            <a:srgbClr val="000000"/>
-                          </a:solidFill>
-                          <a:effectLst/>
-                          <a:latin typeface="Times New Roman" panose="02020603050405020304" pitchFamily="18" charset="0"/>
-                        </a:rPr>
-                        <a:t>Opt-in | Not Viewed | Time 2</a:t>
-                      </a:r>
-                    </a:p>
-                  </a:txBody>
-                  <a:tcPr marL="7620" marR="7620" marT="7620" marB="0" anchor="b">
-                    <a:lnL>
-                      <a:noFill/>
-                    </a:lnL>
-                    <a:lnR>
-                      <a:noFill/>
-                    </a:lnR>
-                    <a:lnT>
-                      <a:noFill/>
-                    </a:lnT>
-                    <a:lnB>
-                      <a:noFill/>
-                    </a:lnB>
-                    <a:noFill/>
-                  </a:tcPr>
-                </a:tc>
-                <a:tc hMerge="1">
-                  <a:txBody>
-                    <a:bodyPr/>
-                    <a:lstStyle/>
-                    <a:p>
-                      <a:endParaRPr lang="en-US"/>
-                    </a:p>
-                  </a:txBody>
-                  <a:tcPr/>
-                </a:tc>
-                <a:tc hMerge="1">
-                  <a:txBody>
-                    <a:bodyPr/>
-                    <a:lstStyle/>
-                    <a:p>
-                      <a:endParaRPr lang="en-US"/>
-                    </a:p>
-                  </a:txBody>
-                  <a:tcPr/>
-                </a:tc>
-                <a:tc>
-                  <a:txBody>
-                    <a:bodyPr/>
-                    <a:lstStyle/>
-                    <a:p>
-                      <a:pPr algn="ctr" fontAlgn="b"/>
-                      <a:r>
-                        <a:rPr lang="en-US" sz="3000" b="0" i="0" u="none" strike="noStrike">
-                          <a:solidFill>
-                            <a:srgbClr val="000000"/>
-                          </a:solidFill>
-                          <a:effectLst/>
-                          <a:latin typeface="Times New Roman" panose="02020603050405020304" pitchFamily="18" charset="0"/>
-                        </a:rPr>
-                        <a:t>0.99</a:t>
-                      </a:r>
-                    </a:p>
-                  </a:txBody>
-                  <a:tcPr marL="7620" marR="7620" marT="7620" marB="0" anchor="b">
-                    <a:lnL>
-                      <a:noFill/>
-                    </a:lnL>
-                    <a:lnR>
-                      <a:noFill/>
-                    </a:lnR>
-                    <a:lnT>
-                      <a:noFill/>
-                    </a:lnT>
-                    <a:lnB>
-                      <a:noFill/>
-                    </a:lnB>
-                    <a:noFill/>
-                  </a:tcPr>
-                </a:tc>
-                <a:tc>
-                  <a:txBody>
-                    <a:bodyPr/>
-                    <a:lstStyle/>
-                    <a:p>
-                      <a:pPr algn="ctr" fontAlgn="b"/>
-                      <a:r>
-                        <a:rPr lang="en-US" sz="3000" b="0" i="0" u="none" strike="noStrike">
-                          <a:solidFill>
-                            <a:srgbClr val="000000"/>
-                          </a:solidFill>
-                          <a:effectLst/>
-                          <a:latin typeface="Times New Roman" panose="02020603050405020304" pitchFamily="18" charset="0"/>
-                        </a:rPr>
-                        <a:t>2</a:t>
-                      </a:r>
-                    </a:p>
-                  </a:txBody>
-                  <a:tcPr marL="7620" marR="7620" marT="7620" marB="0" anchor="b">
-                    <a:lnL>
-                      <a:noFill/>
-                    </a:lnL>
-                    <a:lnR>
-                      <a:noFill/>
-                    </a:lnR>
-                    <a:lnT>
-                      <a:noFill/>
-                    </a:lnT>
-                    <a:lnB>
-                      <a:noFill/>
-                    </a:lnB>
-                    <a:noFill/>
-                  </a:tcPr>
-                </a:tc>
-                <a:tc>
-                  <a:txBody>
-                    <a:bodyPr/>
-                    <a:lstStyle/>
-                    <a:p>
-                      <a:pPr algn="ctr" fontAlgn="b"/>
-                      <a:r>
-                        <a:rPr lang="en-US" sz="3000" b="0" i="0" u="none" strike="noStrike">
-                          <a:solidFill>
-                            <a:srgbClr val="000000"/>
-                          </a:solidFill>
-                          <a:effectLst/>
-                          <a:latin typeface="Times New Roman" panose="02020603050405020304" pitchFamily="18" charset="0"/>
-                        </a:rPr>
-                        <a:t>0.49</a:t>
-                      </a:r>
-                    </a:p>
-                  </a:txBody>
-                  <a:tcPr marL="7620" marR="7620" marT="7620" marB="0" anchor="b">
-                    <a:lnL>
-                      <a:noFill/>
-                    </a:lnL>
-                    <a:lnR>
-                      <a:noFill/>
-                    </a:lnR>
-                    <a:lnT>
-                      <a:noFill/>
-                    </a:lnT>
-                    <a:lnB>
-                      <a:noFill/>
-                    </a:lnB>
-                    <a:noFill/>
-                  </a:tcPr>
-                </a:tc>
-                <a:tc>
-                  <a:txBody>
-                    <a:bodyPr/>
-                    <a:lstStyle/>
-                    <a:p>
-                      <a:pPr algn="ctr" fontAlgn="b"/>
-                      <a:r>
-                        <a:rPr lang="en-US" sz="3000" b="0" i="0" u="none" strike="noStrike">
-                          <a:solidFill>
-                            <a:srgbClr val="000000"/>
-                          </a:solidFill>
-                          <a:effectLst/>
-                          <a:latin typeface="Times New Roman" panose="02020603050405020304" pitchFamily="18" charset="0"/>
-                        </a:rPr>
-                        <a:t>13957.5</a:t>
-                      </a:r>
-                    </a:p>
-                  </a:txBody>
-                  <a:tcPr marL="7620" marR="7620" marT="7620" marB="0" anchor="b">
-                    <a:lnL>
-                      <a:noFill/>
-                    </a:lnL>
-                    <a:lnR>
-                      <a:noFill/>
-                    </a:lnR>
-                    <a:lnT>
-                      <a:noFill/>
-                    </a:lnT>
-                    <a:lnB>
-                      <a:noFill/>
-                    </a:lnB>
-                    <a:noFill/>
-                  </a:tcPr>
-                </a:tc>
-                <a:tc>
-                  <a:txBody>
-                    <a:bodyPr/>
-                    <a:lstStyle/>
-                    <a:p>
-                      <a:pPr algn="ctr" fontAlgn="b"/>
-                      <a:r>
-                        <a:rPr lang="en-US" sz="3000" b="0" i="0" u="none" strike="noStrike" dirty="0">
-                          <a:solidFill>
-                            <a:srgbClr val="000000"/>
-                          </a:solidFill>
-                          <a:effectLst/>
-                          <a:latin typeface="Times New Roman" panose="02020603050405020304" pitchFamily="18" charset="0"/>
-                        </a:rPr>
-                        <a:t>0.63</a:t>
-                      </a:r>
-                    </a:p>
-                  </a:txBody>
-                  <a:tcPr marL="7620" marR="7620" marT="7620" marB="0" anchor="b">
-                    <a:lnL>
-                      <a:noFill/>
-                    </a:lnL>
-                    <a:lnR>
-                      <a:noFill/>
-                    </a:lnR>
-                    <a:lnT>
-                      <a:noFill/>
-                    </a:lnT>
-                    <a:lnB>
-                      <a:noFill/>
-                    </a:lnB>
-                    <a:noFill/>
-                  </a:tcPr>
-                </a:tc>
-                <a:extLst>
-                  <a:ext uri="{0D108BD9-81ED-4DB2-BD59-A6C34878D82A}">
-                    <a16:rowId xmlns:a16="http://schemas.microsoft.com/office/drawing/2014/main" val="702134735"/>
-                  </a:ext>
-                </a:extLst>
-              </a:tr>
-              <a:tr h="480060">
-                <a:tc gridSpan="3">
-                  <a:txBody>
-                    <a:bodyPr/>
-                    <a:lstStyle/>
-                    <a:p>
-                      <a:pPr algn="r" fontAlgn="b"/>
-                      <a:r>
-                        <a:rPr lang="en-US" sz="3000" b="0" i="0" u="none" strike="noStrike">
-                          <a:solidFill>
-                            <a:srgbClr val="000000"/>
-                          </a:solidFill>
-                          <a:effectLst/>
-                          <a:latin typeface="Times New Roman" panose="02020603050405020304" pitchFamily="18" charset="0"/>
-                        </a:rPr>
-                        <a:t>Opt-in | Not Viewed | Time 3</a:t>
-                      </a:r>
-                    </a:p>
-                  </a:txBody>
-                  <a:tcPr marL="7620" marR="7620" marT="7620" marB="0" anchor="b">
-                    <a:lnL>
-                      <a:noFill/>
-                    </a:lnL>
-                    <a:lnR>
-                      <a:noFill/>
-                    </a:lnR>
-                    <a:lnT>
-                      <a:noFill/>
-                    </a:lnT>
-                    <a:lnB>
-                      <a:noFill/>
-                    </a:lnB>
-                    <a:noFill/>
-                  </a:tcPr>
-                </a:tc>
-                <a:tc hMerge="1">
-                  <a:txBody>
-                    <a:bodyPr/>
-                    <a:lstStyle/>
-                    <a:p>
-                      <a:endParaRPr lang="en-US"/>
-                    </a:p>
-                  </a:txBody>
-                  <a:tcPr/>
-                </a:tc>
-                <a:tc hMerge="1">
-                  <a:txBody>
-                    <a:bodyPr/>
-                    <a:lstStyle/>
-                    <a:p>
-                      <a:endParaRPr lang="en-US"/>
-                    </a:p>
-                  </a:txBody>
-                  <a:tcPr/>
-                </a:tc>
-                <a:tc>
-                  <a:txBody>
-                    <a:bodyPr/>
-                    <a:lstStyle/>
-                    <a:p>
-                      <a:pPr algn="ctr" fontAlgn="b"/>
-                      <a:r>
-                        <a:rPr lang="en-US" sz="3000" b="0" i="0" u="none" strike="noStrike">
-                          <a:solidFill>
-                            <a:srgbClr val="000000"/>
-                          </a:solidFill>
-                          <a:effectLst/>
-                          <a:latin typeface="Times New Roman" panose="02020603050405020304" pitchFamily="18" charset="0"/>
-                        </a:rPr>
-                        <a:t>-0.79</a:t>
-                      </a:r>
-                    </a:p>
-                  </a:txBody>
-                  <a:tcPr marL="7620" marR="7620" marT="7620" marB="0" anchor="b">
-                    <a:lnL>
-                      <a:noFill/>
-                    </a:lnL>
-                    <a:lnR>
-                      <a:noFill/>
-                    </a:lnR>
-                    <a:lnT>
-                      <a:noFill/>
-                    </a:lnT>
-                    <a:lnB>
-                      <a:noFill/>
-                    </a:lnB>
-                    <a:noFill/>
-                  </a:tcPr>
-                </a:tc>
-                <a:tc>
-                  <a:txBody>
-                    <a:bodyPr/>
-                    <a:lstStyle/>
-                    <a:p>
-                      <a:pPr algn="ctr" fontAlgn="b"/>
-                      <a:r>
-                        <a:rPr lang="en-US" sz="3000" b="0" i="0" u="none" strike="noStrike">
-                          <a:solidFill>
-                            <a:srgbClr val="000000"/>
-                          </a:solidFill>
-                          <a:effectLst/>
-                          <a:latin typeface="Times New Roman" panose="02020603050405020304" pitchFamily="18" charset="0"/>
-                        </a:rPr>
-                        <a:t>2.8</a:t>
-                      </a:r>
-                    </a:p>
-                  </a:txBody>
-                  <a:tcPr marL="7620" marR="7620" marT="7620" marB="0" anchor="b">
-                    <a:lnL>
-                      <a:noFill/>
-                    </a:lnL>
-                    <a:lnR>
-                      <a:noFill/>
-                    </a:lnR>
-                    <a:lnT>
-                      <a:noFill/>
-                    </a:lnT>
-                    <a:lnB>
-                      <a:noFill/>
-                    </a:lnB>
-                    <a:noFill/>
-                  </a:tcPr>
-                </a:tc>
-                <a:tc>
-                  <a:txBody>
-                    <a:bodyPr/>
-                    <a:lstStyle/>
-                    <a:p>
-                      <a:pPr algn="ctr" fontAlgn="b"/>
-                      <a:r>
-                        <a:rPr lang="en-US" sz="3000" b="0" i="0" u="none" strike="noStrike">
-                          <a:solidFill>
-                            <a:srgbClr val="000000"/>
-                          </a:solidFill>
-                          <a:effectLst/>
-                          <a:latin typeface="Times New Roman" panose="02020603050405020304" pitchFamily="18" charset="0"/>
-                        </a:rPr>
-                        <a:t>-0.3</a:t>
-                      </a:r>
-                    </a:p>
-                  </a:txBody>
-                  <a:tcPr marL="7620" marR="7620" marT="7620" marB="0" anchor="b">
-                    <a:lnL>
-                      <a:noFill/>
-                    </a:lnL>
-                    <a:lnR>
-                      <a:noFill/>
-                    </a:lnR>
-                    <a:lnT>
-                      <a:noFill/>
-                    </a:lnT>
-                    <a:lnB>
-                      <a:noFill/>
-                    </a:lnB>
-                    <a:noFill/>
-                  </a:tcPr>
-                </a:tc>
-                <a:tc>
-                  <a:txBody>
-                    <a:bodyPr/>
-                    <a:lstStyle/>
-                    <a:p>
-                      <a:pPr algn="ctr" fontAlgn="b"/>
-                      <a:r>
-                        <a:rPr lang="en-US" sz="3000" b="0" i="0" u="none" strike="noStrike">
-                          <a:solidFill>
-                            <a:srgbClr val="000000"/>
-                          </a:solidFill>
-                          <a:effectLst/>
-                          <a:latin typeface="Times New Roman" panose="02020603050405020304" pitchFamily="18" charset="0"/>
-                        </a:rPr>
-                        <a:t>13933.6</a:t>
-                      </a:r>
-                    </a:p>
-                  </a:txBody>
-                  <a:tcPr marL="7620" marR="7620" marT="7620" marB="0" anchor="b">
-                    <a:lnL>
-                      <a:noFill/>
-                    </a:lnL>
-                    <a:lnR>
-                      <a:noFill/>
-                    </a:lnR>
-                    <a:lnT>
-                      <a:noFill/>
-                    </a:lnT>
-                    <a:lnB>
-                      <a:noFill/>
-                    </a:lnB>
-                    <a:noFill/>
-                  </a:tcPr>
-                </a:tc>
-                <a:tc>
-                  <a:txBody>
-                    <a:bodyPr/>
-                    <a:lstStyle/>
-                    <a:p>
-                      <a:pPr algn="ctr" fontAlgn="b"/>
-                      <a:r>
-                        <a:rPr lang="en-US" sz="3000" b="0" i="0" u="none" strike="noStrike">
-                          <a:solidFill>
-                            <a:srgbClr val="000000"/>
-                          </a:solidFill>
-                          <a:effectLst/>
-                          <a:latin typeface="Times New Roman" panose="02020603050405020304" pitchFamily="18" charset="0"/>
-                        </a:rPr>
-                        <a:t>0.78</a:t>
-                      </a:r>
-                    </a:p>
-                  </a:txBody>
-                  <a:tcPr marL="7620" marR="7620" marT="7620" marB="0" anchor="b">
-                    <a:lnL>
-                      <a:noFill/>
-                    </a:lnL>
-                    <a:lnR>
-                      <a:noFill/>
-                    </a:lnR>
-                    <a:lnT>
-                      <a:noFill/>
-                    </a:lnT>
-                    <a:lnB>
-                      <a:noFill/>
-                    </a:lnB>
-                    <a:noFill/>
-                  </a:tcPr>
-                </a:tc>
-                <a:extLst>
-                  <a:ext uri="{0D108BD9-81ED-4DB2-BD59-A6C34878D82A}">
-                    <a16:rowId xmlns:a16="http://schemas.microsoft.com/office/drawing/2014/main" val="766488421"/>
-                  </a:ext>
-                </a:extLst>
-              </a:tr>
-              <a:tr h="480060">
-                <a:tc gridSpan="3">
-                  <a:txBody>
-                    <a:bodyPr/>
-                    <a:lstStyle/>
-                    <a:p>
-                      <a:pPr algn="r" fontAlgn="b"/>
-                      <a:r>
-                        <a:rPr lang="en-US" sz="3000" b="0" i="0" u="none" strike="noStrike">
-                          <a:solidFill>
-                            <a:srgbClr val="000000"/>
-                          </a:solidFill>
-                          <a:effectLst/>
-                          <a:latin typeface="Times New Roman" panose="02020603050405020304" pitchFamily="18" charset="0"/>
-                        </a:rPr>
-                        <a:t>Opt-in | Not Viewed | Time 4</a:t>
-                      </a:r>
-                    </a:p>
-                  </a:txBody>
-                  <a:tcPr marL="7620" marR="7620" marT="7620" marB="0" anchor="b">
-                    <a:lnL>
-                      <a:noFill/>
-                    </a:lnL>
-                    <a:lnR>
-                      <a:noFill/>
-                    </a:lnR>
-                    <a:lnT>
-                      <a:noFill/>
-                    </a:lnT>
-                    <a:lnB>
-                      <a:noFill/>
-                    </a:lnB>
-                    <a:noFill/>
-                  </a:tcPr>
-                </a:tc>
-                <a:tc hMerge="1">
-                  <a:txBody>
-                    <a:bodyPr/>
-                    <a:lstStyle/>
-                    <a:p>
-                      <a:endParaRPr lang="en-US"/>
-                    </a:p>
-                  </a:txBody>
-                  <a:tcPr/>
-                </a:tc>
-                <a:tc hMerge="1">
-                  <a:txBody>
-                    <a:bodyPr/>
-                    <a:lstStyle/>
-                    <a:p>
-                      <a:endParaRPr lang="en-US"/>
-                    </a:p>
-                  </a:txBody>
-                  <a:tcPr/>
-                </a:tc>
-                <a:tc>
-                  <a:txBody>
-                    <a:bodyPr/>
-                    <a:lstStyle/>
-                    <a:p>
-                      <a:pPr algn="ctr" fontAlgn="b"/>
-                      <a:r>
-                        <a:rPr lang="en-US" sz="3000" b="0" i="0" u="none" strike="noStrike">
-                          <a:solidFill>
-                            <a:srgbClr val="000000"/>
-                          </a:solidFill>
-                          <a:effectLst/>
-                          <a:latin typeface="Times New Roman" panose="02020603050405020304" pitchFamily="18" charset="0"/>
-                        </a:rPr>
-                        <a:t>-1.17</a:t>
-                      </a:r>
-                    </a:p>
-                  </a:txBody>
-                  <a:tcPr marL="7620" marR="7620" marT="7620" marB="0" anchor="b">
-                    <a:lnL>
-                      <a:noFill/>
-                    </a:lnL>
-                    <a:lnR>
-                      <a:noFill/>
-                    </a:lnR>
-                    <a:lnT>
-                      <a:noFill/>
-                    </a:lnT>
-                    <a:lnB>
-                      <a:noFill/>
-                    </a:lnB>
-                    <a:noFill/>
-                  </a:tcPr>
-                </a:tc>
-                <a:tc>
-                  <a:txBody>
-                    <a:bodyPr/>
-                    <a:lstStyle/>
-                    <a:p>
-                      <a:pPr algn="ctr" fontAlgn="b"/>
-                      <a:r>
-                        <a:rPr lang="en-US" sz="3000" b="0" i="0" u="none" strike="noStrike">
-                          <a:solidFill>
-                            <a:srgbClr val="000000"/>
-                          </a:solidFill>
-                          <a:effectLst/>
-                          <a:latin typeface="Times New Roman" panose="02020603050405020304" pitchFamily="18" charset="0"/>
-                        </a:rPr>
-                        <a:t>1.9</a:t>
-                      </a:r>
-                    </a:p>
-                  </a:txBody>
-                  <a:tcPr marL="7620" marR="7620" marT="7620" marB="0" anchor="b">
-                    <a:lnL>
-                      <a:noFill/>
-                    </a:lnL>
-                    <a:lnR>
-                      <a:noFill/>
-                    </a:lnR>
-                    <a:lnT>
-                      <a:noFill/>
-                    </a:lnT>
-                    <a:lnB>
-                      <a:noFill/>
-                    </a:lnB>
-                    <a:noFill/>
-                  </a:tcPr>
-                </a:tc>
-                <a:tc>
-                  <a:txBody>
-                    <a:bodyPr/>
-                    <a:lstStyle/>
-                    <a:p>
-                      <a:pPr algn="ctr" fontAlgn="b"/>
-                      <a:r>
-                        <a:rPr lang="en-US" sz="3000" b="0" i="0" u="none" strike="noStrike">
-                          <a:solidFill>
-                            <a:srgbClr val="000000"/>
-                          </a:solidFill>
-                          <a:effectLst/>
-                          <a:latin typeface="Times New Roman" panose="02020603050405020304" pitchFamily="18" charset="0"/>
-                        </a:rPr>
-                        <a:t>-0.6</a:t>
-                      </a:r>
-                    </a:p>
-                  </a:txBody>
-                  <a:tcPr marL="7620" marR="7620" marT="7620" marB="0" anchor="b">
-                    <a:lnL>
-                      <a:noFill/>
-                    </a:lnL>
-                    <a:lnR>
-                      <a:noFill/>
-                    </a:lnR>
-                    <a:lnT>
-                      <a:noFill/>
-                    </a:lnT>
-                    <a:lnB>
-                      <a:noFill/>
-                    </a:lnB>
-                    <a:noFill/>
-                  </a:tcPr>
-                </a:tc>
-                <a:tc>
-                  <a:txBody>
-                    <a:bodyPr/>
-                    <a:lstStyle/>
-                    <a:p>
-                      <a:pPr algn="ctr" fontAlgn="b"/>
-                      <a:r>
-                        <a:rPr lang="en-US" sz="3000" b="0" i="0" u="none" strike="noStrike">
-                          <a:solidFill>
-                            <a:srgbClr val="000000"/>
-                          </a:solidFill>
-                          <a:effectLst/>
-                          <a:latin typeface="Times New Roman" panose="02020603050405020304" pitchFamily="18" charset="0"/>
-                        </a:rPr>
-                        <a:t>13919.4</a:t>
-                      </a:r>
-                    </a:p>
-                  </a:txBody>
-                  <a:tcPr marL="7620" marR="7620" marT="7620" marB="0" anchor="b">
-                    <a:lnL>
-                      <a:noFill/>
-                    </a:lnL>
-                    <a:lnR>
-                      <a:noFill/>
-                    </a:lnR>
-                    <a:lnT>
-                      <a:noFill/>
-                    </a:lnT>
-                    <a:lnB>
-                      <a:noFill/>
-                    </a:lnB>
-                    <a:noFill/>
-                  </a:tcPr>
-                </a:tc>
-                <a:tc>
-                  <a:txBody>
-                    <a:bodyPr/>
-                    <a:lstStyle/>
-                    <a:p>
-                      <a:pPr algn="ctr" fontAlgn="b"/>
-                      <a:r>
-                        <a:rPr lang="en-US" sz="3000" b="0" i="0" u="none" strike="noStrike" dirty="0">
-                          <a:solidFill>
-                            <a:srgbClr val="000000"/>
-                          </a:solidFill>
-                          <a:effectLst/>
-                          <a:latin typeface="Times New Roman" panose="02020603050405020304" pitchFamily="18" charset="0"/>
-                        </a:rPr>
-                        <a:t>0.54</a:t>
-                      </a:r>
-                    </a:p>
-                  </a:txBody>
-                  <a:tcPr marL="7620" marR="7620" marT="7620" marB="0" anchor="b">
-                    <a:lnL>
-                      <a:noFill/>
-                    </a:lnL>
-                    <a:lnR>
-                      <a:noFill/>
-                    </a:lnR>
-                    <a:lnT>
-                      <a:noFill/>
-                    </a:lnT>
-                    <a:lnB>
-                      <a:noFill/>
-                    </a:lnB>
-                    <a:noFill/>
-                  </a:tcPr>
-                </a:tc>
-                <a:extLst>
-                  <a:ext uri="{0D108BD9-81ED-4DB2-BD59-A6C34878D82A}">
-                    <a16:rowId xmlns:a16="http://schemas.microsoft.com/office/drawing/2014/main" val="3288335466"/>
-                  </a:ext>
-                </a:extLst>
-              </a:tr>
-              <a:tr h="480060">
-                <a:tc gridSpan="3">
-                  <a:txBody>
-                    <a:bodyPr/>
-                    <a:lstStyle/>
-                    <a:p>
-                      <a:pPr algn="r" fontAlgn="b"/>
-                      <a:r>
-                        <a:rPr lang="en-US" sz="3000" b="0" i="0" u="none" strike="noStrike">
-                          <a:solidFill>
-                            <a:srgbClr val="000000"/>
-                          </a:solidFill>
-                          <a:effectLst/>
-                          <a:latin typeface="Times New Roman" panose="02020603050405020304" pitchFamily="18" charset="0"/>
-                        </a:rPr>
-                        <a:t>Opt-out | Viewed | Time 2</a:t>
-                      </a:r>
-                    </a:p>
-                  </a:txBody>
-                  <a:tcPr marL="7620" marR="7620" marT="7620" marB="0" anchor="b">
-                    <a:lnL>
-                      <a:noFill/>
-                    </a:lnL>
-                    <a:lnR>
-                      <a:noFill/>
-                    </a:lnR>
-                    <a:lnT>
-                      <a:noFill/>
-                    </a:lnT>
-                    <a:lnB>
-                      <a:noFill/>
-                    </a:lnB>
-                    <a:noFill/>
-                  </a:tcPr>
-                </a:tc>
-                <a:tc hMerge="1">
-                  <a:txBody>
-                    <a:bodyPr/>
-                    <a:lstStyle/>
-                    <a:p>
-                      <a:endParaRPr lang="en-US"/>
-                    </a:p>
-                  </a:txBody>
-                  <a:tcPr/>
-                </a:tc>
-                <a:tc hMerge="1">
-                  <a:txBody>
-                    <a:bodyPr/>
-                    <a:lstStyle/>
-                    <a:p>
-                      <a:endParaRPr lang="en-US"/>
-                    </a:p>
-                  </a:txBody>
-                  <a:tcPr/>
-                </a:tc>
-                <a:tc>
-                  <a:txBody>
-                    <a:bodyPr/>
-                    <a:lstStyle/>
-                    <a:p>
-                      <a:pPr algn="ctr" fontAlgn="b"/>
-                      <a:r>
-                        <a:rPr lang="en-US" sz="3000" b="0" i="0" u="none" strike="noStrike">
-                          <a:solidFill>
-                            <a:srgbClr val="000000"/>
-                          </a:solidFill>
-                          <a:effectLst/>
-                          <a:latin typeface="Times New Roman" panose="02020603050405020304" pitchFamily="18" charset="0"/>
-                        </a:rPr>
-                        <a:t>-2.97</a:t>
-                      </a:r>
-                    </a:p>
-                  </a:txBody>
-                  <a:tcPr marL="7620" marR="7620" marT="7620" marB="0" anchor="b">
-                    <a:lnL>
-                      <a:noFill/>
-                    </a:lnL>
-                    <a:lnR>
-                      <a:noFill/>
-                    </a:lnR>
-                    <a:lnT>
-                      <a:noFill/>
-                    </a:lnT>
-                    <a:lnB>
-                      <a:noFill/>
-                    </a:lnB>
-                    <a:noFill/>
-                  </a:tcPr>
-                </a:tc>
-                <a:tc>
-                  <a:txBody>
-                    <a:bodyPr/>
-                    <a:lstStyle/>
-                    <a:p>
-                      <a:pPr algn="ctr" fontAlgn="b"/>
-                      <a:r>
-                        <a:rPr lang="en-US" sz="3000" b="0" i="0" u="none" strike="noStrike">
-                          <a:solidFill>
-                            <a:srgbClr val="000000"/>
-                          </a:solidFill>
-                          <a:effectLst/>
-                          <a:latin typeface="Times New Roman" panose="02020603050405020304" pitchFamily="18" charset="0"/>
-                        </a:rPr>
-                        <a:t>1.6</a:t>
-                      </a:r>
-                    </a:p>
-                  </a:txBody>
-                  <a:tcPr marL="7620" marR="7620" marT="7620" marB="0" anchor="b">
-                    <a:lnL>
-                      <a:noFill/>
-                    </a:lnL>
-                    <a:lnR>
-                      <a:noFill/>
-                    </a:lnR>
-                    <a:lnT>
-                      <a:noFill/>
-                    </a:lnT>
-                    <a:lnB>
-                      <a:noFill/>
-                    </a:lnB>
-                    <a:noFill/>
-                  </a:tcPr>
-                </a:tc>
-                <a:tc>
-                  <a:txBody>
-                    <a:bodyPr/>
-                    <a:lstStyle/>
-                    <a:p>
-                      <a:pPr algn="ctr" fontAlgn="b"/>
-                      <a:r>
-                        <a:rPr lang="en-US" sz="3000" b="0" i="0" u="none" strike="noStrike">
-                          <a:solidFill>
-                            <a:srgbClr val="000000"/>
-                          </a:solidFill>
-                          <a:effectLst/>
-                          <a:latin typeface="Times New Roman" panose="02020603050405020304" pitchFamily="18" charset="0"/>
-                        </a:rPr>
-                        <a:t>-1.8</a:t>
-                      </a:r>
-                    </a:p>
-                  </a:txBody>
-                  <a:tcPr marL="7620" marR="7620" marT="7620" marB="0" anchor="b">
-                    <a:lnL>
-                      <a:noFill/>
-                    </a:lnL>
-                    <a:lnR>
-                      <a:noFill/>
-                    </a:lnR>
-                    <a:lnT>
-                      <a:noFill/>
-                    </a:lnT>
-                    <a:lnB>
-                      <a:noFill/>
-                    </a:lnB>
-                    <a:noFill/>
-                  </a:tcPr>
-                </a:tc>
-                <a:tc>
-                  <a:txBody>
-                    <a:bodyPr/>
-                    <a:lstStyle/>
-                    <a:p>
-                      <a:pPr algn="ctr" fontAlgn="b"/>
-                      <a:r>
-                        <a:rPr lang="en-US" sz="3000" b="0" i="0" u="none" strike="noStrike">
-                          <a:solidFill>
-                            <a:srgbClr val="000000"/>
-                          </a:solidFill>
-                          <a:effectLst/>
-                          <a:latin typeface="Times New Roman" panose="02020603050405020304" pitchFamily="18" charset="0"/>
-                        </a:rPr>
-                        <a:t>13948</a:t>
-                      </a:r>
-                    </a:p>
-                  </a:txBody>
-                  <a:tcPr marL="7620" marR="7620" marT="7620" marB="0" anchor="b">
-                    <a:lnL>
-                      <a:noFill/>
-                    </a:lnL>
-                    <a:lnR>
-                      <a:noFill/>
-                    </a:lnR>
-                    <a:lnT>
-                      <a:noFill/>
-                    </a:lnT>
-                    <a:lnB>
-                      <a:noFill/>
-                    </a:lnB>
-                    <a:noFill/>
-                  </a:tcPr>
-                </a:tc>
-                <a:tc>
-                  <a:txBody>
-                    <a:bodyPr/>
-                    <a:lstStyle/>
-                    <a:p>
-                      <a:pPr algn="ctr" fontAlgn="b"/>
-                      <a:r>
-                        <a:rPr lang="en-US" sz="3000" b="0" i="0" u="none" strike="noStrike">
-                          <a:solidFill>
-                            <a:srgbClr val="000000"/>
-                          </a:solidFill>
-                          <a:effectLst/>
-                          <a:latin typeface="Times New Roman" panose="02020603050405020304" pitchFamily="18" charset="0"/>
-                        </a:rPr>
-                        <a:t>0.07</a:t>
-                      </a:r>
-                    </a:p>
-                  </a:txBody>
-                  <a:tcPr marL="7620" marR="7620" marT="7620" marB="0" anchor="b">
-                    <a:lnL>
-                      <a:noFill/>
-                    </a:lnL>
-                    <a:lnR>
-                      <a:noFill/>
-                    </a:lnR>
-                    <a:lnT>
-                      <a:noFill/>
-                    </a:lnT>
-                    <a:lnB>
-                      <a:noFill/>
-                    </a:lnB>
-                    <a:noFill/>
-                  </a:tcPr>
-                </a:tc>
-                <a:extLst>
-                  <a:ext uri="{0D108BD9-81ED-4DB2-BD59-A6C34878D82A}">
-                    <a16:rowId xmlns:a16="http://schemas.microsoft.com/office/drawing/2014/main" val="4089121106"/>
-                  </a:ext>
-                </a:extLst>
-              </a:tr>
-              <a:tr h="480060">
-                <a:tc gridSpan="3">
-                  <a:txBody>
-                    <a:bodyPr/>
-                    <a:lstStyle/>
-                    <a:p>
-                      <a:pPr algn="r" fontAlgn="b"/>
-                      <a:r>
-                        <a:rPr lang="en-US" sz="3000" b="0" i="0" u="none" strike="noStrike">
-                          <a:solidFill>
-                            <a:srgbClr val="000000"/>
-                          </a:solidFill>
-                          <a:effectLst/>
-                          <a:latin typeface="Times New Roman" panose="02020603050405020304" pitchFamily="18" charset="0"/>
-                        </a:rPr>
-                        <a:t>Opt-out | Viewed | Time 3</a:t>
-                      </a:r>
-                    </a:p>
-                  </a:txBody>
-                  <a:tcPr marL="7620" marR="7620" marT="7620" marB="0" anchor="b">
-                    <a:lnL>
-                      <a:noFill/>
-                    </a:lnL>
-                    <a:lnR>
-                      <a:noFill/>
-                    </a:lnR>
-                    <a:lnT>
-                      <a:noFill/>
-                    </a:lnT>
-                    <a:lnB>
-                      <a:noFill/>
-                    </a:lnB>
-                    <a:noFill/>
-                  </a:tcPr>
-                </a:tc>
-                <a:tc hMerge="1">
-                  <a:txBody>
-                    <a:bodyPr/>
-                    <a:lstStyle/>
-                    <a:p>
-                      <a:endParaRPr lang="en-US"/>
-                    </a:p>
-                  </a:txBody>
-                  <a:tcPr/>
-                </a:tc>
-                <a:tc hMerge="1">
-                  <a:txBody>
-                    <a:bodyPr/>
-                    <a:lstStyle/>
-                    <a:p>
-                      <a:endParaRPr lang="en-US"/>
-                    </a:p>
-                  </a:txBody>
-                  <a:tcPr/>
-                </a:tc>
-                <a:tc>
-                  <a:txBody>
-                    <a:bodyPr/>
-                    <a:lstStyle/>
-                    <a:p>
-                      <a:pPr algn="ctr" fontAlgn="b"/>
-                      <a:r>
-                        <a:rPr lang="en-US" sz="3000" b="0" i="0" u="none" strike="noStrike">
-                          <a:solidFill>
-                            <a:srgbClr val="000000"/>
-                          </a:solidFill>
-                          <a:effectLst/>
-                          <a:latin typeface="Times New Roman" panose="02020603050405020304" pitchFamily="18" charset="0"/>
-                        </a:rPr>
-                        <a:t>0.36</a:t>
-                      </a:r>
-                    </a:p>
-                  </a:txBody>
-                  <a:tcPr marL="7620" marR="7620" marT="7620" marB="0" anchor="b">
-                    <a:lnL>
-                      <a:noFill/>
-                    </a:lnL>
-                    <a:lnR>
-                      <a:noFill/>
-                    </a:lnR>
-                    <a:lnT>
-                      <a:noFill/>
-                    </a:lnT>
-                    <a:lnB>
-                      <a:noFill/>
-                    </a:lnB>
-                    <a:noFill/>
-                  </a:tcPr>
-                </a:tc>
-                <a:tc>
-                  <a:txBody>
-                    <a:bodyPr/>
-                    <a:lstStyle/>
-                    <a:p>
-                      <a:pPr algn="ctr" fontAlgn="b"/>
-                      <a:r>
-                        <a:rPr lang="en-US" sz="3000" b="0" i="0" u="none" strike="noStrike">
-                          <a:solidFill>
-                            <a:srgbClr val="000000"/>
-                          </a:solidFill>
-                          <a:effectLst/>
-                          <a:latin typeface="Times New Roman" panose="02020603050405020304" pitchFamily="18" charset="0"/>
-                        </a:rPr>
-                        <a:t>1.7</a:t>
-                      </a:r>
-                    </a:p>
-                  </a:txBody>
-                  <a:tcPr marL="7620" marR="7620" marT="7620" marB="0" anchor="b">
-                    <a:lnL>
-                      <a:noFill/>
-                    </a:lnL>
-                    <a:lnR>
-                      <a:noFill/>
-                    </a:lnR>
-                    <a:lnT>
-                      <a:noFill/>
-                    </a:lnT>
-                    <a:lnB>
-                      <a:noFill/>
-                    </a:lnB>
-                    <a:noFill/>
-                  </a:tcPr>
-                </a:tc>
-                <a:tc>
-                  <a:txBody>
-                    <a:bodyPr/>
-                    <a:lstStyle/>
-                    <a:p>
-                      <a:pPr algn="ctr" fontAlgn="b"/>
-                      <a:r>
-                        <a:rPr lang="en-US" sz="3000" b="0" i="0" u="none" strike="noStrike">
-                          <a:solidFill>
-                            <a:srgbClr val="000000"/>
-                          </a:solidFill>
-                          <a:effectLst/>
-                          <a:latin typeface="Times New Roman" panose="02020603050405020304" pitchFamily="18" charset="0"/>
-                        </a:rPr>
-                        <a:t>0.21</a:t>
-                      </a:r>
-                    </a:p>
-                  </a:txBody>
-                  <a:tcPr marL="7620" marR="7620" marT="7620" marB="0" anchor="b">
-                    <a:lnL>
-                      <a:noFill/>
-                    </a:lnL>
-                    <a:lnR>
-                      <a:noFill/>
-                    </a:lnR>
-                    <a:lnT>
-                      <a:noFill/>
-                    </a:lnT>
-                    <a:lnB>
-                      <a:noFill/>
-                    </a:lnB>
-                    <a:noFill/>
-                  </a:tcPr>
-                </a:tc>
-                <a:tc>
-                  <a:txBody>
-                    <a:bodyPr/>
-                    <a:lstStyle/>
-                    <a:p>
-                      <a:pPr algn="ctr" fontAlgn="b"/>
-                      <a:r>
-                        <a:rPr lang="en-US" sz="3000" b="0" i="0" u="none" strike="noStrike">
-                          <a:solidFill>
-                            <a:srgbClr val="000000"/>
-                          </a:solidFill>
-                          <a:effectLst/>
-                          <a:latin typeface="Times New Roman" panose="02020603050405020304" pitchFamily="18" charset="0"/>
-                        </a:rPr>
-                        <a:t>13956.8</a:t>
-                      </a:r>
-                    </a:p>
-                  </a:txBody>
-                  <a:tcPr marL="7620" marR="7620" marT="7620" marB="0" anchor="b">
-                    <a:lnL>
-                      <a:noFill/>
-                    </a:lnL>
-                    <a:lnR>
-                      <a:noFill/>
-                    </a:lnR>
-                    <a:lnT>
-                      <a:noFill/>
-                    </a:lnT>
-                    <a:lnB>
-                      <a:noFill/>
-                    </a:lnB>
-                    <a:noFill/>
-                  </a:tcPr>
-                </a:tc>
-                <a:tc>
-                  <a:txBody>
-                    <a:bodyPr/>
-                    <a:lstStyle/>
-                    <a:p>
-                      <a:pPr algn="ctr" fontAlgn="b"/>
-                      <a:r>
-                        <a:rPr lang="en-US" sz="3000" b="0" i="0" u="none" strike="noStrike" dirty="0">
-                          <a:solidFill>
-                            <a:srgbClr val="000000"/>
-                          </a:solidFill>
-                          <a:effectLst/>
-                          <a:latin typeface="Times New Roman" panose="02020603050405020304" pitchFamily="18" charset="0"/>
-                        </a:rPr>
-                        <a:t>0.84</a:t>
-                      </a:r>
-                    </a:p>
-                  </a:txBody>
-                  <a:tcPr marL="7620" marR="7620" marT="7620" marB="0" anchor="b">
-                    <a:lnL>
-                      <a:noFill/>
-                    </a:lnL>
-                    <a:lnR>
-                      <a:noFill/>
-                    </a:lnR>
-                    <a:lnT>
-                      <a:noFill/>
-                    </a:lnT>
-                    <a:lnB>
-                      <a:noFill/>
-                    </a:lnB>
-                    <a:noFill/>
-                  </a:tcPr>
-                </a:tc>
-                <a:extLst>
-                  <a:ext uri="{0D108BD9-81ED-4DB2-BD59-A6C34878D82A}">
-                    <a16:rowId xmlns:a16="http://schemas.microsoft.com/office/drawing/2014/main" val="4005176525"/>
-                  </a:ext>
-                </a:extLst>
-              </a:tr>
-              <a:tr h="480060">
-                <a:tc gridSpan="3">
-                  <a:txBody>
-                    <a:bodyPr/>
-                    <a:lstStyle/>
-                    <a:p>
-                      <a:pPr algn="r" fontAlgn="b"/>
-                      <a:r>
-                        <a:rPr lang="en-US" sz="3000" b="0" i="0" u="none" strike="noStrike" dirty="0">
-                          <a:solidFill>
-                            <a:srgbClr val="000000"/>
-                          </a:solidFill>
-                          <a:effectLst/>
-                          <a:latin typeface="Times New Roman" panose="02020603050405020304" pitchFamily="18" charset="0"/>
-                        </a:rPr>
-                        <a:t>Opt-out | Viewed | Time 4</a:t>
-                      </a:r>
-                    </a:p>
-                  </a:txBody>
-                  <a:tcPr marL="7620" marR="7620" marT="7620" marB="0" anchor="b">
-                    <a:lnL>
-                      <a:noFill/>
-                    </a:lnL>
-                    <a:lnR>
-                      <a:noFill/>
-                    </a:lnR>
-                    <a:lnT>
-                      <a:noFill/>
-                    </a:lnT>
-                    <a:lnB>
-                      <a:noFill/>
-                    </a:lnB>
-                    <a:noFill/>
-                  </a:tcPr>
-                </a:tc>
-                <a:tc hMerge="1">
-                  <a:txBody>
-                    <a:bodyPr/>
-                    <a:lstStyle/>
-                    <a:p>
-                      <a:endParaRPr lang="en-US"/>
-                    </a:p>
-                  </a:txBody>
-                  <a:tcPr/>
-                </a:tc>
-                <a:tc hMerge="1">
-                  <a:txBody>
-                    <a:bodyPr/>
-                    <a:lstStyle/>
-                    <a:p>
-                      <a:endParaRPr lang="en-US"/>
-                    </a:p>
-                  </a:txBody>
-                  <a:tcPr/>
-                </a:tc>
-                <a:tc>
-                  <a:txBody>
-                    <a:bodyPr/>
-                    <a:lstStyle/>
-                    <a:p>
-                      <a:pPr algn="ctr" fontAlgn="b"/>
-                      <a:r>
-                        <a:rPr lang="en-US" sz="3000" b="0" i="0" u="none" strike="noStrike">
-                          <a:solidFill>
-                            <a:srgbClr val="000000"/>
-                          </a:solidFill>
-                          <a:effectLst/>
-                          <a:latin typeface="Times New Roman" panose="02020603050405020304" pitchFamily="18" charset="0"/>
-                        </a:rPr>
-                        <a:t>-0.19</a:t>
-                      </a:r>
-                    </a:p>
-                  </a:txBody>
-                  <a:tcPr marL="7620" marR="7620" marT="7620" marB="0" anchor="b">
-                    <a:lnL>
-                      <a:noFill/>
-                    </a:lnL>
-                    <a:lnR>
-                      <a:noFill/>
-                    </a:lnR>
-                    <a:lnT>
-                      <a:noFill/>
-                    </a:lnT>
-                    <a:lnB>
-                      <a:noFill/>
-                    </a:lnB>
-                    <a:noFill/>
-                  </a:tcPr>
-                </a:tc>
-                <a:tc>
-                  <a:txBody>
-                    <a:bodyPr/>
-                    <a:lstStyle/>
-                    <a:p>
-                      <a:pPr algn="ctr" fontAlgn="b"/>
-                      <a:r>
-                        <a:rPr lang="en-US" sz="3000" b="0" i="0" u="none" strike="noStrike">
-                          <a:solidFill>
-                            <a:srgbClr val="000000"/>
-                          </a:solidFill>
-                          <a:effectLst/>
-                          <a:latin typeface="Times New Roman" panose="02020603050405020304" pitchFamily="18" charset="0"/>
-                        </a:rPr>
-                        <a:t>1.5</a:t>
-                      </a:r>
-                    </a:p>
-                  </a:txBody>
-                  <a:tcPr marL="7620" marR="7620" marT="7620" marB="0" anchor="b">
-                    <a:lnL>
-                      <a:noFill/>
-                    </a:lnL>
-                    <a:lnR>
-                      <a:noFill/>
-                    </a:lnR>
-                    <a:lnT>
-                      <a:noFill/>
-                    </a:lnT>
-                    <a:lnB>
-                      <a:noFill/>
-                    </a:lnB>
-                    <a:noFill/>
-                  </a:tcPr>
-                </a:tc>
-                <a:tc>
-                  <a:txBody>
-                    <a:bodyPr/>
-                    <a:lstStyle/>
-                    <a:p>
-                      <a:pPr algn="ctr" fontAlgn="b"/>
-                      <a:r>
-                        <a:rPr lang="en-US" sz="3000" b="0" i="0" u="none" strike="noStrike">
-                          <a:solidFill>
-                            <a:srgbClr val="000000"/>
-                          </a:solidFill>
-                          <a:effectLst/>
-                          <a:latin typeface="Times New Roman" panose="02020603050405020304" pitchFamily="18" charset="0"/>
-                        </a:rPr>
-                        <a:t>-0.1</a:t>
-                      </a:r>
-                    </a:p>
-                  </a:txBody>
-                  <a:tcPr marL="7620" marR="7620" marT="7620" marB="0" anchor="b">
-                    <a:lnL>
-                      <a:noFill/>
-                    </a:lnL>
-                    <a:lnR>
-                      <a:noFill/>
-                    </a:lnR>
-                    <a:lnT>
-                      <a:noFill/>
-                    </a:lnT>
-                    <a:lnB>
-                      <a:noFill/>
-                    </a:lnB>
-                    <a:noFill/>
-                  </a:tcPr>
-                </a:tc>
-                <a:tc>
-                  <a:txBody>
-                    <a:bodyPr/>
-                    <a:lstStyle/>
-                    <a:p>
-                      <a:pPr algn="ctr" fontAlgn="b"/>
-                      <a:r>
-                        <a:rPr lang="en-US" sz="3000" b="0" i="0" u="none" strike="noStrike">
-                          <a:solidFill>
-                            <a:srgbClr val="000000"/>
-                          </a:solidFill>
-                          <a:effectLst/>
-                          <a:latin typeface="Times New Roman" panose="02020603050405020304" pitchFamily="18" charset="0"/>
-                        </a:rPr>
-                        <a:t>13812.3</a:t>
-                      </a:r>
-                    </a:p>
-                  </a:txBody>
-                  <a:tcPr marL="7620" marR="7620" marT="7620" marB="0" anchor="b">
-                    <a:lnL>
-                      <a:noFill/>
-                    </a:lnL>
-                    <a:lnR>
-                      <a:noFill/>
-                    </a:lnR>
-                    <a:lnT>
-                      <a:noFill/>
-                    </a:lnT>
-                    <a:lnB>
-                      <a:noFill/>
-                    </a:lnB>
-                    <a:noFill/>
-                  </a:tcPr>
-                </a:tc>
-                <a:tc>
-                  <a:txBody>
-                    <a:bodyPr/>
-                    <a:lstStyle/>
-                    <a:p>
-                      <a:pPr algn="ctr" fontAlgn="b"/>
-                      <a:r>
-                        <a:rPr lang="en-US" sz="3000" b="0" i="0" u="none" strike="noStrike">
-                          <a:solidFill>
-                            <a:srgbClr val="000000"/>
-                          </a:solidFill>
-                          <a:effectLst/>
-                          <a:latin typeface="Times New Roman" panose="02020603050405020304" pitchFamily="18" charset="0"/>
-                        </a:rPr>
-                        <a:t>0.9</a:t>
-                      </a:r>
-                    </a:p>
-                  </a:txBody>
-                  <a:tcPr marL="7620" marR="7620" marT="7620" marB="0" anchor="b">
-                    <a:lnL>
-                      <a:noFill/>
-                    </a:lnL>
-                    <a:lnR>
-                      <a:noFill/>
-                    </a:lnR>
-                    <a:lnT>
-                      <a:noFill/>
-                    </a:lnT>
-                    <a:lnB>
-                      <a:noFill/>
-                    </a:lnB>
-                    <a:noFill/>
-                  </a:tcPr>
-                </a:tc>
-                <a:extLst>
-                  <a:ext uri="{0D108BD9-81ED-4DB2-BD59-A6C34878D82A}">
-                    <a16:rowId xmlns:a16="http://schemas.microsoft.com/office/drawing/2014/main" val="9718649"/>
-                  </a:ext>
-                </a:extLst>
-              </a:tr>
-              <a:tr h="480060">
-                <a:tc gridSpan="3">
-                  <a:txBody>
-                    <a:bodyPr/>
-                    <a:lstStyle/>
-                    <a:p>
-                      <a:pPr algn="r" fontAlgn="b"/>
-                      <a:r>
-                        <a:rPr lang="en-US" sz="3000" b="0" i="0" u="none" strike="noStrike">
-                          <a:solidFill>
-                            <a:srgbClr val="000000"/>
-                          </a:solidFill>
-                          <a:effectLst/>
-                          <a:latin typeface="Times New Roman" panose="02020603050405020304" pitchFamily="18" charset="0"/>
-                        </a:rPr>
-                        <a:t>Opt-in | Viewed | Time1</a:t>
-                      </a:r>
-                    </a:p>
-                  </a:txBody>
-                  <a:tcPr marL="7620" marR="7620" marT="7620" marB="0" anchor="b">
-                    <a:lnL>
-                      <a:noFill/>
-                    </a:lnL>
-                    <a:lnR>
-                      <a:noFill/>
-                    </a:lnR>
-                    <a:lnT>
-                      <a:noFill/>
-                    </a:lnT>
-                    <a:lnB>
-                      <a:noFill/>
-                    </a:lnB>
-                    <a:noFill/>
-                  </a:tcPr>
-                </a:tc>
-                <a:tc hMerge="1">
-                  <a:txBody>
-                    <a:bodyPr/>
-                    <a:lstStyle/>
-                    <a:p>
-                      <a:endParaRPr lang="en-US"/>
-                    </a:p>
-                  </a:txBody>
-                  <a:tcPr/>
-                </a:tc>
-                <a:tc hMerge="1">
-                  <a:txBody>
-                    <a:bodyPr/>
-                    <a:lstStyle/>
-                    <a:p>
-                      <a:endParaRPr lang="en-US"/>
-                    </a:p>
-                  </a:txBody>
-                  <a:tcPr/>
-                </a:tc>
-                <a:tc>
-                  <a:txBody>
-                    <a:bodyPr/>
-                    <a:lstStyle/>
-                    <a:p>
-                      <a:pPr algn="ctr" fontAlgn="b"/>
-                      <a:r>
-                        <a:rPr lang="en-US" sz="3000" b="1" i="0" u="none" strike="noStrike">
-                          <a:solidFill>
-                            <a:srgbClr val="000000"/>
-                          </a:solidFill>
-                          <a:effectLst/>
-                          <a:latin typeface="Times New Roman" panose="02020603050405020304" pitchFamily="18" charset="0"/>
-                        </a:rPr>
-                        <a:t>-4.61</a:t>
-                      </a:r>
-                    </a:p>
-                  </a:txBody>
-                  <a:tcPr marL="7620" marR="7620" marT="7620" marB="0" anchor="b">
-                    <a:lnL>
-                      <a:noFill/>
-                    </a:lnL>
-                    <a:lnR>
-                      <a:noFill/>
-                    </a:lnR>
-                    <a:lnT>
-                      <a:noFill/>
-                    </a:lnT>
-                    <a:lnB>
-                      <a:noFill/>
-                    </a:lnB>
-                    <a:noFill/>
-                  </a:tcPr>
-                </a:tc>
-                <a:tc>
-                  <a:txBody>
-                    <a:bodyPr/>
-                    <a:lstStyle/>
-                    <a:p>
-                      <a:pPr algn="ctr" fontAlgn="b"/>
-                      <a:r>
-                        <a:rPr lang="en-US" sz="3000" b="0" i="0" u="none" strike="noStrike">
-                          <a:solidFill>
-                            <a:srgbClr val="000000"/>
-                          </a:solidFill>
-                          <a:effectLst/>
-                          <a:latin typeface="Times New Roman" panose="02020603050405020304" pitchFamily="18" charset="0"/>
-                        </a:rPr>
-                        <a:t>2</a:t>
-                      </a:r>
-                    </a:p>
-                  </a:txBody>
-                  <a:tcPr marL="7620" marR="7620" marT="7620" marB="0" anchor="b">
-                    <a:lnL>
-                      <a:noFill/>
-                    </a:lnL>
-                    <a:lnR>
-                      <a:noFill/>
-                    </a:lnR>
-                    <a:lnT>
-                      <a:noFill/>
-                    </a:lnT>
-                    <a:lnB>
-                      <a:noFill/>
-                    </a:lnB>
-                    <a:noFill/>
-                  </a:tcPr>
-                </a:tc>
-                <a:tc>
-                  <a:txBody>
-                    <a:bodyPr/>
-                    <a:lstStyle/>
-                    <a:p>
-                      <a:pPr algn="ctr" fontAlgn="b"/>
-                      <a:r>
-                        <a:rPr lang="en-US" sz="3000" b="0" i="0" u="none" strike="noStrike">
-                          <a:solidFill>
-                            <a:srgbClr val="000000"/>
-                          </a:solidFill>
-                          <a:effectLst/>
-                          <a:latin typeface="Times New Roman" panose="02020603050405020304" pitchFamily="18" charset="0"/>
-                        </a:rPr>
-                        <a:t>-2.3</a:t>
-                      </a:r>
-                    </a:p>
-                  </a:txBody>
-                  <a:tcPr marL="7620" marR="7620" marT="7620" marB="0" anchor="b">
-                    <a:lnL>
-                      <a:noFill/>
-                    </a:lnL>
-                    <a:lnR>
-                      <a:noFill/>
-                    </a:lnR>
-                    <a:lnT>
-                      <a:noFill/>
-                    </a:lnT>
-                    <a:lnB>
-                      <a:noFill/>
-                    </a:lnB>
-                    <a:noFill/>
-                  </a:tcPr>
-                </a:tc>
-                <a:tc>
-                  <a:txBody>
-                    <a:bodyPr/>
-                    <a:lstStyle/>
-                    <a:p>
-                      <a:pPr algn="ctr" fontAlgn="b"/>
-                      <a:r>
-                        <a:rPr lang="en-US" sz="3000" b="0" i="0" u="none" strike="noStrike">
-                          <a:solidFill>
-                            <a:srgbClr val="000000"/>
-                          </a:solidFill>
-                          <a:effectLst/>
-                          <a:latin typeface="Times New Roman" panose="02020603050405020304" pitchFamily="18" charset="0"/>
-                        </a:rPr>
-                        <a:t>13333.7</a:t>
-                      </a:r>
-                    </a:p>
-                  </a:txBody>
-                  <a:tcPr marL="7620" marR="7620" marT="7620" marB="0" anchor="b">
-                    <a:lnL>
-                      <a:noFill/>
-                    </a:lnL>
-                    <a:lnR>
-                      <a:noFill/>
-                    </a:lnR>
-                    <a:lnT>
-                      <a:noFill/>
-                    </a:lnT>
-                    <a:lnB>
-                      <a:noFill/>
-                    </a:lnB>
-                    <a:noFill/>
-                  </a:tcPr>
-                </a:tc>
-                <a:tc>
-                  <a:txBody>
-                    <a:bodyPr/>
-                    <a:lstStyle/>
-                    <a:p>
-                      <a:pPr algn="ctr" fontAlgn="b"/>
-                      <a:r>
-                        <a:rPr lang="en-US" sz="3000" b="1" i="0" u="none" strike="noStrike" dirty="0">
-                          <a:solidFill>
-                            <a:srgbClr val="000000"/>
-                          </a:solidFill>
-                          <a:effectLst/>
-                          <a:latin typeface="Times New Roman" panose="02020603050405020304" pitchFamily="18" charset="0"/>
-                        </a:rPr>
-                        <a:t>0.02</a:t>
-                      </a:r>
-                    </a:p>
-                  </a:txBody>
-                  <a:tcPr marL="7620" marR="7620" marT="7620" marB="0" anchor="b">
-                    <a:lnL>
-                      <a:noFill/>
-                    </a:lnL>
-                    <a:lnR>
-                      <a:noFill/>
-                    </a:lnR>
-                    <a:lnT>
-                      <a:noFill/>
-                    </a:lnT>
-                    <a:lnB>
-                      <a:noFill/>
-                    </a:lnB>
-                    <a:noFill/>
-                  </a:tcPr>
-                </a:tc>
-                <a:extLst>
-                  <a:ext uri="{0D108BD9-81ED-4DB2-BD59-A6C34878D82A}">
-                    <a16:rowId xmlns:a16="http://schemas.microsoft.com/office/drawing/2014/main" val="4018609346"/>
-                  </a:ext>
-                </a:extLst>
-              </a:tr>
-              <a:tr h="480060">
-                <a:tc gridSpan="3">
-                  <a:txBody>
-                    <a:bodyPr/>
-                    <a:lstStyle/>
-                    <a:p>
-                      <a:pPr algn="r" fontAlgn="b"/>
-                      <a:r>
-                        <a:rPr lang="en-US" sz="3000" b="0" i="0" u="none" strike="noStrike">
-                          <a:solidFill>
-                            <a:srgbClr val="000000"/>
-                          </a:solidFill>
-                          <a:effectLst/>
-                          <a:latin typeface="Times New Roman" panose="02020603050405020304" pitchFamily="18" charset="0"/>
-                        </a:rPr>
-                        <a:t>Opt-in | Viewed | Time2</a:t>
-                      </a:r>
-                    </a:p>
-                  </a:txBody>
-                  <a:tcPr marL="7620" marR="7620" marT="7620" marB="0" anchor="b">
-                    <a:lnL>
-                      <a:noFill/>
-                    </a:lnL>
-                    <a:lnR>
-                      <a:noFill/>
-                    </a:lnR>
-                    <a:lnT>
-                      <a:noFill/>
-                    </a:lnT>
-                    <a:lnB>
-                      <a:noFill/>
-                    </a:lnB>
-                    <a:noFill/>
-                  </a:tcPr>
-                </a:tc>
-                <a:tc hMerge="1">
-                  <a:txBody>
-                    <a:bodyPr/>
-                    <a:lstStyle/>
-                    <a:p>
-                      <a:endParaRPr lang="en-US"/>
-                    </a:p>
-                  </a:txBody>
-                  <a:tcPr/>
-                </a:tc>
-                <a:tc hMerge="1">
-                  <a:txBody>
-                    <a:bodyPr/>
-                    <a:lstStyle/>
-                    <a:p>
-                      <a:endParaRPr lang="en-US"/>
-                    </a:p>
-                  </a:txBody>
-                  <a:tcPr/>
-                </a:tc>
-                <a:tc>
-                  <a:txBody>
-                    <a:bodyPr/>
-                    <a:lstStyle/>
-                    <a:p>
-                      <a:pPr algn="ctr" fontAlgn="b"/>
-                      <a:r>
-                        <a:rPr lang="en-US" sz="3000" b="0" i="0" u="none" strike="noStrike">
-                          <a:solidFill>
-                            <a:srgbClr val="000000"/>
-                          </a:solidFill>
-                          <a:effectLst/>
-                          <a:latin typeface="Times New Roman" panose="02020603050405020304" pitchFamily="18" charset="0"/>
-                        </a:rPr>
-                        <a:t>2.77</a:t>
-                      </a:r>
-                    </a:p>
-                  </a:txBody>
-                  <a:tcPr marL="7620" marR="7620" marT="7620" marB="0" anchor="b">
-                    <a:lnL>
-                      <a:noFill/>
-                    </a:lnL>
-                    <a:lnR>
-                      <a:noFill/>
-                    </a:lnR>
-                    <a:lnT>
-                      <a:noFill/>
-                    </a:lnT>
-                    <a:lnB>
-                      <a:noFill/>
-                    </a:lnB>
-                    <a:noFill/>
-                  </a:tcPr>
-                </a:tc>
-                <a:tc>
-                  <a:txBody>
-                    <a:bodyPr/>
-                    <a:lstStyle/>
-                    <a:p>
-                      <a:pPr algn="ctr" fontAlgn="b"/>
-                      <a:r>
-                        <a:rPr lang="en-US" sz="3000" b="0" i="0" u="none" strike="noStrike">
-                          <a:solidFill>
-                            <a:srgbClr val="000000"/>
-                          </a:solidFill>
-                          <a:effectLst/>
-                          <a:latin typeface="Times New Roman" panose="02020603050405020304" pitchFamily="18" charset="0"/>
-                        </a:rPr>
-                        <a:t>2,46</a:t>
-                      </a:r>
-                    </a:p>
-                  </a:txBody>
-                  <a:tcPr marL="7620" marR="7620" marT="7620" marB="0" anchor="b">
-                    <a:lnL>
-                      <a:noFill/>
-                    </a:lnL>
-                    <a:lnR>
-                      <a:noFill/>
-                    </a:lnR>
-                    <a:lnT>
-                      <a:noFill/>
-                    </a:lnT>
-                    <a:lnB>
-                      <a:noFill/>
-                    </a:lnB>
-                    <a:noFill/>
-                  </a:tcPr>
-                </a:tc>
-                <a:tc>
-                  <a:txBody>
-                    <a:bodyPr/>
-                    <a:lstStyle/>
-                    <a:p>
-                      <a:pPr algn="ctr" fontAlgn="b"/>
-                      <a:r>
-                        <a:rPr lang="en-US" sz="3000" b="0" i="0" u="none" strike="noStrike">
-                          <a:solidFill>
-                            <a:srgbClr val="000000"/>
-                          </a:solidFill>
-                          <a:effectLst/>
-                          <a:latin typeface="Times New Roman" panose="02020603050405020304" pitchFamily="18" charset="0"/>
-                        </a:rPr>
-                        <a:t>1.12</a:t>
-                      </a:r>
-                    </a:p>
-                  </a:txBody>
-                  <a:tcPr marL="7620" marR="7620" marT="7620" marB="0" anchor="b">
-                    <a:lnL>
-                      <a:noFill/>
-                    </a:lnL>
-                    <a:lnR>
-                      <a:noFill/>
-                    </a:lnR>
-                    <a:lnT>
-                      <a:noFill/>
-                    </a:lnT>
-                    <a:lnB>
-                      <a:noFill/>
-                    </a:lnB>
-                    <a:noFill/>
-                  </a:tcPr>
-                </a:tc>
-                <a:tc>
-                  <a:txBody>
-                    <a:bodyPr/>
-                    <a:lstStyle/>
-                    <a:p>
-                      <a:pPr algn="ctr" fontAlgn="b"/>
-                      <a:r>
-                        <a:rPr lang="en-US" sz="3000" b="0" i="0" u="none" strike="noStrike">
-                          <a:solidFill>
-                            <a:srgbClr val="000000"/>
-                          </a:solidFill>
-                          <a:effectLst/>
-                          <a:latin typeface="Times New Roman" panose="02020603050405020304" pitchFamily="18" charset="0"/>
-                        </a:rPr>
-                        <a:t>13919.1</a:t>
-                      </a:r>
-                    </a:p>
-                  </a:txBody>
-                  <a:tcPr marL="7620" marR="7620" marT="7620" marB="0" anchor="b">
-                    <a:lnL>
-                      <a:noFill/>
-                    </a:lnL>
-                    <a:lnR>
-                      <a:noFill/>
-                    </a:lnR>
-                    <a:lnT>
-                      <a:noFill/>
-                    </a:lnT>
-                    <a:lnB>
-                      <a:noFill/>
-                    </a:lnB>
-                    <a:noFill/>
-                  </a:tcPr>
-                </a:tc>
-                <a:tc>
-                  <a:txBody>
-                    <a:bodyPr/>
-                    <a:lstStyle/>
-                    <a:p>
-                      <a:pPr algn="ctr" fontAlgn="b"/>
-                      <a:r>
-                        <a:rPr lang="en-US" sz="3000" b="0" i="0" u="none" strike="noStrike" dirty="0">
-                          <a:solidFill>
-                            <a:srgbClr val="000000"/>
-                          </a:solidFill>
-                          <a:effectLst/>
-                          <a:latin typeface="Times New Roman" panose="02020603050405020304" pitchFamily="18" charset="0"/>
-                        </a:rPr>
-                        <a:t>0.26</a:t>
-                      </a:r>
-                    </a:p>
-                  </a:txBody>
-                  <a:tcPr marL="7620" marR="7620" marT="7620" marB="0" anchor="b">
-                    <a:lnL>
-                      <a:noFill/>
-                    </a:lnL>
-                    <a:lnR>
-                      <a:noFill/>
-                    </a:lnR>
-                    <a:lnT>
-                      <a:noFill/>
-                    </a:lnT>
-                    <a:lnB>
-                      <a:noFill/>
-                    </a:lnB>
-                    <a:noFill/>
-                  </a:tcPr>
-                </a:tc>
-                <a:extLst>
-                  <a:ext uri="{0D108BD9-81ED-4DB2-BD59-A6C34878D82A}">
-                    <a16:rowId xmlns:a16="http://schemas.microsoft.com/office/drawing/2014/main" val="3824695917"/>
-                  </a:ext>
-                </a:extLst>
-              </a:tr>
-              <a:tr h="480060">
-                <a:tc gridSpan="3">
-                  <a:txBody>
-                    <a:bodyPr/>
-                    <a:lstStyle/>
-                    <a:p>
-                      <a:pPr algn="r" fontAlgn="b"/>
-                      <a:r>
-                        <a:rPr lang="en-US" sz="3000" b="0" i="0" u="none" strike="noStrike">
-                          <a:solidFill>
-                            <a:srgbClr val="000000"/>
-                          </a:solidFill>
-                          <a:effectLst/>
-                          <a:latin typeface="Times New Roman" panose="02020603050405020304" pitchFamily="18" charset="0"/>
-                        </a:rPr>
-                        <a:t>Opt-in | Viewed | Time3</a:t>
-                      </a:r>
-                    </a:p>
-                  </a:txBody>
-                  <a:tcPr marL="7620" marR="7620" marT="7620" marB="0" anchor="b">
-                    <a:lnL>
-                      <a:noFill/>
-                    </a:lnL>
-                    <a:lnR>
-                      <a:noFill/>
-                    </a:lnR>
-                    <a:lnT>
-                      <a:noFill/>
-                    </a:lnT>
-                    <a:lnB>
-                      <a:noFill/>
-                    </a:lnB>
-                    <a:noFill/>
-                  </a:tcPr>
-                </a:tc>
-                <a:tc hMerge="1">
-                  <a:txBody>
-                    <a:bodyPr/>
-                    <a:lstStyle/>
-                    <a:p>
-                      <a:endParaRPr lang="en-US"/>
-                    </a:p>
-                  </a:txBody>
-                  <a:tcPr/>
-                </a:tc>
-                <a:tc hMerge="1">
-                  <a:txBody>
-                    <a:bodyPr/>
-                    <a:lstStyle/>
-                    <a:p>
-                      <a:endParaRPr lang="en-US"/>
-                    </a:p>
-                  </a:txBody>
-                  <a:tcPr/>
-                </a:tc>
-                <a:tc>
-                  <a:txBody>
-                    <a:bodyPr/>
-                    <a:lstStyle/>
-                    <a:p>
-                      <a:pPr algn="ctr" fontAlgn="b"/>
-                      <a:r>
-                        <a:rPr lang="en-US" sz="3000" b="0" i="0" u="none" strike="noStrike">
-                          <a:solidFill>
-                            <a:srgbClr val="000000"/>
-                          </a:solidFill>
-                          <a:effectLst/>
-                          <a:latin typeface="Times New Roman" panose="02020603050405020304" pitchFamily="18" charset="0"/>
-                        </a:rPr>
-                        <a:t>3.35</a:t>
-                      </a:r>
-                    </a:p>
-                  </a:txBody>
-                  <a:tcPr marL="7620" marR="7620" marT="7620" marB="0" anchor="b">
-                    <a:lnL>
-                      <a:noFill/>
-                    </a:lnL>
-                    <a:lnR>
-                      <a:noFill/>
-                    </a:lnR>
-                    <a:lnT>
-                      <a:noFill/>
-                    </a:lnT>
-                    <a:lnB>
-                      <a:noFill/>
-                    </a:lnB>
-                    <a:noFill/>
-                  </a:tcPr>
-                </a:tc>
-                <a:tc>
-                  <a:txBody>
-                    <a:bodyPr/>
-                    <a:lstStyle/>
-                    <a:p>
-                      <a:pPr algn="ctr" fontAlgn="b"/>
-                      <a:r>
-                        <a:rPr lang="en-US" sz="3000" b="0" i="0" u="none" strike="noStrike">
-                          <a:solidFill>
-                            <a:srgbClr val="000000"/>
-                          </a:solidFill>
-                          <a:effectLst/>
-                          <a:latin typeface="Times New Roman" panose="02020603050405020304" pitchFamily="18" charset="0"/>
-                        </a:rPr>
-                        <a:t>3.1</a:t>
-                      </a:r>
-                    </a:p>
-                  </a:txBody>
-                  <a:tcPr marL="7620" marR="7620" marT="7620" marB="0" anchor="b">
-                    <a:lnL>
-                      <a:noFill/>
-                    </a:lnL>
-                    <a:lnR>
-                      <a:noFill/>
-                    </a:lnR>
-                    <a:lnT>
-                      <a:noFill/>
-                    </a:lnT>
-                    <a:lnB>
-                      <a:noFill/>
-                    </a:lnB>
-                    <a:noFill/>
-                  </a:tcPr>
-                </a:tc>
-                <a:tc>
-                  <a:txBody>
-                    <a:bodyPr/>
-                    <a:lstStyle/>
-                    <a:p>
-                      <a:pPr algn="ctr" fontAlgn="b"/>
-                      <a:r>
-                        <a:rPr lang="en-US" sz="3000" b="0" i="0" u="none" strike="noStrike">
-                          <a:solidFill>
-                            <a:srgbClr val="000000"/>
-                          </a:solidFill>
-                          <a:effectLst/>
-                          <a:latin typeface="Times New Roman" panose="02020603050405020304" pitchFamily="18" charset="0"/>
-                        </a:rPr>
-                        <a:t>1.08</a:t>
-                      </a:r>
-                    </a:p>
-                  </a:txBody>
-                  <a:tcPr marL="7620" marR="7620" marT="7620" marB="0" anchor="b">
-                    <a:lnL>
-                      <a:noFill/>
-                    </a:lnL>
-                    <a:lnR>
-                      <a:noFill/>
-                    </a:lnR>
-                    <a:lnT>
-                      <a:noFill/>
-                    </a:lnT>
-                    <a:lnB>
-                      <a:noFill/>
-                    </a:lnB>
-                    <a:noFill/>
-                  </a:tcPr>
-                </a:tc>
-                <a:tc>
-                  <a:txBody>
-                    <a:bodyPr/>
-                    <a:lstStyle/>
-                    <a:p>
-                      <a:pPr algn="ctr" fontAlgn="b"/>
-                      <a:r>
-                        <a:rPr lang="en-US" sz="3000" b="0" i="0" u="none" strike="noStrike">
-                          <a:solidFill>
-                            <a:srgbClr val="000000"/>
-                          </a:solidFill>
-                          <a:effectLst/>
-                          <a:latin typeface="Times New Roman" panose="02020603050405020304" pitchFamily="18" charset="0"/>
-                        </a:rPr>
-                        <a:t>13903.1</a:t>
-                      </a:r>
-                    </a:p>
-                  </a:txBody>
-                  <a:tcPr marL="7620" marR="7620" marT="7620" marB="0" anchor="b">
-                    <a:lnL>
-                      <a:noFill/>
-                    </a:lnL>
-                    <a:lnR>
-                      <a:noFill/>
-                    </a:lnR>
-                    <a:lnT>
-                      <a:noFill/>
-                    </a:lnT>
-                    <a:lnB>
-                      <a:noFill/>
-                    </a:lnB>
-                    <a:noFill/>
-                  </a:tcPr>
-                </a:tc>
-                <a:tc>
-                  <a:txBody>
-                    <a:bodyPr/>
-                    <a:lstStyle/>
-                    <a:p>
-                      <a:pPr algn="ctr" fontAlgn="b"/>
-                      <a:r>
-                        <a:rPr lang="en-US" sz="3000" b="0" i="0" u="none" strike="noStrike" dirty="0">
-                          <a:solidFill>
-                            <a:srgbClr val="000000"/>
-                          </a:solidFill>
-                          <a:effectLst/>
-                          <a:latin typeface="Times New Roman" panose="02020603050405020304" pitchFamily="18" charset="0"/>
-                        </a:rPr>
-                        <a:t>0.28</a:t>
-                      </a:r>
-                    </a:p>
-                  </a:txBody>
-                  <a:tcPr marL="7620" marR="7620" marT="7620" marB="0" anchor="b">
-                    <a:lnL>
-                      <a:noFill/>
-                    </a:lnL>
-                    <a:lnR>
-                      <a:noFill/>
-                    </a:lnR>
-                    <a:lnT>
-                      <a:noFill/>
-                    </a:lnT>
-                    <a:lnB>
-                      <a:noFill/>
-                    </a:lnB>
-                    <a:noFill/>
-                  </a:tcPr>
-                </a:tc>
-                <a:extLst>
-                  <a:ext uri="{0D108BD9-81ED-4DB2-BD59-A6C34878D82A}">
-                    <a16:rowId xmlns:a16="http://schemas.microsoft.com/office/drawing/2014/main" val="4053235397"/>
-                  </a:ext>
-                </a:extLst>
-              </a:tr>
-              <a:tr h="487680">
-                <a:tc gridSpan="3">
-                  <a:txBody>
-                    <a:bodyPr/>
-                    <a:lstStyle/>
-                    <a:p>
-                      <a:pPr algn="r" fontAlgn="b"/>
-                      <a:r>
-                        <a:rPr lang="en-US" sz="3000" b="0" i="0" u="none" strike="noStrike" dirty="0">
-                          <a:solidFill>
-                            <a:srgbClr val="000000"/>
-                          </a:solidFill>
-                          <a:effectLst/>
-                          <a:latin typeface="Times New Roman" panose="02020603050405020304" pitchFamily="18" charset="0"/>
-                        </a:rPr>
-                        <a:t>Opt-in |Viewed | Time4</a:t>
-                      </a:r>
-                    </a:p>
-                  </a:txBody>
-                  <a:tcPr marL="7620" marR="7620" marT="7620" marB="0" anchor="b">
-                    <a:lnL>
-                      <a:noFill/>
-                    </a:lnL>
-                    <a:lnR>
-                      <a:noFill/>
-                    </a:lnR>
-                    <a:lnT>
-                      <a:noFill/>
-                    </a:lnT>
-                    <a:lnB w="12700" cap="flat" cmpd="sng" algn="ctr">
-                      <a:solidFill>
-                        <a:schemeClr val="tx1"/>
-                      </a:solidFill>
-                      <a:prstDash val="solid"/>
-                      <a:round/>
-                      <a:headEnd type="none" w="med" len="med"/>
-                      <a:tailEnd type="none" w="med" len="med"/>
-                    </a:lnB>
-                    <a:noFill/>
-                  </a:tcPr>
-                </a:tc>
-                <a:tc hMerge="1">
-                  <a:txBody>
-                    <a:bodyPr/>
-                    <a:lstStyle/>
-                    <a:p>
-                      <a:endParaRPr lang="en-US"/>
-                    </a:p>
-                  </a:txBody>
-                  <a:tcPr/>
-                </a:tc>
-                <a:tc hMerge="1">
-                  <a:txBody>
-                    <a:bodyPr/>
-                    <a:lstStyle/>
-                    <a:p>
-                      <a:endParaRPr lang="en-US"/>
-                    </a:p>
-                  </a:txBody>
-                  <a:tcPr/>
-                </a:tc>
-                <a:tc>
-                  <a:txBody>
-                    <a:bodyPr/>
-                    <a:lstStyle/>
-                    <a:p>
-                      <a:pPr algn="ctr" fontAlgn="b"/>
-                      <a:r>
-                        <a:rPr lang="en-US" sz="3000" b="1" i="0" u="none" strike="noStrike" dirty="0">
-                          <a:solidFill>
-                            <a:srgbClr val="000000"/>
-                          </a:solidFill>
-                          <a:effectLst/>
-                          <a:latin typeface="Times New Roman" panose="02020603050405020304" pitchFamily="18" charset="0"/>
-                        </a:rPr>
-                        <a:t>5.28</a:t>
-                      </a:r>
-                    </a:p>
-                  </a:txBody>
-                  <a:tcPr marL="7620" marR="7620" marT="7620" marB="0" anchor="b">
-                    <a:lnL>
-                      <a:noFill/>
-                    </a:lnL>
-                    <a:lnR>
-                      <a:noFill/>
-                    </a:lnR>
-                    <a:lnT>
-                      <a:noFill/>
-                    </a:lnT>
-                    <a:lnB w="12700" cap="flat" cmpd="sng" algn="ctr">
-                      <a:solidFill>
-                        <a:schemeClr val="tx1"/>
-                      </a:solidFill>
-                      <a:prstDash val="solid"/>
-                      <a:round/>
-                      <a:headEnd type="none" w="med" len="med"/>
-                      <a:tailEnd type="none" w="med" len="med"/>
-                    </a:lnB>
-                    <a:noFill/>
-                  </a:tcPr>
-                </a:tc>
-                <a:tc>
-                  <a:txBody>
-                    <a:bodyPr/>
-                    <a:lstStyle/>
-                    <a:p>
-                      <a:pPr algn="ctr" fontAlgn="b"/>
-                      <a:r>
-                        <a:rPr lang="en-US" sz="3000" b="0" i="0" u="none" strike="noStrike">
-                          <a:solidFill>
-                            <a:srgbClr val="000000"/>
-                          </a:solidFill>
-                          <a:effectLst/>
-                          <a:latin typeface="Times New Roman" panose="02020603050405020304" pitchFamily="18" charset="0"/>
-                        </a:rPr>
-                        <a:t>2.3</a:t>
+                        <a:rPr lang="en-US" sz="4000" b="0" i="0" u="none" strike="noStrike">
+                          <a:solidFill>
+                            <a:srgbClr val="000000"/>
+                          </a:solidFill>
+                          <a:effectLst/>
+                          <a:latin typeface="Times New Roman" panose="02020603050405020304" pitchFamily="18" charset="0"/>
+                        </a:rPr>
+                        <a:t>2.28</a:t>
                       </a:r>
                     </a:p>
                   </a:txBody>
@@ -9645,14 +8678,14 @@
                     <a:p>
                       <a:pPr algn="ctr" fontAlgn="b"/>
                       <a:r>
-                        <a:rPr lang="en-US" sz="3000" b="0" i="0" u="none" strike="noStrike">
-                          <a:solidFill>
-                            <a:srgbClr val="000000"/>
-                          </a:solidFill>
-                          <a:effectLst/>
-                          <a:latin typeface="Times New Roman" panose="02020603050405020304" pitchFamily="18" charset="0"/>
-                        </a:rPr>
-                        <a:t>2.28</a:t>
+                        <a:rPr lang="en-US" sz="4000" b="0" i="0" u="none" strike="noStrike" dirty="0">
+                          <a:solidFill>
+                            <a:srgbClr val="000000"/>
+                          </a:solidFill>
+                          <a:effectLst/>
+                          <a:latin typeface="Times New Roman" panose="02020603050405020304" pitchFamily="18" charset="0"/>
+                        </a:rPr>
+                        <a:t>13696.9</a:t>
                       </a:r>
                     </a:p>
                   </a:txBody>
@@ -9685,14 +8718,14 @@
                     <a:p>
                       <a:pPr algn="ctr" fontAlgn="b"/>
                       <a:r>
-                        <a:rPr lang="en-US" sz="3000" b="0" i="0" u="none" strike="noStrike">
-                          <a:solidFill>
-                            <a:srgbClr val="000000"/>
-                          </a:solidFill>
-                          <a:effectLst/>
-                          <a:latin typeface="Times New Roman" panose="02020603050405020304" pitchFamily="18" charset="0"/>
-                        </a:rPr>
-                        <a:t>13696.9</a:t>
+                        <a:rPr lang="en-US" sz="4000" b="1" i="0" u="none" strike="noStrike" dirty="0">
+                          <a:solidFill>
+                            <a:srgbClr val="000000"/>
+                          </a:solidFill>
+                          <a:effectLst/>
+                          <a:latin typeface="Times New Roman" panose="02020603050405020304" pitchFamily="18" charset="0"/>
+                        </a:rPr>
+                        <a:t>0.02</a:t>
                       </a:r>
                     </a:p>
                   </a:txBody>
@@ -9718,53 +8751,13 @@
                     <a:noFill/>
                   </a:tcPr>
                 </a:tc>
-                <a:tc>
-                  <a:txBody>
-                    <a:bodyPr/>
-                    <a:lstStyle/>
-                    <a:p>
-                      <a:pPr algn="ctr" fontAlgn="b"/>
-                      <a:r>
-                        <a:rPr lang="en-US" sz="3000" b="1" i="0" u="none" strike="noStrike" dirty="0">
-                          <a:solidFill>
-                            <a:srgbClr val="000000"/>
-                          </a:solidFill>
-                          <a:effectLst/>
-                          <a:latin typeface="Times New Roman" panose="02020603050405020304" pitchFamily="18" charset="0"/>
-                        </a:rPr>
-                        <a:t>0.02</a:t>
-                      </a:r>
-                    </a:p>
-                  </a:txBody>
-                  <a:tcPr marL="7620" marR="7620" marT="7620" marB="0" anchor="b">
-                    <a:lnL>
-                      <a:noFill/>
-                    </a:lnL>
-                    <a:lnR>
-                      <a:noFill/>
-                    </a:lnR>
-                    <a:lnT>
-                      <a:noFill/>
-                    </a:lnT>
-                    <a:lnB w="12700" cap="flat" cmpd="sng" algn="ctr">
-                      <a:solidFill>
-                        <a:srgbClr val="000000"/>
-                      </a:solidFill>
-                      <a:prstDash val="solid"/>
-                      <a:round/>
-                      <a:headEnd type="none" w="med" len="med"/>
-                      <a:tailEnd type="none" w="med" len="med"/>
-                    </a:lnB>
-                    <a:noFill/>
-                  </a:tcPr>
-                </a:tc>
                 <a:extLst>
                   <a:ext uri="{0D108BD9-81ED-4DB2-BD59-A6C34878D82A}">
                     <a16:rowId xmlns:a16="http://schemas.microsoft.com/office/drawing/2014/main" val="308345790"/>
                   </a:ext>
                 </a:extLst>
               </a:tr>
-              <a:tr h="273740">
+              <a:tr h="617312">
                 <a:tc>
                   <a:txBody>
                     <a:bodyPr/>
@@ -9788,7 +8781,7 @@
                         <a:defRPr/>
                       </a:pPr>
                       <a:r>
-                        <a:rPr lang="en-US" sz="3000" b="0" i="0" u="none" strike="noStrike" dirty="0">
+                        <a:rPr lang="en-US" sz="4000" b="0" i="0" u="none" strike="noStrike" dirty="0">
                           <a:solidFill>
                             <a:srgbClr val="000000"/>
                           </a:solidFill>
@@ -9850,7 +8843,7 @@
                         <a:defRPr/>
                       </a:pPr>
                       <a:r>
-                        <a:rPr lang="en-US" sz="3000" b="1" i="0" u="none" strike="noStrike" dirty="0">
+                        <a:rPr lang="en-US" sz="4000" b="1" i="0" u="none" strike="noStrike" dirty="0">
                           <a:solidFill>
                             <a:srgbClr val="000000"/>
                           </a:solidFill>
@@ -9906,7 +8899,7 @@
                     <a:p>
                       <a:pPr algn="ctr" fontAlgn="b"/>
                       <a:r>
-                        <a:rPr lang="el-GR" sz="3000" b="0" i="1" u="none" strike="noStrike">
+                        <a:rPr lang="el-GR" sz="4000" b="0" i="1" u="none" strike="noStrike">
                           <a:solidFill>
                             <a:srgbClr val="000000"/>
                           </a:solidFill>
@@ -9916,7 +8909,7 @@
                         <a:t>σ</a:t>
                       </a:r>
                       <a:r>
-                        <a:rPr lang="el-GR" sz="3000" b="0" i="1" u="none" strike="noStrike" baseline="30000">
+                        <a:rPr lang="el-GR" sz="4000" b="0" i="1" u="none" strike="noStrike" baseline="30000">
                           <a:solidFill>
                             <a:srgbClr val="000000"/>
                           </a:solidFill>
@@ -9925,7 +8918,7 @@
                         </a:rPr>
                         <a:t>2</a:t>
                       </a:r>
-                      <a:endParaRPr lang="el-GR" sz="3000" b="0" i="1" u="none" strike="noStrike">
+                      <a:endParaRPr lang="el-GR" sz="4000" b="0" i="1" u="none" strike="noStrike">
                         <a:solidFill>
                           <a:srgbClr val="000000"/>
                         </a:solidFill>
@@ -9969,7 +8962,7 @@
                     <a:p>
                       <a:pPr algn="ctr" fontAlgn="b"/>
                       <a:r>
-                        <a:rPr lang="el-GR" sz="3000" b="0" i="1" u="none" strike="noStrike">
+                        <a:rPr lang="el-GR" sz="4000" b="0" i="1" u="none" strike="noStrike">
                           <a:solidFill>
                             <a:srgbClr val="000000"/>
                           </a:solidFill>
@@ -10015,7 +9008,7 @@
                     <a:p>
                       <a:pPr algn="ctr" fontAlgn="b"/>
                       <a:r>
-                        <a:rPr lang="en-US" sz="3000" b="0" i="1" u="none" strike="noStrike">
+                        <a:rPr lang="en-US" sz="4000" b="0" i="1" u="none" strike="noStrike">
                           <a:solidFill>
                             <a:srgbClr val="000000"/>
                           </a:solidFill>
@@ -10061,7 +9054,7 @@
                     <a:p>
                       <a:pPr algn="ctr" fontAlgn="b"/>
                       <a:r>
-                        <a:rPr lang="en-US" sz="3000" b="0" i="1" u="none" strike="noStrike" dirty="0">
+                        <a:rPr lang="en-US" sz="4000" b="0" i="1" u="none" strike="noStrike" dirty="0">
                           <a:solidFill>
                             <a:srgbClr val="000000"/>
                           </a:solidFill>
@@ -10107,7 +9100,7 @@
                     <a:p>
                       <a:pPr algn="l" fontAlgn="b"/>
                       <a:r>
-                        <a:rPr lang="en-US" sz="3000" b="0" i="0" u="none" strike="noStrike" dirty="0">
+                        <a:rPr lang="en-US" sz="4000" b="0" i="0" u="none" strike="noStrike" dirty="0">
                           <a:solidFill>
                             <a:srgbClr val="000000"/>
                           </a:solidFill>
@@ -10152,7 +9145,7 @@
                   </a:ext>
                 </a:extLst>
               </a:tr>
-              <a:tr h="480060">
+              <a:tr h="617312">
                 <a:tc gridSpan="3">
                   <a:txBody>
                     <a:bodyPr/>
@@ -10160,7 +9153,7 @@
                     <a:p>
                       <a:pPr algn="r" fontAlgn="b"/>
                       <a:r>
-                        <a:rPr lang="en-US" sz="3000" b="0" i="0" u="none" strike="noStrike" dirty="0" err="1">
+                        <a:rPr lang="en-US" sz="4000" b="0" i="0" u="none" strike="noStrike" dirty="0">
                           <a:solidFill>
                             <a:srgbClr val="000000"/>
                           </a:solidFill>
@@ -10169,13 +9162,6 @@
                         </a:rPr>
                         <a:t>student_id</a:t>
                       </a:r>
-                      <a:endParaRPr lang="en-US" sz="3000" b="0" i="0" u="none" strike="noStrike" dirty="0">
-                        <a:solidFill>
-                          <a:srgbClr val="000000"/>
-                        </a:solidFill>
-                        <a:effectLst/>
-                        <a:latin typeface="Times New Roman" panose="02020603050405020304" pitchFamily="18" charset="0"/>
-                      </a:endParaRPr>
                     </a:p>
                   </a:txBody>
                   <a:tcPr marL="7620" marR="7620" marT="7620" marB="0" anchor="b">
@@ -10227,7 +9213,7 @@
                     <a:p>
                       <a:pPr algn="r" fontAlgn="b"/>
                       <a:r>
-                        <a:rPr lang="en-US" sz="3000" b="0" i="0" u="none" strike="noStrike">
+                        <a:rPr lang="en-US" sz="4000" b="0" i="0" u="none" strike="noStrike">
                           <a:solidFill>
                             <a:srgbClr val="000000"/>
                           </a:solidFill>
@@ -10267,7 +9253,7 @@
                     <a:p>
                       <a:pPr algn="r" fontAlgn="b"/>
                       <a:r>
-                        <a:rPr lang="en-US" sz="3000" b="0" i="0" u="none" strike="noStrike">
+                        <a:rPr lang="en-US" sz="4000" b="0" i="0" u="none" strike="noStrike">
                           <a:solidFill>
                             <a:srgbClr val="000000"/>
                           </a:solidFill>
@@ -10307,7 +9293,7 @@
                     <a:p>
                       <a:pPr algn="r" fontAlgn="b"/>
                       <a:r>
-                        <a:rPr lang="en-US" sz="3000" b="0" i="0" u="none" strike="noStrike">
+                        <a:rPr lang="en-US" sz="4000" b="0" i="0" u="none" strike="noStrike">
                           <a:solidFill>
                             <a:srgbClr val="000000"/>
                           </a:solidFill>
@@ -10347,7 +9333,7 @@
                     <a:p>
                       <a:pPr algn="r" fontAlgn="b"/>
                       <a:r>
-                        <a:rPr lang="en-US" sz="3000" b="0" i="0" u="none" strike="noStrike">
+                        <a:rPr lang="en-US" sz="4000" b="0" i="0" u="none" strike="noStrike">
                           <a:solidFill>
                             <a:srgbClr val="000000"/>
                           </a:solidFill>
@@ -10386,7 +9372,7 @@
                     <a:lstStyle/>
                     <a:p>
                       <a:pPr algn="l" fontAlgn="b"/>
-                      <a:endParaRPr lang="en-US" sz="3000" b="0" i="0" u="none" strike="noStrike">
+                      <a:endParaRPr lang="en-US" sz="4000" b="0" i="0" u="none" strike="noStrike">
                         <a:solidFill>
                           <a:srgbClr val="000000"/>
                         </a:solidFill>
@@ -10423,7 +9409,7 @@
                   </a:ext>
                 </a:extLst>
               </a:tr>
-              <a:tr h="480060">
+              <a:tr h="617312">
                 <a:tc gridSpan="3">
                   <a:txBody>
                     <a:bodyPr/>
@@ -10431,7 +9417,7 @@
                     <a:p>
                       <a:pPr algn="r" fontAlgn="b"/>
                       <a:r>
-                        <a:rPr lang="en-US" sz="3000" b="0" i="0" u="none" strike="noStrike">
+                        <a:rPr lang="en-US" sz="4000" b="0" i="0" u="none" strike="noStrike">
                           <a:solidFill>
                             <a:srgbClr val="000000"/>
                           </a:solidFill>
@@ -10485,7 +9471,7 @@
                     <a:p>
                       <a:pPr algn="r" fontAlgn="b"/>
                       <a:r>
-                        <a:rPr lang="en-US" sz="3000" b="0" i="0" u="none" strike="noStrike">
+                        <a:rPr lang="en-US" sz="4000" b="0" i="0" u="none" strike="noStrike">
                           <a:solidFill>
                             <a:srgbClr val="000000"/>
                           </a:solidFill>
@@ -10519,7 +9505,7 @@
                     <a:p>
                       <a:pPr algn="r" fontAlgn="b"/>
                       <a:r>
-                        <a:rPr lang="en-US" sz="3000" b="0" i="0" u="none" strike="noStrike">
+                        <a:rPr lang="en-US" sz="4000" b="0" i="0" u="none" strike="noStrike">
                           <a:solidFill>
                             <a:srgbClr val="000000"/>
                           </a:solidFill>
@@ -10553,7 +9539,7 @@
                     <a:p>
                       <a:pPr algn="r" fontAlgn="b"/>
                       <a:r>
-                        <a:rPr lang="en-US" sz="3000" b="0" i="0" u="none" strike="noStrike">
+                        <a:rPr lang="en-US" sz="4000" b="0" i="0" u="none" strike="noStrike">
                           <a:solidFill>
                             <a:srgbClr val="000000"/>
                           </a:solidFill>
@@ -10587,7 +9573,7 @@
                     <a:p>
                       <a:pPr algn="r" fontAlgn="b"/>
                       <a:r>
-                        <a:rPr lang="en-US" sz="3000" b="0" i="0" u="none" strike="noStrike">
+                        <a:rPr lang="en-US" sz="4000" b="0" i="0" u="none" strike="noStrike">
                           <a:solidFill>
                             <a:srgbClr val="000000"/>
                           </a:solidFill>
@@ -10620,7 +9606,7 @@
                     <a:lstStyle/>
                     <a:p>
                       <a:pPr algn="l" fontAlgn="b"/>
-                      <a:endParaRPr lang="en-US" sz="3000" b="0" i="0" u="none" strike="noStrike">
+                      <a:endParaRPr lang="en-US" sz="4000" b="0" i="0" u="none" strike="noStrike">
                         <a:solidFill>
                           <a:srgbClr val="000000"/>
                         </a:solidFill>
@@ -10651,7 +9637,7 @@
                   </a:ext>
                 </a:extLst>
               </a:tr>
-              <a:tr h="487680">
+              <a:tr h="617312">
                 <a:tc gridSpan="3">
                   <a:txBody>
                     <a:bodyPr/>
@@ -10659,7 +9645,7 @@
                     <a:p>
                       <a:pPr algn="r" fontAlgn="b"/>
                       <a:r>
-                        <a:rPr lang="en-US" sz="3000" b="0" i="0" u="none" strike="noStrike">
+                        <a:rPr lang="en-US" sz="4000" b="0" i="0" u="none" strike="noStrike">
                           <a:solidFill>
                             <a:srgbClr val="000000"/>
                           </a:solidFill>
@@ -10719,7 +9705,7 @@
                     <a:p>
                       <a:pPr algn="r" fontAlgn="b"/>
                       <a:r>
-                        <a:rPr lang="en-US" sz="3000" b="0" i="0" u="none" strike="noStrike">
+                        <a:rPr lang="en-US" sz="4000" b="0" i="0" u="none" strike="noStrike">
                           <a:solidFill>
                             <a:srgbClr val="000000"/>
                           </a:solidFill>
@@ -10759,7 +9745,7 @@
                     <a:p>
                       <a:pPr algn="r" fontAlgn="b"/>
                       <a:r>
-                        <a:rPr lang="en-US" sz="3000" b="0" i="0" u="none" strike="noStrike">
+                        <a:rPr lang="en-US" sz="4000" b="0" i="0" u="none" strike="noStrike">
                           <a:solidFill>
                             <a:srgbClr val="000000"/>
                           </a:solidFill>
@@ -10799,7 +9785,7 @@
                     <a:p>
                       <a:pPr algn="r" fontAlgn="b"/>
                       <a:r>
-                        <a:rPr lang="en-US" sz="3000" b="0" i="0" u="none" strike="noStrike">
+                        <a:rPr lang="en-US" sz="4000" b="0" i="0" u="none" strike="noStrike">
                           <a:solidFill>
                             <a:srgbClr val="000000"/>
                           </a:solidFill>
@@ -10839,7 +9825,7 @@
                     <a:p>
                       <a:pPr algn="r" fontAlgn="b"/>
                       <a:r>
-                        <a:rPr lang="en-US" sz="3000" b="0" i="0" u="none" strike="noStrike">
+                        <a:rPr lang="en-US" sz="4000" b="0" i="0" u="none" strike="noStrike">
                           <a:solidFill>
                             <a:srgbClr val="000000"/>
                           </a:solidFill>
@@ -10879,7 +9865,7 @@
                     <a:p>
                       <a:pPr algn="l" fontAlgn="b"/>
                       <a:r>
-                        <a:rPr lang="en-US" sz="3000" b="0" i="0" u="none" strike="noStrike" dirty="0">
+                        <a:rPr lang="en-US" sz="4000" b="0" i="0" u="none" strike="noStrike" dirty="0">
                           <a:solidFill>
                             <a:srgbClr val="000000"/>
                           </a:solidFill>
@@ -10922,6 +9908,226 @@
           </a:graphicData>
         </a:graphic>
       </p:graphicFrame>
+      <p:pic>
+        <p:nvPicPr>
+          <p:cNvPr id="17" name="Picture 16">
+            <a:extLst>
+              <a:ext uri="{FF2B5EF4-FFF2-40B4-BE49-F238E27FC236}">
+                <a16:creationId xmlns:a16="http://schemas.microsoft.com/office/drawing/2014/main" id="{3CA9755B-D179-00BE-C7AE-724D5606232D}"/>
+              </a:ext>
+            </a:extLst>
+          </p:cNvPr>
+          <p:cNvPicPr>
+            <a:picLocks noChangeAspect="1"/>
+          </p:cNvPicPr>
+          <p:nvPr/>
+        </p:nvPicPr>
+        <p:blipFill>
+          <a:blip r:embed="rId3">
+            <a:extLst>
+              <a:ext uri="{28A0092B-C50C-407E-A947-70E740481C1C}">
+                <a14:useLocalDpi xmlns:a14="http://schemas.microsoft.com/office/drawing/2010/main" val="0"/>
+              </a:ext>
+            </a:extLst>
+          </a:blip>
+          <a:stretch>
+            <a:fillRect/>
+          </a:stretch>
+        </p:blipFill>
+        <p:spPr>
+          <a:xfrm>
+            <a:off x="14209828" y="6214590"/>
+            <a:ext cx="12760250" cy="7656150"/>
+          </a:xfrm>
+          <a:prstGeom prst="rect">
+            <a:avLst/>
+          </a:prstGeom>
+        </p:spPr>
+      </p:pic>
+      <p:sp>
+        <p:nvSpPr>
+          <p:cNvPr id="39" name="TextBox 38">
+            <a:extLst>
+              <a:ext uri="{FF2B5EF4-FFF2-40B4-BE49-F238E27FC236}">
+                <a16:creationId xmlns:a16="http://schemas.microsoft.com/office/drawing/2014/main" id="{86BADFDB-BE16-514D-61BB-713F694C717C}"/>
+              </a:ext>
+            </a:extLst>
+          </p:cNvPr>
+          <p:cNvSpPr txBox="1"/>
+          <p:nvPr/>
+        </p:nvSpPr>
+        <p:spPr>
+          <a:xfrm>
+            <a:off x="19899084" y="22931799"/>
+            <a:ext cx="23874549" cy="10064294"/>
+          </a:xfrm>
+          <a:prstGeom prst="rect">
+            <a:avLst/>
+          </a:prstGeom>
+          <a:noFill/>
+        </p:spPr>
+        <p:txBody>
+          <a:bodyPr wrap="square" rtlCol="0">
+            <a:spAutoFit/>
+          </a:bodyPr>
+          <a:lstStyle/>
+          <a:p>
+            <a:pPr marL="685800" indent="-685800">
+              <a:buFont typeface="Arial" panose="020B0604020202020204" pitchFamily="34" charset="0"/>
+              <a:buChar char="•"/>
+            </a:pPr>
+            <a:r>
+              <a:rPr lang="en-US" sz="5400" b="1" dirty="0">
+                <a:latin typeface="Corbel" panose="020B0503020204020204" pitchFamily="34" charset="0"/>
+              </a:rPr>
+              <a:t>Z</a:t>
+            </a:r>
+            <a:r>
+              <a:rPr lang="en-US" sz="5400" b="1" dirty="0">
+                <a:effectLst/>
+                <a:latin typeface="Corbel" panose="020B0503020204020204" pitchFamily="34" charset="0"/>
+              </a:rPr>
+              <a:t>ero-inflated, positively skew distribution</a:t>
+            </a:r>
+          </a:p>
+          <a:p>
+            <a:pPr marL="1143000" lvl="1" indent="-685800">
+              <a:buFont typeface="Arial" panose="020B0604020202020204" pitchFamily="34" charset="0"/>
+              <a:buChar char="•"/>
+            </a:pPr>
+            <a:r>
+              <a:rPr lang="en-US" sz="5400" dirty="0">
+                <a:effectLst/>
+                <a:latin typeface="Corbel" panose="020B0503020204020204" pitchFamily="34" charset="0"/>
+              </a:rPr>
+              <a:t>Most students only repeated a small percentage of mistakes from previous exams, with very few repeating more than 10% of mistakes.</a:t>
+            </a:r>
+            <a:endParaRPr lang="en-US" sz="5400" dirty="0">
+              <a:latin typeface="Corbel" panose="020B0503020204020204" pitchFamily="34" charset="0"/>
+            </a:endParaRPr>
+          </a:p>
+          <a:p>
+            <a:pPr marL="685800" indent="-685800">
+              <a:buFont typeface="Arial" panose="020B0604020202020204" pitchFamily="34" charset="0"/>
+              <a:buChar char="•"/>
+            </a:pPr>
+            <a:r>
+              <a:rPr lang="en-US" sz="5400" b="1" dirty="0">
+                <a:latin typeface="Corbel" panose="020B0503020204020204" pitchFamily="34" charset="0"/>
+              </a:rPr>
+              <a:t>H1: Supported </a:t>
+            </a:r>
+          </a:p>
+          <a:p>
+            <a:pPr marL="1143000" lvl="1" indent="-685800">
+              <a:buFont typeface="Arial" panose="020B0604020202020204" pitchFamily="34" charset="0"/>
+              <a:buChar char="•"/>
+            </a:pPr>
+            <a:r>
+              <a:rPr lang="en-US" sz="5400" dirty="0">
+                <a:latin typeface="Corbel" panose="020B0503020204020204" pitchFamily="34" charset="0"/>
+              </a:rPr>
+              <a:t>The percentage of repeated mistakes significantly decrease after each attempt.</a:t>
+            </a:r>
+          </a:p>
+          <a:p>
+            <a:pPr marL="685800" indent="-685800">
+              <a:buFont typeface="Arial" panose="020B0604020202020204" pitchFamily="34" charset="0"/>
+              <a:buChar char="•"/>
+            </a:pPr>
+            <a:r>
+              <a:rPr lang="en-US" sz="5400" b="1" dirty="0">
+                <a:latin typeface="Corbel" panose="020B0503020204020204" pitchFamily="34" charset="0"/>
+              </a:rPr>
+              <a:t>H2: Not Supported</a:t>
+            </a:r>
+          </a:p>
+          <a:p>
+            <a:pPr marL="1143000" lvl="1" indent="-685800">
+              <a:buFont typeface="Arial" panose="020B0604020202020204" pitchFamily="34" charset="0"/>
+              <a:buChar char="•"/>
+            </a:pPr>
+            <a:r>
+              <a:rPr lang="en-US" sz="5400" dirty="0">
+                <a:latin typeface="Corbel" panose="020B0503020204020204" pitchFamily="34" charset="0"/>
+              </a:rPr>
+              <a:t>No  main effect of feedback viewing.</a:t>
+            </a:r>
+          </a:p>
+          <a:p>
+            <a:pPr marL="685800" indent="-685800">
+              <a:buFont typeface="Arial" panose="020B0604020202020204" pitchFamily="34" charset="0"/>
+              <a:buChar char="•"/>
+            </a:pPr>
+            <a:r>
+              <a:rPr lang="en-US" sz="5400" b="1" dirty="0">
+                <a:latin typeface="Corbel" panose="020B0503020204020204" pitchFamily="34" charset="0"/>
+              </a:rPr>
+              <a:t>H3: Not Supported</a:t>
+            </a:r>
+          </a:p>
+          <a:p>
+            <a:pPr marL="1143000" lvl="1" indent="-685800">
+              <a:buFont typeface="Arial" panose="020B0604020202020204" pitchFamily="34" charset="0"/>
+              <a:buChar char="•"/>
+            </a:pPr>
+            <a:r>
+              <a:rPr lang="en-US" sz="5400" dirty="0">
+                <a:latin typeface="Corbel" panose="020B0503020204020204" pitchFamily="34" charset="0"/>
+              </a:rPr>
+              <a:t>Students who opted-in and viewed feedback did not repeat fewer mistakes at the intervention time point (time 3).</a:t>
+            </a:r>
+          </a:p>
+          <a:p>
+            <a:pPr marL="1143000" lvl="1" indent="-685800">
+              <a:buFont typeface="Arial" panose="020B0604020202020204" pitchFamily="34" charset="0"/>
+              <a:buChar char="•"/>
+            </a:pPr>
+            <a:r>
+              <a:rPr lang="en-US" sz="5400" dirty="0">
+                <a:latin typeface="Corbel" panose="020B0503020204020204" pitchFamily="34" charset="0"/>
+              </a:rPr>
+              <a:t>They increased their percentage of mistakes that were repeated post intervention (time4) </a:t>
+            </a:r>
+          </a:p>
+        </p:txBody>
+      </p:sp>
+      <p:pic>
+        <p:nvPicPr>
+          <p:cNvPr id="42" name="Graphic 41">
+            <a:extLst>
+              <a:ext uri="{FF2B5EF4-FFF2-40B4-BE49-F238E27FC236}">
+                <a16:creationId xmlns:a16="http://schemas.microsoft.com/office/drawing/2014/main" id="{F580E30A-BB74-2E69-D5B4-52B8ED01FD23}"/>
+              </a:ext>
+            </a:extLst>
+          </p:cNvPr>
+          <p:cNvPicPr>
+            <a:picLocks noChangeAspect="1"/>
+          </p:cNvPicPr>
+          <p:nvPr/>
+        </p:nvPicPr>
+        <p:blipFill>
+          <a:blip r:embed="rId4">
+            <a:extLst>
+              <a:ext uri="{96DAC541-7B7A-43D3-8B79-37D633B846F1}">
+                <asvg:svgBlip xmlns:asvg="http://schemas.microsoft.com/office/drawing/2016/SVG/main" r:embed="rId5"/>
+              </a:ext>
+            </a:extLst>
+          </a:blip>
+          <a:stretch>
+            <a:fillRect/>
+          </a:stretch>
+        </p:blipFill>
+        <p:spPr>
+          <a:xfrm>
+            <a:off x="13965530" y="14841146"/>
+            <a:ext cx="13017500" cy="7391400"/>
+          </a:xfrm>
+          <a:prstGeom prst="rect">
+            <a:avLst/>
+          </a:prstGeom>
+        </p:spPr>
+      </p:pic>
     </p:spTree>
     <p:extLst>
       <p:ext uri="{BB962C8B-B14F-4D97-AF65-F5344CB8AC3E}">

--- a/W23 Rubric Item Data/Poster.pptx
+++ b/W23 Rubric Item Data/Poster.pptx
@@ -131,12 +131,12 @@
   <pc:docChgLst>
     <pc:chgData name="Sydney Wood" userId="2eb19ff15cf06bf2" providerId="LiveId" clId="{20878C6E-EF79-4236-B13D-E7F647DBAB25}"/>
     <pc:docChg chg="undo custSel mod modSld">
-      <pc:chgData name="Sydney Wood" userId="2eb19ff15cf06bf2" providerId="LiveId" clId="{20878C6E-EF79-4236-B13D-E7F647DBAB25}" dt="2025-04-29T04:13:30.093" v="1183" actId="34135"/>
+      <pc:chgData name="Sydney Wood" userId="2eb19ff15cf06bf2" providerId="LiveId" clId="{20878C6E-EF79-4236-B13D-E7F647DBAB25}" dt="2025-04-29T05:51:14.766" v="1202" actId="403"/>
       <pc:docMkLst>
         <pc:docMk/>
       </pc:docMkLst>
       <pc:sldChg chg="addSp delSp modSp mod modCm">
-        <pc:chgData name="Sydney Wood" userId="2eb19ff15cf06bf2" providerId="LiveId" clId="{20878C6E-EF79-4236-B13D-E7F647DBAB25}" dt="2025-04-29T04:13:30.093" v="1183" actId="34135"/>
+        <pc:chgData name="Sydney Wood" userId="2eb19ff15cf06bf2" providerId="LiveId" clId="{20878C6E-EF79-4236-B13D-E7F647DBAB25}" dt="2025-04-29T05:51:14.766" v="1202" actId="403"/>
         <pc:sldMkLst>
           <pc:docMk/>
           <pc:sldMk cId="3464102383" sldId="256"/>
@@ -294,7 +294,7 @@
           </ac:spMkLst>
         </pc:spChg>
         <pc:spChg chg="mod">
-          <ac:chgData name="Sydney Wood" userId="2eb19ff15cf06bf2" providerId="LiveId" clId="{20878C6E-EF79-4236-B13D-E7F647DBAB25}" dt="2025-04-29T02:22:02.784" v="937" actId="255"/>
+          <ac:chgData name="Sydney Wood" userId="2eb19ff15cf06bf2" providerId="LiveId" clId="{20878C6E-EF79-4236-B13D-E7F647DBAB25}" dt="2025-04-29T05:51:14.766" v="1202" actId="403"/>
           <ac:spMkLst>
             <pc:docMk/>
             <pc:sldMk cId="3464102383" sldId="256"/>
@@ -309,8 +309,16 @@
             <ac:spMk id="36" creationId="{00000000-0000-0000-0000-000000000000}"/>
           </ac:spMkLst>
         </pc:spChg>
+        <pc:spChg chg="mod">
+          <ac:chgData name="Sydney Wood" userId="2eb19ff15cf06bf2" providerId="LiveId" clId="{20878C6E-EF79-4236-B13D-E7F647DBAB25}" dt="2025-04-29T05:49:37.855" v="1201" actId="20577"/>
+          <ac:spMkLst>
+            <pc:docMk/>
+            <pc:sldMk cId="3464102383" sldId="256"/>
+            <ac:spMk id="39" creationId="{86BADFDB-BE16-514D-61BB-713F694C717C}"/>
+          </ac:spMkLst>
+        </pc:spChg>
         <pc:grpChg chg="add mod">
-          <ac:chgData name="Sydney Wood" userId="2eb19ff15cf06bf2" providerId="LiveId" clId="{20878C6E-EF79-4236-B13D-E7F647DBAB25}" dt="2025-04-29T02:19:28.996" v="833" actId="34135"/>
+          <ac:chgData name="Sydney Wood" userId="2eb19ff15cf06bf2" providerId="LiveId" clId="{20878C6E-EF79-4236-B13D-E7F647DBAB25}" dt="2025-04-29T05:49:10.325" v="1193" actId="1036"/>
           <ac:grpSpMkLst>
             <pc:docMk/>
             <pc:sldMk cId="3464102383" sldId="256"/>
@@ -342,7 +350,7 @@
           </ac:grpSpMkLst>
         </pc:grpChg>
         <pc:grpChg chg="add mod">
-          <ac:chgData name="Sydney Wood" userId="2eb19ff15cf06bf2" providerId="LiveId" clId="{20878C6E-EF79-4236-B13D-E7F647DBAB25}" dt="2025-04-29T02:25:40.429" v="1059" actId="164"/>
+          <ac:chgData name="Sydney Wood" userId="2eb19ff15cf06bf2" providerId="LiveId" clId="{20878C6E-EF79-4236-B13D-E7F647DBAB25}" dt="2025-04-29T05:48:57.652" v="1189" actId="1036"/>
           <ac:grpSpMkLst>
             <pc:docMk/>
             <pc:sldMk cId="3464102383" sldId="256"/>
@@ -415,32 +423,6 @@
 </pc:chgInfo>
 </file>
 
-<file path=ppt/comments/modernComment_100_CE7A01EF.xml><?xml version="1.0" encoding="utf-8"?>
-<p188:cmLst xmlns:a="http://schemas.openxmlformats.org/drawingml/2006/main" xmlns:r="http://schemas.openxmlformats.org/officeDocument/2006/relationships" xmlns:p188="http://schemas.microsoft.com/office/powerpoint/2018/8/main">
-  <p188:cm id="{3051AD31-CCA3-41C5-84B6-A1D0012E7FE2}" authorId="{454DFD8A-50BE-47CD-C47A-78D8C0E9F1E2}" created="2025-04-29T01:55:14.227">
-    <ac:txMkLst xmlns:ac="http://schemas.microsoft.com/office/drawing/2013/main/command">
-      <pc:docMk xmlns:pc="http://schemas.microsoft.com/office/powerpoint/2013/main/command"/>
-      <pc:sldMk xmlns:pc="http://schemas.microsoft.com/office/powerpoint/2013/main/command" cId="3464102383" sldId="256"/>
-      <ac:spMk id="20" creationId="{00000000-0000-0000-0000-000000000000}"/>
-      <ac:txMk cp="0">
-        <ac:context len="446" hash="3316831964"/>
-      </ac:txMk>
-    </ac:txMkLst>
-    <p188:pos x="11916835" y="1116279"/>
-    <p188:txBody>
-      <a:bodyPr/>
-      <a:lstStyle/>
-      <a:p>
-        <a:r>
-          <a:rPr lang="en-US"/>
-          <a:t>Important part of feedback literacy </a:t>
-        </a:r>
-      </a:p>
-    </p188:txBody>
-  </p188:cm>
-</p188:cmLst>
-</file>
-
 <file path=ppt/slideLayouts/slideLayout1.xml><?xml version="1.0" encoding="utf-8"?>
 <p:sldLayout xmlns:a="http://schemas.openxmlformats.org/drawingml/2006/main" xmlns:r="http://schemas.openxmlformats.org/officeDocument/2006/relationships" xmlns:p="http://schemas.openxmlformats.org/presentationml/2006/main" type="title" preserve="1">
   <p:cSld name="Title Slide">
@@ -572,7 +554,7 @@
           <a:p>
             <a:fld id="{A1B8C7A7-F203-4B9E-8863-87A096513449}" type="datetimeFigureOut">
               <a:rPr lang="en-US" smtClean="0"/>
-              <a:t>4/28/25</a:t>
+              <a:t>4/28/2025</a:t>
             </a:fld>
             <a:endParaRPr lang="en-US"/>
           </a:p>
@@ -742,7 +724,7 @@
           <a:p>
             <a:fld id="{A1B8C7A7-F203-4B9E-8863-87A096513449}" type="datetimeFigureOut">
               <a:rPr lang="en-US" smtClean="0"/>
-              <a:t>4/28/25</a:t>
+              <a:t>4/28/2025</a:t>
             </a:fld>
             <a:endParaRPr lang="en-US"/>
           </a:p>
@@ -922,7 +904,7 @@
           <a:p>
             <a:fld id="{A1B8C7A7-F203-4B9E-8863-87A096513449}" type="datetimeFigureOut">
               <a:rPr lang="en-US" smtClean="0"/>
-              <a:t>4/28/25</a:t>
+              <a:t>4/28/2025</a:t>
             </a:fld>
             <a:endParaRPr lang="en-US"/>
           </a:p>
@@ -1092,7 +1074,7 @@
           <a:p>
             <a:fld id="{A1B8C7A7-F203-4B9E-8863-87A096513449}" type="datetimeFigureOut">
               <a:rPr lang="en-US" smtClean="0"/>
-              <a:t>4/28/25</a:t>
+              <a:t>4/28/2025</a:t>
             </a:fld>
             <a:endParaRPr lang="en-US"/>
           </a:p>
@@ -1336,7 +1318,7 @@
           <a:p>
             <a:fld id="{A1B8C7A7-F203-4B9E-8863-87A096513449}" type="datetimeFigureOut">
               <a:rPr lang="en-US" smtClean="0"/>
-              <a:t>4/28/25</a:t>
+              <a:t>4/28/2025</a:t>
             </a:fld>
             <a:endParaRPr lang="en-US"/>
           </a:p>
@@ -1568,7 +1550,7 @@
           <a:p>
             <a:fld id="{A1B8C7A7-F203-4B9E-8863-87A096513449}" type="datetimeFigureOut">
               <a:rPr lang="en-US" smtClean="0"/>
-              <a:t>4/28/25</a:t>
+              <a:t>4/28/2025</a:t>
             </a:fld>
             <a:endParaRPr lang="en-US"/>
           </a:p>
@@ -1935,7 +1917,7 @@
           <a:p>
             <a:fld id="{A1B8C7A7-F203-4B9E-8863-87A096513449}" type="datetimeFigureOut">
               <a:rPr lang="en-US" smtClean="0"/>
-              <a:t>4/28/25</a:t>
+              <a:t>4/28/2025</a:t>
             </a:fld>
             <a:endParaRPr lang="en-US"/>
           </a:p>
@@ -2053,7 +2035,7 @@
           <a:p>
             <a:fld id="{A1B8C7A7-F203-4B9E-8863-87A096513449}" type="datetimeFigureOut">
               <a:rPr lang="en-US" smtClean="0"/>
-              <a:t>4/28/25</a:t>
+              <a:t>4/28/2025</a:t>
             </a:fld>
             <a:endParaRPr lang="en-US"/>
           </a:p>
@@ -2148,7 +2130,7 @@
           <a:p>
             <a:fld id="{A1B8C7A7-F203-4B9E-8863-87A096513449}" type="datetimeFigureOut">
               <a:rPr lang="en-US" smtClean="0"/>
-              <a:t>4/28/25</a:t>
+              <a:t>4/28/2025</a:t>
             </a:fld>
             <a:endParaRPr lang="en-US"/>
           </a:p>
@@ -2425,7 +2407,7 @@
           <a:p>
             <a:fld id="{A1B8C7A7-F203-4B9E-8863-87A096513449}" type="datetimeFigureOut">
               <a:rPr lang="en-US" smtClean="0"/>
-              <a:t>4/28/25</a:t>
+              <a:t>4/28/2025</a:t>
             </a:fld>
             <a:endParaRPr lang="en-US"/>
           </a:p>
@@ -2682,7 +2664,7 @@
           <a:p>
             <a:fld id="{A1B8C7A7-F203-4B9E-8863-87A096513449}" type="datetimeFigureOut">
               <a:rPr lang="en-US" smtClean="0"/>
-              <a:t>4/28/25</a:t>
+              <a:t>4/28/2025</a:t>
             </a:fld>
             <a:endParaRPr lang="en-US"/>
           </a:p>
@@ -2895,7 +2877,7 @@
           <a:p>
             <a:fld id="{A1B8C7A7-F203-4B9E-8863-87A096513449}" type="datetimeFigureOut">
               <a:rPr lang="en-US" smtClean="0"/>
-              <a:t>4/28/25</a:t>
+              <a:t>4/28/2025</a:t>
             </a:fld>
             <a:endParaRPr lang="en-US"/>
           </a:p>
@@ -3397,7 +3379,7 @@
         </p:nvGrpSpPr>
         <p:grpSpPr>
           <a:xfrm>
-            <a:off x="342898" y="5324910"/>
+            <a:off x="342898" y="5439210"/>
             <a:ext cx="13213898" cy="7834994"/>
             <a:chOff x="342898" y="5324910"/>
             <a:chExt cx="13213898" cy="7834994"/>
@@ -3575,7 +3557,7 @@
           <p:spPr>
             <a:xfrm>
               <a:off x="0" y="4684210"/>
-              <a:ext cx="43891200" cy="4124206"/>
+              <a:ext cx="43891200" cy="4524315"/>
             </a:xfrm>
             <a:prstGeom prst="rect">
               <a:avLst/>
@@ -3590,7 +3572,7 @@
             <a:p>
               <a:pPr algn="ctr"/>
               <a:r>
-                <a:rPr lang="en-US" sz="8800" dirty="0">
+                <a:rPr lang="en-US" sz="9600" dirty="0">
                   <a:latin typeface="Corbel" panose="020B0503020204020204" pitchFamily="34" charset="0"/>
                 </a:rPr>
                 <a:t>Unlocking Feedback Generalization: </a:t>
@@ -3599,7 +3581,7 @@
             <a:p>
               <a:pPr algn="ctr"/>
               <a:r>
-                <a:rPr lang="en-US" sz="8800" dirty="0">
+                <a:rPr lang="en-US" sz="9600" dirty="0">
                   <a:latin typeface="Corbel" panose="020B0503020204020204" pitchFamily="34" charset="0"/>
                 </a:rPr>
                 <a:t>The Relationship Between Metacognition, Feedback Viewing and Repeated Mistakes</a:t>
@@ -3608,7 +3590,7 @@
             <a:p>
               <a:pPr algn="ctr"/>
               <a:r>
-                <a:rPr lang="en-US" sz="2000" dirty="0">
+                <a:rPr lang="en-US" sz="2400" dirty="0">
                   <a:latin typeface="Corbel" panose="020B0503020204020204" pitchFamily="34" charset="0"/>
                 </a:rPr>
                 <a:t> </a:t>
@@ -3617,7 +3599,7 @@
             <a:p>
               <a:pPr algn="ctr"/>
               <a:r>
-                <a:rPr lang="en-US" sz="6600" dirty="0">
+                <a:rPr lang="en-US" sz="7200" dirty="0">
                   <a:latin typeface="Corbel" panose="020B0503020204020204" pitchFamily="34" charset="0"/>
                 </a:rPr>
                 <a:t>Xinhui Zhang, Sydney Wood, Victoria Cross</a:t>
@@ -3642,7 +3624,7 @@
         </p:nvGrpSpPr>
         <p:grpSpPr>
           <a:xfrm>
-            <a:off x="342898" y="13054604"/>
+            <a:off x="342898" y="13321304"/>
             <a:ext cx="13042624" cy="10457622"/>
             <a:chOff x="342898" y="13294397"/>
             <a:chExt cx="13042624" cy="10457622"/>
@@ -9923,7 +9905,7 @@
           <p:nvPr/>
         </p:nvPicPr>
         <p:blipFill>
-          <a:blip r:embed="rId3">
+          <a:blip r:embed="rId2">
             <a:extLst>
               <a:ext uri="{28A0092B-C50C-407E-A947-70E740481C1C}">
                 <a14:useLocalDpi xmlns:a14="http://schemas.microsoft.com/office/drawing/2010/main" val="0"/>
@@ -9987,7 +9969,33 @@
                 <a:effectLst/>
                 <a:latin typeface="Corbel" panose="020B0503020204020204" pitchFamily="34" charset="0"/>
               </a:rPr>
-              <a:t>ero-inflated, positively skew distribution</a:t>
+              <a:t>ero-inflated, Positively </a:t>
+            </a:r>
+            <a:r>
+              <a:rPr lang="en-US" sz="5400" b="1" dirty="0">
+                <a:latin typeface="Corbel" panose="020B0503020204020204" pitchFamily="34" charset="0"/>
+              </a:rPr>
+              <a:t>S</a:t>
+            </a:r>
+            <a:r>
+              <a:rPr lang="en-US" sz="5400" b="1" dirty="0">
+                <a:effectLst/>
+                <a:latin typeface="Corbel" panose="020B0503020204020204" pitchFamily="34" charset="0"/>
+              </a:rPr>
+              <a:t>kewed </a:t>
+            </a:r>
+            <a:r>
+              <a:rPr lang="en-US" sz="5400" b="1" dirty="0">
+                <a:latin typeface="Corbel" panose="020B0503020204020204" pitchFamily="34" charset="0"/>
+              </a:rPr>
+              <a:t>D</a:t>
+            </a:r>
+            <a:r>
+              <a:rPr lang="en-US" sz="5400" b="1" dirty="0">
+                <a:effectLst/>
+                <a:latin typeface="Corbel" panose="020B0503020204020204" pitchFamily="34" charset="0"/>
+              </a:rPr>
+              <a:t>istribution</a:t>
             </a:r>
           </a:p>
           <a:p>
@@ -10107,10 +10115,10 @@
           <p:nvPr/>
         </p:nvPicPr>
         <p:blipFill>
-          <a:blip r:embed="rId4">
+          <a:blip r:embed="rId3">
             <a:extLst>
               <a:ext uri="{96DAC541-7B7A-43D3-8B79-37D633B846F1}">
-                <asvg:svgBlip xmlns:asvg="http://schemas.microsoft.com/office/drawing/2016/SVG/main" r:embed="rId5"/>
+                <asvg:svgBlip xmlns:asvg="http://schemas.microsoft.com/office/drawing/2016/SVG/main" r:embed="rId4"/>
               </a:ext>
             </a:extLst>
           </a:blip>
@@ -10138,11 +10146,6 @@
   <p:clrMapOvr>
     <a:masterClrMapping/>
   </p:clrMapOvr>
-  <p:extLst>
-    <p:ext uri="{6950BFC3-D8DA-4A85-94F7-54DA5524770B}">
-      <p188:commentRel xmlns:p188="http://schemas.microsoft.com/office/powerpoint/2018/8/main" r:id="rId2"/>
-    </p:ext>
-  </p:extLst>
 </p:sld>
 </file>
 
